--- a/session2/B-SQL_Selection_Queries.pptx
+++ b/session2/B-SQL_Selection_Queries.pptx
@@ -315,7 +315,7 @@
             <a:fld id="{0F6AC800-BF99-41BB-8DE5-8FC7E09D6C23}" type="datetimeFigureOut">
               <a:rPr lang="en-US" smtClean="0"/>
               <a:pPr/>
-              <a:t>2/21/2020</a:t>
+              <a:t>3/11/2020</a:t>
             </a:fld>
             <a:endParaRPr lang="en-US" dirty="0"/>
           </a:p>
@@ -719,7 +719,7 @@
           <a:p>
             <a:fld id="{5F4C8C79-FAFE-4D56-A4D5-361B65C3B3FA}" type="datetimeFigureOut">
               <a:rPr lang="en-US" smtClean="0"/>
-              <a:t>2/21/2020</a:t>
+              <a:t>3/11/2020</a:t>
             </a:fld>
             <a:endParaRPr lang="en-US"/>
           </a:p>
@@ -889,7 +889,7 @@
           <a:p>
             <a:fld id="{5F4C8C79-FAFE-4D56-A4D5-361B65C3B3FA}" type="datetimeFigureOut">
               <a:rPr lang="en-US" smtClean="0"/>
-              <a:t>2/21/2020</a:t>
+              <a:t>3/11/2020</a:t>
             </a:fld>
             <a:endParaRPr lang="en-US"/>
           </a:p>
@@ -1069,7 +1069,7 @@
           <a:p>
             <a:fld id="{5F4C8C79-FAFE-4D56-A4D5-361B65C3B3FA}" type="datetimeFigureOut">
               <a:rPr lang="en-US" smtClean="0"/>
-              <a:t>2/21/2020</a:t>
+              <a:t>3/11/2020</a:t>
             </a:fld>
             <a:endParaRPr lang="en-US"/>
           </a:p>
@@ -1270,7 +1270,7 @@
           <a:p>
             <a:fld id="{5F4C8C79-FAFE-4D56-A4D5-361B65C3B3FA}" type="datetimeFigureOut">
               <a:rPr lang="en-US" smtClean="0"/>
-              <a:t>2/21/2020</a:t>
+              <a:t>3/11/2020</a:t>
             </a:fld>
             <a:endParaRPr lang="en-US"/>
           </a:p>
@@ -1514,7 +1514,7 @@
           <a:p>
             <a:fld id="{5F4C8C79-FAFE-4D56-A4D5-361B65C3B3FA}" type="datetimeFigureOut">
               <a:rPr lang="en-US" smtClean="0"/>
-              <a:t>2/21/2020</a:t>
+              <a:t>3/11/2020</a:t>
             </a:fld>
             <a:endParaRPr lang="en-US"/>
           </a:p>
@@ -1746,7 +1746,7 @@
           <a:p>
             <a:fld id="{5F4C8C79-FAFE-4D56-A4D5-361B65C3B3FA}" type="datetimeFigureOut">
               <a:rPr lang="en-US" smtClean="0"/>
-              <a:t>2/21/2020</a:t>
+              <a:t>3/11/2020</a:t>
             </a:fld>
             <a:endParaRPr lang="en-US"/>
           </a:p>
@@ -2113,7 +2113,7 @@
           <a:p>
             <a:fld id="{5F4C8C79-FAFE-4D56-A4D5-361B65C3B3FA}" type="datetimeFigureOut">
               <a:rPr lang="en-US" smtClean="0"/>
-              <a:t>2/21/2020</a:t>
+              <a:t>3/11/2020</a:t>
             </a:fld>
             <a:endParaRPr lang="en-US"/>
           </a:p>
@@ -2231,7 +2231,7 @@
           <a:p>
             <a:fld id="{5F4C8C79-FAFE-4D56-A4D5-361B65C3B3FA}" type="datetimeFigureOut">
               <a:rPr lang="en-US" smtClean="0"/>
-              <a:t>2/21/2020</a:t>
+              <a:t>3/11/2020</a:t>
             </a:fld>
             <a:endParaRPr lang="en-US"/>
           </a:p>
@@ -2326,7 +2326,7 @@
           <a:p>
             <a:fld id="{5F4C8C79-FAFE-4D56-A4D5-361B65C3B3FA}" type="datetimeFigureOut">
               <a:rPr lang="en-US" smtClean="0"/>
-              <a:t>2/21/2020</a:t>
+              <a:t>3/11/2020</a:t>
             </a:fld>
             <a:endParaRPr lang="en-US"/>
           </a:p>
@@ -2603,7 +2603,7 @@
           <a:p>
             <a:fld id="{5F4C8C79-FAFE-4D56-A4D5-361B65C3B3FA}" type="datetimeFigureOut">
               <a:rPr lang="en-US" smtClean="0"/>
-              <a:t>2/21/2020</a:t>
+              <a:t>3/11/2020</a:t>
             </a:fld>
             <a:endParaRPr lang="en-US"/>
           </a:p>
@@ -2860,7 +2860,7 @@
           <a:p>
             <a:fld id="{5F4C8C79-FAFE-4D56-A4D5-361B65C3B3FA}" type="datetimeFigureOut">
               <a:rPr lang="en-US" smtClean="0"/>
-              <a:t>2/21/2020</a:t>
+              <a:t>3/11/2020</a:t>
             </a:fld>
             <a:endParaRPr lang="en-US"/>
           </a:p>
@@ -3073,7 +3073,7 @@
             <a:fld id="{5F4C8C79-FAFE-4D56-A4D5-361B65C3B3FA}" type="datetimeFigureOut">
               <a:rPr lang="en-US" smtClean="0"/>
               <a:pPr/>
-              <a:t>2/21/2020</a:t>
+              <a:t>3/11/2020</a:t>
             </a:fld>
             <a:endParaRPr lang="en-US" dirty="0"/>
           </a:p>
@@ -3560,7 +3560,7 @@
           </a:ln>
           <a:extLst>
             <a:ext uri="{C572A759-6A51-4108-AA02-DFA0A04FC94B}">
-              <ma14:wrappingTextBoxFlag xmlns:ma14="http://schemas.microsoft.com/office/mac/drawingml/2011/main" xmlns="" val="1"/>
+              <ma14:wrappingTextBoxFlag xmlns="" xmlns:ma14="http://schemas.microsoft.com/office/mac/drawingml/2011/main" val="1"/>
             </a:ext>
           </a:extLst>
         </p:spPr>
@@ -3621,7 +3621,7 @@
           </a:ln>
           <a:extLst>
             <a:ext uri="{C572A759-6A51-4108-AA02-DFA0A04FC94B}">
-              <ma14:wrappingTextBoxFlag xmlns:ma14="http://schemas.microsoft.com/office/mac/drawingml/2011/main" xmlns="" val="1"/>
+              <ma14:wrappingTextBoxFlag xmlns="" xmlns:ma14="http://schemas.microsoft.com/office/mac/drawingml/2011/main" val="1"/>
             </a:ext>
           </a:extLst>
         </p:spPr>
@@ -4140,7 +4140,7 @@
           </a:ln>
           <a:extLst>
             <a:ext uri="{C572A759-6A51-4108-AA02-DFA0A04FC94B}">
-              <ma14:wrappingTextBoxFlag xmlns:ma14="http://schemas.microsoft.com/office/mac/drawingml/2011/main" xmlns="" val="1"/>
+              <ma14:wrappingTextBoxFlag xmlns="" xmlns:ma14="http://schemas.microsoft.com/office/mac/drawingml/2011/main" val="1"/>
             </a:ext>
           </a:extLst>
         </p:spPr>
@@ -4220,7 +4220,7 @@
           </a:ln>
           <a:extLst>
             <a:ext uri="{C572A759-6A51-4108-AA02-DFA0A04FC94B}">
-              <ma14:wrappingTextBoxFlag xmlns:ma14="http://schemas.microsoft.com/office/mac/drawingml/2011/main" xmlns="" val="1"/>
+              <ma14:wrappingTextBoxFlag xmlns="" xmlns:ma14="http://schemas.microsoft.com/office/mac/drawingml/2011/main" val="1"/>
             </a:ext>
           </a:extLst>
         </p:spPr>
@@ -4596,7 +4596,7 @@
           </a:ln>
           <a:extLst>
             <a:ext uri="{C572A759-6A51-4108-AA02-DFA0A04FC94B}">
-              <ma14:wrappingTextBoxFlag xmlns:ma14="http://schemas.microsoft.com/office/mac/drawingml/2011/main" xmlns="" val="1"/>
+              <ma14:wrappingTextBoxFlag xmlns="" xmlns:ma14="http://schemas.microsoft.com/office/mac/drawingml/2011/main" val="1"/>
             </a:ext>
           </a:extLst>
         </p:spPr>
@@ -5018,7 +5018,7 @@
           </a:ln>
           <a:extLst>
             <a:ext uri="{C572A759-6A51-4108-AA02-DFA0A04FC94B}">
-              <ma14:wrappingTextBoxFlag xmlns:ma14="http://schemas.microsoft.com/office/mac/drawingml/2011/main" xmlns="" val="1"/>
+              <ma14:wrappingTextBoxFlag xmlns="" xmlns:ma14="http://schemas.microsoft.com/office/mac/drawingml/2011/main" val="1"/>
             </a:ext>
           </a:extLst>
         </p:spPr>
@@ -5079,7 +5079,7 @@
           </a:ln>
           <a:extLst>
             <a:ext uri="{C572A759-6A51-4108-AA02-DFA0A04FC94B}">
-              <ma14:wrappingTextBoxFlag xmlns:ma14="http://schemas.microsoft.com/office/mac/drawingml/2011/main" xmlns="" val="1"/>
+              <ma14:wrappingTextBoxFlag xmlns="" xmlns:ma14="http://schemas.microsoft.com/office/mac/drawingml/2011/main" val="1"/>
             </a:ext>
           </a:extLst>
         </p:spPr>
@@ -5542,7 +5542,7 @@
                 <a:cs typeface="Arial Unicode MS" panose="020B0604020202020204" pitchFamily="34" charset="-128"/>
                 <a:sym typeface="Iowan Old Style Roman"/>
               </a:rPr>
-              <a:t>” attribute)</a:t>
+              <a:t>” attribute) – what is the problem?</a:t>
             </a:r>
           </a:p>
         </p:txBody>
@@ -5597,7 +5597,7 @@
           </a:ln>
           <a:extLst>
             <a:ext uri="{C572A759-6A51-4108-AA02-DFA0A04FC94B}">
-              <ma14:wrappingTextBoxFlag xmlns:ma14="http://schemas.microsoft.com/office/mac/drawingml/2011/main" xmlns="" val="1"/>
+              <ma14:wrappingTextBoxFlag xmlns="" xmlns:ma14="http://schemas.microsoft.com/office/mac/drawingml/2011/main" val="1"/>
             </a:ext>
           </a:extLst>
         </p:spPr>
@@ -5658,7 +5658,7 @@
           </a:ln>
           <a:extLst>
             <a:ext uri="{C572A759-6A51-4108-AA02-DFA0A04FC94B}">
-              <ma14:wrappingTextBoxFlag xmlns:ma14="http://schemas.microsoft.com/office/mac/drawingml/2011/main" xmlns="" val="1"/>
+              <ma14:wrappingTextBoxFlag xmlns="" xmlns:ma14="http://schemas.microsoft.com/office/mac/drawingml/2011/main" val="1"/>
             </a:ext>
           </a:extLst>
         </p:spPr>
@@ -5850,7 +5850,7 @@
           </a:ln>
           <a:extLst>
             <a:ext uri="{C572A759-6A51-4108-AA02-DFA0A04FC94B}">
-              <ma14:wrappingTextBoxFlag xmlns:ma14="http://schemas.microsoft.com/office/mac/drawingml/2011/main" xmlns="" val="1"/>
+              <ma14:wrappingTextBoxFlag xmlns="" xmlns:ma14="http://schemas.microsoft.com/office/mac/drawingml/2011/main" val="1"/>
             </a:ext>
           </a:extLst>
         </p:spPr>
@@ -5911,7 +5911,7 @@
           </a:ln>
           <a:extLst>
             <a:ext uri="{C572A759-6A51-4108-AA02-DFA0A04FC94B}">
-              <ma14:wrappingTextBoxFlag xmlns:ma14="http://schemas.microsoft.com/office/mac/drawingml/2011/main" xmlns="" val="1"/>
+              <ma14:wrappingTextBoxFlag xmlns="" xmlns:ma14="http://schemas.microsoft.com/office/mac/drawingml/2011/main" val="1"/>
             </a:ext>
           </a:extLst>
         </p:spPr>
@@ -6425,7 +6425,7 @@
           </a:ln>
           <a:extLst>
             <a:ext uri="{C572A759-6A51-4108-AA02-DFA0A04FC94B}">
-              <ma14:wrappingTextBoxFlag xmlns:ma14="http://schemas.microsoft.com/office/mac/drawingml/2011/main" xmlns="" val="1"/>
+              <ma14:wrappingTextBoxFlag xmlns="" xmlns:ma14="http://schemas.microsoft.com/office/mac/drawingml/2011/main" val="1"/>
             </a:ext>
           </a:extLst>
         </p:spPr>
@@ -6486,7 +6486,7 @@
           </a:ln>
           <a:extLst>
             <a:ext uri="{C572A759-6A51-4108-AA02-DFA0A04FC94B}">
-              <ma14:wrappingTextBoxFlag xmlns:ma14="http://schemas.microsoft.com/office/mac/drawingml/2011/main" xmlns="" val="1"/>
+              <ma14:wrappingTextBoxFlag xmlns="" xmlns:ma14="http://schemas.microsoft.com/office/mac/drawingml/2011/main" val="1"/>
             </a:ext>
           </a:extLst>
         </p:spPr>
@@ -6779,7 +6779,7 @@
           </a:ln>
           <a:extLst>
             <a:ext uri="{C572A759-6A51-4108-AA02-DFA0A04FC94B}">
-              <ma14:wrappingTextBoxFlag xmlns:ma14="http://schemas.microsoft.com/office/mac/drawingml/2011/main" xmlns="" val="1"/>
+              <ma14:wrappingTextBoxFlag xmlns="" xmlns:ma14="http://schemas.microsoft.com/office/mac/drawingml/2011/main" val="1"/>
             </a:ext>
           </a:extLst>
         </p:spPr>
@@ -6840,7 +6840,7 @@
           </a:ln>
           <a:extLst>
             <a:ext uri="{C572A759-6A51-4108-AA02-DFA0A04FC94B}">
-              <ma14:wrappingTextBoxFlag xmlns:ma14="http://schemas.microsoft.com/office/mac/drawingml/2011/main" xmlns="" val="1"/>
+              <ma14:wrappingTextBoxFlag xmlns="" xmlns:ma14="http://schemas.microsoft.com/office/mac/drawingml/2011/main" val="1"/>
             </a:ext>
           </a:extLst>
         </p:spPr>
@@ -7104,7 +7104,7 @@
           </a:ln>
           <a:extLst>
             <a:ext uri="{C572A759-6A51-4108-AA02-DFA0A04FC94B}">
-              <ma14:wrappingTextBoxFlag xmlns:ma14="http://schemas.microsoft.com/office/mac/drawingml/2011/main" xmlns="" val="1"/>
+              <ma14:wrappingTextBoxFlag xmlns="" xmlns:ma14="http://schemas.microsoft.com/office/mac/drawingml/2011/main" val="1"/>
             </a:ext>
           </a:extLst>
         </p:spPr>
@@ -7165,7 +7165,7 @@
           </a:ln>
           <a:extLst>
             <a:ext uri="{C572A759-6A51-4108-AA02-DFA0A04FC94B}">
-              <ma14:wrappingTextBoxFlag xmlns:ma14="http://schemas.microsoft.com/office/mac/drawingml/2011/main" xmlns="" val="1"/>
+              <ma14:wrappingTextBoxFlag xmlns="" xmlns:ma14="http://schemas.microsoft.com/office/mac/drawingml/2011/main" val="1"/>
             </a:ext>
           </a:extLst>
         </p:spPr>
@@ -7630,7 +7630,7 @@
           </a:ln>
           <a:extLst>
             <a:ext uri="{C572A759-6A51-4108-AA02-DFA0A04FC94B}">
-              <ma14:wrappingTextBoxFlag xmlns:ma14="http://schemas.microsoft.com/office/mac/drawingml/2011/main" xmlns="" val="1"/>
+              <ma14:wrappingTextBoxFlag xmlns="" xmlns:ma14="http://schemas.microsoft.com/office/mac/drawingml/2011/main" val="1"/>
             </a:ext>
           </a:extLst>
         </p:spPr>
@@ -7710,7 +7710,7 @@
           </a:ln>
           <a:extLst>
             <a:ext uri="{C572A759-6A51-4108-AA02-DFA0A04FC94B}">
-              <ma14:wrappingTextBoxFlag xmlns:ma14="http://schemas.microsoft.com/office/mac/drawingml/2011/main" xmlns="" val="1"/>
+              <ma14:wrappingTextBoxFlag xmlns="" xmlns:ma14="http://schemas.microsoft.com/office/mac/drawingml/2011/main" val="1"/>
             </a:ext>
           </a:extLst>
         </p:spPr>
@@ -8006,7 +8006,7 @@
           </a:ln>
           <a:extLst>
             <a:ext uri="{C572A759-6A51-4108-AA02-DFA0A04FC94B}">
-              <ma14:wrappingTextBoxFlag xmlns:ma14="http://schemas.microsoft.com/office/mac/drawingml/2011/main" xmlns="" val="1"/>
+              <ma14:wrappingTextBoxFlag xmlns="" xmlns:ma14="http://schemas.microsoft.com/office/mac/drawingml/2011/main" val="1"/>
             </a:ext>
           </a:extLst>
         </p:spPr>
@@ -8128,7 +8128,7 @@
           </a:ln>
           <a:extLst>
             <a:ext uri="{C572A759-6A51-4108-AA02-DFA0A04FC94B}">
-              <ma14:wrappingTextBoxFlag xmlns:ma14="http://schemas.microsoft.com/office/mac/drawingml/2011/main" xmlns="" val="1"/>
+              <ma14:wrappingTextBoxFlag xmlns="" xmlns:ma14="http://schemas.microsoft.com/office/mac/drawingml/2011/main" val="1"/>
             </a:ext>
           </a:extLst>
         </p:spPr>
@@ -8189,7 +8189,7 @@
           </a:ln>
           <a:extLst>
             <a:ext uri="{C572A759-6A51-4108-AA02-DFA0A04FC94B}">
-              <ma14:wrappingTextBoxFlag xmlns:ma14="http://schemas.microsoft.com/office/mac/drawingml/2011/main" xmlns="" val="1"/>
+              <ma14:wrappingTextBoxFlag xmlns="" xmlns:ma14="http://schemas.microsoft.com/office/mac/drawingml/2011/main" val="1"/>
             </a:ext>
           </a:extLst>
         </p:spPr>
@@ -8737,7 +8737,7 @@
           </a:ln>
           <a:extLst>
             <a:ext uri="{C572A759-6A51-4108-AA02-DFA0A04FC94B}">
-              <ma14:wrappingTextBoxFlag xmlns:ma14="http://schemas.microsoft.com/office/mac/drawingml/2011/main" xmlns="" val="1"/>
+              <ma14:wrappingTextBoxFlag xmlns="" xmlns:ma14="http://schemas.microsoft.com/office/mac/drawingml/2011/main" val="1"/>
             </a:ext>
           </a:extLst>
         </p:spPr>
@@ -8820,7 +8820,7 @@
           </a:ln>
           <a:extLst>
             <a:ext uri="{C572A759-6A51-4108-AA02-DFA0A04FC94B}">
-              <ma14:wrappingTextBoxFlag xmlns:ma14="http://schemas.microsoft.com/office/mac/drawingml/2011/main" xmlns="" val="1"/>
+              <ma14:wrappingTextBoxFlag xmlns="" xmlns:ma14="http://schemas.microsoft.com/office/mac/drawingml/2011/main" val="1"/>
             </a:ext>
           </a:extLst>
         </p:spPr>
@@ -9081,7 +9081,7 @@
           </a:ln>
           <a:extLst>
             <a:ext uri="{C572A759-6A51-4108-AA02-DFA0A04FC94B}">
-              <ma14:wrappingTextBoxFlag xmlns:ma14="http://schemas.microsoft.com/office/mac/drawingml/2011/main" xmlns="" val="1"/>
+              <ma14:wrappingTextBoxFlag xmlns="" xmlns:ma14="http://schemas.microsoft.com/office/mac/drawingml/2011/main" val="1"/>
             </a:ext>
           </a:extLst>
         </p:spPr>

--- a/session2/B-SQL_Selection_Queries.pptx
+++ b/session2/B-SQL_Selection_Queries.pptx
@@ -315,7 +315,7 @@
             <a:fld id="{0F6AC800-BF99-41BB-8DE5-8FC7E09D6C23}" type="datetimeFigureOut">
               <a:rPr lang="en-US" smtClean="0"/>
               <a:pPr/>
-              <a:t>3/11/2020</a:t>
+              <a:t>1/20/2023</a:t>
             </a:fld>
             <a:endParaRPr lang="en-US" dirty="0"/>
           </a:p>
@@ -719,7 +719,7 @@
           <a:p>
             <a:fld id="{5F4C8C79-FAFE-4D56-A4D5-361B65C3B3FA}" type="datetimeFigureOut">
               <a:rPr lang="en-US" smtClean="0"/>
-              <a:t>3/11/2020</a:t>
+              <a:t>1/20/2023</a:t>
             </a:fld>
             <a:endParaRPr lang="en-US"/>
           </a:p>
@@ -889,7 +889,7 @@
           <a:p>
             <a:fld id="{5F4C8C79-FAFE-4D56-A4D5-361B65C3B3FA}" type="datetimeFigureOut">
               <a:rPr lang="en-US" smtClean="0"/>
-              <a:t>3/11/2020</a:t>
+              <a:t>1/20/2023</a:t>
             </a:fld>
             <a:endParaRPr lang="en-US"/>
           </a:p>
@@ -1069,7 +1069,7 @@
           <a:p>
             <a:fld id="{5F4C8C79-FAFE-4D56-A4D5-361B65C3B3FA}" type="datetimeFigureOut">
               <a:rPr lang="en-US" smtClean="0"/>
-              <a:t>3/11/2020</a:t>
+              <a:t>1/20/2023</a:t>
             </a:fld>
             <a:endParaRPr lang="en-US"/>
           </a:p>
@@ -1270,7 +1270,7 @@
           <a:p>
             <a:fld id="{5F4C8C79-FAFE-4D56-A4D5-361B65C3B3FA}" type="datetimeFigureOut">
               <a:rPr lang="en-US" smtClean="0"/>
-              <a:t>3/11/2020</a:t>
+              <a:t>1/20/2023</a:t>
             </a:fld>
             <a:endParaRPr lang="en-US"/>
           </a:p>
@@ -1514,7 +1514,7 @@
           <a:p>
             <a:fld id="{5F4C8C79-FAFE-4D56-A4D5-361B65C3B3FA}" type="datetimeFigureOut">
               <a:rPr lang="en-US" smtClean="0"/>
-              <a:t>3/11/2020</a:t>
+              <a:t>1/20/2023</a:t>
             </a:fld>
             <a:endParaRPr lang="en-US"/>
           </a:p>
@@ -1746,7 +1746,7 @@
           <a:p>
             <a:fld id="{5F4C8C79-FAFE-4D56-A4D5-361B65C3B3FA}" type="datetimeFigureOut">
               <a:rPr lang="en-US" smtClean="0"/>
-              <a:t>3/11/2020</a:t>
+              <a:t>1/20/2023</a:t>
             </a:fld>
             <a:endParaRPr lang="en-US"/>
           </a:p>
@@ -2113,7 +2113,7 @@
           <a:p>
             <a:fld id="{5F4C8C79-FAFE-4D56-A4D5-361B65C3B3FA}" type="datetimeFigureOut">
               <a:rPr lang="en-US" smtClean="0"/>
-              <a:t>3/11/2020</a:t>
+              <a:t>1/20/2023</a:t>
             </a:fld>
             <a:endParaRPr lang="en-US"/>
           </a:p>
@@ -2231,7 +2231,7 @@
           <a:p>
             <a:fld id="{5F4C8C79-FAFE-4D56-A4D5-361B65C3B3FA}" type="datetimeFigureOut">
               <a:rPr lang="en-US" smtClean="0"/>
-              <a:t>3/11/2020</a:t>
+              <a:t>1/20/2023</a:t>
             </a:fld>
             <a:endParaRPr lang="en-US"/>
           </a:p>
@@ -2326,7 +2326,7 @@
           <a:p>
             <a:fld id="{5F4C8C79-FAFE-4D56-A4D5-361B65C3B3FA}" type="datetimeFigureOut">
               <a:rPr lang="en-US" smtClean="0"/>
-              <a:t>3/11/2020</a:t>
+              <a:t>1/20/2023</a:t>
             </a:fld>
             <a:endParaRPr lang="en-US"/>
           </a:p>
@@ -2603,7 +2603,7 @@
           <a:p>
             <a:fld id="{5F4C8C79-FAFE-4D56-A4D5-361B65C3B3FA}" type="datetimeFigureOut">
               <a:rPr lang="en-US" smtClean="0"/>
-              <a:t>3/11/2020</a:t>
+              <a:t>1/20/2023</a:t>
             </a:fld>
             <a:endParaRPr lang="en-US"/>
           </a:p>
@@ -2860,7 +2860,7 @@
           <a:p>
             <a:fld id="{5F4C8C79-FAFE-4D56-A4D5-361B65C3B3FA}" type="datetimeFigureOut">
               <a:rPr lang="en-US" smtClean="0"/>
-              <a:t>3/11/2020</a:t>
+              <a:t>1/20/2023</a:t>
             </a:fld>
             <a:endParaRPr lang="en-US"/>
           </a:p>
@@ -3073,7 +3073,7 @@
             <a:fld id="{5F4C8C79-FAFE-4D56-A4D5-361B65C3B3FA}" type="datetimeFigureOut">
               <a:rPr lang="en-US" smtClean="0"/>
               <a:pPr/>
-              <a:t>3/11/2020</a:t>
+              <a:t>1/20/2023</a:t>
             </a:fld>
             <a:endParaRPr lang="en-US" dirty="0"/>
           </a:p>
@@ -3560,7 +3560,7 @@
           </a:ln>
           <a:extLst>
             <a:ext uri="{C572A759-6A51-4108-AA02-DFA0A04FC94B}">
-              <ma14:wrappingTextBoxFlag xmlns="" xmlns:ma14="http://schemas.microsoft.com/office/mac/drawingml/2011/main" val="1"/>
+              <ma14:wrappingTextBoxFlag xmlns:ma14="http://schemas.microsoft.com/office/mac/drawingml/2011/main" xmlns="" val="1"/>
             </a:ext>
           </a:extLst>
         </p:spPr>
@@ -3621,7 +3621,7 @@
           </a:ln>
           <a:extLst>
             <a:ext uri="{C572A759-6A51-4108-AA02-DFA0A04FC94B}">
-              <ma14:wrappingTextBoxFlag xmlns="" xmlns:ma14="http://schemas.microsoft.com/office/mac/drawingml/2011/main" val="1"/>
+              <ma14:wrappingTextBoxFlag xmlns:ma14="http://schemas.microsoft.com/office/mac/drawingml/2011/main" xmlns="" val="1"/>
             </a:ext>
           </a:extLst>
         </p:spPr>
@@ -4140,7 +4140,7 @@
           </a:ln>
           <a:extLst>
             <a:ext uri="{C572A759-6A51-4108-AA02-DFA0A04FC94B}">
-              <ma14:wrappingTextBoxFlag xmlns="" xmlns:ma14="http://schemas.microsoft.com/office/mac/drawingml/2011/main" val="1"/>
+              <ma14:wrappingTextBoxFlag xmlns:ma14="http://schemas.microsoft.com/office/mac/drawingml/2011/main" xmlns="" val="1"/>
             </a:ext>
           </a:extLst>
         </p:spPr>
@@ -4220,7 +4220,7 @@
           </a:ln>
           <a:extLst>
             <a:ext uri="{C572A759-6A51-4108-AA02-DFA0A04FC94B}">
-              <ma14:wrappingTextBoxFlag xmlns="" xmlns:ma14="http://schemas.microsoft.com/office/mac/drawingml/2011/main" val="1"/>
+              <ma14:wrappingTextBoxFlag xmlns:ma14="http://schemas.microsoft.com/office/mac/drawingml/2011/main" xmlns="" val="1"/>
             </a:ext>
           </a:extLst>
         </p:spPr>
@@ -4596,7 +4596,7 @@
           </a:ln>
           <a:extLst>
             <a:ext uri="{C572A759-6A51-4108-AA02-DFA0A04FC94B}">
-              <ma14:wrappingTextBoxFlag xmlns="" xmlns:ma14="http://schemas.microsoft.com/office/mac/drawingml/2011/main" val="1"/>
+              <ma14:wrappingTextBoxFlag xmlns:ma14="http://schemas.microsoft.com/office/mac/drawingml/2011/main" xmlns="" val="1"/>
             </a:ext>
           </a:extLst>
         </p:spPr>
@@ -5018,7 +5018,7 @@
           </a:ln>
           <a:extLst>
             <a:ext uri="{C572A759-6A51-4108-AA02-DFA0A04FC94B}">
-              <ma14:wrappingTextBoxFlag xmlns="" xmlns:ma14="http://schemas.microsoft.com/office/mac/drawingml/2011/main" val="1"/>
+              <ma14:wrappingTextBoxFlag xmlns:ma14="http://schemas.microsoft.com/office/mac/drawingml/2011/main" xmlns="" val="1"/>
             </a:ext>
           </a:extLst>
         </p:spPr>
@@ -5079,7 +5079,7 @@
           </a:ln>
           <a:extLst>
             <a:ext uri="{C572A759-6A51-4108-AA02-DFA0A04FC94B}">
-              <ma14:wrappingTextBoxFlag xmlns="" xmlns:ma14="http://schemas.microsoft.com/office/mac/drawingml/2011/main" val="1"/>
+              <ma14:wrappingTextBoxFlag xmlns:ma14="http://schemas.microsoft.com/office/mac/drawingml/2011/main" xmlns="" val="1"/>
             </a:ext>
           </a:extLst>
         </p:spPr>
@@ -5237,7 +5237,7 @@
                 <a:cs typeface="Arial Unicode MS" panose="020B0604020202020204" pitchFamily="34" charset="-128"/>
                 <a:sym typeface="Iowan Old Style Roman"/>
               </a:rPr>
-              <a:t>Rank by “rank” first (descending order)</a:t>
+              <a:t>Rank by “rating” first (descending order)</a:t>
             </a:r>
           </a:p>
           <a:p>
@@ -5597,7 +5597,7 @@
           </a:ln>
           <a:extLst>
             <a:ext uri="{C572A759-6A51-4108-AA02-DFA0A04FC94B}">
-              <ma14:wrappingTextBoxFlag xmlns="" xmlns:ma14="http://schemas.microsoft.com/office/mac/drawingml/2011/main" val="1"/>
+              <ma14:wrappingTextBoxFlag xmlns:ma14="http://schemas.microsoft.com/office/mac/drawingml/2011/main" xmlns="" val="1"/>
             </a:ext>
           </a:extLst>
         </p:spPr>
@@ -5658,7 +5658,7 @@
           </a:ln>
           <a:extLst>
             <a:ext uri="{C572A759-6A51-4108-AA02-DFA0A04FC94B}">
-              <ma14:wrappingTextBoxFlag xmlns="" xmlns:ma14="http://schemas.microsoft.com/office/mac/drawingml/2011/main" val="1"/>
+              <ma14:wrappingTextBoxFlag xmlns:ma14="http://schemas.microsoft.com/office/mac/drawingml/2011/main" xmlns="" val="1"/>
             </a:ext>
           </a:extLst>
         </p:spPr>
@@ -5850,7 +5850,7 @@
           </a:ln>
           <a:extLst>
             <a:ext uri="{C572A759-6A51-4108-AA02-DFA0A04FC94B}">
-              <ma14:wrappingTextBoxFlag xmlns="" xmlns:ma14="http://schemas.microsoft.com/office/mac/drawingml/2011/main" val="1"/>
+              <ma14:wrappingTextBoxFlag xmlns:ma14="http://schemas.microsoft.com/office/mac/drawingml/2011/main" xmlns="" val="1"/>
             </a:ext>
           </a:extLst>
         </p:spPr>
@@ -5911,7 +5911,7 @@
           </a:ln>
           <a:extLst>
             <a:ext uri="{C572A759-6A51-4108-AA02-DFA0A04FC94B}">
-              <ma14:wrappingTextBoxFlag xmlns="" xmlns:ma14="http://schemas.microsoft.com/office/mac/drawingml/2011/main" val="1"/>
+              <ma14:wrappingTextBoxFlag xmlns:ma14="http://schemas.microsoft.com/office/mac/drawingml/2011/main" xmlns="" val="1"/>
             </a:ext>
           </a:extLst>
         </p:spPr>
@@ -6425,7 +6425,7 @@
           </a:ln>
           <a:extLst>
             <a:ext uri="{C572A759-6A51-4108-AA02-DFA0A04FC94B}">
-              <ma14:wrappingTextBoxFlag xmlns="" xmlns:ma14="http://schemas.microsoft.com/office/mac/drawingml/2011/main" val="1"/>
+              <ma14:wrappingTextBoxFlag xmlns:ma14="http://schemas.microsoft.com/office/mac/drawingml/2011/main" xmlns="" val="1"/>
             </a:ext>
           </a:extLst>
         </p:spPr>
@@ -6486,7 +6486,7 @@
           </a:ln>
           <a:extLst>
             <a:ext uri="{C572A759-6A51-4108-AA02-DFA0A04FC94B}">
-              <ma14:wrappingTextBoxFlag xmlns="" xmlns:ma14="http://schemas.microsoft.com/office/mac/drawingml/2011/main" val="1"/>
+              <ma14:wrappingTextBoxFlag xmlns:ma14="http://schemas.microsoft.com/office/mac/drawingml/2011/main" xmlns="" val="1"/>
             </a:ext>
           </a:extLst>
         </p:spPr>
@@ -6779,7 +6779,7 @@
           </a:ln>
           <a:extLst>
             <a:ext uri="{C572A759-6A51-4108-AA02-DFA0A04FC94B}">
-              <ma14:wrappingTextBoxFlag xmlns="" xmlns:ma14="http://schemas.microsoft.com/office/mac/drawingml/2011/main" val="1"/>
+              <ma14:wrappingTextBoxFlag xmlns:ma14="http://schemas.microsoft.com/office/mac/drawingml/2011/main" xmlns="" val="1"/>
             </a:ext>
           </a:extLst>
         </p:spPr>
@@ -6840,7 +6840,7 @@
           </a:ln>
           <a:extLst>
             <a:ext uri="{C572A759-6A51-4108-AA02-DFA0A04FC94B}">
-              <ma14:wrappingTextBoxFlag xmlns="" xmlns:ma14="http://schemas.microsoft.com/office/mac/drawingml/2011/main" val="1"/>
+              <ma14:wrappingTextBoxFlag xmlns:ma14="http://schemas.microsoft.com/office/mac/drawingml/2011/main" xmlns="" val="1"/>
             </a:ext>
           </a:extLst>
         </p:spPr>
@@ -7104,7 +7104,7 @@
           </a:ln>
           <a:extLst>
             <a:ext uri="{C572A759-6A51-4108-AA02-DFA0A04FC94B}">
-              <ma14:wrappingTextBoxFlag xmlns="" xmlns:ma14="http://schemas.microsoft.com/office/mac/drawingml/2011/main" val="1"/>
+              <ma14:wrappingTextBoxFlag xmlns:ma14="http://schemas.microsoft.com/office/mac/drawingml/2011/main" xmlns="" val="1"/>
             </a:ext>
           </a:extLst>
         </p:spPr>
@@ -7165,7 +7165,7 @@
           </a:ln>
           <a:extLst>
             <a:ext uri="{C572A759-6A51-4108-AA02-DFA0A04FC94B}">
-              <ma14:wrappingTextBoxFlag xmlns="" xmlns:ma14="http://schemas.microsoft.com/office/mac/drawingml/2011/main" val="1"/>
+              <ma14:wrappingTextBoxFlag xmlns:ma14="http://schemas.microsoft.com/office/mac/drawingml/2011/main" xmlns="" val="1"/>
             </a:ext>
           </a:extLst>
         </p:spPr>
@@ -7347,7 +7347,7 @@
                 <a:cs typeface="Arial Unicode MS" panose="020B0604020202020204" pitchFamily="34" charset="-128"/>
                 <a:sym typeface="Iowan Old Style Roman"/>
               </a:rPr>
-              <a:t>Return year and ranking for each movie</a:t>
+              <a:t>Return year and rating for each movie</a:t>
             </a:r>
           </a:p>
           <a:p>
@@ -7630,7 +7630,7 @@
           </a:ln>
           <a:extLst>
             <a:ext uri="{C572A759-6A51-4108-AA02-DFA0A04FC94B}">
-              <ma14:wrappingTextBoxFlag xmlns="" xmlns:ma14="http://schemas.microsoft.com/office/mac/drawingml/2011/main" val="1"/>
+              <ma14:wrappingTextBoxFlag xmlns:ma14="http://schemas.microsoft.com/office/mac/drawingml/2011/main" xmlns="" val="1"/>
             </a:ext>
           </a:extLst>
         </p:spPr>
@@ -7710,7 +7710,7 @@
           </a:ln>
           <a:extLst>
             <a:ext uri="{C572A759-6A51-4108-AA02-DFA0A04FC94B}">
-              <ma14:wrappingTextBoxFlag xmlns="" xmlns:ma14="http://schemas.microsoft.com/office/mac/drawingml/2011/main" val="1"/>
+              <ma14:wrappingTextBoxFlag xmlns:ma14="http://schemas.microsoft.com/office/mac/drawingml/2011/main" xmlns="" val="1"/>
             </a:ext>
           </a:extLst>
         </p:spPr>
@@ -8006,7 +8006,7 @@
           </a:ln>
           <a:extLst>
             <a:ext uri="{C572A759-6A51-4108-AA02-DFA0A04FC94B}">
-              <ma14:wrappingTextBoxFlag xmlns="" xmlns:ma14="http://schemas.microsoft.com/office/mac/drawingml/2011/main" val="1"/>
+              <ma14:wrappingTextBoxFlag xmlns:ma14="http://schemas.microsoft.com/office/mac/drawingml/2011/main" xmlns="" val="1"/>
             </a:ext>
           </a:extLst>
         </p:spPr>
@@ -8128,7 +8128,7 @@
           </a:ln>
           <a:extLst>
             <a:ext uri="{C572A759-6A51-4108-AA02-DFA0A04FC94B}">
-              <ma14:wrappingTextBoxFlag xmlns="" xmlns:ma14="http://schemas.microsoft.com/office/mac/drawingml/2011/main" val="1"/>
+              <ma14:wrappingTextBoxFlag xmlns:ma14="http://schemas.microsoft.com/office/mac/drawingml/2011/main" xmlns="" val="1"/>
             </a:ext>
           </a:extLst>
         </p:spPr>
@@ -8189,7 +8189,7 @@
           </a:ln>
           <a:extLst>
             <a:ext uri="{C572A759-6A51-4108-AA02-DFA0A04FC94B}">
-              <ma14:wrappingTextBoxFlag xmlns="" xmlns:ma14="http://schemas.microsoft.com/office/mac/drawingml/2011/main" val="1"/>
+              <ma14:wrappingTextBoxFlag xmlns:ma14="http://schemas.microsoft.com/office/mac/drawingml/2011/main" xmlns="" val="1"/>
             </a:ext>
           </a:extLst>
         </p:spPr>
@@ -8418,7 +8418,7 @@
                 <a:cs typeface="Arial Unicode MS" panose="020B0604020202020204" pitchFamily="34" charset="-128"/>
                 <a:sym typeface="Iowan Old Style Roman"/>
               </a:rPr>
-              <a:t>Return name, year, and rank for each movie. </a:t>
+              <a:t>Return name, year, and rating for each movie. </a:t>
             </a:r>
             <a:br>
               <a:rPr lang="en-US" sz="2000" dirty="0">
@@ -8465,7 +8465,7 @@
                 <a:cs typeface="Arial Unicode MS" panose="020B0604020202020204" pitchFamily="34" charset="-128"/>
                 <a:sym typeface="Iowan Old Style Roman"/>
               </a:rPr>
-              <a:t>”, year to “</a:t>
+              <a:t>”, and year to “</a:t>
             </a:r>
             <a:r>
               <a:rPr lang="en-US" sz="2000" dirty="0" err="1">
@@ -8489,7 +8489,7 @@
                 <a:cs typeface="Arial Unicode MS" panose="020B0604020202020204" pitchFamily="34" charset="-128"/>
                 <a:sym typeface="Iowan Old Style Roman"/>
               </a:rPr>
-              <a:t>”, and rank to “rating”</a:t>
+              <a:t>.</a:t>
             </a:r>
           </a:p>
           <a:p>
@@ -8737,7 +8737,7 @@
           </a:ln>
           <a:extLst>
             <a:ext uri="{C572A759-6A51-4108-AA02-DFA0A04FC94B}">
-              <ma14:wrappingTextBoxFlag xmlns="" xmlns:ma14="http://schemas.microsoft.com/office/mac/drawingml/2011/main" val="1"/>
+              <ma14:wrappingTextBoxFlag xmlns:ma14="http://schemas.microsoft.com/office/mac/drawingml/2011/main" xmlns="" val="1"/>
             </a:ext>
           </a:extLst>
         </p:spPr>
@@ -8820,7 +8820,7 @@
           </a:ln>
           <a:extLst>
             <a:ext uri="{C572A759-6A51-4108-AA02-DFA0A04FC94B}">
-              <ma14:wrappingTextBoxFlag xmlns="" xmlns:ma14="http://schemas.microsoft.com/office/mac/drawingml/2011/main" val="1"/>
+              <ma14:wrappingTextBoxFlag xmlns:ma14="http://schemas.microsoft.com/office/mac/drawingml/2011/main" xmlns="" val="1"/>
             </a:ext>
           </a:extLst>
         </p:spPr>
@@ -9081,7 +9081,7 @@
           </a:ln>
           <a:extLst>
             <a:ext uri="{C572A759-6A51-4108-AA02-DFA0A04FC94B}">
-              <ma14:wrappingTextBoxFlag xmlns="" xmlns:ma14="http://schemas.microsoft.com/office/mac/drawingml/2011/main" val="1"/>
+              <ma14:wrappingTextBoxFlag xmlns:ma14="http://schemas.microsoft.com/office/mac/drawingml/2011/main" xmlns="" val="1"/>
             </a:ext>
           </a:extLst>
         </p:spPr>

--- a/session2/B-SQL_Selection_Queries.pptx
+++ b/session2/B-SQL_Selection_Queries.pptx
@@ -5,24 +5,29 @@
     <p:sldMasterId id="2147483660" r:id="rId1"/>
   </p:sldMasterIdLst>
   <p:notesMasterIdLst>
-    <p:notesMasterId r:id="rId14"/>
+    <p:notesMasterId r:id="rId19"/>
   </p:notesMasterIdLst>
   <p:handoutMasterIdLst>
-    <p:handoutMasterId r:id="rId15"/>
+    <p:handoutMasterId r:id="rId20"/>
   </p:handoutMasterIdLst>
   <p:sldIdLst>
     <p:sldId id="394" r:id="rId2"/>
-    <p:sldId id="259" r:id="rId3"/>
-    <p:sldId id="307" r:id="rId4"/>
-    <p:sldId id="350" r:id="rId5"/>
-    <p:sldId id="309" r:id="rId6"/>
-    <p:sldId id="310" r:id="rId7"/>
-    <p:sldId id="311" r:id="rId8"/>
-    <p:sldId id="313" r:id="rId9"/>
-    <p:sldId id="314" r:id="rId10"/>
-    <p:sldId id="315" r:id="rId11"/>
-    <p:sldId id="316" r:id="rId12"/>
-    <p:sldId id="317" r:id="rId13"/>
+    <p:sldId id="396" r:id="rId3"/>
+    <p:sldId id="397" r:id="rId4"/>
+    <p:sldId id="395" r:id="rId5"/>
+    <p:sldId id="259" r:id="rId6"/>
+    <p:sldId id="398" r:id="rId7"/>
+    <p:sldId id="307" r:id="rId8"/>
+    <p:sldId id="309" r:id="rId9"/>
+    <p:sldId id="399" r:id="rId10"/>
+    <p:sldId id="310" r:id="rId11"/>
+    <p:sldId id="311" r:id="rId12"/>
+    <p:sldId id="313" r:id="rId13"/>
+    <p:sldId id="314" r:id="rId14"/>
+    <p:sldId id="315" r:id="rId15"/>
+    <p:sldId id="316" r:id="rId16"/>
+    <p:sldId id="317" r:id="rId17"/>
+    <p:sldId id="401" r:id="rId18"/>
   </p:sldIdLst>
   <p:sldSz cx="9144000" cy="6858000" type="screen4x3"/>
   <p:notesSz cx="7315200" cy="9601200"/>
@@ -274,7 +279,7 @@
           <a:lstStyle>
             <a:lvl1pPr algn="l">
               <a:defRPr sz="1200">
-                <a:latin typeface="Arial Unicode MS" panose="020B0604020202020204" pitchFamily="34" charset="-128"/>
+                <a:latin typeface="Calibri" panose="020F0502020204030204" pitchFamily="34" charset="0"/>
               </a:defRPr>
             </a:lvl1pPr>
           </a:lstStyle>
@@ -307,7 +312,7 @@
           <a:lstStyle>
             <a:lvl1pPr algn="r">
               <a:defRPr sz="1200">
-                <a:latin typeface="Arial Unicode MS" panose="020B0604020202020204" pitchFamily="34" charset="-128"/>
+                <a:latin typeface="Calibri" panose="020F0502020204030204" pitchFamily="34" charset="0"/>
               </a:defRPr>
             </a:lvl1pPr>
           </a:lstStyle>
@@ -315,7 +320,7 @@
             <a:fld id="{0F6AC800-BF99-41BB-8DE5-8FC7E09D6C23}" type="datetimeFigureOut">
               <a:rPr lang="en-US" smtClean="0"/>
               <a:pPr/>
-              <a:t>1/20/2023</a:t>
+              <a:t>9/10/2025</a:t>
             </a:fld>
             <a:endParaRPr lang="en-US" dirty="0"/>
           </a:p>
@@ -437,7 +442,7 @@
           <a:lstStyle>
             <a:lvl1pPr algn="l">
               <a:defRPr sz="1200">
-                <a:latin typeface="Arial Unicode MS" panose="020B0604020202020204" pitchFamily="34" charset="-128"/>
+                <a:latin typeface="Calibri" panose="020F0502020204030204" pitchFamily="34" charset="0"/>
               </a:defRPr>
             </a:lvl1pPr>
           </a:lstStyle>
@@ -470,7 +475,7 @@
           <a:lstStyle>
             <a:lvl1pPr algn="r">
               <a:defRPr sz="1200">
-                <a:latin typeface="Arial Unicode MS" panose="020B0604020202020204" pitchFamily="34" charset="-128"/>
+                <a:latin typeface="Calibri" panose="020F0502020204030204" pitchFamily="34" charset="0"/>
               </a:defRPr>
             </a:lvl1pPr>
           </a:lstStyle>
@@ -499,7 +504,7 @@
         <a:solidFill>
           <a:schemeClr val="tx1"/>
         </a:solidFill>
-        <a:latin typeface="Arial Unicode MS" panose="020B0604020202020204" pitchFamily="34" charset="-128"/>
+        <a:latin typeface="Calibri" panose="020F0502020204030204" pitchFamily="34" charset="0"/>
         <a:ea typeface="+mn-ea"/>
         <a:cs typeface="+mn-cs"/>
       </a:defRPr>
@@ -509,7 +514,7 @@
         <a:solidFill>
           <a:schemeClr val="tx1"/>
         </a:solidFill>
-        <a:latin typeface="Arial Unicode MS" panose="020B0604020202020204" pitchFamily="34" charset="-128"/>
+        <a:latin typeface="Calibri" panose="020F0502020204030204" pitchFamily="34" charset="0"/>
         <a:ea typeface="+mn-ea"/>
         <a:cs typeface="+mn-cs"/>
       </a:defRPr>
@@ -519,7 +524,7 @@
         <a:solidFill>
           <a:schemeClr val="tx1"/>
         </a:solidFill>
-        <a:latin typeface="Arial Unicode MS" panose="020B0604020202020204" pitchFamily="34" charset="-128"/>
+        <a:latin typeface="Calibri" panose="020F0502020204030204" pitchFamily="34" charset="0"/>
         <a:ea typeface="+mn-ea"/>
         <a:cs typeface="+mn-cs"/>
       </a:defRPr>
@@ -529,7 +534,7 @@
         <a:solidFill>
           <a:schemeClr val="tx1"/>
         </a:solidFill>
-        <a:latin typeface="Arial Unicode MS" panose="020B0604020202020204" pitchFamily="34" charset="-128"/>
+        <a:latin typeface="Calibri" panose="020F0502020204030204" pitchFamily="34" charset="0"/>
         <a:ea typeface="+mn-ea"/>
         <a:cs typeface="+mn-cs"/>
       </a:defRPr>
@@ -539,7 +544,7 @@
         <a:solidFill>
           <a:schemeClr val="tx1"/>
         </a:solidFill>
-        <a:latin typeface="Arial Unicode MS" panose="020B0604020202020204" pitchFamily="34" charset="-128"/>
+        <a:latin typeface="Calibri" panose="020F0502020204030204" pitchFamily="34" charset="0"/>
         <a:ea typeface="+mn-ea"/>
         <a:cs typeface="+mn-cs"/>
       </a:defRPr>
@@ -719,7 +724,7 @@
           <a:p>
             <a:fld id="{5F4C8C79-FAFE-4D56-A4D5-361B65C3B3FA}" type="datetimeFigureOut">
               <a:rPr lang="en-US" smtClean="0"/>
-              <a:t>1/20/2023</a:t>
+              <a:t>9/10/2025</a:t>
             </a:fld>
             <a:endParaRPr lang="en-US"/>
           </a:p>
@@ -889,7 +894,7 @@
           <a:p>
             <a:fld id="{5F4C8C79-FAFE-4D56-A4D5-361B65C3B3FA}" type="datetimeFigureOut">
               <a:rPr lang="en-US" smtClean="0"/>
-              <a:t>1/20/2023</a:t>
+              <a:t>9/10/2025</a:t>
             </a:fld>
             <a:endParaRPr lang="en-US"/>
           </a:p>
@@ -1069,7 +1074,7 @@
           <a:p>
             <a:fld id="{5F4C8C79-FAFE-4D56-A4D5-361B65C3B3FA}" type="datetimeFigureOut">
               <a:rPr lang="en-US" smtClean="0"/>
-              <a:t>1/20/2023</a:t>
+              <a:t>9/10/2025</a:t>
             </a:fld>
             <a:endParaRPr lang="en-US"/>
           </a:p>
@@ -1270,7 +1275,7 @@
           <a:p>
             <a:fld id="{5F4C8C79-FAFE-4D56-A4D5-361B65C3B3FA}" type="datetimeFigureOut">
               <a:rPr lang="en-US" smtClean="0"/>
-              <a:t>1/20/2023</a:t>
+              <a:t>9/10/2025</a:t>
             </a:fld>
             <a:endParaRPr lang="en-US"/>
           </a:p>
@@ -1514,7 +1519,7 @@
           <a:p>
             <a:fld id="{5F4C8C79-FAFE-4D56-A4D5-361B65C3B3FA}" type="datetimeFigureOut">
               <a:rPr lang="en-US" smtClean="0"/>
-              <a:t>1/20/2023</a:t>
+              <a:t>9/10/2025</a:t>
             </a:fld>
             <a:endParaRPr lang="en-US"/>
           </a:p>
@@ -1746,7 +1751,7 @@
           <a:p>
             <a:fld id="{5F4C8C79-FAFE-4D56-A4D5-361B65C3B3FA}" type="datetimeFigureOut">
               <a:rPr lang="en-US" smtClean="0"/>
-              <a:t>1/20/2023</a:t>
+              <a:t>9/10/2025</a:t>
             </a:fld>
             <a:endParaRPr lang="en-US"/>
           </a:p>
@@ -2113,7 +2118,7 @@
           <a:p>
             <a:fld id="{5F4C8C79-FAFE-4D56-A4D5-361B65C3B3FA}" type="datetimeFigureOut">
               <a:rPr lang="en-US" smtClean="0"/>
-              <a:t>1/20/2023</a:t>
+              <a:t>9/10/2025</a:t>
             </a:fld>
             <a:endParaRPr lang="en-US"/>
           </a:p>
@@ -2231,7 +2236,7 @@
           <a:p>
             <a:fld id="{5F4C8C79-FAFE-4D56-A4D5-361B65C3B3FA}" type="datetimeFigureOut">
               <a:rPr lang="en-US" smtClean="0"/>
-              <a:t>1/20/2023</a:t>
+              <a:t>9/10/2025</a:t>
             </a:fld>
             <a:endParaRPr lang="en-US"/>
           </a:p>
@@ -2326,7 +2331,7 @@
           <a:p>
             <a:fld id="{5F4C8C79-FAFE-4D56-A4D5-361B65C3B3FA}" type="datetimeFigureOut">
               <a:rPr lang="en-US" smtClean="0"/>
-              <a:t>1/20/2023</a:t>
+              <a:t>9/10/2025</a:t>
             </a:fld>
             <a:endParaRPr lang="en-US"/>
           </a:p>
@@ -2603,7 +2608,7 @@
           <a:p>
             <a:fld id="{5F4C8C79-FAFE-4D56-A4D5-361B65C3B3FA}" type="datetimeFigureOut">
               <a:rPr lang="en-US" smtClean="0"/>
-              <a:t>1/20/2023</a:t>
+              <a:t>9/10/2025</a:t>
             </a:fld>
             <a:endParaRPr lang="en-US"/>
           </a:p>
@@ -2860,7 +2865,7 @@
           <a:p>
             <a:fld id="{5F4C8C79-FAFE-4D56-A4D5-361B65C3B3FA}" type="datetimeFigureOut">
               <a:rPr lang="en-US" smtClean="0"/>
-              <a:t>1/20/2023</a:t>
+              <a:t>9/10/2025</a:t>
             </a:fld>
             <a:endParaRPr lang="en-US"/>
           </a:p>
@@ -3065,7 +3070,7 @@
                     <a:tint val="75000"/>
                   </a:schemeClr>
                 </a:solidFill>
-                <a:latin typeface="Arial Unicode MS" panose="020B0604020202020204" pitchFamily="34" charset="-128"/>
+                <a:latin typeface="Calibri" panose="020F0502020204030204" pitchFamily="34" charset="0"/>
               </a:defRPr>
             </a:lvl1pPr>
           </a:lstStyle>
@@ -3073,7 +3078,7 @@
             <a:fld id="{5F4C8C79-FAFE-4D56-A4D5-361B65C3B3FA}" type="datetimeFigureOut">
               <a:rPr lang="en-US" smtClean="0"/>
               <a:pPr/>
-              <a:t>1/20/2023</a:t>
+              <a:t>9/10/2025</a:t>
             </a:fld>
             <a:endParaRPr lang="en-US" dirty="0"/>
           </a:p>
@@ -3108,7 +3113,7 @@
                     <a:tint val="75000"/>
                   </a:schemeClr>
                 </a:solidFill>
-                <a:latin typeface="Arial Unicode MS" panose="020B0604020202020204" pitchFamily="34" charset="-128"/>
+                <a:latin typeface="Calibri" panose="020F0502020204030204" pitchFamily="34" charset="0"/>
               </a:defRPr>
             </a:lvl1pPr>
           </a:lstStyle>
@@ -3146,7 +3151,7 @@
                     <a:tint val="75000"/>
                   </a:schemeClr>
                 </a:solidFill>
-                <a:latin typeface="Arial Unicode MS" panose="020B0604020202020204" pitchFamily="34" charset="-128"/>
+                <a:latin typeface="Calibri" panose="020F0502020204030204" pitchFamily="34" charset="0"/>
               </a:defRPr>
             </a:lvl1pPr>
           </a:lstStyle>
@@ -3196,7 +3201,7 @@
           <a:solidFill>
             <a:schemeClr val="tx1"/>
           </a:solidFill>
-          <a:latin typeface="Arial Unicode MS" panose="020B0604020202020204" pitchFamily="34" charset="-128"/>
+          <a:latin typeface="Calibri" panose="020F0502020204030204" pitchFamily="34" charset="0"/>
           <a:ea typeface="+mj-ea"/>
           <a:cs typeface="+mj-cs"/>
         </a:defRPr>
@@ -3216,7 +3221,7 @@
           <a:solidFill>
             <a:schemeClr val="tx1"/>
           </a:solidFill>
-          <a:latin typeface="Arial Unicode MS" panose="020B0604020202020204" pitchFamily="34" charset="-128"/>
+          <a:latin typeface="Calibri" panose="020F0502020204030204" pitchFamily="34" charset="0"/>
           <a:ea typeface="+mn-ea"/>
           <a:cs typeface="+mn-cs"/>
         </a:defRPr>
@@ -3234,7 +3239,7 @@
           <a:solidFill>
             <a:schemeClr val="tx1"/>
           </a:solidFill>
-          <a:latin typeface="Arial Unicode MS" panose="020B0604020202020204" pitchFamily="34" charset="-128"/>
+          <a:latin typeface="Calibri" panose="020F0502020204030204" pitchFamily="34" charset="0"/>
           <a:ea typeface="+mn-ea"/>
           <a:cs typeface="+mn-cs"/>
         </a:defRPr>
@@ -3252,7 +3257,7 @@
           <a:solidFill>
             <a:schemeClr val="tx1"/>
           </a:solidFill>
-          <a:latin typeface="Arial Unicode MS" panose="020B0604020202020204" pitchFamily="34" charset="-128"/>
+          <a:latin typeface="Calibri" panose="020F0502020204030204" pitchFamily="34" charset="0"/>
           <a:ea typeface="+mn-ea"/>
           <a:cs typeface="+mn-cs"/>
         </a:defRPr>
@@ -3270,7 +3275,7 @@
           <a:solidFill>
             <a:schemeClr val="tx1"/>
           </a:solidFill>
-          <a:latin typeface="Arial Unicode MS" panose="020B0604020202020204" pitchFamily="34" charset="-128"/>
+          <a:latin typeface="Calibri" panose="020F0502020204030204" pitchFamily="34" charset="0"/>
           <a:ea typeface="+mn-ea"/>
           <a:cs typeface="+mn-cs"/>
         </a:defRPr>
@@ -3288,7 +3293,7 @@
           <a:solidFill>
             <a:schemeClr val="tx1"/>
           </a:solidFill>
-          <a:latin typeface="Arial Unicode MS" panose="020B0604020202020204" pitchFamily="34" charset="-128"/>
+          <a:latin typeface="Calibri" panose="020F0502020204030204" pitchFamily="34" charset="0"/>
           <a:ea typeface="+mn-ea"/>
           <a:cs typeface="+mn-cs"/>
         </a:defRPr>
@@ -3560,7 +3565,7 @@
           </a:ln>
           <a:extLst>
             <a:ext uri="{C572A759-6A51-4108-AA02-DFA0A04FC94B}">
-              <ma14:wrappingTextBoxFlag xmlns:ma14="http://schemas.microsoft.com/office/mac/drawingml/2011/main" xmlns="" val="1"/>
+              <ma14:wrappingTextBoxFlag xmlns="" xmlns:ma14="http://schemas.microsoft.com/office/mac/drawingml/2011/main" val="1"/>
             </a:ext>
           </a:extLst>
         </p:spPr>
@@ -3595,7 +3600,7 @@
                     <a:srgbClr val="FFFFFF"/>
                   </a:solidFill>
                 </a:uFill>
-                <a:latin typeface="Arial Unicode MS" panose="020B0604020202020204" pitchFamily="34" charset="-128"/>
+                <a:latin typeface="Calibri" panose="020F0502020204030204" pitchFamily="34" charset="0"/>
               </a:rPr>
               <a:t>Practice queries</a:t>
             </a:r>
@@ -3611,7 +3616,7 @@
         <p:spPr>
           <a:xfrm>
             <a:off x="179798" y="1324179"/>
-            <a:ext cx="8794678" cy="4773102"/>
+            <a:ext cx="8794678" cy="3580467"/>
           </a:xfrm>
           <a:prstGeom prst="rect">
             <a:avLst/>
@@ -3621,7 +3626,7 @@
           </a:ln>
           <a:extLst>
             <a:ext uri="{C572A759-6A51-4108-AA02-DFA0A04FC94B}">
-              <ma14:wrappingTextBoxFlag xmlns:ma14="http://schemas.microsoft.com/office/mac/drawingml/2011/main" xmlns="" val="1"/>
+              <ma14:wrappingTextBoxFlag xmlns="" xmlns:ma14="http://schemas.microsoft.com/office/mac/drawingml/2011/main" val="1"/>
             </a:ext>
           </a:extLst>
         </p:spPr>
@@ -3648,60 +3653,12 @@
                 <a:uFill>
                   <a:solidFill/>
                 </a:uFill>
-                <a:latin typeface="Arial Unicode MS" panose="020B0604020202020204" pitchFamily="34" charset="-128"/>
-                <a:ea typeface="Arial Unicode MS" panose="020B0604020202020204" pitchFamily="34" charset="-128"/>
-                <a:cs typeface="Arial Unicode MS" panose="020B0604020202020204" pitchFamily="34" charset="-128"/>
-                <a:sym typeface="Iowan Old Style Roman"/>
-              </a:rPr>
-              <a:t>IMDB Database (“</a:t>
-            </a:r>
-            <a:r>
-              <a:rPr lang="en-US" sz="2000" b="1" dirty="0">
-                <a:uFill>
-                  <a:solidFill/>
-                </a:uFill>
-                <a:latin typeface="Arial Unicode MS" panose="020B0604020202020204" pitchFamily="34" charset="-128"/>
-                <a:ea typeface="Arial Unicode MS" panose="020B0604020202020204" pitchFamily="34" charset="-128"/>
-                <a:cs typeface="Arial Unicode MS" panose="020B0604020202020204" pitchFamily="34" charset="-128"/>
-                <a:sym typeface="Iowan Old Style Roman"/>
-              </a:rPr>
-              <a:t>use </a:t>
-            </a:r>
-            <a:r>
-              <a:rPr lang="en-US" sz="2000" b="1" dirty="0" err="1">
-                <a:uFill>
-                  <a:solidFill/>
-                </a:uFill>
-                <a:latin typeface="Arial Unicode MS" panose="020B0604020202020204" pitchFamily="34" charset="-128"/>
-                <a:ea typeface="Arial Unicode MS" panose="020B0604020202020204" pitchFamily="34" charset="-128"/>
-                <a:cs typeface="Arial Unicode MS" panose="020B0604020202020204" pitchFamily="34" charset="-128"/>
-                <a:sym typeface="Iowan Old Style Roman"/>
-              </a:rPr>
-              <a:t>imdb</a:t>
-            </a:r>
-            <a:r>
-              <a:rPr lang="en-US" sz="2000" b="1" dirty="0">
-                <a:uFill>
-                  <a:solidFill/>
-                </a:uFill>
-                <a:latin typeface="Arial Unicode MS" panose="020B0604020202020204" pitchFamily="34" charset="-128"/>
-                <a:ea typeface="Arial Unicode MS" panose="020B0604020202020204" pitchFamily="34" charset="-128"/>
-                <a:cs typeface="Arial Unicode MS" panose="020B0604020202020204" pitchFamily="34" charset="-128"/>
-                <a:sym typeface="Iowan Old Style Roman"/>
-              </a:rPr>
-              <a:t>;</a:t>
-            </a:r>
-            <a:r>
-              <a:rPr lang="en-US" sz="2000" dirty="0">
-                <a:uFill>
-                  <a:solidFill/>
-                </a:uFill>
-                <a:latin typeface="Arial Unicode MS" panose="020B0604020202020204" pitchFamily="34" charset="-128"/>
-                <a:ea typeface="Arial Unicode MS" panose="020B0604020202020204" pitchFamily="34" charset="-128"/>
-                <a:cs typeface="Arial Unicode MS" panose="020B0604020202020204" pitchFamily="34" charset="-128"/>
-                <a:sym typeface="Iowan Old Style Roman"/>
-              </a:rPr>
-              <a:t>”)</a:t>
+                <a:latin typeface="Calibri" panose="020F0502020204030204" pitchFamily="34" charset="0"/>
+                <a:ea typeface="Calibri" panose="020F0502020204030204" pitchFamily="34" charset="0"/>
+                <a:cs typeface="Calibri" panose="020F0502020204030204" pitchFamily="34" charset="0"/>
+                <a:sym typeface="Iowan Old Style Roman"/>
+              </a:rPr>
+              <a:t>IMDB Database</a:t>
             </a:r>
           </a:p>
           <a:p>
@@ -3718,15 +3675,42 @@
                 <a:uFillTx/>
               </a:defRPr>
             </a:pPr>
-            <a:endParaRPr lang="en-US" sz="2000" dirty="0">
-              <a:uFill>
-                <a:solidFill/>
-              </a:uFill>
-              <a:latin typeface="Arial Unicode MS" panose="020B0604020202020204" pitchFamily="34" charset="-128"/>
-              <a:ea typeface="Arial Unicode MS" panose="020B0604020202020204" pitchFamily="34" charset="-128"/>
-              <a:cs typeface="Arial Unicode MS" panose="020B0604020202020204" pitchFamily="34" charset="-128"/>
-              <a:sym typeface="Iowan Old Style Roman"/>
-            </a:endParaRPr>
+            <a:r>
+              <a:rPr lang="en-US" sz="2000" i="1" dirty="0">
+                <a:uFill>
+                  <a:solidFill/>
+                </a:uFill>
+                <a:latin typeface="Calibri" panose="020F0502020204030204" pitchFamily="34" charset="0"/>
+                <a:ea typeface="Calibri" panose="020F0502020204030204" pitchFamily="34" charset="0"/>
+                <a:cs typeface="Calibri" panose="020F0502020204030204" pitchFamily="34" charset="0"/>
+                <a:sym typeface="Iowan Old Style Roman"/>
+              </a:rPr>
+              <a:t>Return the</a:t>
+            </a:r>
+            <a:r>
+              <a:rPr sz="2000" i="1" dirty="0">
+                <a:uFill>
+                  <a:solidFill/>
+                </a:uFill>
+                <a:latin typeface="Calibri" panose="020F0502020204030204" pitchFamily="34" charset="0"/>
+                <a:ea typeface="Calibri" panose="020F0502020204030204" pitchFamily="34" charset="0"/>
+                <a:cs typeface="Calibri" panose="020F0502020204030204" pitchFamily="34" charset="0"/>
+                <a:sym typeface="Iowan Old Style Roman"/>
+              </a:rPr>
+              <a:t> </a:t>
+            </a:r>
+            <a:r>
+              <a:rPr lang="en-US" sz="2000" i="1" dirty="0">
+                <a:uFill>
+                  <a:solidFill/>
+                </a:uFill>
+                <a:latin typeface="Calibri" panose="020F0502020204030204" pitchFamily="34" charset="0"/>
+                <a:ea typeface="Calibri" panose="020F0502020204030204" pitchFamily="34" charset="0"/>
+                <a:cs typeface="Calibri" panose="020F0502020204030204" pitchFamily="34" charset="0"/>
+                <a:sym typeface="Iowan Old Style Roman"/>
+              </a:rPr>
+              <a:t>first and last names of actors</a:t>
+            </a:r>
           </a:p>
           <a:p>
             <a:pPr marL="267368" lvl="0" indent="-267368">
@@ -3747,20 +3731,21 @@
                 <a:uFill>
                   <a:solidFill/>
                 </a:uFill>
-                <a:latin typeface="Arial Unicode MS" panose="020B0604020202020204" pitchFamily="34" charset="-128"/>
-                <a:ea typeface="Arial Unicode MS" panose="020B0604020202020204" pitchFamily="34" charset="-128"/>
-                <a:cs typeface="Arial Unicode MS" panose="020B0604020202020204" pitchFamily="34" charset="-128"/>
-                <a:sym typeface="Iowan Old Style Roman"/>
-              </a:rPr>
-              <a:t>Find all the movie genres</a:t>
-            </a:r>
-          </a:p>
-          <a:p>
-            <a:pPr lvl="0">
+                <a:latin typeface="Calibri" panose="020F0502020204030204" pitchFamily="34" charset="0"/>
+                <a:ea typeface="Calibri" panose="020F0502020204030204" pitchFamily="34" charset="0"/>
+                <a:cs typeface="Calibri" panose="020F0502020204030204" pitchFamily="34" charset="0"/>
+                <a:sym typeface="Iowan Old Style Roman"/>
+              </a:rPr>
+              <a:t>Return year and rating for each movie</a:t>
+            </a:r>
+          </a:p>
+          <a:p>
+            <a:pPr marL="267368" lvl="0" indent="-267368">
               <a:spcBef>
                 <a:spcPts val="700"/>
               </a:spcBef>
               <a:buSzPct val="100000"/>
+              <a:buAutoNum type="arabicPeriod"/>
               <a:defRPr sz="1800">
                 <a:solidFill>
                   <a:srgbClr val="000000"/>
@@ -3772,9 +3757,9 @@
               <a:uFill>
                 <a:solidFill/>
               </a:uFill>
-              <a:latin typeface="Arial Unicode MS" panose="020B0604020202020204" pitchFamily="34" charset="-128"/>
-              <a:ea typeface="Arial Unicode MS" panose="020B0604020202020204" pitchFamily="34" charset="-128"/>
-              <a:cs typeface="Arial Unicode MS" panose="020B0604020202020204" pitchFamily="34" charset="-128"/>
+              <a:latin typeface="Calibri" panose="020F0502020204030204" pitchFamily="34" charset="0"/>
+              <a:ea typeface="Calibri" panose="020F0502020204030204" pitchFamily="34" charset="0"/>
+              <a:cs typeface="Calibri" panose="020F0502020204030204" pitchFamily="34" charset="0"/>
               <a:sym typeface="Iowan Old Style Roman"/>
             </a:endParaRPr>
           </a:p>
@@ -3796,84 +3781,13 @@
                 <a:uFill>
                   <a:solidFill/>
                 </a:uFill>
-                <a:latin typeface="Arial Unicode MS" panose="020B0604020202020204" pitchFamily="34" charset="-128"/>
-                <a:ea typeface="Arial Unicode MS" panose="020B0604020202020204" pitchFamily="34" charset="-128"/>
-                <a:cs typeface="Arial Unicode MS" panose="020B0604020202020204" pitchFamily="34" charset="-128"/>
-                <a:sym typeface="Iowan Old Style Roman"/>
-              </a:rPr>
-              <a:t>Facebook Database (“</a:t>
-            </a:r>
-            <a:r>
-              <a:rPr lang="en-US" sz="2000" b="1" dirty="0">
-                <a:uFill>
-                  <a:solidFill/>
-                </a:uFill>
-                <a:latin typeface="Arial Unicode MS" panose="020B0604020202020204" pitchFamily="34" charset="-128"/>
-                <a:ea typeface="Arial Unicode MS" panose="020B0604020202020204" pitchFamily="34" charset="-128"/>
-                <a:cs typeface="Arial Unicode MS" panose="020B0604020202020204" pitchFamily="34" charset="-128"/>
-                <a:sym typeface="Iowan Old Style Roman"/>
-              </a:rPr>
-              <a:t>use </a:t>
-            </a:r>
-            <a:r>
-              <a:rPr lang="en-US" sz="2000" b="1" dirty="0" err="1">
-                <a:uFill>
-                  <a:solidFill/>
-                </a:uFill>
-                <a:latin typeface="Arial Unicode MS" panose="020B0604020202020204" pitchFamily="34" charset="-128"/>
-                <a:ea typeface="Arial Unicode MS" panose="020B0604020202020204" pitchFamily="34" charset="-128"/>
-                <a:cs typeface="Arial Unicode MS" panose="020B0604020202020204" pitchFamily="34" charset="-128"/>
-                <a:sym typeface="Iowan Old Style Roman"/>
-              </a:rPr>
-              <a:t>facebook</a:t>
-            </a:r>
-            <a:r>
-              <a:rPr lang="en-US" sz="2000" b="1" dirty="0">
-                <a:uFill>
-                  <a:solidFill/>
-                </a:uFill>
-                <a:latin typeface="Arial Unicode MS" panose="020B0604020202020204" pitchFamily="34" charset="-128"/>
-                <a:ea typeface="Arial Unicode MS" panose="020B0604020202020204" pitchFamily="34" charset="-128"/>
-                <a:cs typeface="Arial Unicode MS" panose="020B0604020202020204" pitchFamily="34" charset="-128"/>
-                <a:sym typeface="Iowan Old Style Roman"/>
-              </a:rPr>
-              <a:t>;</a:t>
-            </a:r>
-            <a:r>
-              <a:rPr lang="en-US" sz="2000" dirty="0">
-                <a:uFill>
-                  <a:solidFill/>
-                </a:uFill>
-                <a:latin typeface="Arial Unicode MS" panose="020B0604020202020204" pitchFamily="34" charset="-128"/>
-                <a:ea typeface="Arial Unicode MS" panose="020B0604020202020204" pitchFamily="34" charset="-128"/>
-                <a:cs typeface="Arial Unicode MS" panose="020B0604020202020204" pitchFamily="34" charset="-128"/>
-                <a:sym typeface="Iowan Old Style Roman"/>
-              </a:rPr>
-              <a:t>”)</a:t>
-            </a:r>
-          </a:p>
-          <a:p>
-            <a:pPr>
-              <a:spcBef>
-                <a:spcPts val="700"/>
-              </a:spcBef>
-              <a:buSzPct val="100000"/>
-              <a:defRPr sz="1800">
-                <a:solidFill>
-                  <a:srgbClr val="000000"/>
-                </a:solidFill>
-                <a:uFillTx/>
-              </a:defRPr>
-            </a:pPr>
-            <a:endParaRPr lang="en-US" sz="2000" dirty="0">
-              <a:uFill>
-                <a:solidFill/>
-              </a:uFill>
-              <a:latin typeface="Arial Unicode MS" panose="020B0604020202020204" pitchFamily="34" charset="-128"/>
-              <a:ea typeface="Arial Unicode MS" panose="020B0604020202020204" pitchFamily="34" charset="-128"/>
-              <a:cs typeface="Arial Unicode MS" panose="020B0604020202020204" pitchFamily="34" charset="-128"/>
-              <a:sym typeface="Iowan Old Style Roman"/>
-            </a:endParaRPr>
+                <a:latin typeface="Calibri" panose="020F0502020204030204" pitchFamily="34" charset="0"/>
+                <a:ea typeface="Calibri" panose="020F0502020204030204" pitchFamily="34" charset="0"/>
+                <a:cs typeface="Calibri" panose="020F0502020204030204" pitchFamily="34" charset="0"/>
+                <a:sym typeface="Iowan Old Style Roman"/>
+              </a:rPr>
+              <a:t>Facebook Database</a:t>
+            </a:r>
           </a:p>
           <a:p>
             <a:pPr marL="457200" indent="-457200">
@@ -3895,36 +3809,12 @@
                 <a:uFill>
                   <a:solidFill/>
                 </a:uFill>
-                <a:latin typeface="Arial Unicode MS" panose="020B0604020202020204" pitchFamily="34" charset="-128"/>
-                <a:ea typeface="Arial Unicode MS" panose="020B0604020202020204" pitchFamily="34" charset="-128"/>
-                <a:cs typeface="Arial Unicode MS" panose="020B0604020202020204" pitchFamily="34" charset="-128"/>
-                <a:sym typeface="Iowan Old Style Roman"/>
-              </a:rPr>
-              <a:t>Return the distinct </a:t>
-            </a:r>
-            <a:r>
-              <a:rPr lang="en-US" sz="2000" dirty="0" err="1">
-                <a:uFill>
-                  <a:solidFill/>
-                </a:uFill>
-                <a:latin typeface="Arial Unicode MS" panose="020B0604020202020204" pitchFamily="34" charset="-128"/>
-                <a:ea typeface="Arial Unicode MS" panose="020B0604020202020204" pitchFamily="34" charset="-128"/>
-                <a:cs typeface="Arial Unicode MS" panose="020B0604020202020204" pitchFamily="34" charset="-128"/>
-                <a:sym typeface="Iowan Old Style Roman"/>
-              </a:rPr>
-              <a:t>PoliticalViews</a:t>
-            </a:r>
-            <a:r>
-              <a:rPr lang="en-US" sz="2000" dirty="0">
-                <a:uFill>
-                  <a:solidFill/>
-                </a:uFill>
-                <a:latin typeface="Arial Unicode MS" panose="020B0604020202020204" pitchFamily="34" charset="-128"/>
-                <a:ea typeface="Arial Unicode MS" panose="020B0604020202020204" pitchFamily="34" charset="-128"/>
-                <a:cs typeface="Arial Unicode MS" panose="020B0604020202020204" pitchFamily="34" charset="-128"/>
-                <a:sym typeface="Iowan Old Style Roman"/>
-              </a:rPr>
-              <a:t> from the Profiles table</a:t>
+                <a:latin typeface="Calibri" panose="020F0502020204030204" pitchFamily="34" charset="0"/>
+                <a:ea typeface="Calibri" panose="020F0502020204030204" pitchFamily="34" charset="0"/>
+                <a:cs typeface="Calibri" panose="020F0502020204030204" pitchFamily="34" charset="0"/>
+                <a:sym typeface="Iowan Old Style Roman"/>
+              </a:rPr>
+              <a:t>Return Name, Sex, and Birthday of all students</a:t>
             </a:r>
           </a:p>
           <a:p>
@@ -3947,12 +3837,12 @@
                 <a:uFill>
                   <a:solidFill/>
                 </a:uFill>
-                <a:latin typeface="Arial Unicode MS" panose="020B0604020202020204" pitchFamily="34" charset="-128"/>
-                <a:ea typeface="Arial Unicode MS" panose="020B0604020202020204" pitchFamily="34" charset="-128"/>
-                <a:cs typeface="Arial Unicode MS" panose="020B0604020202020204" pitchFamily="34" charset="-128"/>
-                <a:sym typeface="Iowan Old Style Roman"/>
-              </a:rPr>
-              <a:t>Return the distinct Sex values from the Profiles table</a:t>
+                <a:latin typeface="Calibri" panose="020F0502020204030204" pitchFamily="34" charset="0"/>
+                <a:ea typeface="Calibri" panose="020F0502020204030204" pitchFamily="34" charset="0"/>
+                <a:cs typeface="Calibri" panose="020F0502020204030204" pitchFamily="34" charset="0"/>
+                <a:sym typeface="Iowan Old Style Roman"/>
+              </a:rPr>
+              <a:t>Return Sex, and Political Views of all students</a:t>
             </a:r>
           </a:p>
           <a:p>
@@ -3975,46 +3865,20 @@
                 <a:uFill>
                   <a:solidFill/>
                 </a:uFill>
-                <a:latin typeface="Arial Unicode MS" panose="020B0604020202020204" pitchFamily="34" charset="-128"/>
-                <a:ea typeface="Arial Unicode MS" panose="020B0604020202020204" pitchFamily="34" charset="-128"/>
-                <a:cs typeface="Arial Unicode MS" panose="020B0604020202020204" pitchFamily="34" charset="-128"/>
-                <a:sym typeface="Iowan Old Style Roman"/>
-              </a:rPr>
-              <a:t>Find what students are “</a:t>
-            </a:r>
-            <a:r>
-              <a:rPr lang="en-US" sz="2000" dirty="0" err="1">
-                <a:uFill>
-                  <a:solidFill/>
-                </a:uFill>
-                <a:latin typeface="Arial Unicode MS" panose="020B0604020202020204" pitchFamily="34" charset="-128"/>
-                <a:ea typeface="Arial Unicode MS" panose="020B0604020202020204" pitchFamily="34" charset="-128"/>
-                <a:cs typeface="Arial Unicode MS" panose="020B0604020202020204" pitchFamily="34" charset="-128"/>
-                <a:sym typeface="Iowan Old Style Roman"/>
-              </a:rPr>
-              <a:t>LookingFor</a:t>
-            </a:r>
-            <a:r>
-              <a:rPr lang="en-US" sz="2000" dirty="0">
-                <a:uFill>
-                  <a:solidFill/>
-                </a:uFill>
-                <a:latin typeface="Arial Unicode MS" panose="020B0604020202020204" pitchFamily="34" charset="-128"/>
-                <a:ea typeface="Arial Unicode MS" panose="020B0604020202020204" pitchFamily="34" charset="-128"/>
-                <a:cs typeface="Arial Unicode MS" panose="020B0604020202020204" pitchFamily="34" charset="-128"/>
-                <a:sym typeface="Iowan Old Style Roman"/>
-              </a:rPr>
-              <a:t>”</a:t>
-            </a:r>
-          </a:p>
-          <a:p>
-            <a:pPr marL="457200" indent="-457200">
+                <a:latin typeface="Calibri" panose="020F0502020204030204" pitchFamily="34" charset="0"/>
+                <a:ea typeface="Calibri" panose="020F0502020204030204" pitchFamily="34" charset="0"/>
+                <a:cs typeface="Calibri" panose="020F0502020204030204" pitchFamily="34" charset="0"/>
+                <a:sym typeface="Iowan Old Style Roman"/>
+              </a:rPr>
+              <a:t>Return the Relationship status column</a:t>
+            </a:r>
+          </a:p>
+          <a:p>
+            <a:pPr lvl="0">
               <a:spcBef>
                 <a:spcPts val="700"/>
               </a:spcBef>
               <a:buSzPct val="100000"/>
-              <a:buFont typeface="+mj-lt"/>
-              <a:buAutoNum type="arabicPeriod"/>
               <a:defRPr sz="1800">
                 <a:solidFill>
                   <a:srgbClr val="000000"/>
@@ -4022,69 +3886,13 @@
                 <a:uFillTx/>
               </a:defRPr>
             </a:pPr>
-            <a:r>
-              <a:rPr lang="en-US" sz="2000" dirty="0">
-                <a:uFill>
-                  <a:solidFill/>
-                </a:uFill>
-                <a:latin typeface="Arial Unicode MS" panose="020B0604020202020204" pitchFamily="34" charset="-128"/>
-                <a:ea typeface="Arial Unicode MS" panose="020B0604020202020204" pitchFamily="34" charset="-128"/>
-                <a:cs typeface="Arial Unicode MS" panose="020B0604020202020204" pitchFamily="34" charset="-128"/>
-                <a:sym typeface="Iowan Old Style Roman"/>
-              </a:rPr>
-              <a:t>Find all possible “Relationship” statuses</a:t>
-            </a:r>
-          </a:p>
-          <a:p>
-            <a:pPr marL="457200" indent="-457200">
-              <a:spcBef>
-                <a:spcPts val="700"/>
-              </a:spcBef>
-              <a:buSzPct val="100000"/>
-              <a:buFont typeface="+mj-lt"/>
-              <a:buAutoNum type="arabicPeriod"/>
-              <a:defRPr sz="1800">
-                <a:solidFill>
-                  <a:srgbClr val="000000"/>
-                </a:solidFill>
-                <a:uFillTx/>
-              </a:defRPr>
-            </a:pPr>
-            <a:r>
-              <a:rPr lang="en-US" sz="2000" dirty="0">
-                <a:uFill>
-                  <a:solidFill/>
-                </a:uFill>
-                <a:latin typeface="Arial Unicode MS" panose="020B0604020202020204" pitchFamily="34" charset="-128"/>
-                <a:ea typeface="Arial Unicode MS" panose="020B0604020202020204" pitchFamily="34" charset="-128"/>
-                <a:cs typeface="Arial Unicode MS" panose="020B0604020202020204" pitchFamily="34" charset="-128"/>
-                <a:sym typeface="Iowan Old Style Roman"/>
-              </a:rPr>
-              <a:t>Find all possible Concentrations</a:t>
-            </a:r>
-          </a:p>
-          <a:p>
-            <a:pPr marL="457200" indent="-457200">
-              <a:spcBef>
-                <a:spcPts val="700"/>
-              </a:spcBef>
-              <a:buSzPct val="100000"/>
-              <a:buFont typeface="+mj-lt"/>
-              <a:buAutoNum type="arabicPeriod"/>
-              <a:defRPr sz="1800">
-                <a:solidFill>
-                  <a:srgbClr val="000000"/>
-                </a:solidFill>
-                <a:uFillTx/>
-              </a:defRPr>
-            </a:pPr>
-            <a:endParaRPr lang="en-US" sz="2000" dirty="0">
+            <a:endParaRPr sz="2000" dirty="0">
               <a:uFill>
                 <a:solidFill/>
               </a:uFill>
-              <a:latin typeface="Arial Unicode MS" panose="020B0604020202020204" pitchFamily="34" charset="-128"/>
-              <a:ea typeface="Arial Unicode MS" panose="020B0604020202020204" pitchFamily="34" charset="-128"/>
-              <a:cs typeface="Arial Unicode MS" panose="020B0604020202020204" pitchFamily="34" charset="-128"/>
+              <a:latin typeface="Calibri" panose="020F0502020204030204" pitchFamily="34" charset="0"/>
+              <a:ea typeface="Calibri" panose="020F0502020204030204" pitchFamily="34" charset="0"/>
+              <a:cs typeface="Calibri" panose="020F0502020204030204" pitchFamily="34" charset="0"/>
               <a:sym typeface="Iowan Old Style Roman"/>
             </a:endParaRPr>
           </a:p>
@@ -4093,7 +3901,7 @@
     </p:spTree>
     <p:extLst>
       <p:ext uri="{BB962C8B-B14F-4D97-AF65-F5344CB8AC3E}">
-        <p14:creationId xmlns:p14="http://schemas.microsoft.com/office/powerpoint/2010/main" val="3126564543"/>
+        <p14:creationId xmlns:p14="http://schemas.microsoft.com/office/powerpoint/2010/main" val="177407972"/>
       </p:ext>
     </p:extLst>
   </p:cSld>
@@ -4140,7 +3948,7 @@
           </a:ln>
           <a:extLst>
             <a:ext uri="{C572A759-6A51-4108-AA02-DFA0A04FC94B}">
-              <ma14:wrappingTextBoxFlag xmlns:ma14="http://schemas.microsoft.com/office/mac/drawingml/2011/main" xmlns="" val="1"/>
+              <ma14:wrappingTextBoxFlag xmlns="" xmlns:ma14="http://schemas.microsoft.com/office/mac/drawingml/2011/main" val="1"/>
             </a:ext>
           </a:extLst>
         </p:spPr>
@@ -4169,26 +3977,15 @@
               </a:defRPr>
             </a:pPr>
             <a:r>
-              <a:rPr sz="3000" b="1" dirty="0">
+              <a:rPr lang="en-US" sz="3000" b="1" dirty="0">
                 <a:uFill>
                   <a:solidFill>
                     <a:srgbClr val="FFFFFF"/>
                   </a:solidFill>
                 </a:uFill>
-                <a:latin typeface="Arial Unicode MS" panose="020B0604020202020204" pitchFamily="34" charset="-128"/>
-              </a:rPr>
-              <a:t>The </a:t>
-            </a:r>
-            <a:r>
-              <a:rPr lang="en-US" sz="3000" b="1" dirty="0">
-                <a:uFill>
-                  <a:solidFill>
-                    <a:srgbClr val="FFFFFF"/>
-                  </a:solidFill>
-                </a:uFill>
-                <a:latin typeface="Arial Unicode MS" panose="020B0604020202020204" pitchFamily="34" charset="-128"/>
-              </a:rPr>
-              <a:t>ORDER BY and LIMIT clause</a:t>
+                <a:latin typeface="Calibri" panose="020F0502020204030204" pitchFamily="34" charset="0"/>
+              </a:rPr>
+              <a:t>Aliases: The AS clause</a:t>
             </a:r>
             <a:endParaRPr sz="3000" b="1" dirty="0">
               <a:uFill>
@@ -4196,7 +3993,7 @@
                   <a:srgbClr val="FFFFFF"/>
                 </a:solidFill>
               </a:uFill>
-              <a:latin typeface="Arial Unicode MS" panose="020B0604020202020204" pitchFamily="34" charset="-128"/>
+              <a:latin typeface="Calibri" panose="020F0502020204030204" pitchFamily="34" charset="0"/>
             </a:endParaRPr>
           </a:p>
         </p:txBody>
@@ -4209,8 +4006,8 @@
         </p:nvSpPr>
         <p:spPr>
           <a:xfrm>
-            <a:off x="1130768" y="4093454"/>
-            <a:ext cx="7012919" cy="2085186"/>
+            <a:off x="466918" y="3695809"/>
+            <a:ext cx="8562288" cy="507831"/>
           </a:xfrm>
           <a:prstGeom prst="rect">
             <a:avLst/>
@@ -4220,7 +4017,7 @@
           </a:ln>
           <a:extLst>
             <a:ext uri="{C572A759-6A51-4108-AA02-DFA0A04FC94B}">
-              <ma14:wrappingTextBoxFlag xmlns:ma14="http://schemas.microsoft.com/office/mac/drawingml/2011/main" xmlns="" val="1"/>
+              <ma14:wrappingTextBoxFlag xmlns="" xmlns:ma14="http://schemas.microsoft.com/office/mac/drawingml/2011/main" val="1"/>
             </a:ext>
           </a:extLst>
         </p:spPr>
@@ -4241,352 +4038,28 @@
                 <a:uFillTx/>
               </a:defRPr>
             </a:pPr>
-            <a:r>
-              <a:rPr sz="2800" b="1" dirty="0">
-                <a:uFill>
-                  <a:solidFill/>
-                </a:uFill>
-                <a:latin typeface="Arial Unicode MS" panose="020B0604020202020204" pitchFamily="34" charset="-128"/>
-                <a:ea typeface="Arial Unicode MS" panose="020B0604020202020204" pitchFamily="34" charset="-128"/>
-                <a:cs typeface="Arial Unicode MS" panose="020B0604020202020204" pitchFamily="34" charset="-128"/>
-                <a:sym typeface="Iowan Old Style Roman"/>
-              </a:rPr>
-              <a:t>SELECT </a:t>
-            </a:r>
-            <a:r>
-              <a:rPr lang="en-US" sz="2800" b="1" dirty="0">
-                <a:uFill>
-                  <a:solidFill/>
-                </a:uFill>
-                <a:latin typeface="Arial Unicode MS" panose="020B0604020202020204" pitchFamily="34" charset="-128"/>
-                <a:ea typeface="Arial Unicode MS" panose="020B0604020202020204" pitchFamily="34" charset="-128"/>
-                <a:cs typeface="Arial Unicode MS" panose="020B0604020202020204" pitchFamily="34" charset="-128"/>
-                <a:sym typeface="Iowan Old Style Roman"/>
-              </a:rPr>
-              <a:t>		</a:t>
-            </a:r>
-            <a:r>
-              <a:rPr sz="2800" b="1" dirty="0">
-                <a:uFill>
-                  <a:solidFill/>
-                </a:uFill>
-                <a:latin typeface="Arial Unicode MS" panose="020B0604020202020204" pitchFamily="34" charset="-128"/>
-                <a:ea typeface="Arial Unicode MS" panose="020B0604020202020204" pitchFamily="34" charset="-128"/>
-                <a:cs typeface="Arial Unicode MS" panose="020B0604020202020204" pitchFamily="34" charset="-128"/>
-                <a:sym typeface="Iowan Old Style Roman"/>
-              </a:rPr>
-              <a:t>A</a:t>
-            </a:r>
-            <a:r>
-              <a:rPr sz="2800" b="1" baseline="-5999" dirty="0">
-                <a:uFill>
-                  <a:solidFill/>
-                </a:uFill>
-                <a:latin typeface="Arial Unicode MS" panose="020B0604020202020204" pitchFamily="34" charset="-128"/>
-                <a:ea typeface="Arial Unicode MS" panose="020B0604020202020204" pitchFamily="34" charset="-128"/>
-                <a:cs typeface="Arial Unicode MS" panose="020B0604020202020204" pitchFamily="34" charset="-128"/>
-                <a:sym typeface="Iowan Old Style Roman"/>
-              </a:rPr>
-              <a:t>1</a:t>
-            </a:r>
-            <a:r>
-              <a:rPr lang="en-US" sz="2800" b="1" baseline="-5999" dirty="0">
-                <a:uFill>
-                  <a:solidFill/>
-                </a:uFill>
-                <a:latin typeface="Arial Unicode MS" panose="020B0604020202020204" pitchFamily="34" charset="-128"/>
-                <a:ea typeface="Arial Unicode MS" panose="020B0604020202020204" pitchFamily="34" charset="-128"/>
-                <a:cs typeface="Arial Unicode MS" panose="020B0604020202020204" pitchFamily="34" charset="-128"/>
-                <a:sym typeface="Iowan Old Style Roman"/>
-              </a:rPr>
-              <a:t> </a:t>
-            </a:r>
-            <a:r>
-              <a:rPr sz="2800" b="1" baseline="-5999" dirty="0">
-                <a:uFill>
-                  <a:solidFill/>
-                </a:uFill>
-                <a:latin typeface="Arial Unicode MS" panose="020B0604020202020204" pitchFamily="34" charset="-128"/>
-                <a:ea typeface="Arial Unicode MS" panose="020B0604020202020204" pitchFamily="34" charset="-128"/>
-                <a:cs typeface="Arial Unicode MS" panose="020B0604020202020204" pitchFamily="34" charset="-128"/>
-                <a:sym typeface="Iowan Old Style Roman"/>
-              </a:rPr>
-              <a:t>, </a:t>
-            </a:r>
-            <a:r>
-              <a:rPr sz="2800" b="1" dirty="0">
-                <a:uFill>
-                  <a:solidFill/>
-                </a:uFill>
-                <a:latin typeface="Arial Unicode MS" panose="020B0604020202020204" pitchFamily="34" charset="-128"/>
-                <a:ea typeface="Arial Unicode MS" panose="020B0604020202020204" pitchFamily="34" charset="-128"/>
-                <a:cs typeface="Arial Unicode MS" panose="020B0604020202020204" pitchFamily="34" charset="-128"/>
-                <a:sym typeface="Iowan Old Style Roman"/>
-              </a:rPr>
-              <a:t>A</a:t>
-            </a:r>
-            <a:r>
-              <a:rPr sz="2800" b="1" baseline="-5999" dirty="0">
-                <a:uFill>
-                  <a:solidFill/>
-                </a:uFill>
-                <a:latin typeface="Arial Unicode MS" panose="020B0604020202020204" pitchFamily="34" charset="-128"/>
-                <a:ea typeface="Arial Unicode MS" panose="020B0604020202020204" pitchFamily="34" charset="-128"/>
-                <a:cs typeface="Arial Unicode MS" panose="020B0604020202020204" pitchFamily="34" charset="-128"/>
-                <a:sym typeface="Iowan Old Style Roman"/>
-              </a:rPr>
-              <a:t>2, </a:t>
-            </a:r>
-            <a:r>
-              <a:rPr sz="2800" b="1" dirty="0">
-                <a:uFill>
-                  <a:solidFill/>
-                </a:uFill>
-                <a:latin typeface="Arial Unicode MS" panose="020B0604020202020204" pitchFamily="34" charset="-128"/>
-                <a:ea typeface="Arial Unicode MS" panose="020B0604020202020204" pitchFamily="34" charset="-128"/>
-                <a:cs typeface="Arial Unicode MS" panose="020B0604020202020204" pitchFamily="34" charset="-128"/>
-                <a:sym typeface="Iowan Old Style Roman"/>
-              </a:rPr>
-              <a:t>A</a:t>
-            </a:r>
-            <a:r>
-              <a:rPr sz="2800" b="1" baseline="-5999" dirty="0">
-                <a:uFill>
-                  <a:solidFill/>
-                </a:uFill>
-                <a:latin typeface="Arial Unicode MS" panose="020B0604020202020204" pitchFamily="34" charset="-128"/>
-                <a:ea typeface="Arial Unicode MS" panose="020B0604020202020204" pitchFamily="34" charset="-128"/>
-                <a:cs typeface="Arial Unicode MS" panose="020B0604020202020204" pitchFamily="34" charset="-128"/>
-                <a:sym typeface="Iowan Old Style Roman"/>
-              </a:rPr>
-              <a:t>3, …, </a:t>
-            </a:r>
-            <a:r>
-              <a:rPr sz="2800" b="1" dirty="0">
-                <a:uFill>
-                  <a:solidFill/>
-                </a:uFill>
-                <a:latin typeface="Arial Unicode MS" panose="020B0604020202020204" pitchFamily="34" charset="-128"/>
-                <a:ea typeface="Arial Unicode MS" panose="020B0604020202020204" pitchFamily="34" charset="-128"/>
-                <a:cs typeface="Arial Unicode MS" panose="020B0604020202020204" pitchFamily="34" charset="-128"/>
-                <a:sym typeface="Iowan Old Style Roman"/>
-              </a:rPr>
-              <a:t>A</a:t>
-            </a:r>
-            <a:r>
-              <a:rPr sz="2800" b="1" baseline="-5999" dirty="0">
-                <a:uFill>
-                  <a:solidFill/>
-                </a:uFill>
-                <a:latin typeface="Arial Unicode MS" panose="020B0604020202020204" pitchFamily="34" charset="-128"/>
-                <a:ea typeface="Arial Unicode MS" panose="020B0604020202020204" pitchFamily="34" charset="-128"/>
-                <a:cs typeface="Arial Unicode MS" panose="020B0604020202020204" pitchFamily="34" charset="-128"/>
-                <a:sym typeface="Iowan Old Style Roman"/>
-              </a:rPr>
-              <a:t>n </a:t>
-            </a:r>
-          </a:p>
-          <a:p>
-            <a:pPr lvl="0">
-              <a:spcBef>
-                <a:spcPts val="700"/>
-              </a:spcBef>
-              <a:defRPr sz="1800">
-                <a:solidFill>
-                  <a:srgbClr val="000000"/>
-                </a:solidFill>
-                <a:uFillTx/>
-              </a:defRPr>
-            </a:pPr>
-            <a:r>
-              <a:rPr sz="2800" b="1" dirty="0">
-                <a:uFill>
-                  <a:solidFill/>
-                </a:uFill>
-                <a:latin typeface="Arial Unicode MS" panose="020B0604020202020204" pitchFamily="34" charset="-128"/>
-                <a:ea typeface="Arial Unicode MS" panose="020B0604020202020204" pitchFamily="34" charset="-128"/>
-                <a:cs typeface="Arial Unicode MS" panose="020B0604020202020204" pitchFamily="34" charset="-128"/>
-                <a:sym typeface="Iowan Old Style Roman"/>
-              </a:rPr>
-              <a:t>FROM 	</a:t>
-            </a:r>
-            <a:r>
-              <a:rPr lang="en-US" sz="2800" b="1" dirty="0">
-                <a:uFill>
-                  <a:solidFill/>
-                </a:uFill>
-                <a:latin typeface="Arial Unicode MS" panose="020B0604020202020204" pitchFamily="34" charset="-128"/>
-                <a:ea typeface="Arial Unicode MS" panose="020B0604020202020204" pitchFamily="34" charset="-128"/>
-                <a:cs typeface="Arial Unicode MS" panose="020B0604020202020204" pitchFamily="34" charset="-128"/>
-                <a:sym typeface="Iowan Old Style Roman"/>
-              </a:rPr>
-              <a:t>	</a:t>
-            </a:r>
-            <a:r>
-              <a:rPr lang="en-US" sz="2800" b="1" dirty="0" err="1">
-                <a:uFill>
-                  <a:solidFill/>
-                </a:uFill>
-                <a:latin typeface="Arial Unicode MS" panose="020B0604020202020204" pitchFamily="34" charset="-128"/>
-                <a:ea typeface="Arial Unicode MS" panose="020B0604020202020204" pitchFamily="34" charset="-128"/>
-                <a:cs typeface="Arial Unicode MS" panose="020B0604020202020204" pitchFamily="34" charset="-128"/>
-                <a:sym typeface="Iowan Old Style Roman"/>
-              </a:rPr>
-              <a:t>TableName</a:t>
-            </a:r>
-            <a:endParaRPr lang="en-US" sz="2800" b="1" dirty="0">
+            <a:endParaRPr sz="2700" dirty="0">
               <a:uFill>
                 <a:solidFill/>
               </a:uFill>
-              <a:latin typeface="Arial Unicode MS" panose="020B0604020202020204" pitchFamily="34" charset="-128"/>
-              <a:ea typeface="Arial Unicode MS" panose="020B0604020202020204" pitchFamily="34" charset="-128"/>
-              <a:cs typeface="Arial Unicode MS" panose="020B0604020202020204" pitchFamily="34" charset="-128"/>
+              <a:latin typeface="Consolas" panose="020B0609020204030204" pitchFamily="49" charset="0"/>
+              <a:ea typeface="Calibri" panose="020F0502020204030204" pitchFamily="34" charset="0"/>
+              <a:cs typeface="Calibri" panose="020F0502020204030204" pitchFamily="34" charset="0"/>
               <a:sym typeface="Iowan Old Style Roman"/>
             </a:endParaRPr>
           </a:p>
-          <a:p>
-            <a:pPr>
-              <a:spcBef>
-                <a:spcPts val="700"/>
-              </a:spcBef>
-              <a:defRPr sz="1800">
-                <a:solidFill>
-                  <a:srgbClr val="000000"/>
-                </a:solidFill>
-                <a:uFillTx/>
-              </a:defRPr>
-            </a:pPr>
-            <a:r>
-              <a:rPr lang="en-US" sz="2800" b="1" dirty="0">
-                <a:uFill>
-                  <a:solidFill/>
-                </a:uFill>
-                <a:latin typeface="Arial Unicode MS" panose="020B0604020202020204" pitchFamily="34" charset="-128"/>
-                <a:ea typeface="Arial Unicode MS" panose="020B0604020202020204" pitchFamily="34" charset="-128"/>
-                <a:cs typeface="Arial Unicode MS" panose="020B0604020202020204" pitchFamily="34" charset="-128"/>
-                <a:sym typeface="Iowan Old Style Roman"/>
-              </a:rPr>
-              <a:t>ORDER BY 	A</a:t>
-            </a:r>
-            <a:r>
-              <a:rPr lang="en-US" sz="2800" b="1" baseline="-5999" dirty="0">
-                <a:uFill>
-                  <a:solidFill/>
-                </a:uFill>
-                <a:latin typeface="Arial Unicode MS" panose="020B0604020202020204" pitchFamily="34" charset="-128"/>
-                <a:ea typeface="Arial Unicode MS" panose="020B0604020202020204" pitchFamily="34" charset="-128"/>
-                <a:cs typeface="Arial Unicode MS" panose="020B0604020202020204" pitchFamily="34" charset="-128"/>
-                <a:sym typeface="Iowan Old Style Roman"/>
-              </a:rPr>
-              <a:t>1 </a:t>
-            </a:r>
-            <a:r>
-              <a:rPr lang="en-US" b="1" dirty="0">
-                <a:uFill>
-                  <a:solidFill/>
-                </a:uFill>
-                <a:latin typeface="Arial Unicode MS" panose="020B0604020202020204" pitchFamily="34" charset="-128"/>
-                <a:ea typeface="Arial Unicode MS" panose="020B0604020202020204" pitchFamily="34" charset="-128"/>
-                <a:cs typeface="Arial Unicode MS" panose="020B0604020202020204" pitchFamily="34" charset="-128"/>
-                <a:sym typeface="Iowan Old Style Roman"/>
-              </a:rPr>
-              <a:t>[ASC|DESC]</a:t>
-            </a:r>
-            <a:r>
-              <a:rPr lang="en-US" sz="2800" b="1" dirty="0">
-                <a:uFill>
-                  <a:solidFill/>
-                </a:uFill>
-                <a:latin typeface="Arial Unicode MS" panose="020B0604020202020204" pitchFamily="34" charset="-128"/>
-                <a:ea typeface="Arial Unicode MS" panose="020B0604020202020204" pitchFamily="34" charset="-128"/>
-                <a:cs typeface="Arial Unicode MS" panose="020B0604020202020204" pitchFamily="34" charset="-128"/>
-                <a:sym typeface="Iowan Old Style Roman"/>
-              </a:rPr>
-              <a:t>, A</a:t>
-            </a:r>
-            <a:r>
-              <a:rPr lang="en-US" sz="2800" b="1" baseline="-5999" dirty="0">
-                <a:uFill>
-                  <a:solidFill/>
-                </a:uFill>
-                <a:latin typeface="Arial Unicode MS" panose="020B0604020202020204" pitchFamily="34" charset="-128"/>
-                <a:ea typeface="Arial Unicode MS" panose="020B0604020202020204" pitchFamily="34" charset="-128"/>
-                <a:cs typeface="Arial Unicode MS" panose="020B0604020202020204" pitchFamily="34" charset="-128"/>
-                <a:sym typeface="Iowan Old Style Roman"/>
-              </a:rPr>
-              <a:t>2 </a:t>
-            </a:r>
-            <a:r>
-              <a:rPr lang="en-US" b="1" dirty="0">
-                <a:uFill>
-                  <a:solidFill/>
-                </a:uFill>
-                <a:latin typeface="Arial Unicode MS" panose="020B0604020202020204" pitchFamily="34" charset="-128"/>
-                <a:ea typeface="Arial Unicode MS" panose="020B0604020202020204" pitchFamily="34" charset="-128"/>
-                <a:cs typeface="Arial Unicode MS" panose="020B0604020202020204" pitchFamily="34" charset="-128"/>
-                <a:sym typeface="Iowan Old Style Roman"/>
-              </a:rPr>
-              <a:t>[ASC|DESC],…</a:t>
-            </a:r>
-          </a:p>
-          <a:p>
-            <a:pPr>
-              <a:spcBef>
-                <a:spcPts val="700"/>
-              </a:spcBef>
-              <a:defRPr sz="1800">
-                <a:solidFill>
-                  <a:srgbClr val="000000"/>
-                </a:solidFill>
-                <a:uFillTx/>
-              </a:defRPr>
-            </a:pPr>
-            <a:r>
-              <a:rPr lang="en-US" sz="2800" b="1" dirty="0">
-                <a:uFill>
-                  <a:solidFill/>
-                </a:uFill>
-                <a:latin typeface="Arial Unicode MS" panose="020B0604020202020204" pitchFamily="34" charset="-128"/>
-                <a:ea typeface="Arial Unicode MS" panose="020B0604020202020204" pitchFamily="34" charset="-128"/>
-                <a:cs typeface="Arial Unicode MS" panose="020B0604020202020204" pitchFamily="34" charset="-128"/>
-                <a:sym typeface="Iowan Old Style Roman"/>
-              </a:rPr>
-              <a:t>LIMIT		N </a:t>
-            </a:r>
-            <a:r>
-              <a:rPr lang="en-US" sz="2000" b="1" dirty="0">
-                <a:uFill>
-                  <a:solidFill/>
-                </a:uFill>
-                <a:latin typeface="Arial Unicode MS" panose="020B0604020202020204" pitchFamily="34" charset="-128"/>
-                <a:ea typeface="Arial Unicode MS" panose="020B0604020202020204" pitchFamily="34" charset="-128"/>
-                <a:cs typeface="Arial Unicode MS" panose="020B0604020202020204" pitchFamily="34" charset="-128"/>
-                <a:sym typeface="Iowan Old Style Roman"/>
-              </a:rPr>
-              <a:t>[OFFSET M]</a:t>
-            </a:r>
-            <a:endParaRPr lang="en-US" sz="2800" b="1" dirty="0">
-              <a:uFill>
-                <a:solidFill/>
-              </a:uFill>
-              <a:latin typeface="Arial Unicode MS" panose="020B0604020202020204" pitchFamily="34" charset="-128"/>
-              <a:ea typeface="Arial Unicode MS" panose="020B0604020202020204" pitchFamily="34" charset="-128"/>
-              <a:cs typeface="Arial Unicode MS" panose="020B0604020202020204" pitchFamily="34" charset="-128"/>
-              <a:sym typeface="Iowan Old Style Roman"/>
-            </a:endParaRPr>
-          </a:p>
-        </p:txBody>
-      </p:sp>
-      <p:sp>
-        <p:nvSpPr>
-          <p:cNvPr id="37" name="Shape 37"/>
+        </p:txBody>
+      </p:sp>
+      <p:sp>
+        <p:nvSpPr>
+          <p:cNvPr id="4" name="Shape 27"/>
           <p:cNvSpPr/>
           <p:nvPr/>
         </p:nvSpPr>
         <p:spPr>
           <a:xfrm>
-            <a:off x="1" y="920966"/>
-            <a:ext cx="9144000" cy="3016210"/>
+            <a:off x="581712" y="1121605"/>
+            <a:ext cx="7964563" cy="1705595"/>
           </a:xfrm>
           <a:prstGeom prst="rect">
             <a:avLst/>
@@ -4596,7 +4069,950 @@
           </a:ln>
           <a:extLst>
             <a:ext uri="{C572A759-6A51-4108-AA02-DFA0A04FC94B}">
-              <ma14:wrappingTextBoxFlag xmlns:ma14="http://schemas.microsoft.com/office/mac/drawingml/2011/main" xmlns="" val="1"/>
+              <ma14:wrappingTextBoxFlag xmlns="" xmlns:ma14="http://schemas.microsoft.com/office/mac/drawingml/2011/main" val="1"/>
+            </a:ext>
+          </a:extLst>
+        </p:spPr>
+        <p:txBody>
+          <a:bodyPr wrap="square" lIns="45719" rIns="45719">
+            <a:spAutoFit/>
+          </a:bodyPr>
+          <a:lstStyle/>
+          <a:p>
+            <a:pPr lvl="0">
+              <a:spcBef>
+                <a:spcPts val="700"/>
+              </a:spcBef>
+              <a:defRPr sz="1800">
+                <a:solidFill>
+                  <a:srgbClr val="000000"/>
+                </a:solidFill>
+                <a:uFillTx/>
+              </a:defRPr>
+            </a:pPr>
+            <a:r>
+              <a:rPr lang="en-US" sz="2400" dirty="0">
+                <a:uFill>
+                  <a:solidFill/>
+                </a:uFill>
+                <a:latin typeface="Calibri" panose="020F0502020204030204" pitchFamily="34" charset="0"/>
+                <a:ea typeface="Calibri" panose="020F0502020204030204" pitchFamily="34" charset="0"/>
+                <a:cs typeface="Calibri" panose="020F0502020204030204" pitchFamily="34" charset="0"/>
+                <a:sym typeface="Iowan Old Style Roman"/>
+              </a:rPr>
+              <a:t>Sometimes we want to rename a column to have a more descriptive name in the results. We use the AS clause. </a:t>
+            </a:r>
+            <a:r>
+              <a:rPr lang="en-US" sz="2400" dirty="0">
+                <a:ea typeface="Calibri" panose="020F0502020204030204" pitchFamily="34" charset="0"/>
+              </a:rPr>
+              <a:t>Use the aliases to label outputs; avoid spaces in alias names.</a:t>
+            </a:r>
+            <a:endParaRPr lang="en-US" sz="2400" i="1" dirty="0">
+              <a:solidFill>
+                <a:schemeClr val="bg1">
+                  <a:lumMod val="85000"/>
+                </a:schemeClr>
+              </a:solidFill>
+              <a:uFill>
+                <a:solidFill/>
+              </a:uFill>
+              <a:latin typeface="Calibri" panose="020F0502020204030204" pitchFamily="34" charset="0"/>
+              <a:ea typeface="Calibri" panose="020F0502020204030204" pitchFamily="34" charset="0"/>
+              <a:cs typeface="Calibri" panose="020F0502020204030204" pitchFamily="34" charset="0"/>
+              <a:sym typeface="Iowan Old Style Roman"/>
+            </a:endParaRPr>
+          </a:p>
+          <a:p>
+            <a:pPr lvl="0">
+              <a:spcBef>
+                <a:spcPts val="700"/>
+              </a:spcBef>
+              <a:defRPr sz="1800">
+                <a:solidFill>
+                  <a:srgbClr val="000000"/>
+                </a:solidFill>
+                <a:uFillTx/>
+              </a:defRPr>
+            </a:pPr>
+            <a:endParaRPr sz="2700" dirty="0">
+              <a:uFill>
+                <a:solidFill/>
+              </a:uFill>
+              <a:latin typeface="Calibri" panose="020F0502020204030204" pitchFamily="34" charset="0"/>
+              <a:ea typeface="Calibri" panose="020F0502020204030204" pitchFamily="34" charset="0"/>
+              <a:cs typeface="Calibri" panose="020F0502020204030204" pitchFamily="34" charset="0"/>
+              <a:sym typeface="Iowan Old Style Roman"/>
+            </a:endParaRPr>
+          </a:p>
+        </p:txBody>
+      </p:sp>
+      <p:sp>
+        <p:nvSpPr>
+          <p:cNvPr id="2" name="Rectangle 1">
+            <a:extLst>
+              <a:ext uri="{FF2B5EF4-FFF2-40B4-BE49-F238E27FC236}">
+                <a16:creationId xmlns:a16="http://schemas.microsoft.com/office/drawing/2014/main" id="{5C478AEB-384F-0BC9-9E90-553B9124D23A}"/>
+              </a:ext>
+            </a:extLst>
+          </p:cNvPr>
+          <p:cNvSpPr/>
+          <p:nvPr/>
+        </p:nvSpPr>
+        <p:spPr>
+          <a:xfrm>
+            <a:off x="685800" y="2852444"/>
+            <a:ext cx="7772400" cy="2194560"/>
+          </a:xfrm>
+          <a:prstGeom prst="rect">
+            <a:avLst/>
+          </a:prstGeom>
+          <a:solidFill>
+            <a:srgbClr val="F9F9F9"/>
+          </a:solidFill>
+          <a:ln w="9525" cap="flat" cmpd="sng" algn="ctr">
+            <a:solidFill>
+              <a:srgbClr val="DCDCDC"/>
+            </a:solidFill>
+            <a:prstDash val="solid"/>
+          </a:ln>
+          <a:effectLst>
+            <a:outerShdw blurRad="40000" dist="23000" dir="5400000" rotWithShape="0">
+              <a:srgbClr val="000000">
+                <a:alpha val="35000"/>
+              </a:srgbClr>
+            </a:outerShdw>
+          </a:effectLst>
+        </p:spPr>
+        <p:txBody>
+          <a:bodyPr wrap="square" rtlCol="0" anchor="ctr"/>
+          <a:lstStyle/>
+          <a:p>
+            <a:pPr lvl="0">
+              <a:spcBef>
+                <a:spcPts val="700"/>
+              </a:spcBef>
+              <a:defRPr sz="1800">
+                <a:solidFill>
+                  <a:srgbClr val="000000"/>
+                </a:solidFill>
+                <a:uFillTx/>
+              </a:defRPr>
+            </a:pPr>
+            <a:r>
+              <a:rPr lang="en-US" sz="2400" b="1" dirty="0">
+                <a:uFill>
+                  <a:solidFill/>
+                </a:uFill>
+                <a:latin typeface="Consolas" panose="020B0609020204030204" pitchFamily="49" charset="0"/>
+                <a:ea typeface="Calibri" panose="020F0502020204030204" pitchFamily="34" charset="0"/>
+                <a:cs typeface="Calibri" panose="020F0502020204030204" pitchFamily="34" charset="0"/>
+                <a:sym typeface="Iowan Old Style Roman"/>
+              </a:rPr>
+              <a:t>SELECT</a:t>
+            </a:r>
+            <a:r>
+              <a:rPr lang="en-US" sz="2400" dirty="0">
+                <a:uFill>
+                  <a:solidFill/>
+                </a:uFill>
+                <a:latin typeface="Consolas" panose="020B0609020204030204" pitchFamily="49" charset="0"/>
+                <a:ea typeface="Calibri" panose="020F0502020204030204" pitchFamily="34" charset="0"/>
+                <a:cs typeface="Calibri" panose="020F0502020204030204" pitchFamily="34" charset="0"/>
+                <a:sym typeface="Iowan Old Style Roman"/>
+              </a:rPr>
+              <a:t> column1 </a:t>
+            </a:r>
+            <a:r>
+              <a:rPr lang="en-US" sz="2400" b="1" dirty="0">
+                <a:uFill>
+                  <a:solidFill/>
+                </a:uFill>
+                <a:latin typeface="Consolas" panose="020B0609020204030204" pitchFamily="49" charset="0"/>
+                <a:ea typeface="Calibri" panose="020F0502020204030204" pitchFamily="34" charset="0"/>
+                <a:cs typeface="Calibri" panose="020F0502020204030204" pitchFamily="34" charset="0"/>
+                <a:sym typeface="Iowan Old Style Roman"/>
+              </a:rPr>
+              <a:t>AS</a:t>
+            </a:r>
+            <a:r>
+              <a:rPr lang="en-US" sz="2400" dirty="0">
+                <a:uFill>
+                  <a:solidFill/>
+                </a:uFill>
+                <a:latin typeface="Consolas" panose="020B0609020204030204" pitchFamily="49" charset="0"/>
+                <a:ea typeface="Calibri" panose="020F0502020204030204" pitchFamily="34" charset="0"/>
+                <a:cs typeface="Calibri" panose="020F0502020204030204" pitchFamily="34" charset="0"/>
+                <a:sym typeface="Iowan Old Style Roman"/>
+              </a:rPr>
+              <a:t> name1, column2 </a:t>
+            </a:r>
+            <a:r>
+              <a:rPr lang="en-US" sz="2400" b="1" dirty="0">
+                <a:uFill>
+                  <a:solidFill/>
+                </a:uFill>
+                <a:latin typeface="Consolas" panose="020B0609020204030204" pitchFamily="49" charset="0"/>
+                <a:ea typeface="Calibri" panose="020F0502020204030204" pitchFamily="34" charset="0"/>
+                <a:cs typeface="Calibri" panose="020F0502020204030204" pitchFamily="34" charset="0"/>
+                <a:sym typeface="Iowan Old Style Roman"/>
+              </a:rPr>
+              <a:t>AS</a:t>
+            </a:r>
+            <a:r>
+              <a:rPr lang="en-US" sz="2400" dirty="0">
+                <a:uFill>
+                  <a:solidFill/>
+                </a:uFill>
+                <a:latin typeface="Consolas" panose="020B0609020204030204" pitchFamily="49" charset="0"/>
+                <a:ea typeface="Calibri" panose="020F0502020204030204" pitchFamily="34" charset="0"/>
+                <a:cs typeface="Calibri" panose="020F0502020204030204" pitchFamily="34" charset="0"/>
+                <a:sym typeface="Iowan Old Style Roman"/>
+              </a:rPr>
+              <a:t> name2, …</a:t>
+            </a:r>
+          </a:p>
+          <a:p>
+            <a:pPr lvl="0">
+              <a:spcBef>
+                <a:spcPts val="700"/>
+              </a:spcBef>
+              <a:defRPr sz="1800">
+                <a:solidFill>
+                  <a:srgbClr val="000000"/>
+                </a:solidFill>
+                <a:uFillTx/>
+              </a:defRPr>
+            </a:pPr>
+            <a:r>
+              <a:rPr lang="en-US" sz="2400" b="1" dirty="0">
+                <a:uFill>
+                  <a:solidFill/>
+                </a:uFill>
+                <a:latin typeface="Consolas" panose="020B0609020204030204" pitchFamily="49" charset="0"/>
+                <a:ea typeface="Calibri" panose="020F0502020204030204" pitchFamily="34" charset="0"/>
+                <a:cs typeface="Calibri" panose="020F0502020204030204" pitchFamily="34" charset="0"/>
+                <a:sym typeface="Iowan Old Style Roman"/>
+              </a:rPr>
+              <a:t>FROM</a:t>
+            </a:r>
+            <a:r>
+              <a:rPr lang="en-US" sz="2400" dirty="0">
+                <a:uFill>
+                  <a:solidFill/>
+                </a:uFill>
+                <a:latin typeface="Consolas" panose="020B0609020204030204" pitchFamily="49" charset="0"/>
+                <a:ea typeface="Calibri" panose="020F0502020204030204" pitchFamily="34" charset="0"/>
+                <a:cs typeface="Calibri" panose="020F0502020204030204" pitchFamily="34" charset="0"/>
+                <a:sym typeface="Iowan Old Style Roman"/>
+              </a:rPr>
+              <a:t> </a:t>
+            </a:r>
+            <a:r>
+              <a:rPr lang="en-US" sz="2400" dirty="0" err="1">
+                <a:uFill>
+                  <a:solidFill/>
+                </a:uFill>
+                <a:latin typeface="Consolas" panose="020B0609020204030204" pitchFamily="49" charset="0"/>
+                <a:ea typeface="Calibri" panose="020F0502020204030204" pitchFamily="34" charset="0"/>
+                <a:cs typeface="Calibri" panose="020F0502020204030204" pitchFamily="34" charset="0"/>
+                <a:sym typeface="Iowan Old Style Roman"/>
+              </a:rPr>
+              <a:t>table_name</a:t>
+            </a:r>
+            <a:r>
+              <a:rPr lang="en-US" sz="2400" dirty="0">
+                <a:uFill>
+                  <a:solidFill/>
+                </a:uFill>
+                <a:latin typeface="Consolas" panose="020B0609020204030204" pitchFamily="49" charset="0"/>
+                <a:ea typeface="Calibri" panose="020F0502020204030204" pitchFamily="34" charset="0"/>
+                <a:cs typeface="Calibri" panose="020F0502020204030204" pitchFamily="34" charset="0"/>
+                <a:sym typeface="Iowan Old Style Roman"/>
+              </a:rPr>
+              <a:t>;</a:t>
+            </a:r>
+          </a:p>
+        </p:txBody>
+      </p:sp>
+    </p:spTree>
+    <p:extLst>
+      <p:ext uri="{BB962C8B-B14F-4D97-AF65-F5344CB8AC3E}">
+        <p14:creationId xmlns:p14="http://schemas.microsoft.com/office/powerpoint/2010/main" val="618509849"/>
+      </p:ext>
+    </p:extLst>
+  </p:cSld>
+  <p:clrMapOvr>
+    <a:masterClrMapping/>
+  </p:clrMapOvr>
+  <p:transition spd="med"/>
+</p:sld>
+</file>
+
+<file path=ppt/slides/slide12.xml><?xml version="1.0" encoding="utf-8"?>
+<p:sld xmlns:a="http://schemas.openxmlformats.org/drawingml/2006/main" xmlns:r="http://schemas.openxmlformats.org/officeDocument/2006/relationships" xmlns:p="http://schemas.openxmlformats.org/presentationml/2006/main">
+  <p:cSld>
+    <p:spTree>
+      <p:nvGrpSpPr>
+        <p:cNvPr id="1" name=""/>
+        <p:cNvGrpSpPr/>
+        <p:nvPr/>
+      </p:nvGrpSpPr>
+      <p:grpSpPr>
+        <a:xfrm>
+          <a:off x="0" y="0"/>
+          <a:ext cx="0" cy="0"/>
+          <a:chOff x="0" y="0"/>
+          <a:chExt cx="0" cy="0"/>
+        </a:xfrm>
+      </p:grpSpPr>
+      <p:sp>
+        <p:nvSpPr>
+          <p:cNvPr id="44" name="Shape 44"/>
+          <p:cNvSpPr/>
+          <p:nvPr/>
+        </p:nvSpPr>
+        <p:spPr>
+          <a:xfrm>
+            <a:off x="386308" y="147496"/>
+            <a:ext cx="7757379" cy="553998"/>
+          </a:xfrm>
+          <a:prstGeom prst="rect">
+            <a:avLst/>
+          </a:prstGeom>
+          <a:ln w="12700">
+            <a:miter lim="400000"/>
+          </a:ln>
+          <a:extLst>
+            <a:ext uri="{C572A759-6A51-4108-AA02-DFA0A04FC94B}">
+              <ma14:wrappingTextBoxFlag xmlns="" xmlns:ma14="http://schemas.microsoft.com/office/mac/drawingml/2011/main" val="1"/>
+            </a:ext>
+          </a:extLst>
+        </p:spPr>
+        <p:txBody>
+          <a:bodyPr lIns="45719" rIns="45719">
+            <a:spAutoFit/>
+          </a:bodyPr>
+          <a:lstStyle>
+            <a:lvl1pPr>
+              <a:defRPr sz="3000" b="1">
+                <a:uFill>
+                  <a:solidFill>
+                    <a:srgbClr val="FFFFFF"/>
+                  </a:solidFill>
+                </a:uFill>
+              </a:defRPr>
+            </a:lvl1pPr>
+          </a:lstStyle>
+          <a:p>
+            <a:pPr lvl="0">
+              <a:defRPr sz="1800" b="0">
+                <a:solidFill>
+                  <a:srgbClr val="000000"/>
+                </a:solidFill>
+                <a:uFillTx/>
+              </a:defRPr>
+            </a:pPr>
+            <a:r>
+              <a:rPr sz="3000" b="1" dirty="0">
+                <a:uFill>
+                  <a:solidFill>
+                    <a:srgbClr val="FFFFFF"/>
+                  </a:solidFill>
+                </a:uFill>
+                <a:latin typeface="Calibri" panose="020F0502020204030204" pitchFamily="34" charset="0"/>
+              </a:rPr>
+              <a:t>Practice queries</a:t>
+            </a:r>
+          </a:p>
+        </p:txBody>
+      </p:sp>
+      <p:sp>
+        <p:nvSpPr>
+          <p:cNvPr id="45" name="Shape 45"/>
+          <p:cNvSpPr/>
+          <p:nvPr/>
+        </p:nvSpPr>
+        <p:spPr>
+          <a:xfrm>
+            <a:off x="179798" y="1324179"/>
+            <a:ext cx="8794678" cy="3708708"/>
+          </a:xfrm>
+          <a:prstGeom prst="rect">
+            <a:avLst/>
+          </a:prstGeom>
+          <a:ln w="12700">
+            <a:miter lim="400000"/>
+          </a:ln>
+          <a:extLst>
+            <a:ext uri="{C572A759-6A51-4108-AA02-DFA0A04FC94B}">
+              <ma14:wrappingTextBoxFlag xmlns="" xmlns:ma14="http://schemas.microsoft.com/office/mac/drawingml/2011/main" val="1"/>
+            </a:ext>
+          </a:extLst>
+        </p:spPr>
+        <p:txBody>
+          <a:bodyPr wrap="square" lIns="45719" rIns="45719">
+            <a:spAutoFit/>
+          </a:bodyPr>
+          <a:lstStyle/>
+          <a:p>
+            <a:pPr lvl="0">
+              <a:spcBef>
+                <a:spcPts val="700"/>
+              </a:spcBef>
+              <a:buSzPct val="100000"/>
+              <a:defRPr sz="1800">
+                <a:solidFill>
+                  <a:srgbClr val="000000"/>
+                </a:solidFill>
+                <a:uFillTx/>
+              </a:defRPr>
+            </a:pPr>
+            <a:r>
+              <a:rPr lang="en-US" sz="2000" dirty="0">
+                <a:uFill>
+                  <a:solidFill/>
+                </a:uFill>
+                <a:latin typeface="Calibri" panose="020F0502020204030204" pitchFamily="34" charset="0"/>
+                <a:ea typeface="Calibri" panose="020F0502020204030204" pitchFamily="34" charset="0"/>
+                <a:cs typeface="Calibri" panose="020F0502020204030204" pitchFamily="34" charset="0"/>
+                <a:sym typeface="Iowan Old Style Roman"/>
+              </a:rPr>
+              <a:t>IMDB Database </a:t>
+            </a:r>
+          </a:p>
+          <a:p>
+            <a:pPr marL="267368" lvl="0" indent="-267368">
+              <a:spcBef>
+                <a:spcPts val="700"/>
+              </a:spcBef>
+              <a:buSzPct val="100000"/>
+              <a:buAutoNum type="arabicPeriod"/>
+              <a:defRPr sz="1800">
+                <a:solidFill>
+                  <a:srgbClr val="000000"/>
+                </a:solidFill>
+                <a:uFillTx/>
+              </a:defRPr>
+            </a:pPr>
+            <a:endParaRPr lang="en-US" sz="2000" dirty="0">
+              <a:uFill>
+                <a:solidFill/>
+              </a:uFill>
+              <a:latin typeface="Calibri" panose="020F0502020204030204" pitchFamily="34" charset="0"/>
+              <a:ea typeface="Calibri" panose="020F0502020204030204" pitchFamily="34" charset="0"/>
+              <a:cs typeface="Calibri" panose="020F0502020204030204" pitchFamily="34" charset="0"/>
+              <a:sym typeface="Iowan Old Style Roman"/>
+            </a:endParaRPr>
+          </a:p>
+          <a:p>
+            <a:pPr marL="267368" lvl="0" indent="-267368">
+              <a:spcBef>
+                <a:spcPts val="700"/>
+              </a:spcBef>
+              <a:buSzPct val="100000"/>
+              <a:buAutoNum type="arabicPeriod"/>
+              <a:defRPr sz="1800">
+                <a:solidFill>
+                  <a:srgbClr val="000000"/>
+                </a:solidFill>
+                <a:uFillTx/>
+              </a:defRPr>
+            </a:pPr>
+            <a:r>
+              <a:rPr lang="en-US" sz="2000" dirty="0">
+                <a:uFill>
+                  <a:solidFill/>
+                </a:uFill>
+                <a:latin typeface="Calibri" panose="020F0502020204030204" pitchFamily="34" charset="0"/>
+                <a:ea typeface="Calibri" panose="020F0502020204030204" pitchFamily="34" charset="0"/>
+                <a:cs typeface="Calibri" panose="020F0502020204030204" pitchFamily="34" charset="0"/>
+                <a:sym typeface="Iowan Old Style Roman"/>
+              </a:rPr>
+              <a:t>Return id,</a:t>
+            </a:r>
+            <a:r>
+              <a:rPr sz="2000" dirty="0">
+                <a:uFill>
+                  <a:solidFill/>
+                </a:uFill>
+                <a:latin typeface="Calibri" panose="020F0502020204030204" pitchFamily="34" charset="0"/>
+                <a:ea typeface="Calibri" panose="020F0502020204030204" pitchFamily="34" charset="0"/>
+                <a:cs typeface="Calibri" panose="020F0502020204030204" pitchFamily="34" charset="0"/>
+                <a:sym typeface="Iowan Old Style Roman"/>
+              </a:rPr>
+              <a:t> </a:t>
+            </a:r>
+            <a:r>
+              <a:rPr lang="en-US" sz="2000" dirty="0">
+                <a:uFill>
+                  <a:solidFill/>
+                </a:uFill>
+                <a:latin typeface="Calibri" panose="020F0502020204030204" pitchFamily="34" charset="0"/>
+                <a:ea typeface="Calibri" panose="020F0502020204030204" pitchFamily="34" charset="0"/>
+                <a:cs typeface="Calibri" panose="020F0502020204030204" pitchFamily="34" charset="0"/>
+                <a:sym typeface="Iowan Old Style Roman"/>
+              </a:rPr>
+              <a:t>first, and last names of actors. </a:t>
+            </a:r>
+            <a:br>
+              <a:rPr lang="en-US" sz="2000" dirty="0">
+                <a:uFill>
+                  <a:solidFill/>
+                </a:uFill>
+                <a:latin typeface="Calibri" panose="020F0502020204030204" pitchFamily="34" charset="0"/>
+                <a:ea typeface="Calibri" panose="020F0502020204030204" pitchFamily="34" charset="0"/>
+                <a:cs typeface="Calibri" panose="020F0502020204030204" pitchFamily="34" charset="0"/>
+                <a:sym typeface="Iowan Old Style Roman"/>
+              </a:rPr>
+            </a:br>
+            <a:r>
+              <a:rPr lang="en-US" sz="2000" dirty="0">
+                <a:uFill>
+                  <a:solidFill/>
+                </a:uFill>
+                <a:latin typeface="Calibri" panose="020F0502020204030204" pitchFamily="34" charset="0"/>
+                <a:ea typeface="Calibri" panose="020F0502020204030204" pitchFamily="34" charset="0"/>
+                <a:cs typeface="Calibri" panose="020F0502020204030204" pitchFamily="34" charset="0"/>
+                <a:sym typeface="Iowan Old Style Roman"/>
+              </a:rPr>
+              <a:t>Rename id to </a:t>
+            </a:r>
+            <a:r>
+              <a:rPr lang="en-US" sz="2000" dirty="0" err="1">
+                <a:uFill>
+                  <a:solidFill/>
+                </a:uFill>
+                <a:latin typeface="Calibri" panose="020F0502020204030204" pitchFamily="34" charset="0"/>
+                <a:ea typeface="Calibri" panose="020F0502020204030204" pitchFamily="34" charset="0"/>
+                <a:cs typeface="Calibri" panose="020F0502020204030204" pitchFamily="34" charset="0"/>
+                <a:sym typeface="Iowan Old Style Roman"/>
+              </a:rPr>
+              <a:t>actor_id</a:t>
+            </a:r>
+            <a:endParaRPr lang="en-US" sz="2000" dirty="0">
+              <a:uFill>
+                <a:solidFill/>
+              </a:uFill>
+              <a:latin typeface="Calibri" panose="020F0502020204030204" pitchFamily="34" charset="0"/>
+              <a:ea typeface="Calibri" panose="020F0502020204030204" pitchFamily="34" charset="0"/>
+              <a:cs typeface="Calibri" panose="020F0502020204030204" pitchFamily="34" charset="0"/>
+              <a:sym typeface="Iowan Old Style Roman"/>
+            </a:endParaRPr>
+          </a:p>
+          <a:p>
+            <a:pPr marL="267368" lvl="0" indent="-267368">
+              <a:spcBef>
+                <a:spcPts val="700"/>
+              </a:spcBef>
+              <a:buSzPct val="100000"/>
+              <a:buAutoNum type="arabicPeriod"/>
+              <a:defRPr sz="1800">
+                <a:solidFill>
+                  <a:srgbClr val="000000"/>
+                </a:solidFill>
+                <a:uFillTx/>
+              </a:defRPr>
+            </a:pPr>
+            <a:r>
+              <a:rPr lang="en-US" sz="2000" dirty="0">
+                <a:uFill>
+                  <a:solidFill/>
+                </a:uFill>
+                <a:latin typeface="Calibri" panose="020F0502020204030204" pitchFamily="34" charset="0"/>
+                <a:ea typeface="Calibri" panose="020F0502020204030204" pitchFamily="34" charset="0"/>
+                <a:cs typeface="Calibri" panose="020F0502020204030204" pitchFamily="34" charset="0"/>
+                <a:sym typeface="Iowan Old Style Roman"/>
+              </a:rPr>
+              <a:t>Return name, year, and rating for each movie. </a:t>
+            </a:r>
+            <a:br>
+              <a:rPr lang="en-US" sz="2000" dirty="0">
+                <a:uFill>
+                  <a:solidFill/>
+                </a:uFill>
+                <a:latin typeface="Calibri" panose="020F0502020204030204" pitchFamily="34" charset="0"/>
+                <a:ea typeface="Calibri" panose="020F0502020204030204" pitchFamily="34" charset="0"/>
+                <a:cs typeface="Calibri" panose="020F0502020204030204" pitchFamily="34" charset="0"/>
+                <a:sym typeface="Iowan Old Style Roman"/>
+              </a:rPr>
+            </a:br>
+            <a:r>
+              <a:rPr lang="en-US" sz="2000" dirty="0">
+                <a:uFill>
+                  <a:solidFill/>
+                </a:uFill>
+                <a:latin typeface="Calibri" panose="020F0502020204030204" pitchFamily="34" charset="0"/>
+                <a:ea typeface="Calibri" panose="020F0502020204030204" pitchFamily="34" charset="0"/>
+                <a:cs typeface="Calibri" panose="020F0502020204030204" pitchFamily="34" charset="0"/>
+                <a:sym typeface="Iowan Old Style Roman"/>
+              </a:rPr>
+              <a:t>Rename name to </a:t>
+            </a:r>
+            <a:r>
+              <a:rPr lang="en-US" sz="2000" dirty="0" err="1">
+                <a:uFill>
+                  <a:solidFill/>
+                </a:uFill>
+                <a:latin typeface="Calibri" panose="020F0502020204030204" pitchFamily="34" charset="0"/>
+                <a:ea typeface="Calibri" panose="020F0502020204030204" pitchFamily="34" charset="0"/>
+                <a:cs typeface="Calibri" panose="020F0502020204030204" pitchFamily="34" charset="0"/>
+                <a:sym typeface="Iowan Old Style Roman"/>
+              </a:rPr>
+              <a:t>movie_title</a:t>
+            </a:r>
+            <a:r>
+              <a:rPr lang="en-US" sz="2000" dirty="0">
+                <a:uFill>
+                  <a:solidFill/>
+                </a:uFill>
+                <a:latin typeface="Calibri" panose="020F0502020204030204" pitchFamily="34" charset="0"/>
+                <a:ea typeface="Calibri" panose="020F0502020204030204" pitchFamily="34" charset="0"/>
+                <a:cs typeface="Calibri" panose="020F0502020204030204" pitchFamily="34" charset="0"/>
+                <a:sym typeface="Iowan Old Style Roman"/>
+              </a:rPr>
+              <a:t>, and year to </a:t>
+            </a:r>
+            <a:r>
+              <a:rPr lang="en-US" sz="2000" dirty="0" err="1">
+                <a:uFill>
+                  <a:solidFill/>
+                </a:uFill>
+                <a:latin typeface="Calibri" panose="020F0502020204030204" pitchFamily="34" charset="0"/>
+                <a:ea typeface="Calibri" panose="020F0502020204030204" pitchFamily="34" charset="0"/>
+                <a:cs typeface="Calibri" panose="020F0502020204030204" pitchFamily="34" charset="0"/>
+                <a:sym typeface="Iowan Old Style Roman"/>
+              </a:rPr>
+              <a:t>release_year</a:t>
+            </a:r>
+            <a:r>
+              <a:rPr lang="en-US" sz="2000" dirty="0">
+                <a:uFill>
+                  <a:solidFill/>
+                </a:uFill>
+                <a:latin typeface="Calibri" panose="020F0502020204030204" pitchFamily="34" charset="0"/>
+                <a:ea typeface="Calibri" panose="020F0502020204030204" pitchFamily="34" charset="0"/>
+                <a:cs typeface="Calibri" panose="020F0502020204030204" pitchFamily="34" charset="0"/>
+                <a:sym typeface="Iowan Old Style Roman"/>
+              </a:rPr>
+              <a:t>.</a:t>
+            </a:r>
+          </a:p>
+          <a:p>
+            <a:pPr marL="267368" lvl="0" indent="-267368">
+              <a:spcBef>
+                <a:spcPts val="700"/>
+              </a:spcBef>
+              <a:buSzPct val="100000"/>
+              <a:buAutoNum type="arabicPeriod"/>
+              <a:defRPr sz="1800">
+                <a:solidFill>
+                  <a:srgbClr val="000000"/>
+                </a:solidFill>
+                <a:uFillTx/>
+              </a:defRPr>
+            </a:pPr>
+            <a:endParaRPr lang="en-US" sz="2000" dirty="0">
+              <a:uFill>
+                <a:solidFill/>
+              </a:uFill>
+              <a:latin typeface="Calibri" panose="020F0502020204030204" pitchFamily="34" charset="0"/>
+              <a:ea typeface="Calibri" panose="020F0502020204030204" pitchFamily="34" charset="0"/>
+              <a:cs typeface="Calibri" panose="020F0502020204030204" pitchFamily="34" charset="0"/>
+              <a:sym typeface="Iowan Old Style Roman"/>
+            </a:endParaRPr>
+          </a:p>
+          <a:p>
+            <a:pPr>
+              <a:spcBef>
+                <a:spcPts val="700"/>
+              </a:spcBef>
+              <a:buSzPct val="100000"/>
+              <a:defRPr sz="1800">
+                <a:solidFill>
+                  <a:srgbClr val="000000"/>
+                </a:solidFill>
+                <a:uFillTx/>
+              </a:defRPr>
+            </a:pPr>
+            <a:r>
+              <a:rPr lang="en-US" sz="2000" dirty="0">
+                <a:uFill>
+                  <a:solidFill/>
+                </a:uFill>
+                <a:latin typeface="Calibri" panose="020F0502020204030204" pitchFamily="34" charset="0"/>
+                <a:ea typeface="Calibri" panose="020F0502020204030204" pitchFamily="34" charset="0"/>
+                <a:cs typeface="Calibri" panose="020F0502020204030204" pitchFamily="34" charset="0"/>
+                <a:sym typeface="Iowan Old Style Roman"/>
+              </a:rPr>
+              <a:t>Facebook Database </a:t>
+            </a:r>
+          </a:p>
+          <a:p>
+            <a:pPr marL="457200" indent="-457200">
+              <a:spcBef>
+                <a:spcPts val="700"/>
+              </a:spcBef>
+              <a:buSzPct val="100000"/>
+              <a:buFont typeface="+mj-lt"/>
+              <a:buAutoNum type="arabicPeriod"/>
+              <a:defRPr sz="1800">
+                <a:solidFill>
+                  <a:srgbClr val="000000"/>
+                </a:solidFill>
+                <a:uFillTx/>
+              </a:defRPr>
+            </a:pPr>
+            <a:r>
+              <a:rPr lang="en-US" sz="2000" dirty="0">
+                <a:uFill>
+                  <a:solidFill/>
+                </a:uFill>
+                <a:latin typeface="Calibri" panose="020F0502020204030204" pitchFamily="34" charset="0"/>
+                <a:ea typeface="Calibri" panose="020F0502020204030204" pitchFamily="34" charset="0"/>
+                <a:cs typeface="Calibri" panose="020F0502020204030204" pitchFamily="34" charset="0"/>
+                <a:sym typeface="Iowan Old Style Roman"/>
+              </a:rPr>
+              <a:t>Return Sex and Status of all students. </a:t>
+            </a:r>
+            <a:br>
+              <a:rPr lang="en-US" sz="2000" dirty="0">
+                <a:uFill>
+                  <a:solidFill/>
+                </a:uFill>
+                <a:latin typeface="Calibri" panose="020F0502020204030204" pitchFamily="34" charset="0"/>
+                <a:ea typeface="Calibri" panose="020F0502020204030204" pitchFamily="34" charset="0"/>
+                <a:cs typeface="Calibri" panose="020F0502020204030204" pitchFamily="34" charset="0"/>
+                <a:sym typeface="Iowan Old Style Roman"/>
+              </a:rPr>
+            </a:br>
+            <a:r>
+              <a:rPr lang="en-US" sz="2000" dirty="0">
+                <a:uFill>
+                  <a:solidFill/>
+                </a:uFill>
+                <a:latin typeface="Calibri" panose="020F0502020204030204" pitchFamily="34" charset="0"/>
+                <a:ea typeface="Calibri" panose="020F0502020204030204" pitchFamily="34" charset="0"/>
+                <a:cs typeface="Calibri" panose="020F0502020204030204" pitchFamily="34" charset="0"/>
+                <a:sym typeface="Iowan Old Style Roman"/>
+              </a:rPr>
+              <a:t>Rename Sex to Gender and Status to </a:t>
+            </a:r>
+            <a:r>
+              <a:rPr lang="en-US" sz="2000" dirty="0" err="1">
+                <a:uFill>
+                  <a:solidFill/>
+                </a:uFill>
+                <a:latin typeface="Calibri" panose="020F0502020204030204" pitchFamily="34" charset="0"/>
+                <a:ea typeface="Calibri" panose="020F0502020204030204" pitchFamily="34" charset="0"/>
+                <a:cs typeface="Calibri" panose="020F0502020204030204" pitchFamily="34" charset="0"/>
+                <a:sym typeface="Iowan Old Style Roman"/>
+              </a:rPr>
+              <a:t>UniversityStatus</a:t>
+            </a:r>
+            <a:endParaRPr lang="en-US" sz="2000" dirty="0">
+              <a:uFill>
+                <a:solidFill/>
+              </a:uFill>
+              <a:latin typeface="Calibri" panose="020F0502020204030204" pitchFamily="34" charset="0"/>
+              <a:ea typeface="Calibri" panose="020F0502020204030204" pitchFamily="34" charset="0"/>
+              <a:cs typeface="Calibri" panose="020F0502020204030204" pitchFamily="34" charset="0"/>
+              <a:sym typeface="Iowan Old Style Roman"/>
+            </a:endParaRPr>
+          </a:p>
+        </p:txBody>
+      </p:sp>
+    </p:spTree>
+    <p:extLst>
+      <p:ext uri="{BB962C8B-B14F-4D97-AF65-F5344CB8AC3E}">
+        <p14:creationId xmlns:p14="http://schemas.microsoft.com/office/powerpoint/2010/main" val="1806000886"/>
+      </p:ext>
+    </p:extLst>
+  </p:cSld>
+  <p:clrMapOvr>
+    <a:masterClrMapping/>
+  </p:clrMapOvr>
+  <p:transition spd="med"/>
+</p:sld>
+</file>
+
+<file path=ppt/slides/slide13.xml><?xml version="1.0" encoding="utf-8"?>
+<p:sld xmlns:a="http://schemas.openxmlformats.org/drawingml/2006/main" xmlns:r="http://schemas.openxmlformats.org/officeDocument/2006/relationships" xmlns:p="http://schemas.openxmlformats.org/presentationml/2006/main">
+  <p:cSld>
+    <p:spTree>
+      <p:nvGrpSpPr>
+        <p:cNvPr id="1" name=""/>
+        <p:cNvGrpSpPr/>
+        <p:nvPr/>
+      </p:nvGrpSpPr>
+      <p:grpSpPr>
+        <a:xfrm>
+          <a:off x="0" y="0"/>
+          <a:ext cx="0" cy="0"/>
+          <a:chOff x="0" y="0"/>
+          <a:chExt cx="0" cy="0"/>
+        </a:xfrm>
+      </p:grpSpPr>
+      <p:sp>
+        <p:nvSpPr>
+          <p:cNvPr id="26" name="Shape 26"/>
+          <p:cNvSpPr/>
+          <p:nvPr/>
+        </p:nvSpPr>
+        <p:spPr>
+          <a:xfrm>
+            <a:off x="386308" y="147496"/>
+            <a:ext cx="7757379" cy="553998"/>
+          </a:xfrm>
+          <a:prstGeom prst="rect">
+            <a:avLst/>
+          </a:prstGeom>
+          <a:ln w="12700">
+            <a:miter lim="400000"/>
+          </a:ln>
+          <a:extLst>
+            <a:ext uri="{C572A759-6A51-4108-AA02-DFA0A04FC94B}">
+              <ma14:wrappingTextBoxFlag xmlns="" xmlns:ma14="http://schemas.microsoft.com/office/mac/drawingml/2011/main" val="1"/>
+            </a:ext>
+          </a:extLst>
+        </p:spPr>
+        <p:txBody>
+          <a:bodyPr lIns="45719" rIns="45719">
+            <a:spAutoFit/>
+          </a:bodyPr>
+          <a:lstStyle>
+            <a:lvl1pPr>
+              <a:defRPr sz="3000" b="1">
+                <a:uFill>
+                  <a:solidFill>
+                    <a:srgbClr val="FFFFFF"/>
+                  </a:solidFill>
+                </a:uFill>
+              </a:defRPr>
+            </a:lvl1pPr>
+          </a:lstStyle>
+          <a:p>
+            <a:pPr lvl="0">
+              <a:defRPr sz="1800" b="0">
+                <a:solidFill>
+                  <a:srgbClr val="000000"/>
+                </a:solidFill>
+                <a:uFillTx/>
+              </a:defRPr>
+            </a:pPr>
+            <a:r>
+              <a:rPr sz="3000" b="1" dirty="0">
+                <a:uFill>
+                  <a:solidFill>
+                    <a:srgbClr val="FFFFFF"/>
+                  </a:solidFill>
+                </a:uFill>
+                <a:latin typeface="Calibri" panose="020F0502020204030204" pitchFamily="34" charset="0"/>
+              </a:rPr>
+              <a:t>The </a:t>
+            </a:r>
+            <a:r>
+              <a:rPr lang="en-US" sz="3000" b="1" dirty="0">
+                <a:uFill>
+                  <a:solidFill>
+                    <a:srgbClr val="FFFFFF"/>
+                  </a:solidFill>
+                </a:uFill>
+                <a:latin typeface="Calibri" panose="020F0502020204030204" pitchFamily="34" charset="0"/>
+              </a:rPr>
+              <a:t>SELECT DISTINCT </a:t>
+            </a:r>
+            <a:r>
+              <a:rPr sz="3000" b="1" dirty="0">
+                <a:uFill>
+                  <a:solidFill>
+                    <a:srgbClr val="FFFFFF"/>
+                  </a:solidFill>
+                </a:uFill>
+                <a:latin typeface="Calibri" panose="020F0502020204030204" pitchFamily="34" charset="0"/>
+              </a:rPr>
+              <a:t>statement</a:t>
+            </a:r>
+          </a:p>
+        </p:txBody>
+      </p:sp>
+      <p:sp>
+        <p:nvSpPr>
+          <p:cNvPr id="27" name="Shape 27"/>
+          <p:cNvSpPr/>
+          <p:nvPr/>
+        </p:nvSpPr>
+        <p:spPr>
+          <a:xfrm>
+            <a:off x="560367" y="2590948"/>
+            <a:ext cx="8330469" cy="507831"/>
+          </a:xfrm>
+          <a:prstGeom prst="rect">
+            <a:avLst/>
+          </a:prstGeom>
+          <a:ln w="12700">
+            <a:miter lim="400000"/>
+          </a:ln>
+          <a:extLst>
+            <a:ext uri="{C572A759-6A51-4108-AA02-DFA0A04FC94B}">
+              <ma14:wrappingTextBoxFlag xmlns="" xmlns:ma14="http://schemas.microsoft.com/office/mac/drawingml/2011/main" val="1"/>
+            </a:ext>
+          </a:extLst>
+        </p:spPr>
+        <p:txBody>
+          <a:bodyPr wrap="square" lIns="45719" rIns="45719">
+            <a:spAutoFit/>
+          </a:bodyPr>
+          <a:lstStyle/>
+          <a:p>
+            <a:pPr lvl="0">
+              <a:spcBef>
+                <a:spcPts val="700"/>
+              </a:spcBef>
+              <a:defRPr sz="1800">
+                <a:solidFill>
+                  <a:srgbClr val="000000"/>
+                </a:solidFill>
+                <a:uFillTx/>
+              </a:defRPr>
+            </a:pPr>
+            <a:endParaRPr sz="2700" dirty="0">
+              <a:solidFill>
+                <a:schemeClr val="bg1">
+                  <a:lumMod val="85000"/>
+                </a:schemeClr>
+              </a:solidFill>
+              <a:uFill>
+                <a:solidFill/>
+              </a:uFill>
+              <a:latin typeface="Consolas" panose="020B0609020204030204" pitchFamily="49" charset="0"/>
+              <a:ea typeface="Calibri" panose="020F0502020204030204" pitchFamily="34" charset="0"/>
+              <a:cs typeface="Calibri" panose="020F0502020204030204" pitchFamily="34" charset="0"/>
+              <a:sym typeface="Iowan Old Style Roman"/>
+            </a:endParaRPr>
+          </a:p>
+        </p:txBody>
+      </p:sp>
+      <p:sp>
+        <p:nvSpPr>
+          <p:cNvPr id="37" name="Shape 37"/>
+          <p:cNvSpPr/>
+          <p:nvPr/>
+        </p:nvSpPr>
+        <p:spPr>
+          <a:xfrm>
+            <a:off x="188802" y="1221668"/>
+            <a:ext cx="8659035" cy="677108"/>
+          </a:xfrm>
+          <a:prstGeom prst="rect">
+            <a:avLst/>
+          </a:prstGeom>
+          <a:ln w="12700">
+            <a:miter lim="400000"/>
+          </a:ln>
+          <a:extLst>
+            <a:ext uri="{C572A759-6A51-4108-AA02-DFA0A04FC94B}">
+              <ma14:wrappingTextBoxFlag xmlns="" xmlns:ma14="http://schemas.microsoft.com/office/mac/drawingml/2011/main" val="1"/>
             </a:ext>
           </a:extLst>
         </p:spPr>
@@ -4606,6 +5022,938 @@
           </a:bodyPr>
           <a:lstStyle/>
           <a:p>
+            <a:pPr lvl="0">
+              <a:defRPr sz="1800">
+                <a:solidFill>
+                  <a:srgbClr val="000000"/>
+                </a:solidFill>
+                <a:uFillTx/>
+              </a:defRPr>
+            </a:pPr>
+            <a:r>
+              <a:rPr lang="en-US" sz="2200" dirty="0">
+                <a:uFill>
+                  <a:solidFill/>
+                </a:uFill>
+                <a:latin typeface="Calibri" panose="020F0502020204030204" pitchFamily="34" charset="0"/>
+                <a:sym typeface="Arial"/>
+              </a:rPr>
+              <a:t>Used to eliminate duplicates in the results. (Note: DISTINCT removes duplicate rows across the selected columns, not per column)</a:t>
+            </a:r>
+            <a:endParaRPr sz="2200" dirty="0">
+              <a:uFill>
+                <a:solidFill/>
+              </a:uFill>
+              <a:latin typeface="Calibri" panose="020F0502020204030204" pitchFamily="34" charset="0"/>
+              <a:ea typeface="+mn-ea"/>
+              <a:cs typeface="+mn-cs"/>
+              <a:sym typeface="Arial"/>
+            </a:endParaRPr>
+          </a:p>
+        </p:txBody>
+      </p:sp>
+      <p:sp>
+        <p:nvSpPr>
+          <p:cNvPr id="4" name="Rectangle 3">
+            <a:extLst>
+              <a:ext uri="{FF2B5EF4-FFF2-40B4-BE49-F238E27FC236}">
+                <a16:creationId xmlns:a16="http://schemas.microsoft.com/office/drawing/2014/main" id="{6A494214-5A03-5AC2-5FD6-55CE3BD24501}"/>
+              </a:ext>
+            </a:extLst>
+          </p:cNvPr>
+          <p:cNvSpPr/>
+          <p:nvPr/>
+        </p:nvSpPr>
+        <p:spPr>
+          <a:xfrm>
+            <a:off x="685800" y="2844863"/>
+            <a:ext cx="7772400" cy="2194560"/>
+          </a:xfrm>
+          <a:prstGeom prst="rect">
+            <a:avLst/>
+          </a:prstGeom>
+          <a:solidFill>
+            <a:srgbClr val="F9F9F9"/>
+          </a:solidFill>
+          <a:ln w="9525" cap="flat" cmpd="sng" algn="ctr">
+            <a:solidFill>
+              <a:srgbClr val="DCDCDC"/>
+            </a:solidFill>
+            <a:prstDash val="solid"/>
+          </a:ln>
+          <a:effectLst>
+            <a:outerShdw blurRad="40000" dist="23000" dir="5400000" rotWithShape="0">
+              <a:srgbClr val="000000">
+                <a:alpha val="35000"/>
+              </a:srgbClr>
+            </a:outerShdw>
+          </a:effectLst>
+        </p:spPr>
+        <p:txBody>
+          <a:bodyPr wrap="square" rtlCol="0" anchor="ctr"/>
+          <a:lstStyle/>
+          <a:p>
+            <a:pPr lvl="0">
+              <a:spcBef>
+                <a:spcPts val="700"/>
+              </a:spcBef>
+              <a:defRPr sz="1800">
+                <a:solidFill>
+                  <a:srgbClr val="000000"/>
+                </a:solidFill>
+                <a:uFillTx/>
+              </a:defRPr>
+            </a:pPr>
+            <a:r>
+              <a:rPr lang="en-US" sz="2400" dirty="0">
+                <a:uFill>
+                  <a:solidFill/>
+                </a:uFill>
+                <a:latin typeface="Consolas" panose="020B0609020204030204" pitchFamily="49" charset="0"/>
+                <a:ea typeface="Calibri" panose="020F0502020204030204" pitchFamily="34" charset="0"/>
+                <a:cs typeface="Calibri" panose="020F0502020204030204" pitchFamily="34" charset="0"/>
+                <a:sym typeface="Iowan Old Style Roman"/>
+              </a:rPr>
+              <a:t>SELECT </a:t>
+            </a:r>
+            <a:r>
+              <a:rPr lang="en-US" sz="2400" b="1" dirty="0">
+                <a:uFill>
+                  <a:solidFill>
+                    <a:srgbClr val="FFFFFF"/>
+                  </a:solidFill>
+                </a:uFill>
+                <a:latin typeface="Consolas" panose="020B0609020204030204" pitchFamily="49" charset="0"/>
+              </a:rPr>
+              <a:t>DISTINCT </a:t>
+            </a:r>
+            <a:r>
+              <a:rPr lang="en-US" sz="2400" dirty="0">
+                <a:uFill>
+                  <a:solidFill/>
+                </a:uFill>
+                <a:latin typeface="Consolas" panose="020B0609020204030204" pitchFamily="49" charset="0"/>
+                <a:ea typeface="Calibri" panose="020F0502020204030204" pitchFamily="34" charset="0"/>
+                <a:cs typeface="Calibri" panose="020F0502020204030204" pitchFamily="34" charset="0"/>
+                <a:sym typeface="Iowan Old Style Roman"/>
+              </a:rPr>
+              <a:t>	column1, column2, ...</a:t>
+            </a:r>
+          </a:p>
+          <a:p>
+            <a:pPr lvl="0">
+              <a:spcBef>
+                <a:spcPts val="700"/>
+              </a:spcBef>
+              <a:defRPr sz="1800">
+                <a:solidFill>
+                  <a:srgbClr val="000000"/>
+                </a:solidFill>
+                <a:uFillTx/>
+              </a:defRPr>
+            </a:pPr>
+            <a:r>
+              <a:rPr lang="en-US" sz="2400" dirty="0">
+                <a:uFill>
+                  <a:solidFill/>
+                </a:uFill>
+                <a:latin typeface="Consolas" panose="020B0609020204030204" pitchFamily="49" charset="0"/>
+                <a:ea typeface="Calibri" panose="020F0502020204030204" pitchFamily="34" charset="0"/>
+                <a:cs typeface="Calibri" panose="020F0502020204030204" pitchFamily="34" charset="0"/>
+                <a:sym typeface="Iowan Old Style Roman"/>
+              </a:rPr>
+              <a:t>FROM 	</a:t>
+            </a:r>
+            <a:r>
+              <a:rPr lang="en-US" sz="2400" dirty="0" err="1">
+                <a:uFill>
+                  <a:solidFill/>
+                </a:uFill>
+                <a:latin typeface="Consolas" panose="020B0609020204030204" pitchFamily="49" charset="0"/>
+                <a:ea typeface="Calibri" panose="020F0502020204030204" pitchFamily="34" charset="0"/>
+                <a:cs typeface="Calibri" panose="020F0502020204030204" pitchFamily="34" charset="0"/>
+                <a:sym typeface="Iowan Old Style Roman"/>
+              </a:rPr>
+              <a:t>table_name</a:t>
+            </a:r>
+            <a:endParaRPr lang="en-US" sz="2400" dirty="0">
+              <a:solidFill>
+                <a:schemeClr val="bg1">
+                  <a:lumMod val="85000"/>
+                </a:schemeClr>
+              </a:solidFill>
+              <a:uFill>
+                <a:solidFill/>
+              </a:uFill>
+              <a:latin typeface="Consolas" panose="020B0609020204030204" pitchFamily="49" charset="0"/>
+              <a:ea typeface="Calibri" panose="020F0502020204030204" pitchFamily="34" charset="0"/>
+              <a:cs typeface="Calibri" panose="020F0502020204030204" pitchFamily="34" charset="0"/>
+              <a:sym typeface="Iowan Old Style Roman"/>
+            </a:endParaRPr>
+          </a:p>
+        </p:txBody>
+      </p:sp>
+    </p:spTree>
+    <p:extLst>
+      <p:ext uri="{BB962C8B-B14F-4D97-AF65-F5344CB8AC3E}">
+        <p14:creationId xmlns:p14="http://schemas.microsoft.com/office/powerpoint/2010/main" val="516049513"/>
+      </p:ext>
+    </p:extLst>
+  </p:cSld>
+  <p:clrMapOvr>
+    <a:masterClrMapping/>
+  </p:clrMapOvr>
+  <p:transition spd="med"/>
+  <p:timing>
+    <p:tnLst>
+      <p:par>
+        <p:cTn id="1" dur="indefinite" restart="never" fill="hold" nodeType="tmRoot">
+          <p:childTnLst>
+            <p:seq concurrent="1" prevAc="none" nextAc="seek">
+              <p:cTn id="2" dur="indefinite" fill="hold" nodeType="mainSeq">
+                <p:childTnLst>
+                  <p:par>
+                    <p:cTn id="3" fill="hold">
+                      <p:stCondLst>
+                        <p:cond delay="indefinite"/>
+                      </p:stCondLst>
+                      <p:childTnLst>
+                        <p:par>
+                          <p:cTn id="4" fill="hold">
+                            <p:stCondLst>
+                              <p:cond delay="0"/>
+                            </p:stCondLst>
+                            <p:childTnLst>
+                              <p:par>
+                                <p:cTn id="5" presetID="9" presetClass="entr" presetSubtype="16" fill="hold" grpId="0" nodeType="clickEffect">
+                                  <p:stCondLst>
+                                    <p:cond delay="0"/>
+                                  </p:stCondLst>
+                                  <p:iterate>
+                                    <p:tmAbs val="0"/>
+                                  </p:iterate>
+                                  <p:childTnLst>
+                                    <p:set>
+                                      <p:cBhvr>
+                                        <p:cTn id="6" fill="hold"/>
+                                        <p:tgtEl>
+                                          <p:spTgt spid="37"/>
+                                        </p:tgtEl>
+                                        <p:attrNameLst>
+                                          <p:attrName>style.visibility</p:attrName>
+                                        </p:attrNameLst>
+                                      </p:cBhvr>
+                                      <p:to>
+                                        <p:strVal val="visible"/>
+                                      </p:to>
+                                    </p:set>
+                                    <p:animEffect transition="in" filter="dissolve(in)">
+                                      <p:cBhvr>
+                                        <p:cTn id="7" dur="750"/>
+                                        <p:tgtEl>
+                                          <p:spTgt spid="37"/>
+                                        </p:tgtEl>
+                                      </p:cBhvr>
+                                    </p:animEffect>
+                                  </p:childTnLst>
+                                </p:cTn>
+                              </p:par>
+                            </p:childTnLst>
+                          </p:cTn>
+                        </p:par>
+                      </p:childTnLst>
+                    </p:cTn>
+                  </p:par>
+                </p:childTnLst>
+              </p:cTn>
+              <p:prevCondLst>
+                <p:cond evt="onPrev" delay="0">
+                  <p:tgtEl>
+                    <p:sldTgt/>
+                  </p:tgtEl>
+                </p:cond>
+              </p:prevCondLst>
+              <p:nextCondLst>
+                <p:cond evt="onNext" delay="0">
+                  <p:tgtEl>
+                    <p:sldTgt/>
+                  </p:tgtEl>
+                </p:cond>
+              </p:nextCondLst>
+            </p:seq>
+          </p:childTnLst>
+        </p:cTn>
+      </p:par>
+    </p:tnLst>
+    <p:bldLst>
+      <p:bldP spid="37" grpId="0" animBg="1" advAuto="0"/>
+    </p:bldLst>
+  </p:timing>
+</p:sld>
+</file>
+
+<file path=ppt/slides/slide14.xml><?xml version="1.0" encoding="utf-8"?>
+<p:sld xmlns:a="http://schemas.openxmlformats.org/drawingml/2006/main" xmlns:r="http://schemas.openxmlformats.org/officeDocument/2006/relationships" xmlns:p="http://schemas.openxmlformats.org/presentationml/2006/main">
+  <p:cSld>
+    <p:spTree>
+      <p:nvGrpSpPr>
+        <p:cNvPr id="1" name=""/>
+        <p:cNvGrpSpPr/>
+        <p:nvPr/>
+      </p:nvGrpSpPr>
+      <p:grpSpPr>
+        <a:xfrm>
+          <a:off x="0" y="0"/>
+          <a:ext cx="0" cy="0"/>
+          <a:chOff x="0" y="0"/>
+          <a:chExt cx="0" cy="0"/>
+        </a:xfrm>
+      </p:grpSpPr>
+      <p:sp>
+        <p:nvSpPr>
+          <p:cNvPr id="44" name="Shape 44"/>
+          <p:cNvSpPr/>
+          <p:nvPr/>
+        </p:nvSpPr>
+        <p:spPr>
+          <a:xfrm>
+            <a:off x="386308" y="147496"/>
+            <a:ext cx="7757379" cy="553998"/>
+          </a:xfrm>
+          <a:prstGeom prst="rect">
+            <a:avLst/>
+          </a:prstGeom>
+          <a:ln w="12700">
+            <a:miter lim="400000"/>
+          </a:ln>
+          <a:extLst>
+            <a:ext uri="{C572A759-6A51-4108-AA02-DFA0A04FC94B}">
+              <ma14:wrappingTextBoxFlag xmlns="" xmlns:ma14="http://schemas.microsoft.com/office/mac/drawingml/2011/main" val="1"/>
+            </a:ext>
+          </a:extLst>
+        </p:spPr>
+        <p:txBody>
+          <a:bodyPr lIns="45719" rIns="45719">
+            <a:spAutoFit/>
+          </a:bodyPr>
+          <a:lstStyle>
+            <a:lvl1pPr>
+              <a:defRPr sz="3000" b="1">
+                <a:uFill>
+                  <a:solidFill>
+                    <a:srgbClr val="FFFFFF"/>
+                  </a:solidFill>
+                </a:uFill>
+              </a:defRPr>
+            </a:lvl1pPr>
+          </a:lstStyle>
+          <a:p>
+            <a:pPr lvl="0">
+              <a:defRPr sz="1800" b="0">
+                <a:solidFill>
+                  <a:srgbClr val="000000"/>
+                </a:solidFill>
+                <a:uFillTx/>
+              </a:defRPr>
+            </a:pPr>
+            <a:r>
+              <a:rPr sz="3000" b="1" dirty="0">
+                <a:uFill>
+                  <a:solidFill>
+                    <a:srgbClr val="FFFFFF"/>
+                  </a:solidFill>
+                </a:uFill>
+                <a:latin typeface="Calibri" panose="020F0502020204030204" pitchFamily="34" charset="0"/>
+              </a:rPr>
+              <a:t>Practice queries</a:t>
+            </a:r>
+          </a:p>
+        </p:txBody>
+      </p:sp>
+      <p:sp>
+        <p:nvSpPr>
+          <p:cNvPr id="45" name="Shape 45"/>
+          <p:cNvSpPr/>
+          <p:nvPr/>
+        </p:nvSpPr>
+        <p:spPr>
+          <a:xfrm>
+            <a:off x="179798" y="1324179"/>
+            <a:ext cx="8794678" cy="4773102"/>
+          </a:xfrm>
+          <a:prstGeom prst="rect">
+            <a:avLst/>
+          </a:prstGeom>
+          <a:ln w="12700">
+            <a:miter lim="400000"/>
+          </a:ln>
+          <a:extLst>
+            <a:ext uri="{C572A759-6A51-4108-AA02-DFA0A04FC94B}">
+              <ma14:wrappingTextBoxFlag xmlns="" xmlns:ma14="http://schemas.microsoft.com/office/mac/drawingml/2011/main" val="1"/>
+            </a:ext>
+          </a:extLst>
+        </p:spPr>
+        <p:txBody>
+          <a:bodyPr wrap="square" lIns="45719" rIns="45719">
+            <a:spAutoFit/>
+          </a:bodyPr>
+          <a:lstStyle/>
+          <a:p>
+            <a:pPr lvl="0">
+              <a:spcBef>
+                <a:spcPts val="700"/>
+              </a:spcBef>
+              <a:buSzPct val="100000"/>
+              <a:defRPr sz="1800">
+                <a:solidFill>
+                  <a:srgbClr val="000000"/>
+                </a:solidFill>
+                <a:uFillTx/>
+              </a:defRPr>
+            </a:pPr>
+            <a:r>
+              <a:rPr lang="en-US" sz="2000" dirty="0">
+                <a:uFill>
+                  <a:solidFill/>
+                </a:uFill>
+                <a:latin typeface="Calibri" panose="020F0502020204030204" pitchFamily="34" charset="0"/>
+                <a:ea typeface="Calibri" panose="020F0502020204030204" pitchFamily="34" charset="0"/>
+                <a:cs typeface="Calibri" panose="020F0502020204030204" pitchFamily="34" charset="0"/>
+                <a:sym typeface="Iowan Old Style Roman"/>
+              </a:rPr>
+              <a:t>IMDB Database </a:t>
+            </a:r>
+          </a:p>
+          <a:p>
+            <a:pPr marL="267368" lvl="0" indent="-267368">
+              <a:spcBef>
+                <a:spcPts val="700"/>
+              </a:spcBef>
+              <a:buSzPct val="100000"/>
+              <a:buAutoNum type="arabicPeriod"/>
+              <a:defRPr sz="1800">
+                <a:solidFill>
+                  <a:srgbClr val="000000"/>
+                </a:solidFill>
+                <a:uFillTx/>
+              </a:defRPr>
+            </a:pPr>
+            <a:endParaRPr lang="en-US" sz="2000" dirty="0">
+              <a:uFill>
+                <a:solidFill/>
+              </a:uFill>
+              <a:latin typeface="Calibri" panose="020F0502020204030204" pitchFamily="34" charset="0"/>
+              <a:ea typeface="Calibri" panose="020F0502020204030204" pitchFamily="34" charset="0"/>
+              <a:cs typeface="Calibri" panose="020F0502020204030204" pitchFamily="34" charset="0"/>
+              <a:sym typeface="Iowan Old Style Roman"/>
+            </a:endParaRPr>
+          </a:p>
+          <a:p>
+            <a:pPr marL="267368" lvl="0" indent="-267368">
+              <a:spcBef>
+                <a:spcPts val="700"/>
+              </a:spcBef>
+              <a:buSzPct val="100000"/>
+              <a:buAutoNum type="arabicPeriod"/>
+              <a:defRPr sz="1800">
+                <a:solidFill>
+                  <a:srgbClr val="000000"/>
+                </a:solidFill>
+                <a:uFillTx/>
+              </a:defRPr>
+            </a:pPr>
+            <a:r>
+              <a:rPr lang="en-US" sz="2000" dirty="0">
+                <a:uFill>
+                  <a:solidFill/>
+                </a:uFill>
+                <a:latin typeface="Calibri" panose="020F0502020204030204" pitchFamily="34" charset="0"/>
+                <a:ea typeface="Calibri" panose="020F0502020204030204" pitchFamily="34" charset="0"/>
+                <a:cs typeface="Calibri" panose="020F0502020204030204" pitchFamily="34" charset="0"/>
+                <a:sym typeface="Iowan Old Style Roman"/>
+              </a:rPr>
+              <a:t>Find all the movie genres</a:t>
+            </a:r>
+          </a:p>
+          <a:p>
+            <a:pPr lvl="0">
+              <a:spcBef>
+                <a:spcPts val="700"/>
+              </a:spcBef>
+              <a:buSzPct val="100000"/>
+              <a:defRPr sz="1800">
+                <a:solidFill>
+                  <a:srgbClr val="000000"/>
+                </a:solidFill>
+                <a:uFillTx/>
+              </a:defRPr>
+            </a:pPr>
+            <a:endParaRPr lang="en-US" sz="2000" dirty="0">
+              <a:uFill>
+                <a:solidFill/>
+              </a:uFill>
+              <a:latin typeface="Calibri" panose="020F0502020204030204" pitchFamily="34" charset="0"/>
+              <a:ea typeface="Calibri" panose="020F0502020204030204" pitchFamily="34" charset="0"/>
+              <a:cs typeface="Calibri" panose="020F0502020204030204" pitchFamily="34" charset="0"/>
+              <a:sym typeface="Iowan Old Style Roman"/>
+            </a:endParaRPr>
+          </a:p>
+          <a:p>
+            <a:pPr>
+              <a:spcBef>
+                <a:spcPts val="700"/>
+              </a:spcBef>
+              <a:buSzPct val="100000"/>
+              <a:defRPr sz="1800">
+                <a:solidFill>
+                  <a:srgbClr val="000000"/>
+                </a:solidFill>
+                <a:uFillTx/>
+              </a:defRPr>
+            </a:pPr>
+            <a:r>
+              <a:rPr lang="en-US" sz="2000" dirty="0">
+                <a:uFill>
+                  <a:solidFill/>
+                </a:uFill>
+                <a:latin typeface="Calibri" panose="020F0502020204030204" pitchFamily="34" charset="0"/>
+                <a:ea typeface="Calibri" panose="020F0502020204030204" pitchFamily="34" charset="0"/>
+                <a:cs typeface="Calibri" panose="020F0502020204030204" pitchFamily="34" charset="0"/>
+                <a:sym typeface="Iowan Old Style Roman"/>
+              </a:rPr>
+              <a:t>Facebook Database </a:t>
+            </a:r>
+          </a:p>
+          <a:p>
+            <a:pPr>
+              <a:spcBef>
+                <a:spcPts val="700"/>
+              </a:spcBef>
+              <a:buSzPct val="100000"/>
+              <a:defRPr sz="1800">
+                <a:solidFill>
+                  <a:srgbClr val="000000"/>
+                </a:solidFill>
+                <a:uFillTx/>
+              </a:defRPr>
+            </a:pPr>
+            <a:endParaRPr lang="en-US" sz="2000" dirty="0">
+              <a:uFill>
+                <a:solidFill/>
+              </a:uFill>
+              <a:latin typeface="Calibri" panose="020F0502020204030204" pitchFamily="34" charset="0"/>
+              <a:ea typeface="Calibri" panose="020F0502020204030204" pitchFamily="34" charset="0"/>
+              <a:cs typeface="Calibri" panose="020F0502020204030204" pitchFamily="34" charset="0"/>
+              <a:sym typeface="Iowan Old Style Roman"/>
+            </a:endParaRPr>
+          </a:p>
+          <a:p>
+            <a:pPr marL="457200" indent="-457200">
+              <a:spcBef>
+                <a:spcPts val="700"/>
+              </a:spcBef>
+              <a:buSzPct val="100000"/>
+              <a:buFont typeface="+mj-lt"/>
+              <a:buAutoNum type="arabicPeriod"/>
+              <a:defRPr sz="1800">
+                <a:solidFill>
+                  <a:srgbClr val="000000"/>
+                </a:solidFill>
+                <a:uFillTx/>
+              </a:defRPr>
+            </a:pPr>
+            <a:r>
+              <a:rPr lang="en-US" sz="2000" dirty="0">
+                <a:uFill>
+                  <a:solidFill/>
+                </a:uFill>
+                <a:latin typeface="Calibri" panose="020F0502020204030204" pitchFamily="34" charset="0"/>
+                <a:ea typeface="Calibri" panose="020F0502020204030204" pitchFamily="34" charset="0"/>
+                <a:cs typeface="Calibri" panose="020F0502020204030204" pitchFamily="34" charset="0"/>
+                <a:sym typeface="Iowan Old Style Roman"/>
+              </a:rPr>
+              <a:t>Return the distinct </a:t>
+            </a:r>
+            <a:r>
+              <a:rPr lang="en-US" sz="2000" dirty="0" err="1">
+                <a:uFill>
+                  <a:solidFill/>
+                </a:uFill>
+                <a:latin typeface="Calibri" panose="020F0502020204030204" pitchFamily="34" charset="0"/>
+                <a:ea typeface="Calibri" panose="020F0502020204030204" pitchFamily="34" charset="0"/>
+                <a:cs typeface="Calibri" panose="020F0502020204030204" pitchFamily="34" charset="0"/>
+                <a:sym typeface="Iowan Old Style Roman"/>
+              </a:rPr>
+              <a:t>PoliticalViews</a:t>
+            </a:r>
+            <a:r>
+              <a:rPr lang="en-US" sz="2000" dirty="0">
+                <a:uFill>
+                  <a:solidFill/>
+                </a:uFill>
+                <a:latin typeface="Calibri" panose="020F0502020204030204" pitchFamily="34" charset="0"/>
+                <a:ea typeface="Calibri" panose="020F0502020204030204" pitchFamily="34" charset="0"/>
+                <a:cs typeface="Calibri" panose="020F0502020204030204" pitchFamily="34" charset="0"/>
+                <a:sym typeface="Iowan Old Style Roman"/>
+              </a:rPr>
+              <a:t> from the Profiles table</a:t>
+            </a:r>
+          </a:p>
+          <a:p>
+            <a:pPr marL="457200" indent="-457200">
+              <a:spcBef>
+                <a:spcPts val="700"/>
+              </a:spcBef>
+              <a:buSzPct val="100000"/>
+              <a:buFont typeface="+mj-lt"/>
+              <a:buAutoNum type="arabicPeriod"/>
+              <a:defRPr sz="1800">
+                <a:solidFill>
+                  <a:srgbClr val="000000"/>
+                </a:solidFill>
+                <a:uFillTx/>
+              </a:defRPr>
+            </a:pPr>
+            <a:r>
+              <a:rPr lang="en-US" sz="2000" dirty="0">
+                <a:uFill>
+                  <a:solidFill/>
+                </a:uFill>
+                <a:latin typeface="Calibri" panose="020F0502020204030204" pitchFamily="34" charset="0"/>
+                <a:ea typeface="Calibri" panose="020F0502020204030204" pitchFamily="34" charset="0"/>
+                <a:cs typeface="Calibri" panose="020F0502020204030204" pitchFamily="34" charset="0"/>
+                <a:sym typeface="Iowan Old Style Roman"/>
+              </a:rPr>
+              <a:t>Return the distinct Sex values from the Profiles table</a:t>
+            </a:r>
+          </a:p>
+          <a:p>
+            <a:pPr marL="457200" indent="-457200">
+              <a:spcBef>
+                <a:spcPts val="700"/>
+              </a:spcBef>
+              <a:buSzPct val="100000"/>
+              <a:buFont typeface="+mj-lt"/>
+              <a:buAutoNum type="arabicPeriod"/>
+              <a:defRPr sz="1800">
+                <a:solidFill>
+                  <a:srgbClr val="000000"/>
+                </a:solidFill>
+                <a:uFillTx/>
+              </a:defRPr>
+            </a:pPr>
+            <a:r>
+              <a:rPr lang="en-US" sz="2000" dirty="0">
+                <a:uFill>
+                  <a:solidFill/>
+                </a:uFill>
+                <a:latin typeface="Calibri" panose="020F0502020204030204" pitchFamily="34" charset="0"/>
+                <a:ea typeface="Calibri" panose="020F0502020204030204" pitchFamily="34" charset="0"/>
+                <a:cs typeface="Calibri" panose="020F0502020204030204" pitchFamily="34" charset="0"/>
+                <a:sym typeface="Iowan Old Style Roman"/>
+              </a:rPr>
+              <a:t>Find what students are “</a:t>
+            </a:r>
+            <a:r>
+              <a:rPr lang="en-US" sz="2000" dirty="0" err="1">
+                <a:uFill>
+                  <a:solidFill/>
+                </a:uFill>
+                <a:latin typeface="Calibri" panose="020F0502020204030204" pitchFamily="34" charset="0"/>
+                <a:ea typeface="Calibri" panose="020F0502020204030204" pitchFamily="34" charset="0"/>
+                <a:cs typeface="Calibri" panose="020F0502020204030204" pitchFamily="34" charset="0"/>
+                <a:sym typeface="Iowan Old Style Roman"/>
+              </a:rPr>
+              <a:t>LookingFor</a:t>
+            </a:r>
+            <a:r>
+              <a:rPr lang="en-US" sz="2000" dirty="0">
+                <a:uFill>
+                  <a:solidFill/>
+                </a:uFill>
+                <a:latin typeface="Calibri" panose="020F0502020204030204" pitchFamily="34" charset="0"/>
+                <a:ea typeface="Calibri" panose="020F0502020204030204" pitchFamily="34" charset="0"/>
+                <a:cs typeface="Calibri" panose="020F0502020204030204" pitchFamily="34" charset="0"/>
+                <a:sym typeface="Iowan Old Style Roman"/>
+              </a:rPr>
+              <a:t>”</a:t>
+            </a:r>
+          </a:p>
+          <a:p>
+            <a:pPr marL="457200" indent="-457200">
+              <a:spcBef>
+                <a:spcPts val="700"/>
+              </a:spcBef>
+              <a:buSzPct val="100000"/>
+              <a:buFont typeface="+mj-lt"/>
+              <a:buAutoNum type="arabicPeriod"/>
+              <a:defRPr sz="1800">
+                <a:solidFill>
+                  <a:srgbClr val="000000"/>
+                </a:solidFill>
+                <a:uFillTx/>
+              </a:defRPr>
+            </a:pPr>
+            <a:r>
+              <a:rPr lang="en-US" sz="2000" dirty="0">
+                <a:uFill>
+                  <a:solidFill/>
+                </a:uFill>
+                <a:latin typeface="Calibri" panose="020F0502020204030204" pitchFamily="34" charset="0"/>
+                <a:ea typeface="Calibri" panose="020F0502020204030204" pitchFamily="34" charset="0"/>
+                <a:cs typeface="Calibri" panose="020F0502020204030204" pitchFamily="34" charset="0"/>
+                <a:sym typeface="Iowan Old Style Roman"/>
+              </a:rPr>
+              <a:t>Find all possible “Relationship” statuses</a:t>
+            </a:r>
+          </a:p>
+          <a:p>
+            <a:pPr marL="457200" indent="-457200">
+              <a:spcBef>
+                <a:spcPts val="700"/>
+              </a:spcBef>
+              <a:buSzPct val="100000"/>
+              <a:buFont typeface="+mj-lt"/>
+              <a:buAutoNum type="arabicPeriod"/>
+              <a:defRPr sz="1800">
+                <a:solidFill>
+                  <a:srgbClr val="000000"/>
+                </a:solidFill>
+                <a:uFillTx/>
+              </a:defRPr>
+            </a:pPr>
+            <a:r>
+              <a:rPr lang="en-US" sz="2000" dirty="0">
+                <a:uFill>
+                  <a:solidFill/>
+                </a:uFill>
+                <a:latin typeface="Calibri" panose="020F0502020204030204" pitchFamily="34" charset="0"/>
+                <a:ea typeface="Calibri" panose="020F0502020204030204" pitchFamily="34" charset="0"/>
+                <a:cs typeface="Calibri" panose="020F0502020204030204" pitchFamily="34" charset="0"/>
+                <a:sym typeface="Iowan Old Style Roman"/>
+              </a:rPr>
+              <a:t>Find all possible Concentrations</a:t>
+            </a:r>
+          </a:p>
+          <a:p>
+            <a:pPr marL="457200" indent="-457200">
+              <a:spcBef>
+                <a:spcPts val="700"/>
+              </a:spcBef>
+              <a:buSzPct val="100000"/>
+              <a:buFont typeface="+mj-lt"/>
+              <a:buAutoNum type="arabicPeriod"/>
+              <a:defRPr sz="1800">
+                <a:solidFill>
+                  <a:srgbClr val="000000"/>
+                </a:solidFill>
+                <a:uFillTx/>
+              </a:defRPr>
+            </a:pPr>
+            <a:endParaRPr lang="en-US" sz="2000" dirty="0">
+              <a:uFill>
+                <a:solidFill/>
+              </a:uFill>
+              <a:latin typeface="Calibri" panose="020F0502020204030204" pitchFamily="34" charset="0"/>
+              <a:ea typeface="Calibri" panose="020F0502020204030204" pitchFamily="34" charset="0"/>
+              <a:cs typeface="Calibri" panose="020F0502020204030204" pitchFamily="34" charset="0"/>
+              <a:sym typeface="Iowan Old Style Roman"/>
+            </a:endParaRPr>
+          </a:p>
+        </p:txBody>
+      </p:sp>
+    </p:spTree>
+    <p:extLst>
+      <p:ext uri="{BB962C8B-B14F-4D97-AF65-F5344CB8AC3E}">
+        <p14:creationId xmlns:p14="http://schemas.microsoft.com/office/powerpoint/2010/main" val="3126564543"/>
+      </p:ext>
+    </p:extLst>
+  </p:cSld>
+  <p:clrMapOvr>
+    <a:masterClrMapping/>
+  </p:clrMapOvr>
+  <p:transition spd="med"/>
+</p:sld>
+</file>
+
+<file path=ppt/slides/slide15.xml><?xml version="1.0" encoding="utf-8"?>
+<p:sld xmlns:a="http://schemas.openxmlformats.org/drawingml/2006/main" xmlns:r="http://schemas.openxmlformats.org/officeDocument/2006/relationships" xmlns:p="http://schemas.openxmlformats.org/presentationml/2006/main">
+  <p:cSld>
+    <p:spTree>
+      <p:nvGrpSpPr>
+        <p:cNvPr id="1" name=""/>
+        <p:cNvGrpSpPr/>
+        <p:nvPr/>
+      </p:nvGrpSpPr>
+      <p:grpSpPr>
+        <a:xfrm>
+          <a:off x="0" y="0"/>
+          <a:ext cx="0" cy="0"/>
+          <a:chOff x="0" y="0"/>
+          <a:chExt cx="0" cy="0"/>
+        </a:xfrm>
+      </p:grpSpPr>
+      <p:sp>
+        <p:nvSpPr>
+          <p:cNvPr id="26" name="Shape 26"/>
+          <p:cNvSpPr/>
+          <p:nvPr/>
+        </p:nvSpPr>
+        <p:spPr>
+          <a:xfrm>
+            <a:off x="386308" y="147496"/>
+            <a:ext cx="7757379" cy="553998"/>
+          </a:xfrm>
+          <a:prstGeom prst="rect">
+            <a:avLst/>
+          </a:prstGeom>
+          <a:ln w="12700">
+            <a:miter lim="400000"/>
+          </a:ln>
+          <a:extLst>
+            <a:ext uri="{C572A759-6A51-4108-AA02-DFA0A04FC94B}">
+              <ma14:wrappingTextBoxFlag xmlns="" xmlns:ma14="http://schemas.microsoft.com/office/mac/drawingml/2011/main" val="1"/>
+            </a:ext>
+          </a:extLst>
+        </p:spPr>
+        <p:txBody>
+          <a:bodyPr lIns="45719" rIns="45719">
+            <a:spAutoFit/>
+          </a:bodyPr>
+          <a:lstStyle>
+            <a:lvl1pPr>
+              <a:defRPr sz="3000" b="1">
+                <a:uFill>
+                  <a:solidFill>
+                    <a:srgbClr val="FFFFFF"/>
+                  </a:solidFill>
+                </a:uFill>
+              </a:defRPr>
+            </a:lvl1pPr>
+          </a:lstStyle>
+          <a:p>
+            <a:pPr lvl="0">
+              <a:defRPr sz="1800" b="0">
+                <a:solidFill>
+                  <a:srgbClr val="000000"/>
+                </a:solidFill>
+                <a:uFillTx/>
+              </a:defRPr>
+            </a:pPr>
+            <a:r>
+              <a:rPr sz="3000" b="1" dirty="0">
+                <a:uFill>
+                  <a:solidFill>
+                    <a:srgbClr val="FFFFFF"/>
+                  </a:solidFill>
+                </a:uFill>
+                <a:latin typeface="Calibri" panose="020F0502020204030204" pitchFamily="34" charset="0"/>
+              </a:rPr>
+              <a:t>The </a:t>
+            </a:r>
+            <a:r>
+              <a:rPr lang="en-US" sz="3000" b="1" dirty="0">
+                <a:uFill>
+                  <a:solidFill>
+                    <a:srgbClr val="FFFFFF"/>
+                  </a:solidFill>
+                </a:uFill>
+                <a:latin typeface="Calibri" panose="020F0502020204030204" pitchFamily="34" charset="0"/>
+              </a:rPr>
+              <a:t>ORDER BY and LIMIT clause</a:t>
+            </a:r>
+            <a:endParaRPr sz="3000" b="1" dirty="0">
+              <a:uFill>
+                <a:solidFill>
+                  <a:srgbClr val="FFFFFF"/>
+                </a:solidFill>
+              </a:uFill>
+              <a:latin typeface="Calibri" panose="020F0502020204030204" pitchFamily="34" charset="0"/>
+            </a:endParaRPr>
+          </a:p>
+        </p:txBody>
+      </p:sp>
+      <p:sp>
+        <p:nvSpPr>
+          <p:cNvPr id="27" name="Shape 27"/>
+          <p:cNvSpPr/>
+          <p:nvPr/>
+        </p:nvSpPr>
+        <p:spPr>
+          <a:xfrm>
+            <a:off x="229591" y="3601376"/>
+            <a:ext cx="8467107" cy="461665"/>
+          </a:xfrm>
+          <a:prstGeom prst="rect">
+            <a:avLst/>
+          </a:prstGeom>
+          <a:ln w="12700">
+            <a:miter lim="400000"/>
+          </a:ln>
+          <a:extLst>
+            <a:ext uri="{C572A759-6A51-4108-AA02-DFA0A04FC94B}">
+              <ma14:wrappingTextBoxFlag xmlns="" xmlns:ma14="http://schemas.microsoft.com/office/mac/drawingml/2011/main" val="1"/>
+            </a:ext>
+          </a:extLst>
+        </p:spPr>
+        <p:txBody>
+          <a:bodyPr wrap="square" lIns="45719" rIns="45719">
+            <a:spAutoFit/>
+          </a:bodyPr>
+          <a:lstStyle/>
+          <a:p>
+            <a:pPr lvl="0">
+              <a:spcBef>
+                <a:spcPts val="700"/>
+              </a:spcBef>
+              <a:defRPr sz="1800">
+                <a:solidFill>
+                  <a:srgbClr val="000000"/>
+                </a:solidFill>
+                <a:uFillTx/>
+              </a:defRPr>
+            </a:pPr>
+            <a:endParaRPr lang="en-US" sz="2400" dirty="0">
+              <a:uFill>
+                <a:solidFill/>
+              </a:uFill>
+              <a:latin typeface="Consolas" panose="020B0609020204030204" pitchFamily="49" charset="0"/>
+              <a:ea typeface="Calibri" panose="020F0502020204030204" pitchFamily="34" charset="0"/>
+              <a:cs typeface="Calibri" panose="020F0502020204030204" pitchFamily="34" charset="0"/>
+              <a:sym typeface="Iowan Old Style Roman"/>
+            </a:endParaRPr>
+          </a:p>
+        </p:txBody>
+      </p:sp>
+      <p:sp>
+        <p:nvSpPr>
+          <p:cNvPr id="37" name="Shape 37"/>
+          <p:cNvSpPr/>
+          <p:nvPr/>
+        </p:nvSpPr>
+        <p:spPr>
+          <a:xfrm>
+            <a:off x="1" y="920966"/>
+            <a:ext cx="9144000" cy="2492990"/>
+          </a:xfrm>
+          <a:prstGeom prst="rect">
+            <a:avLst/>
+          </a:prstGeom>
+          <a:ln w="12700">
+            <a:miter lim="400000"/>
+          </a:ln>
+          <a:extLst>
+            <a:ext uri="{C572A759-6A51-4108-AA02-DFA0A04FC94B}">
+              <ma14:wrappingTextBoxFlag xmlns="" xmlns:ma14="http://schemas.microsoft.com/office/mac/drawingml/2011/main" val="1"/>
+            </a:ext>
+          </a:extLst>
+        </p:spPr>
+        <p:txBody>
+          <a:bodyPr wrap="square" lIns="0" tIns="0" rIns="0" bIns="0">
+            <a:spAutoFit/>
+          </a:bodyPr>
+          <a:lstStyle/>
+          <a:p>
             <a:pPr marL="342900" lvl="0" indent="-342900">
               <a:buFont typeface="Arial" panose="020B0604020202020204" pitchFamily="34" charset="0"/>
               <a:buChar char="•"/>
@@ -4621,7 +5969,7 @@
                 <a:uFill>
                   <a:solidFill/>
                 </a:uFill>
-                <a:latin typeface="Arial Unicode MS" panose="020B0604020202020204" pitchFamily="34" charset="-128"/>
+                <a:latin typeface="Calibri" panose="020F0502020204030204" pitchFamily="34" charset="0"/>
                 <a:ea typeface="+mn-ea"/>
                 <a:cs typeface="+mn-cs"/>
                 <a:sym typeface="Arial"/>
@@ -4633,7 +5981,7 @@
                 <a:uFill>
                   <a:solidFill/>
                 </a:uFill>
-                <a:latin typeface="Arial Unicode MS" panose="020B0604020202020204" pitchFamily="34" charset="-128"/>
+                <a:latin typeface="Calibri" panose="020F0502020204030204" pitchFamily="34" charset="0"/>
                 <a:ea typeface="+mn-ea"/>
                 <a:cs typeface="+mn-cs"/>
                 <a:sym typeface="Arial"/>
@@ -4653,51 +6001,51 @@
               </a:defRPr>
             </a:pPr>
             <a:r>
-              <a:rPr lang="en-US" dirty="0">
-                <a:uFill>
-                  <a:solidFill/>
-                </a:uFill>
-                <a:latin typeface="Arial Unicode MS" panose="020B0604020202020204" pitchFamily="34" charset="-128"/>
+              <a:rPr lang="en-US" sz="2000" dirty="0">
+                <a:uFill>
+                  <a:solidFill/>
+                </a:uFill>
+                <a:latin typeface="Calibri" panose="020F0502020204030204" pitchFamily="34" charset="0"/>
                 <a:sym typeface="Arial"/>
               </a:rPr>
               <a:t>Can order in ascending (</a:t>
             </a:r>
             <a:r>
-              <a:rPr lang="en-US" b="1" dirty="0">
-                <a:uFill>
-                  <a:solidFill/>
-                </a:uFill>
-                <a:latin typeface="Arial Unicode MS" panose="020B0604020202020204" pitchFamily="34" charset="-128"/>
+              <a:rPr lang="en-US" sz="2000" b="1" dirty="0">
+                <a:uFill>
+                  <a:solidFill/>
+                </a:uFill>
+                <a:latin typeface="Calibri" panose="020F0502020204030204" pitchFamily="34" charset="0"/>
                 <a:sym typeface="Arial"/>
               </a:rPr>
               <a:t>ASC</a:t>
             </a:r>
             <a:r>
-              <a:rPr lang="en-US" dirty="0">
-                <a:uFill>
-                  <a:solidFill/>
-                </a:uFill>
-                <a:latin typeface="Arial Unicode MS" panose="020B0604020202020204" pitchFamily="34" charset="-128"/>
+              <a:rPr lang="en-US" sz="2000" dirty="0">
+                <a:uFill>
+                  <a:solidFill/>
+                </a:uFill>
+                <a:latin typeface="Calibri" panose="020F0502020204030204" pitchFamily="34" charset="0"/>
                 <a:sym typeface="Arial"/>
               </a:rPr>
               <a:t>, default) or descending (</a:t>
             </a:r>
             <a:r>
-              <a:rPr lang="en-US" b="1" dirty="0">
-                <a:uFill>
-                  <a:solidFill/>
-                </a:uFill>
-                <a:latin typeface="Arial Unicode MS" panose="020B0604020202020204" pitchFamily="34" charset="-128"/>
+              <a:rPr lang="en-US" sz="2000" b="1" dirty="0">
+                <a:uFill>
+                  <a:solidFill/>
+                </a:uFill>
+                <a:latin typeface="Calibri" panose="020F0502020204030204" pitchFamily="34" charset="0"/>
                 <a:sym typeface="Arial"/>
               </a:rPr>
               <a:t>DESC</a:t>
             </a:r>
             <a:r>
-              <a:rPr lang="en-US" dirty="0">
-                <a:uFill>
-                  <a:solidFill/>
-                </a:uFill>
-                <a:latin typeface="Arial Unicode MS" panose="020B0604020202020204" pitchFamily="34" charset="-128"/>
+              <a:rPr lang="en-US" sz="2000" dirty="0">
+                <a:uFill>
+                  <a:solidFill/>
+                </a:uFill>
+                <a:latin typeface="Calibri" panose="020F0502020204030204" pitchFamily="34" charset="0"/>
                 <a:sym typeface="Arial"/>
               </a:rPr>
               <a:t>) order</a:t>
@@ -4715,11 +6063,11 @@
               </a:defRPr>
             </a:pPr>
             <a:r>
-              <a:rPr lang="en-US" dirty="0">
-                <a:uFill>
-                  <a:solidFill/>
-                </a:uFill>
-                <a:latin typeface="Arial Unicode MS" panose="020B0604020202020204" pitchFamily="34" charset="-128"/>
+              <a:rPr lang="en-US" sz="2000" dirty="0">
+                <a:uFill>
+                  <a:solidFill/>
+                </a:uFill>
+                <a:latin typeface="Calibri" panose="020F0502020204030204" pitchFamily="34" charset="0"/>
                 <a:sym typeface="Arial"/>
               </a:rPr>
               <a:t>We can list multiple attributes for ordering. We order first using the first attribute, and if there are ties, we order using the second, etc.</a:t>
@@ -4737,46 +6085,34 @@
               </a:defRPr>
             </a:pPr>
             <a:r>
-              <a:rPr lang="en-US" i="1" dirty="0">
-                <a:uFill>
-                  <a:solidFill/>
-                </a:uFill>
-                <a:latin typeface="Arial Unicode MS" panose="020B0604020202020204" pitchFamily="34" charset="-128"/>
+              <a:rPr lang="en-US" sz="2000" dirty="0">
+                <a:uFill>
+                  <a:solidFill/>
+                </a:uFill>
+                <a:latin typeface="Calibri" panose="020F0502020204030204" pitchFamily="34" charset="0"/>
                 <a:sym typeface="Arial"/>
               </a:rPr>
-              <a:t>Potentially useful tip: the “order by” attributes do not need to appear in the results</a:t>
-            </a:r>
-          </a:p>
-          <a:p>
-            <a:pPr marL="342900" lvl="0" indent="-342900">
-              <a:buFont typeface="Arial" panose="020B0604020202020204" pitchFamily="34" charset="0"/>
-              <a:buChar char="•"/>
-              <a:defRPr sz="1800">
-                <a:solidFill>
-                  <a:srgbClr val="000000"/>
-                </a:solidFill>
-                <a:uFillTx/>
-              </a:defRPr>
-            </a:pPr>
-            <a:r>
-              <a:rPr lang="en-US" sz="2400" b="1" dirty="0">
-                <a:uFill>
-                  <a:solidFill/>
-                </a:uFill>
-                <a:latin typeface="Arial Unicode MS" panose="020B0604020202020204" pitchFamily="34" charset="-128"/>
+              <a:t>The </a:t>
+            </a:r>
+            <a:r>
+              <a:rPr lang="en-US" sz="2000" b="1" dirty="0">
+                <a:uFill>
+                  <a:solidFill/>
+                </a:uFill>
+                <a:latin typeface="Calibri" panose="020F0502020204030204" pitchFamily="34" charset="0"/>
                 <a:sym typeface="Arial"/>
               </a:rPr>
-              <a:t>LIMIT n</a:t>
-            </a:r>
-            <a:r>
-              <a:rPr lang="en-US" sz="2400" dirty="0">
-                <a:uFill>
-                  <a:solidFill/>
-                </a:uFill>
-                <a:latin typeface="Arial Unicode MS" panose="020B0604020202020204" pitchFamily="34" charset="-128"/>
+              <a:t>NULLS FIRST/LAST </a:t>
+            </a:r>
+            <a:r>
+              <a:rPr lang="en-US" sz="2000" dirty="0">
+                <a:uFill>
+                  <a:solidFill/>
+                </a:uFill>
+                <a:latin typeface="Calibri" panose="020F0502020204030204" pitchFamily="34" charset="0"/>
                 <a:sym typeface="Arial"/>
               </a:rPr>
-              <a:t>: Limits the number of rows in the results</a:t>
+              <a:t>defines if we want empty cells to be first or last</a:t>
             </a:r>
           </a:p>
           <a:p>
@@ -4791,32 +6127,15 @@
               </a:defRPr>
             </a:pPr>
             <a:r>
-              <a:rPr lang="en-US" sz="2000" b="1" dirty="0">
-                <a:uFill>
-                  <a:solidFill/>
-                </a:uFill>
-                <a:latin typeface="Arial Unicode MS" panose="020B0604020202020204" pitchFamily="34" charset="-128"/>
+              <a:rPr lang="en-US" sz="2000" i="1" dirty="0">
+                <a:uFill>
+                  <a:solidFill/>
+                </a:uFill>
+                <a:latin typeface="Calibri" panose="020F0502020204030204" pitchFamily="34" charset="0"/>
                 <a:sym typeface="Arial"/>
               </a:rPr>
-              <a:t>OFFSET m: </a:t>
-            </a:r>
-            <a:r>
-              <a:rPr lang="en-US" sz="2000" dirty="0">
-                <a:uFill>
-                  <a:solidFill/>
-                </a:uFill>
-                <a:latin typeface="Arial Unicode MS" panose="020B0604020202020204" pitchFamily="34" charset="-128"/>
-                <a:sym typeface="Arial"/>
-              </a:rPr>
-              <a:t>Omit the first m rows of the result, fetch the next n</a:t>
-            </a:r>
-            <a:endParaRPr lang="en-US" sz="2000" b="1" dirty="0">
-              <a:uFill>
-                <a:solidFill/>
-              </a:uFill>
-              <a:latin typeface="Arial Unicode MS" panose="020B0604020202020204" pitchFamily="34" charset="-128"/>
-              <a:sym typeface="Arial"/>
-            </a:endParaRPr>
+              <a:t>Pro-tip: the “order by” attributes do not need to appear in the results</a:t>
+            </a:r>
           </a:p>
           <a:p>
             <a:pPr marL="800100" lvl="1" indent="-342900">
@@ -4830,14 +6149,24 @@
               </a:defRPr>
             </a:pPr>
             <a:r>
-              <a:rPr lang="en-US" sz="2000" i="1" dirty="0">
-                <a:uFill>
-                  <a:solidFill/>
-                </a:uFill>
-                <a:latin typeface="Arial Unicode MS" panose="020B0604020202020204" pitchFamily="34" charset="-128"/>
+              <a:rPr lang="en-US" sz="2000" b="1" dirty="0">
+                <a:uFill>
+                  <a:solidFill/>
+                </a:uFill>
+                <a:latin typeface="Calibri" panose="020F0502020204030204" pitchFamily="34" charset="0"/>
                 <a:sym typeface="Arial"/>
               </a:rPr>
-              <a:t>MySQL Workbench limits all queries to 1000 rows by default </a:t>
+              <a:t>LIMIT n</a:t>
+            </a:r>
+            <a:r>
+              <a:rPr lang="en-US" sz="2000" dirty="0">
+                <a:uFill>
+                  <a:solidFill/>
+                </a:uFill>
+                <a:latin typeface="Calibri" panose="020F0502020204030204" pitchFamily="34" charset="0"/>
+                <a:sym typeface="Arial"/>
+              </a:rPr>
+              <a:t>: Limits the number of rows in the results</a:t>
             </a:r>
           </a:p>
           <a:p>
@@ -4852,34 +6181,420 @@
               </a:defRPr>
             </a:pPr>
             <a:r>
-              <a:rPr lang="en-US" sz="2000" i="1" dirty="0">
-                <a:uFill>
-                  <a:solidFill/>
-                </a:uFill>
-                <a:latin typeface="Arial Unicode MS" panose="020B0604020202020204" pitchFamily="34" charset="-128"/>
+              <a:rPr lang="en-US" sz="2000" b="1" dirty="0">
+                <a:uFill>
+                  <a:solidFill/>
+                </a:uFill>
+                <a:latin typeface="Calibri" panose="020F0502020204030204" pitchFamily="34" charset="0"/>
                 <a:sym typeface="Arial"/>
               </a:rPr>
-              <a:t>Different databases use different ways to say “LIMIT”</a:t>
-            </a:r>
-          </a:p>
-          <a:p>
-            <a:pPr marL="800100" lvl="1" indent="-342900">
-              <a:buFont typeface="Arial" panose="020B0604020202020204" pitchFamily="34" charset="0"/>
-              <a:buChar char="•"/>
-              <a:defRPr sz="1800">
-                <a:solidFill>
-                  <a:srgbClr val="000000"/>
-                </a:solidFill>
-                <a:uFillTx/>
-              </a:defRPr>
-            </a:pPr>
-            <a:endParaRPr i="1" dirty="0">
+              <a:t>OFFSET m: </a:t>
+            </a:r>
+            <a:r>
+              <a:rPr lang="en-US" sz="2000" dirty="0">
+                <a:uFill>
+                  <a:solidFill/>
+                </a:uFill>
+                <a:latin typeface="Calibri" panose="020F0502020204030204" pitchFamily="34" charset="0"/>
+                <a:sym typeface="Arial"/>
+              </a:rPr>
+              <a:t>Omit the first m rows of the result, fetch the next n</a:t>
+            </a:r>
+            <a:endParaRPr sz="2000" i="1" dirty="0">
               <a:uFill>
                 <a:solidFill/>
               </a:uFill>
-              <a:latin typeface="Arial Unicode MS" panose="020B0604020202020204" pitchFamily="34" charset="-128"/>
+              <a:latin typeface="Calibri" panose="020F0502020204030204" pitchFamily="34" charset="0"/>
               <a:sym typeface="Arial"/>
             </a:endParaRPr>
+          </a:p>
+        </p:txBody>
+      </p:sp>
+      <p:sp>
+        <p:nvSpPr>
+          <p:cNvPr id="5" name="Rounded Rectangle 4">
+            <a:extLst>
+              <a:ext uri="{FF2B5EF4-FFF2-40B4-BE49-F238E27FC236}">
+                <a16:creationId xmlns:a16="http://schemas.microsoft.com/office/drawing/2014/main" id="{8346CA4E-B3C1-AE39-2FAB-A30974D7C0C5}"/>
+              </a:ext>
+            </a:extLst>
+          </p:cNvPr>
+          <p:cNvSpPr/>
+          <p:nvPr/>
+        </p:nvSpPr>
+        <p:spPr>
+          <a:xfrm>
+            <a:off x="3660768" y="5676405"/>
+            <a:ext cx="5419897" cy="1097280"/>
+          </a:xfrm>
+          <a:prstGeom prst="roundRect">
+            <a:avLst/>
+          </a:prstGeom>
+          <a:solidFill>
+            <a:srgbClr val="EBF5FF"/>
+          </a:solidFill>
+          <a:ln>
+            <a:solidFill>
+              <a:srgbClr val="78B4E6"/>
+            </a:solidFill>
+          </a:ln>
+        </p:spPr>
+        <p:style>
+          <a:lnRef idx="1">
+            <a:schemeClr val="accent1"/>
+          </a:lnRef>
+          <a:fillRef idx="3">
+            <a:schemeClr val="accent1"/>
+          </a:fillRef>
+          <a:effectRef idx="2">
+            <a:schemeClr val="accent1"/>
+          </a:effectRef>
+          <a:fontRef idx="minor">
+            <a:schemeClr val="lt1"/>
+          </a:fontRef>
+        </p:style>
+        <p:txBody>
+          <a:bodyPr wrap="square" rtlCol="0" anchor="ctr"/>
+          <a:lstStyle/>
+          <a:p>
+            <a:pPr algn="ctr"/>
+            <a:r>
+              <a:rPr sz="1600" b="1" dirty="0">
+                <a:solidFill>
+                  <a:schemeClr val="tx1"/>
+                </a:solidFill>
+                <a:latin typeface="Calibri"/>
+              </a:rPr>
+              <a:t>Portability notes</a:t>
+            </a:r>
+          </a:p>
+          <a:p>
+            <a:r>
+              <a:rPr sz="1400" dirty="0">
+                <a:solidFill>
+                  <a:schemeClr val="tx1"/>
+                </a:solidFill>
+                <a:latin typeface="Calibri"/>
+              </a:rPr>
+              <a:t>• MySQL/Postgres/SQLite: LIMIT n OFFSET m</a:t>
+            </a:r>
+          </a:p>
+          <a:p>
+            <a:r>
+              <a:rPr sz="1400" dirty="0">
+                <a:solidFill>
+                  <a:schemeClr val="tx1"/>
+                </a:solidFill>
+                <a:latin typeface="Calibri"/>
+              </a:rPr>
+              <a:t>• SQL Server: ORDER BY … OFFSET m ROWS FETCH NEXT n ROWS ONLY</a:t>
+            </a:r>
+          </a:p>
+          <a:p>
+            <a:r>
+              <a:rPr sz="1400" dirty="0">
+                <a:solidFill>
+                  <a:schemeClr val="tx1"/>
+                </a:solidFill>
+                <a:latin typeface="Calibri"/>
+              </a:rPr>
+              <a:t>• Oracle: FETCH FIRST n ROWS ONLY OFFSET m</a:t>
+            </a:r>
+          </a:p>
+        </p:txBody>
+      </p:sp>
+      <p:sp>
+        <p:nvSpPr>
+          <p:cNvPr id="8" name="Rectangle 7">
+            <a:extLst>
+              <a:ext uri="{FF2B5EF4-FFF2-40B4-BE49-F238E27FC236}">
+                <a16:creationId xmlns:a16="http://schemas.microsoft.com/office/drawing/2014/main" id="{07EE2056-4F4D-EB12-C314-8F04F4E0B605}"/>
+              </a:ext>
+            </a:extLst>
+          </p:cNvPr>
+          <p:cNvSpPr/>
+          <p:nvPr/>
+        </p:nvSpPr>
+        <p:spPr>
+          <a:xfrm>
+            <a:off x="721426" y="3444045"/>
+            <a:ext cx="7772400" cy="2194560"/>
+          </a:xfrm>
+          <a:prstGeom prst="rect">
+            <a:avLst/>
+          </a:prstGeom>
+          <a:solidFill>
+            <a:srgbClr val="F9F9F9"/>
+          </a:solidFill>
+          <a:ln w="9525" cap="flat" cmpd="sng" algn="ctr">
+            <a:solidFill>
+              <a:srgbClr val="DCDCDC"/>
+            </a:solidFill>
+            <a:prstDash val="solid"/>
+          </a:ln>
+          <a:effectLst>
+            <a:outerShdw blurRad="40000" dist="23000" dir="5400000" rotWithShape="0">
+              <a:srgbClr val="000000">
+                <a:alpha val="35000"/>
+              </a:srgbClr>
+            </a:outerShdw>
+          </a:effectLst>
+        </p:spPr>
+        <p:txBody>
+          <a:bodyPr wrap="square" rtlCol="0" anchor="ctr"/>
+          <a:lstStyle/>
+          <a:p>
+            <a:pPr lvl="0">
+              <a:spcBef>
+                <a:spcPts val="700"/>
+              </a:spcBef>
+              <a:defRPr sz="1800">
+                <a:solidFill>
+                  <a:srgbClr val="000000"/>
+                </a:solidFill>
+                <a:uFillTx/>
+              </a:defRPr>
+            </a:pPr>
+            <a:r>
+              <a:rPr lang="en-US" sz="2400" b="1" dirty="0">
+                <a:uFill>
+                  <a:solidFill/>
+                </a:uFill>
+                <a:latin typeface="Consolas" panose="020B0609020204030204" pitchFamily="49" charset="0"/>
+                <a:ea typeface="Calibri" panose="020F0502020204030204" pitchFamily="34" charset="0"/>
+                <a:cs typeface="Calibri" panose="020F0502020204030204" pitchFamily="34" charset="0"/>
+                <a:sym typeface="Iowan Old Style Roman"/>
+              </a:rPr>
+              <a:t>SELECT</a:t>
+            </a:r>
+            <a:r>
+              <a:rPr lang="en-US" sz="2400" dirty="0">
+                <a:uFill>
+                  <a:solidFill/>
+                </a:uFill>
+                <a:latin typeface="Consolas" panose="020B0609020204030204" pitchFamily="49" charset="0"/>
+                <a:ea typeface="Calibri" panose="020F0502020204030204" pitchFamily="34" charset="0"/>
+                <a:cs typeface="Calibri" panose="020F0502020204030204" pitchFamily="34" charset="0"/>
+                <a:sym typeface="Iowan Old Style Roman"/>
+              </a:rPr>
+              <a:t> column1, column2</a:t>
+            </a:r>
+          </a:p>
+          <a:p>
+            <a:pPr lvl="0">
+              <a:spcBef>
+                <a:spcPts val="700"/>
+              </a:spcBef>
+              <a:defRPr sz="1800">
+                <a:solidFill>
+                  <a:srgbClr val="000000"/>
+                </a:solidFill>
+                <a:uFillTx/>
+              </a:defRPr>
+            </a:pPr>
+            <a:r>
+              <a:rPr lang="en-US" sz="2400" b="1" dirty="0">
+                <a:uFill>
+                  <a:solidFill/>
+                </a:uFill>
+                <a:latin typeface="Consolas" panose="020B0609020204030204" pitchFamily="49" charset="0"/>
+                <a:ea typeface="Calibri" panose="020F0502020204030204" pitchFamily="34" charset="0"/>
+                <a:cs typeface="Calibri" panose="020F0502020204030204" pitchFamily="34" charset="0"/>
+                <a:sym typeface="Iowan Old Style Roman"/>
+              </a:rPr>
+              <a:t>FROM</a:t>
+            </a:r>
+            <a:r>
+              <a:rPr lang="en-US" sz="2400" dirty="0">
+                <a:uFill>
+                  <a:solidFill/>
+                </a:uFill>
+                <a:latin typeface="Consolas" panose="020B0609020204030204" pitchFamily="49" charset="0"/>
+                <a:ea typeface="Calibri" panose="020F0502020204030204" pitchFamily="34" charset="0"/>
+                <a:cs typeface="Calibri" panose="020F0502020204030204" pitchFamily="34" charset="0"/>
+                <a:sym typeface="Iowan Old Style Roman"/>
+              </a:rPr>
+              <a:t> </a:t>
+            </a:r>
+            <a:r>
+              <a:rPr lang="en-US" sz="2400" dirty="0" err="1">
+                <a:uFill>
+                  <a:solidFill/>
+                </a:uFill>
+                <a:latin typeface="Consolas" panose="020B0609020204030204" pitchFamily="49" charset="0"/>
+                <a:ea typeface="Calibri" panose="020F0502020204030204" pitchFamily="34" charset="0"/>
+                <a:cs typeface="Calibri" panose="020F0502020204030204" pitchFamily="34" charset="0"/>
+                <a:sym typeface="Iowan Old Style Roman"/>
+              </a:rPr>
+              <a:t>table_name</a:t>
+            </a:r>
+            <a:endParaRPr lang="en-US" sz="2400" dirty="0">
+              <a:uFill>
+                <a:solidFill/>
+              </a:uFill>
+              <a:latin typeface="Consolas" panose="020B0609020204030204" pitchFamily="49" charset="0"/>
+              <a:ea typeface="Calibri" panose="020F0502020204030204" pitchFamily="34" charset="0"/>
+              <a:cs typeface="Calibri" panose="020F0502020204030204" pitchFamily="34" charset="0"/>
+              <a:sym typeface="Iowan Old Style Roman"/>
+            </a:endParaRPr>
+          </a:p>
+          <a:p>
+            <a:pPr lvl="0">
+              <a:spcBef>
+                <a:spcPts val="700"/>
+              </a:spcBef>
+              <a:defRPr sz="1800">
+                <a:solidFill>
+                  <a:srgbClr val="000000"/>
+                </a:solidFill>
+                <a:uFillTx/>
+              </a:defRPr>
+            </a:pPr>
+            <a:r>
+              <a:rPr lang="en-US" sz="2400" b="1" dirty="0">
+                <a:uFill>
+                  <a:solidFill/>
+                </a:uFill>
+                <a:latin typeface="Consolas" panose="020B0609020204030204" pitchFamily="49" charset="0"/>
+                <a:ea typeface="Calibri" panose="020F0502020204030204" pitchFamily="34" charset="0"/>
+                <a:cs typeface="Calibri" panose="020F0502020204030204" pitchFamily="34" charset="0"/>
+                <a:sym typeface="Iowan Old Style Roman"/>
+              </a:rPr>
+              <a:t>ORDER</a:t>
+            </a:r>
+            <a:r>
+              <a:rPr lang="en-US" sz="2400" dirty="0">
+                <a:uFill>
+                  <a:solidFill/>
+                </a:uFill>
+                <a:latin typeface="Consolas" panose="020B0609020204030204" pitchFamily="49" charset="0"/>
+                <a:ea typeface="Calibri" panose="020F0502020204030204" pitchFamily="34" charset="0"/>
+                <a:cs typeface="Calibri" panose="020F0502020204030204" pitchFamily="34" charset="0"/>
+                <a:sym typeface="Iowan Old Style Roman"/>
+              </a:rPr>
+              <a:t> BY column1 </a:t>
+            </a:r>
+            <a:r>
+              <a:rPr lang="en-US" sz="2400" b="1" dirty="0">
+                <a:uFill>
+                  <a:solidFill/>
+                </a:uFill>
+                <a:latin typeface="Consolas" panose="020B0609020204030204" pitchFamily="49" charset="0"/>
+                <a:ea typeface="Calibri" panose="020F0502020204030204" pitchFamily="34" charset="0"/>
+                <a:cs typeface="Calibri" panose="020F0502020204030204" pitchFamily="34" charset="0"/>
+                <a:sym typeface="Iowan Old Style Roman"/>
+              </a:rPr>
+              <a:t>DESC</a:t>
+            </a:r>
+            <a:r>
+              <a:rPr lang="en-US" sz="2400" dirty="0">
+                <a:uFill>
+                  <a:solidFill/>
+                </a:uFill>
+                <a:latin typeface="Consolas" panose="020B0609020204030204" pitchFamily="49" charset="0"/>
+                <a:ea typeface="Calibri" panose="020F0502020204030204" pitchFamily="34" charset="0"/>
+                <a:cs typeface="Calibri" panose="020F0502020204030204" pitchFamily="34" charset="0"/>
+                <a:sym typeface="Iowan Old Style Roman"/>
+              </a:rPr>
+              <a:t>, column2 </a:t>
+            </a:r>
+            <a:r>
+              <a:rPr lang="en-US" sz="2400" b="1" dirty="0">
+                <a:uFill>
+                  <a:solidFill/>
+                </a:uFill>
+                <a:latin typeface="Consolas" panose="020B0609020204030204" pitchFamily="49" charset="0"/>
+                <a:ea typeface="Calibri" panose="020F0502020204030204" pitchFamily="34" charset="0"/>
+                <a:cs typeface="Calibri" panose="020F0502020204030204" pitchFamily="34" charset="0"/>
+                <a:sym typeface="Iowan Old Style Roman"/>
+              </a:rPr>
+              <a:t>ASC</a:t>
+            </a:r>
+            <a:r>
+              <a:rPr lang="en-US" sz="2400" dirty="0">
+                <a:uFill>
+                  <a:solidFill/>
+                </a:uFill>
+                <a:latin typeface="Consolas" panose="020B0609020204030204" pitchFamily="49" charset="0"/>
+                <a:ea typeface="Calibri" panose="020F0502020204030204" pitchFamily="34" charset="0"/>
+                <a:cs typeface="Calibri" panose="020F0502020204030204" pitchFamily="34" charset="0"/>
+                <a:sym typeface="Iowan Old Style Roman"/>
+              </a:rPr>
+              <a:t> </a:t>
+            </a:r>
+            <a:r>
+              <a:rPr lang="en-US" sz="2400" b="1" dirty="0">
+                <a:uFill>
+                  <a:solidFill/>
+                </a:uFill>
+                <a:latin typeface="Consolas" panose="020B0609020204030204" pitchFamily="49" charset="0"/>
+                <a:ea typeface="Calibri" panose="020F0502020204030204" pitchFamily="34" charset="0"/>
+                <a:cs typeface="Calibri" panose="020F0502020204030204" pitchFamily="34" charset="0"/>
+                <a:sym typeface="Iowan Old Style Roman"/>
+              </a:rPr>
+              <a:t>NULLS LAST</a:t>
+            </a:r>
+          </a:p>
+          <a:p>
+            <a:pPr lvl="0">
+              <a:spcBef>
+                <a:spcPts val="700"/>
+              </a:spcBef>
+              <a:defRPr sz="1800">
+                <a:solidFill>
+                  <a:srgbClr val="000000"/>
+                </a:solidFill>
+                <a:uFillTx/>
+              </a:defRPr>
+            </a:pPr>
+            <a:r>
+              <a:rPr lang="en-US" sz="2400" b="1" dirty="0">
+                <a:uFill>
+                  <a:solidFill/>
+                </a:uFill>
+                <a:latin typeface="Consolas" panose="020B0609020204030204" pitchFamily="49" charset="0"/>
+                <a:ea typeface="Calibri" panose="020F0502020204030204" pitchFamily="34" charset="0"/>
+                <a:cs typeface="Calibri" panose="020F0502020204030204" pitchFamily="34" charset="0"/>
+                <a:sym typeface="Iowan Old Style Roman"/>
+              </a:rPr>
+              <a:t>LIMIT</a:t>
+            </a:r>
+            <a:r>
+              <a:rPr lang="en-US" sz="2400" dirty="0">
+                <a:uFill>
+                  <a:solidFill/>
+                </a:uFill>
+                <a:latin typeface="Consolas" panose="020B0609020204030204" pitchFamily="49" charset="0"/>
+                <a:ea typeface="Calibri" panose="020F0502020204030204" pitchFamily="34" charset="0"/>
+                <a:cs typeface="Calibri" panose="020F0502020204030204" pitchFamily="34" charset="0"/>
+                <a:sym typeface="Iowan Old Style Roman"/>
+              </a:rPr>
+              <a:t> 10 </a:t>
+            </a:r>
+            <a:r>
+              <a:rPr lang="en-US" sz="2400" b="1" dirty="0">
+                <a:uFill>
+                  <a:solidFill/>
+                </a:uFill>
+                <a:latin typeface="Consolas" panose="020B0609020204030204" pitchFamily="49" charset="0"/>
+                <a:ea typeface="Calibri" panose="020F0502020204030204" pitchFamily="34" charset="0"/>
+                <a:cs typeface="Calibri" panose="020F0502020204030204" pitchFamily="34" charset="0"/>
+                <a:sym typeface="Iowan Old Style Roman"/>
+              </a:rPr>
+              <a:t>OFFSET</a:t>
+            </a:r>
+            <a:r>
+              <a:rPr lang="en-US" sz="2400" dirty="0">
+                <a:uFill>
+                  <a:solidFill/>
+                </a:uFill>
+                <a:latin typeface="Consolas" panose="020B0609020204030204" pitchFamily="49" charset="0"/>
+                <a:ea typeface="Calibri" panose="020F0502020204030204" pitchFamily="34" charset="0"/>
+                <a:cs typeface="Calibri" panose="020F0502020204030204" pitchFamily="34" charset="0"/>
+                <a:sym typeface="Iowan Old Style Roman"/>
+              </a:rPr>
+              <a:t> 0;</a:t>
+            </a:r>
           </a:p>
         </p:txBody>
       </p:sp>
@@ -4982,7 +6697,7 @@
 </p:sld>
 </file>
 
-<file path=ppt/slides/slide12.xml><?xml version="1.0" encoding="utf-8"?>
+<file path=ppt/slides/slide16.xml><?xml version="1.0" encoding="utf-8"?>
 <p:sld xmlns:a="http://schemas.openxmlformats.org/drawingml/2006/main" xmlns:r="http://schemas.openxmlformats.org/officeDocument/2006/relationships" xmlns:p="http://schemas.openxmlformats.org/presentationml/2006/main">
   <p:cSld>
     <p:spTree>
@@ -5018,7 +6733,7 @@
           </a:ln>
           <a:extLst>
             <a:ext uri="{C572A759-6A51-4108-AA02-DFA0A04FC94B}">
-              <ma14:wrappingTextBoxFlag xmlns:ma14="http://schemas.microsoft.com/office/mac/drawingml/2011/main" xmlns="" val="1"/>
+              <ma14:wrappingTextBoxFlag xmlns="" xmlns:ma14="http://schemas.microsoft.com/office/mac/drawingml/2011/main" val="1"/>
             </a:ext>
           </a:extLst>
         </p:spPr>
@@ -5053,7 +6768,7 @@
                     <a:srgbClr val="FFFFFF"/>
                   </a:solidFill>
                 </a:uFill>
-                <a:latin typeface="Arial Unicode MS" panose="020B0604020202020204" pitchFamily="34" charset="-128"/>
+                <a:latin typeface="Calibri" panose="020F0502020204030204" pitchFamily="34" charset="0"/>
               </a:rPr>
               <a:t>Practice queries</a:t>
             </a:r>
@@ -5069,7 +6784,7 @@
         <p:spPr>
           <a:xfrm>
             <a:off x="179798" y="1324179"/>
-            <a:ext cx="8794678" cy="5388655"/>
+            <a:ext cx="8794678" cy="4593565"/>
           </a:xfrm>
           <a:prstGeom prst="rect">
             <a:avLst/>
@@ -5079,7 +6794,7 @@
           </a:ln>
           <a:extLst>
             <a:ext uri="{C572A759-6A51-4108-AA02-DFA0A04FC94B}">
-              <ma14:wrappingTextBoxFlag xmlns:ma14="http://schemas.microsoft.com/office/mac/drawingml/2011/main" xmlns="" val="1"/>
+              <ma14:wrappingTextBoxFlag xmlns="" xmlns:ma14="http://schemas.microsoft.com/office/mac/drawingml/2011/main" val="1"/>
             </a:ext>
           </a:extLst>
         </p:spPr>
@@ -5106,60 +6821,12 @@
                 <a:uFill>
                   <a:solidFill/>
                 </a:uFill>
-                <a:latin typeface="Arial Unicode MS" panose="020B0604020202020204" pitchFamily="34" charset="-128"/>
-                <a:ea typeface="Arial Unicode MS" panose="020B0604020202020204" pitchFamily="34" charset="-128"/>
-                <a:cs typeface="Arial Unicode MS" panose="020B0604020202020204" pitchFamily="34" charset="-128"/>
-                <a:sym typeface="Iowan Old Style Roman"/>
-              </a:rPr>
-              <a:t>IMDB Database (“</a:t>
-            </a:r>
-            <a:r>
-              <a:rPr lang="en-US" sz="2000" b="1" dirty="0">
-                <a:uFill>
-                  <a:solidFill/>
-                </a:uFill>
-                <a:latin typeface="Arial Unicode MS" panose="020B0604020202020204" pitchFamily="34" charset="-128"/>
-                <a:ea typeface="Arial Unicode MS" panose="020B0604020202020204" pitchFamily="34" charset="-128"/>
-                <a:cs typeface="Arial Unicode MS" panose="020B0604020202020204" pitchFamily="34" charset="-128"/>
-                <a:sym typeface="Iowan Old Style Roman"/>
-              </a:rPr>
-              <a:t>use </a:t>
-            </a:r>
-            <a:r>
-              <a:rPr lang="en-US" sz="2000" b="1" dirty="0" err="1">
-                <a:uFill>
-                  <a:solidFill/>
-                </a:uFill>
-                <a:latin typeface="Arial Unicode MS" panose="020B0604020202020204" pitchFamily="34" charset="-128"/>
-                <a:ea typeface="Arial Unicode MS" panose="020B0604020202020204" pitchFamily="34" charset="-128"/>
-                <a:cs typeface="Arial Unicode MS" panose="020B0604020202020204" pitchFamily="34" charset="-128"/>
-                <a:sym typeface="Iowan Old Style Roman"/>
-              </a:rPr>
-              <a:t>imdb</a:t>
-            </a:r>
-            <a:r>
-              <a:rPr lang="en-US" sz="2000" b="1" dirty="0">
-                <a:uFill>
-                  <a:solidFill/>
-                </a:uFill>
-                <a:latin typeface="Arial Unicode MS" panose="020B0604020202020204" pitchFamily="34" charset="-128"/>
-                <a:ea typeface="Arial Unicode MS" panose="020B0604020202020204" pitchFamily="34" charset="-128"/>
-                <a:cs typeface="Arial Unicode MS" panose="020B0604020202020204" pitchFamily="34" charset="-128"/>
-                <a:sym typeface="Iowan Old Style Roman"/>
-              </a:rPr>
-              <a:t>;</a:t>
-            </a:r>
-            <a:r>
-              <a:rPr lang="en-US" sz="2000" dirty="0">
-                <a:uFill>
-                  <a:solidFill/>
-                </a:uFill>
-                <a:latin typeface="Arial Unicode MS" panose="020B0604020202020204" pitchFamily="34" charset="-128"/>
-                <a:ea typeface="Arial Unicode MS" panose="020B0604020202020204" pitchFamily="34" charset="-128"/>
-                <a:cs typeface="Arial Unicode MS" panose="020B0604020202020204" pitchFamily="34" charset="-128"/>
-                <a:sym typeface="Iowan Old Style Roman"/>
-              </a:rPr>
-              <a:t>”)</a:t>
+                <a:latin typeface="Calibri" panose="020F0502020204030204" pitchFamily="34" charset="0"/>
+                <a:ea typeface="Calibri" panose="020F0502020204030204" pitchFamily="34" charset="0"/>
+                <a:cs typeface="Calibri" panose="020F0502020204030204" pitchFamily="34" charset="0"/>
+                <a:sym typeface="Iowan Old Style Roman"/>
+              </a:rPr>
+              <a:t>IMDB Database </a:t>
             </a:r>
           </a:p>
           <a:p>
@@ -5176,15 +6843,99 @@
                 <a:uFillTx/>
               </a:defRPr>
             </a:pPr>
-            <a:endParaRPr lang="en-US" sz="2000" dirty="0">
-              <a:uFill>
-                <a:solidFill/>
-              </a:uFill>
-              <a:latin typeface="Arial Unicode MS" panose="020B0604020202020204" pitchFamily="34" charset="-128"/>
-              <a:ea typeface="Arial Unicode MS" panose="020B0604020202020204" pitchFamily="34" charset="-128"/>
-              <a:cs typeface="Arial Unicode MS" panose="020B0604020202020204" pitchFamily="34" charset="-128"/>
-              <a:sym typeface="Iowan Old Style Roman"/>
-            </a:endParaRPr>
+            <a:r>
+              <a:rPr lang="en-US" sz="2000" dirty="0">
+                <a:uFill>
+                  <a:solidFill/>
+                </a:uFill>
+                <a:latin typeface="Calibri" panose="020F0502020204030204" pitchFamily="34" charset="0"/>
+                <a:ea typeface="Calibri" panose="020F0502020204030204" pitchFamily="34" charset="0"/>
+                <a:cs typeface="Calibri" panose="020F0502020204030204" pitchFamily="34" charset="0"/>
+                <a:sym typeface="Iowan Old Style Roman"/>
+              </a:rPr>
+              <a:t>Find the top-10 ranked movies</a:t>
+            </a:r>
+          </a:p>
+          <a:p>
+            <a:pPr marL="724568" lvl="1" indent="-267368">
+              <a:spcBef>
+                <a:spcPts val="700"/>
+              </a:spcBef>
+              <a:buSzPct val="100000"/>
+              <a:buAutoNum type="arabicPeriod"/>
+              <a:defRPr sz="1800">
+                <a:solidFill>
+                  <a:srgbClr val="000000"/>
+                </a:solidFill>
+                <a:uFillTx/>
+              </a:defRPr>
+            </a:pPr>
+            <a:r>
+              <a:rPr lang="en-US" sz="2000" dirty="0">
+                <a:uFill>
+                  <a:solidFill/>
+                </a:uFill>
+                <a:latin typeface="Calibri" panose="020F0502020204030204" pitchFamily="34" charset="0"/>
+                <a:ea typeface="Calibri" panose="020F0502020204030204" pitchFamily="34" charset="0"/>
+                <a:cs typeface="Calibri" panose="020F0502020204030204" pitchFamily="34" charset="0"/>
+                <a:sym typeface="Iowan Old Style Roman"/>
+              </a:rPr>
+              <a:t>Rank by rating first (descending order)</a:t>
+            </a:r>
+          </a:p>
+          <a:p>
+            <a:pPr marL="724568" lvl="1" indent="-267368">
+              <a:spcBef>
+                <a:spcPts val="700"/>
+              </a:spcBef>
+              <a:buSzPct val="100000"/>
+              <a:buAutoNum type="arabicPeriod"/>
+              <a:defRPr sz="1800">
+                <a:solidFill>
+                  <a:srgbClr val="000000"/>
+                </a:solidFill>
+                <a:uFillTx/>
+              </a:defRPr>
+            </a:pPr>
+            <a:r>
+              <a:rPr lang="en-US" sz="2000" dirty="0">
+                <a:uFill>
+                  <a:solidFill/>
+                </a:uFill>
+                <a:latin typeface="Calibri" panose="020F0502020204030204" pitchFamily="34" charset="0"/>
+                <a:ea typeface="Calibri" panose="020F0502020204030204" pitchFamily="34" charset="0"/>
+                <a:cs typeface="Calibri" panose="020F0502020204030204" pitchFamily="34" charset="0"/>
+                <a:sym typeface="Iowan Old Style Roman"/>
+              </a:rPr>
+              <a:t>Break ties using year</a:t>
+            </a:r>
+          </a:p>
+          <a:p>
+            <a:pPr marL="724568" lvl="1" indent="-267368">
+              <a:spcBef>
+                <a:spcPts val="700"/>
+              </a:spcBef>
+              <a:buSzPct val="100000"/>
+              <a:buAutoNum type="arabicPeriod"/>
+              <a:defRPr sz="1800">
+                <a:solidFill>
+                  <a:srgbClr val="000000"/>
+                </a:solidFill>
+                <a:uFillTx/>
+              </a:defRPr>
+            </a:pPr>
+            <a:r>
+              <a:rPr lang="en-US" sz="2000" dirty="0">
+                <a:uFill>
+                  <a:solidFill/>
+                </a:uFill>
+                <a:latin typeface="Calibri" panose="020F0502020204030204" pitchFamily="34" charset="0"/>
+                <a:ea typeface="Calibri" panose="020F0502020204030204" pitchFamily="34" charset="0"/>
+                <a:cs typeface="Calibri" panose="020F0502020204030204" pitchFamily="34" charset="0"/>
+                <a:sym typeface="Iowan Old Style Roman"/>
+              </a:rPr>
+              <a:t>Break remaining ties using name</a:t>
+            </a:r>
           </a:p>
           <a:p>
             <a:pPr marL="267368" lvl="0" indent="-267368">
@@ -5205,117 +6956,9 @@
                 <a:uFill>
                   <a:solidFill/>
                 </a:uFill>
-                <a:latin typeface="Arial Unicode MS" panose="020B0604020202020204" pitchFamily="34" charset="-128"/>
-                <a:ea typeface="Arial Unicode MS" panose="020B0604020202020204" pitchFamily="34" charset="-128"/>
-                <a:cs typeface="Arial Unicode MS" panose="020B0604020202020204" pitchFamily="34" charset="-128"/>
-                <a:sym typeface="Iowan Old Style Roman"/>
-              </a:rPr>
-              <a:t>Find the top-10 ranked movies</a:t>
-            </a:r>
-          </a:p>
-          <a:p>
-            <a:pPr marL="724568" lvl="1" indent="-267368">
-              <a:spcBef>
-                <a:spcPts val="700"/>
-              </a:spcBef>
-              <a:buSzPct val="100000"/>
-              <a:buAutoNum type="arabicPeriod"/>
-              <a:defRPr sz="1800">
-                <a:solidFill>
-                  <a:srgbClr val="000000"/>
-                </a:solidFill>
-                <a:uFillTx/>
-              </a:defRPr>
-            </a:pPr>
-            <a:r>
-              <a:rPr lang="en-US" sz="2000" dirty="0">
-                <a:uFill>
-                  <a:solidFill/>
-                </a:uFill>
-                <a:latin typeface="Arial Unicode MS" panose="020B0604020202020204" pitchFamily="34" charset="-128"/>
-                <a:ea typeface="Arial Unicode MS" panose="020B0604020202020204" pitchFamily="34" charset="-128"/>
-                <a:cs typeface="Arial Unicode MS" panose="020B0604020202020204" pitchFamily="34" charset="-128"/>
-                <a:sym typeface="Iowan Old Style Roman"/>
-              </a:rPr>
-              <a:t>Rank by “rating” first (descending order)</a:t>
-            </a:r>
-          </a:p>
-          <a:p>
-            <a:pPr marL="724568" lvl="1" indent="-267368">
-              <a:spcBef>
-                <a:spcPts val="700"/>
-              </a:spcBef>
-              <a:buSzPct val="100000"/>
-              <a:buAutoNum type="arabicPeriod"/>
-              <a:defRPr sz="1800">
-                <a:solidFill>
-                  <a:srgbClr val="000000"/>
-                </a:solidFill>
-                <a:uFillTx/>
-              </a:defRPr>
-            </a:pPr>
-            <a:r>
-              <a:rPr lang="en-US" sz="2000" dirty="0">
-                <a:uFill>
-                  <a:solidFill/>
-                </a:uFill>
-                <a:latin typeface="Arial Unicode MS" panose="020B0604020202020204" pitchFamily="34" charset="-128"/>
-                <a:ea typeface="Arial Unicode MS" panose="020B0604020202020204" pitchFamily="34" charset="-128"/>
-                <a:cs typeface="Arial Unicode MS" panose="020B0604020202020204" pitchFamily="34" charset="-128"/>
-                <a:sym typeface="Iowan Old Style Roman"/>
-              </a:rPr>
-              <a:t>Break ties using “year”</a:t>
-            </a:r>
-          </a:p>
-          <a:p>
-            <a:pPr marL="724568" lvl="1" indent="-267368">
-              <a:spcBef>
-                <a:spcPts val="700"/>
-              </a:spcBef>
-              <a:buSzPct val="100000"/>
-              <a:buAutoNum type="arabicPeriod"/>
-              <a:defRPr sz="1800">
-                <a:solidFill>
-                  <a:srgbClr val="000000"/>
-                </a:solidFill>
-                <a:uFillTx/>
-              </a:defRPr>
-            </a:pPr>
-            <a:r>
-              <a:rPr lang="en-US" sz="2000" dirty="0">
-                <a:uFill>
-                  <a:solidFill/>
-                </a:uFill>
-                <a:latin typeface="Arial Unicode MS" panose="020B0604020202020204" pitchFamily="34" charset="-128"/>
-                <a:ea typeface="Arial Unicode MS" panose="020B0604020202020204" pitchFamily="34" charset="-128"/>
-                <a:cs typeface="Arial Unicode MS" panose="020B0604020202020204" pitchFamily="34" charset="-128"/>
-                <a:sym typeface="Iowan Old Style Roman"/>
-              </a:rPr>
-              <a:t>Break remaining ties using “name”</a:t>
-            </a:r>
-          </a:p>
-          <a:p>
-            <a:pPr marL="267368" lvl="0" indent="-267368">
-              <a:spcBef>
-                <a:spcPts val="700"/>
-              </a:spcBef>
-              <a:buSzPct val="100000"/>
-              <a:buAutoNum type="arabicPeriod"/>
-              <a:defRPr sz="1800">
-                <a:solidFill>
-                  <a:srgbClr val="000000"/>
-                </a:solidFill>
-                <a:uFillTx/>
-              </a:defRPr>
-            </a:pPr>
-            <a:r>
-              <a:rPr lang="en-US" sz="2000" dirty="0">
-                <a:uFill>
-                  <a:solidFill/>
-                </a:uFill>
-                <a:latin typeface="Arial Unicode MS" panose="020B0604020202020204" pitchFamily="34" charset="-128"/>
-                <a:ea typeface="Arial Unicode MS" panose="020B0604020202020204" pitchFamily="34" charset="-128"/>
-                <a:cs typeface="Arial Unicode MS" panose="020B0604020202020204" pitchFamily="34" charset="-128"/>
+                <a:latin typeface="Calibri" panose="020F0502020204030204" pitchFamily="34" charset="0"/>
+                <a:ea typeface="Calibri" panose="020F0502020204030204" pitchFamily="34" charset="0"/>
+                <a:cs typeface="Calibri" panose="020F0502020204030204" pitchFamily="34" charset="0"/>
                 <a:sym typeface="Iowan Old Style Roman"/>
               </a:rPr>
               <a:t>List all the distinct years of the movies, in descending order</a:t>
@@ -5338,9 +6981,9 @@
               <a:uFill>
                 <a:solidFill/>
               </a:uFill>
-              <a:latin typeface="Arial Unicode MS" panose="020B0604020202020204" pitchFamily="34" charset="-128"/>
-              <a:ea typeface="Arial Unicode MS" panose="020B0604020202020204" pitchFamily="34" charset="-128"/>
-              <a:cs typeface="Arial Unicode MS" panose="020B0604020202020204" pitchFamily="34" charset="-128"/>
+              <a:latin typeface="Calibri" panose="020F0502020204030204" pitchFamily="34" charset="0"/>
+              <a:ea typeface="Calibri" panose="020F0502020204030204" pitchFamily="34" charset="0"/>
+              <a:cs typeface="Calibri" panose="020F0502020204030204" pitchFamily="34" charset="0"/>
               <a:sym typeface="Iowan Old Style Roman"/>
             </a:endParaRPr>
           </a:p>
@@ -5362,84 +7005,13 @@
                 <a:uFill>
                   <a:solidFill/>
                 </a:uFill>
-                <a:latin typeface="Arial Unicode MS" panose="020B0604020202020204" pitchFamily="34" charset="-128"/>
-                <a:ea typeface="Arial Unicode MS" panose="020B0604020202020204" pitchFamily="34" charset="-128"/>
-                <a:cs typeface="Arial Unicode MS" panose="020B0604020202020204" pitchFamily="34" charset="-128"/>
-                <a:sym typeface="Iowan Old Style Roman"/>
-              </a:rPr>
-              <a:t>Facebook Database (“</a:t>
-            </a:r>
-            <a:r>
-              <a:rPr lang="en-US" sz="2000" b="1" dirty="0">
-                <a:uFill>
-                  <a:solidFill/>
-                </a:uFill>
-                <a:latin typeface="Arial Unicode MS" panose="020B0604020202020204" pitchFamily="34" charset="-128"/>
-                <a:ea typeface="Arial Unicode MS" panose="020B0604020202020204" pitchFamily="34" charset="-128"/>
-                <a:cs typeface="Arial Unicode MS" panose="020B0604020202020204" pitchFamily="34" charset="-128"/>
-                <a:sym typeface="Iowan Old Style Roman"/>
-              </a:rPr>
-              <a:t>use </a:t>
-            </a:r>
-            <a:r>
-              <a:rPr lang="en-US" sz="2000" b="1" dirty="0" err="1">
-                <a:uFill>
-                  <a:solidFill/>
-                </a:uFill>
-                <a:latin typeface="Arial Unicode MS" panose="020B0604020202020204" pitchFamily="34" charset="-128"/>
-                <a:ea typeface="Arial Unicode MS" panose="020B0604020202020204" pitchFamily="34" charset="-128"/>
-                <a:cs typeface="Arial Unicode MS" panose="020B0604020202020204" pitchFamily="34" charset="-128"/>
-                <a:sym typeface="Iowan Old Style Roman"/>
-              </a:rPr>
-              <a:t>facebook</a:t>
-            </a:r>
-            <a:r>
-              <a:rPr lang="en-US" sz="2000" b="1" dirty="0">
-                <a:uFill>
-                  <a:solidFill/>
-                </a:uFill>
-                <a:latin typeface="Arial Unicode MS" panose="020B0604020202020204" pitchFamily="34" charset="-128"/>
-                <a:ea typeface="Arial Unicode MS" panose="020B0604020202020204" pitchFamily="34" charset="-128"/>
-                <a:cs typeface="Arial Unicode MS" panose="020B0604020202020204" pitchFamily="34" charset="-128"/>
-                <a:sym typeface="Iowan Old Style Roman"/>
-              </a:rPr>
-              <a:t>;</a:t>
-            </a:r>
-            <a:r>
-              <a:rPr lang="en-US" sz="2000" dirty="0">
-                <a:uFill>
-                  <a:solidFill/>
-                </a:uFill>
-                <a:latin typeface="Arial Unicode MS" panose="020B0604020202020204" pitchFamily="34" charset="-128"/>
-                <a:ea typeface="Arial Unicode MS" panose="020B0604020202020204" pitchFamily="34" charset="-128"/>
-                <a:cs typeface="Arial Unicode MS" panose="020B0604020202020204" pitchFamily="34" charset="-128"/>
-                <a:sym typeface="Iowan Old Style Roman"/>
-              </a:rPr>
-              <a:t>”)</a:t>
-            </a:r>
-          </a:p>
-          <a:p>
-            <a:pPr>
-              <a:spcBef>
-                <a:spcPts val="700"/>
-              </a:spcBef>
-              <a:buSzPct val="100000"/>
-              <a:defRPr sz="1800">
-                <a:solidFill>
-                  <a:srgbClr val="000000"/>
-                </a:solidFill>
-                <a:uFillTx/>
-              </a:defRPr>
-            </a:pPr>
-            <a:endParaRPr lang="en-US" sz="2000" dirty="0">
-              <a:uFill>
-                <a:solidFill/>
-              </a:uFill>
-              <a:latin typeface="Arial Unicode MS" panose="020B0604020202020204" pitchFamily="34" charset="-128"/>
-              <a:ea typeface="Arial Unicode MS" panose="020B0604020202020204" pitchFamily="34" charset="-128"/>
-              <a:cs typeface="Arial Unicode MS" panose="020B0604020202020204" pitchFamily="34" charset="-128"/>
-              <a:sym typeface="Iowan Old Style Roman"/>
-            </a:endParaRPr>
+                <a:latin typeface="Calibri" panose="020F0502020204030204" pitchFamily="34" charset="0"/>
+                <a:ea typeface="Calibri" panose="020F0502020204030204" pitchFamily="34" charset="0"/>
+                <a:cs typeface="Calibri" panose="020F0502020204030204" pitchFamily="34" charset="0"/>
+                <a:sym typeface="Iowan Old Style Roman"/>
+              </a:rPr>
+              <a:t>Facebook Database </a:t>
+            </a:r>
           </a:p>
           <a:p>
             <a:pPr marL="457200" indent="-457200">
@@ -5461,21 +7033,21 @@
                 <a:uFill>
                   <a:solidFill/>
                 </a:uFill>
-                <a:latin typeface="Arial Unicode MS" panose="020B0604020202020204" pitchFamily="34" charset="-128"/>
-                <a:ea typeface="Arial Unicode MS" panose="020B0604020202020204" pitchFamily="34" charset="-128"/>
-                <a:cs typeface="Arial Unicode MS" panose="020B0604020202020204" pitchFamily="34" charset="-128"/>
-                <a:sym typeface="Iowan Old Style Roman"/>
-              </a:rPr>
-              <a:t>List the first 50 students that joined Facebook at NYU (use the “</a:t>
+                <a:latin typeface="Calibri" panose="020F0502020204030204" pitchFamily="34" charset="0"/>
+                <a:ea typeface="Calibri" panose="020F0502020204030204" pitchFamily="34" charset="0"/>
+                <a:cs typeface="Calibri" panose="020F0502020204030204" pitchFamily="34" charset="0"/>
+                <a:sym typeface="Iowan Old Style Roman"/>
+              </a:rPr>
+              <a:t>List the first 50 students that joined Facebook at NYU (use the </a:t>
             </a:r>
             <a:r>
               <a:rPr lang="en-US" sz="2000" dirty="0" err="1">
                 <a:uFill>
                   <a:solidFill/>
                 </a:uFill>
-                <a:latin typeface="Arial Unicode MS" panose="020B0604020202020204" pitchFamily="34" charset="-128"/>
-                <a:ea typeface="Arial Unicode MS" panose="020B0604020202020204" pitchFamily="34" charset="-128"/>
-                <a:cs typeface="Arial Unicode MS" panose="020B0604020202020204" pitchFamily="34" charset="-128"/>
+                <a:latin typeface="Calibri" panose="020F0502020204030204" pitchFamily="34" charset="0"/>
+                <a:ea typeface="Calibri" panose="020F0502020204030204" pitchFamily="34" charset="0"/>
+                <a:cs typeface="Calibri" panose="020F0502020204030204" pitchFamily="34" charset="0"/>
                 <a:sym typeface="Iowan Old Style Roman"/>
               </a:rPr>
               <a:t>MemberSince</a:t>
@@ -5485,12 +7057,12 @@
                 <a:uFill>
                   <a:solidFill/>
                 </a:uFill>
-                <a:latin typeface="Arial Unicode MS" panose="020B0604020202020204" pitchFamily="34" charset="-128"/>
-                <a:ea typeface="Arial Unicode MS" panose="020B0604020202020204" pitchFamily="34" charset="-128"/>
-                <a:cs typeface="Arial Unicode MS" panose="020B0604020202020204" pitchFamily="34" charset="-128"/>
-                <a:sym typeface="Iowan Old Style Roman"/>
-              </a:rPr>
-              <a:t>” attribute)</a:t>
+                <a:latin typeface="Calibri" panose="020F0502020204030204" pitchFamily="34" charset="0"/>
+                <a:ea typeface="Calibri" panose="020F0502020204030204" pitchFamily="34" charset="0"/>
+                <a:cs typeface="Calibri" panose="020F0502020204030204" pitchFamily="34" charset="0"/>
+                <a:sym typeface="Iowan Old Style Roman"/>
+              </a:rPr>
+              <a:t> attribute)</a:t>
             </a:r>
           </a:p>
           <a:p>
@@ -5513,21 +7085,21 @@
                 <a:uFill>
                   <a:solidFill/>
                 </a:uFill>
-                <a:latin typeface="Arial Unicode MS" panose="020B0604020202020204" pitchFamily="34" charset="-128"/>
-                <a:ea typeface="Arial Unicode MS" panose="020B0604020202020204" pitchFamily="34" charset="-128"/>
-                <a:cs typeface="Arial Unicode MS" panose="020B0604020202020204" pitchFamily="34" charset="-128"/>
-                <a:sym typeface="Iowan Old Style Roman"/>
-              </a:rPr>
-              <a:t>List the 10 students that have not updated their profiles for the longest time (use the “</a:t>
+                <a:latin typeface="Calibri" panose="020F0502020204030204" pitchFamily="34" charset="0"/>
+                <a:ea typeface="Calibri" panose="020F0502020204030204" pitchFamily="34" charset="0"/>
+                <a:cs typeface="Calibri" panose="020F0502020204030204" pitchFamily="34" charset="0"/>
+                <a:sym typeface="Iowan Old Style Roman"/>
+              </a:rPr>
+              <a:t>List the 10 students that have not updated their profiles for the longest time (use the </a:t>
             </a:r>
             <a:r>
               <a:rPr lang="en-US" sz="2000" dirty="0" err="1">
                 <a:uFill>
                   <a:solidFill/>
                 </a:uFill>
-                <a:latin typeface="Arial Unicode MS" panose="020B0604020202020204" pitchFamily="34" charset="-128"/>
-                <a:ea typeface="Arial Unicode MS" panose="020B0604020202020204" pitchFamily="34" charset="-128"/>
-                <a:cs typeface="Arial Unicode MS" panose="020B0604020202020204" pitchFamily="34" charset="-128"/>
+                <a:latin typeface="Calibri" panose="020F0502020204030204" pitchFamily="34" charset="0"/>
+                <a:ea typeface="Calibri" panose="020F0502020204030204" pitchFamily="34" charset="0"/>
+                <a:cs typeface="Calibri" panose="020F0502020204030204" pitchFamily="34" charset="0"/>
                 <a:sym typeface="Iowan Old Style Roman"/>
               </a:rPr>
               <a:t>LastUpdate</a:t>
@@ -5537,12 +7109,12 @@
                 <a:uFill>
                   <a:solidFill/>
                 </a:uFill>
-                <a:latin typeface="Arial Unicode MS" panose="020B0604020202020204" pitchFamily="34" charset="-128"/>
-                <a:ea typeface="Arial Unicode MS" panose="020B0604020202020204" pitchFamily="34" charset="-128"/>
-                <a:cs typeface="Arial Unicode MS" panose="020B0604020202020204" pitchFamily="34" charset="-128"/>
-                <a:sym typeface="Iowan Old Style Roman"/>
-              </a:rPr>
-              <a:t>” attribute) – what is the problem?</a:t>
+                <a:latin typeface="Calibri" panose="020F0502020204030204" pitchFamily="34" charset="0"/>
+                <a:ea typeface="Calibri" panose="020F0502020204030204" pitchFamily="34" charset="0"/>
+                <a:cs typeface="Calibri" panose="020F0502020204030204" pitchFamily="34" charset="0"/>
+                <a:sym typeface="Iowan Old Style Roman"/>
+              </a:rPr>
+              <a:t> attribute) – what is the problem?</a:t>
             </a:r>
           </a:p>
         </p:txBody>
@@ -5551,6 +7123,232 @@
     <p:extLst>
       <p:ext uri="{BB962C8B-B14F-4D97-AF65-F5344CB8AC3E}">
         <p14:creationId xmlns:p14="http://schemas.microsoft.com/office/powerpoint/2010/main" val="2968867386"/>
+      </p:ext>
+    </p:extLst>
+  </p:cSld>
+  <p:clrMapOvr>
+    <a:masterClrMapping/>
+  </p:clrMapOvr>
+  <p:transition spd="med"/>
+</p:sld>
+</file>
+
+<file path=ppt/slides/slide17.xml><?xml version="1.0" encoding="utf-8"?>
+<p:sld xmlns:a="http://schemas.openxmlformats.org/drawingml/2006/main" xmlns:r="http://schemas.openxmlformats.org/officeDocument/2006/relationships" xmlns:p="http://schemas.openxmlformats.org/presentationml/2006/main">
+  <p:cSld>
+    <p:spTree>
+      <p:nvGrpSpPr>
+        <p:cNvPr id="1" name="">
+          <a:extLst>
+            <a:ext uri="{FF2B5EF4-FFF2-40B4-BE49-F238E27FC236}">
+              <a16:creationId xmlns:a16="http://schemas.microsoft.com/office/drawing/2014/main" id="{E7684F9A-E7A1-8EEE-B9D2-514E0B3A60D7}"/>
+            </a:ext>
+          </a:extLst>
+        </p:cNvPr>
+        <p:cNvGrpSpPr/>
+        <p:nvPr/>
+      </p:nvGrpSpPr>
+      <p:grpSpPr>
+        <a:xfrm>
+          <a:off x="0" y="0"/>
+          <a:ext cx="0" cy="0"/>
+          <a:chOff x="0" y="0"/>
+          <a:chExt cx="0" cy="0"/>
+        </a:xfrm>
+      </p:grpSpPr>
+      <p:sp>
+        <p:nvSpPr>
+          <p:cNvPr id="44" name="Shape 44">
+            <a:extLst>
+              <a:ext uri="{FF2B5EF4-FFF2-40B4-BE49-F238E27FC236}">
+                <a16:creationId xmlns:a16="http://schemas.microsoft.com/office/drawing/2014/main" id="{2365B29E-F907-175B-ED92-0B3D63619E06}"/>
+              </a:ext>
+            </a:extLst>
+          </p:cNvPr>
+          <p:cNvSpPr/>
+          <p:nvPr/>
+        </p:nvSpPr>
+        <p:spPr>
+          <a:xfrm>
+            <a:off x="386308" y="147496"/>
+            <a:ext cx="7757379" cy="553998"/>
+          </a:xfrm>
+          <a:prstGeom prst="rect">
+            <a:avLst/>
+          </a:prstGeom>
+          <a:ln w="12700">
+            <a:miter lim="400000"/>
+          </a:ln>
+          <a:extLst>
+            <a:ext uri="{C572A759-6A51-4108-AA02-DFA0A04FC94B}">
+              <ma14:wrappingTextBoxFlag xmlns="" xmlns:ma14="http://schemas.microsoft.com/office/mac/drawingml/2011/main" val="1"/>
+            </a:ext>
+          </a:extLst>
+        </p:spPr>
+        <p:txBody>
+          <a:bodyPr lIns="45719" rIns="45719">
+            <a:spAutoFit/>
+          </a:bodyPr>
+          <a:lstStyle>
+            <a:lvl1pPr>
+              <a:defRPr sz="3000" b="1">
+                <a:uFill>
+                  <a:solidFill>
+                    <a:srgbClr val="FFFFFF"/>
+                  </a:solidFill>
+                </a:uFill>
+              </a:defRPr>
+            </a:lvl1pPr>
+          </a:lstStyle>
+          <a:p>
+            <a:pPr lvl="0">
+              <a:defRPr sz="1800" b="0">
+                <a:solidFill>
+                  <a:srgbClr val="000000"/>
+                </a:solidFill>
+                <a:uFillTx/>
+              </a:defRPr>
+            </a:pPr>
+            <a:r>
+              <a:rPr lang="en-US" sz="3000" b="1" dirty="0">
+                <a:uFill>
+                  <a:solidFill>
+                    <a:srgbClr val="FFFFFF"/>
+                  </a:solidFill>
+                </a:uFill>
+                <a:latin typeface="Calibri" panose="020F0502020204030204" pitchFamily="34" charset="0"/>
+              </a:rPr>
+              <a:t>Summary</a:t>
+            </a:r>
+            <a:endParaRPr sz="3000" b="1" dirty="0">
+              <a:uFill>
+                <a:solidFill>
+                  <a:srgbClr val="FFFFFF"/>
+                </a:solidFill>
+              </a:uFill>
+              <a:latin typeface="Calibri" panose="020F0502020204030204" pitchFamily="34" charset="0"/>
+            </a:endParaRPr>
+          </a:p>
+        </p:txBody>
+      </p:sp>
+      <p:sp>
+        <p:nvSpPr>
+          <p:cNvPr id="45" name="Shape 45">
+            <a:extLst>
+              <a:ext uri="{FF2B5EF4-FFF2-40B4-BE49-F238E27FC236}">
+                <a16:creationId xmlns:a16="http://schemas.microsoft.com/office/drawing/2014/main" id="{36186EAF-04E8-B635-6D2F-6B3ABEC2562D}"/>
+              </a:ext>
+            </a:extLst>
+          </p:cNvPr>
+          <p:cNvSpPr/>
+          <p:nvPr/>
+        </p:nvSpPr>
+        <p:spPr>
+          <a:xfrm>
+            <a:off x="179798" y="1324179"/>
+            <a:ext cx="8794678" cy="2041585"/>
+          </a:xfrm>
+          <a:prstGeom prst="rect">
+            <a:avLst/>
+          </a:prstGeom>
+          <a:ln w="12700">
+            <a:miter lim="400000"/>
+          </a:ln>
+          <a:extLst>
+            <a:ext uri="{C572A759-6A51-4108-AA02-DFA0A04FC94B}">
+              <ma14:wrappingTextBoxFlag xmlns="" xmlns:ma14="http://schemas.microsoft.com/office/mac/drawingml/2011/main" val="1"/>
+            </a:ext>
+          </a:extLst>
+        </p:spPr>
+        <p:txBody>
+          <a:bodyPr wrap="square" lIns="45719" rIns="45719">
+            <a:spAutoFit/>
+          </a:bodyPr>
+          <a:lstStyle/>
+          <a:p>
+            <a:pPr marL="342900" indent="-342900">
+              <a:spcAft>
+                <a:spcPts val="800"/>
+              </a:spcAft>
+              <a:buFont typeface="Arial" panose="020B0604020202020204" pitchFamily="34" charset="0"/>
+              <a:buChar char="•"/>
+            </a:pPr>
+            <a:r>
+              <a:rPr lang="en-US" sz="2000" dirty="0"/>
+              <a:t>Prefer explicit columns; avoid SELECT * beyond quick exploration</a:t>
+            </a:r>
+          </a:p>
+          <a:p>
+            <a:pPr marL="342900" indent="-342900">
+              <a:spcAft>
+                <a:spcPts val="800"/>
+              </a:spcAft>
+              <a:buFont typeface="Arial" panose="020B0604020202020204" pitchFamily="34" charset="0"/>
+              <a:buChar char="•"/>
+            </a:pPr>
+            <a:r>
+              <a:rPr lang="en-US" sz="2000" dirty="0"/>
+              <a:t>Label outputs with AS</a:t>
+            </a:r>
+          </a:p>
+          <a:p>
+            <a:pPr marL="342900" indent="-342900">
+              <a:spcAft>
+                <a:spcPts val="800"/>
+              </a:spcAft>
+              <a:buFont typeface="Arial" panose="020B0604020202020204" pitchFamily="34" charset="0"/>
+              <a:buChar char="•"/>
+            </a:pPr>
+            <a:r>
+              <a:rPr lang="en-US" sz="2000" dirty="0"/>
+              <a:t>Use DISTINCT to de‑duplicate rows</a:t>
+            </a:r>
+          </a:p>
+          <a:p>
+            <a:pPr marL="342900" indent="-342900">
+              <a:spcAft>
+                <a:spcPts val="800"/>
+              </a:spcAft>
+              <a:buFont typeface="Arial" panose="020B0604020202020204" pitchFamily="34" charset="0"/>
+              <a:buChar char="•"/>
+            </a:pPr>
+            <a:r>
+              <a:rPr lang="en-US" sz="2000" dirty="0"/>
+              <a:t>ORDER BY for sort; LIMIT/OFFSET for pagination</a:t>
+            </a:r>
+          </a:p>
+          <a:p>
+            <a:pPr marL="342900" indent="-342900">
+              <a:spcAft>
+                <a:spcPts val="800"/>
+              </a:spcAft>
+              <a:buFont typeface="Arial" panose="020B0604020202020204" pitchFamily="34" charset="0"/>
+              <a:buChar char="•"/>
+            </a:pPr>
+            <a:r>
+              <a:rPr lang="en-US" sz="2000" dirty="0"/>
+              <a:t>Practice queries on </a:t>
+            </a:r>
+            <a:r>
+              <a:rPr lang="en-US" sz="2000" dirty="0" err="1"/>
+              <a:t>nyu-datasets.imdb</a:t>
+            </a:r>
+            <a:r>
+              <a:rPr lang="en-US" sz="2000" dirty="0"/>
+              <a:t> and </a:t>
+            </a:r>
+            <a:r>
+              <a:rPr lang="en-US" sz="2000" dirty="0" err="1"/>
+              <a:t>nyu-datasets.facebook</a:t>
+            </a:r>
+            <a:endParaRPr lang="en-US" sz="2000" dirty="0"/>
+          </a:p>
+        </p:txBody>
+      </p:sp>
+    </p:spTree>
+    <p:extLst>
+      <p:ext uri="{BB962C8B-B14F-4D97-AF65-F5344CB8AC3E}">
+        <p14:creationId xmlns:p14="http://schemas.microsoft.com/office/powerpoint/2010/main" val="3688905155"/>
       </p:ext>
     </p:extLst>
   </p:cSld>
@@ -5580,237 +7378,156 @@
       </p:grpSpPr>
       <p:sp>
         <p:nvSpPr>
-          <p:cNvPr id="26" name="Shape 26"/>
-          <p:cNvSpPr/>
+          <p:cNvPr id="2" name="Title 1">
+            <a:extLst>
+              <a:ext uri="{FF2B5EF4-FFF2-40B4-BE49-F238E27FC236}">
+                <a16:creationId xmlns:a16="http://schemas.microsoft.com/office/drawing/2014/main" id="{F0BECF92-3967-9ACD-7E8A-6BED5EB03C57}"/>
+              </a:ext>
+            </a:extLst>
+          </p:cNvPr>
+          <p:cNvSpPr>
+            <a:spLocks noGrp="1"/>
+          </p:cNvSpPr>
+          <p:nvPr>
+            <p:ph type="title"/>
+          </p:nvPr>
+        </p:nvSpPr>
+        <p:spPr/>
+        <p:txBody>
+          <a:bodyPr/>
+          <a:lstStyle/>
+          <a:p>
+            <a:endParaRPr lang="en-US"/>
+          </a:p>
+        </p:txBody>
+      </p:sp>
+      <p:sp>
+        <p:nvSpPr>
+          <p:cNvPr id="3" name="Content Placeholder 2">
+            <a:extLst>
+              <a:ext uri="{FF2B5EF4-FFF2-40B4-BE49-F238E27FC236}">
+                <a16:creationId xmlns:a16="http://schemas.microsoft.com/office/drawing/2014/main" id="{DCA3C9EC-7F50-5C78-CF55-B384A1E3ADBF}"/>
+              </a:ext>
+            </a:extLst>
+          </p:cNvPr>
+          <p:cNvSpPr>
+            <a:spLocks noGrp="1"/>
+          </p:cNvSpPr>
+          <p:nvPr>
+            <p:ph idx="1"/>
+          </p:nvPr>
+        </p:nvSpPr>
+        <p:spPr/>
+        <p:txBody>
+          <a:bodyPr/>
+          <a:lstStyle/>
+          <a:p>
+            <a:endParaRPr lang="en-US"/>
+          </a:p>
+        </p:txBody>
+      </p:sp>
+      <p:pic>
+        <p:nvPicPr>
+          <p:cNvPr id="3074" name="Picture 2" descr="Entity–relationship diagram titled “Schema for IMDB database.” Center table movies (id INT, name VARCHAR(100), year INT, rating FLOAT) connects to three link tables: roles (actor_id INT, movie_id INT, role VARCHAR(100)) bridging actors (id INT, first_name VARCHAR(100), last_name VARCHAR(100), gender CHAR(1)) and *movies; movies_directors (director_id INT, movie_id INT) bridging directors (id INT, first_name VARCHAR(100), last_name VARCHAR(100)) and *movies; and movies_genres (movie_id INT, genre VARCHAR(100)) listing each movie’s genres. A fourth table, directors_genres (director_id INT, genre VARCHAR(100), prob FLOAT) links directors to genres with a probability field. Crow’s-foot connectors indicate one-to-many from parent tables to their link tables, yielding many-to-many relationships between movies–actors and movies–directors, plus per-movie and per-director genre associations.">
+            <a:extLst>
+              <a:ext uri="{FF2B5EF4-FFF2-40B4-BE49-F238E27FC236}">
+                <a16:creationId xmlns:a16="http://schemas.microsoft.com/office/drawing/2014/main" id="{458F2471-6881-04DC-B053-DE7D055F087E}"/>
+              </a:ext>
+            </a:extLst>
+          </p:cNvPr>
+          <p:cNvPicPr>
+            <a:picLocks noChangeAspect="1" noChangeArrowheads="1"/>
+          </p:cNvPicPr>
           <p:nvPr/>
-        </p:nvSpPr>
-        <p:spPr>
+        </p:nvPicPr>
+        <p:blipFill>
+          <a:blip r:embed="rId2">
+            <a:extLst>
+              <a:ext uri="{28A0092B-C50C-407E-A947-70E740481C1C}">
+                <a14:useLocalDpi xmlns:a14="http://schemas.microsoft.com/office/drawing/2010/main" val="0"/>
+              </a:ext>
+            </a:extLst>
+          </a:blip>
+          <a:srcRect/>
+          <a:stretch>
+            <a:fillRect/>
+          </a:stretch>
+        </p:blipFill>
+        <p:spPr bwMode="auto">
           <a:xfrm>
-            <a:off x="386308" y="147496"/>
-            <a:ext cx="7757379" cy="553998"/>
+            <a:off x="0" y="0"/>
+            <a:ext cx="9144000" cy="6858000"/>
           </a:xfrm>
           <a:prstGeom prst="rect">
             <a:avLst/>
           </a:prstGeom>
-          <a:ln w="12700">
-            <a:miter lim="400000"/>
-          </a:ln>
+          <a:noFill/>
           <a:extLst>
-            <a:ext uri="{C572A759-6A51-4108-AA02-DFA0A04FC94B}">
-              <ma14:wrappingTextBoxFlag xmlns:ma14="http://schemas.microsoft.com/office/mac/drawingml/2011/main" xmlns="" val="1"/>
+            <a:ext uri="{909E8E84-426E-40DD-AFC4-6F175D3DCCD1}">
+              <a14:hiddenFill xmlns:a14="http://schemas.microsoft.com/office/drawing/2010/main">
+                <a:solidFill>
+                  <a:srgbClr val="FFFFFF"/>
+                </a:solidFill>
+              </a14:hiddenFill>
             </a:ext>
           </a:extLst>
         </p:spPr>
-        <p:txBody>
-          <a:bodyPr lIns="45719" rIns="45719">
-            <a:spAutoFit/>
-          </a:bodyPr>
-          <a:lstStyle>
-            <a:lvl1pPr>
-              <a:defRPr sz="3000" b="1">
-                <a:uFill>
-                  <a:solidFill>
-                    <a:srgbClr val="FFFFFF"/>
-                  </a:solidFill>
-                </a:uFill>
-              </a:defRPr>
-            </a:lvl1pPr>
-          </a:lstStyle>
-          <a:p>
-            <a:pPr lvl="0">
-              <a:defRPr sz="1800" b="0">
-                <a:solidFill>
-                  <a:srgbClr val="000000"/>
-                </a:solidFill>
-                <a:uFillTx/>
-              </a:defRPr>
-            </a:pPr>
-            <a:r>
-              <a:rPr sz="3000" b="1" dirty="0">
-                <a:uFill>
-                  <a:solidFill>
-                    <a:srgbClr val="FFFFFF"/>
-                  </a:solidFill>
-                </a:uFill>
-                <a:latin typeface="Arial Unicode MS" panose="020B0604020202020204" pitchFamily="34" charset="-128"/>
-              </a:rPr>
-              <a:t>The SELECT statement</a:t>
-            </a:r>
-          </a:p>
-        </p:txBody>
-      </p:sp>
-      <p:sp>
-        <p:nvSpPr>
-          <p:cNvPr id="27" name="Shape 27"/>
-          <p:cNvSpPr/>
+      </p:pic>
+      <p:sp>
+        <p:nvSpPr>
+          <p:cNvPr id="5" name="TextBox 4">
+            <a:extLst>
+              <a:ext uri="{FF2B5EF4-FFF2-40B4-BE49-F238E27FC236}">
+                <a16:creationId xmlns:a16="http://schemas.microsoft.com/office/drawing/2014/main" id="{C0B8486F-CB2E-6529-F545-E91F3814932C}"/>
+              </a:ext>
+            </a:extLst>
+          </p:cNvPr>
+          <p:cNvSpPr txBox="1"/>
           <p:nvPr/>
         </p:nvSpPr>
         <p:spPr>
           <a:xfrm>
-            <a:off x="1674688" y="2586989"/>
-            <a:ext cx="7366570" cy="1518364"/>
+            <a:off x="2582388" y="6396335"/>
+            <a:ext cx="3979224" cy="461665"/>
           </a:xfrm>
           <a:prstGeom prst="rect">
             <a:avLst/>
           </a:prstGeom>
-          <a:ln w="12700">
-            <a:miter lim="400000"/>
-          </a:ln>
-          <a:extLst>
-            <a:ext uri="{C572A759-6A51-4108-AA02-DFA0A04FC94B}">
-              <ma14:wrappingTextBoxFlag xmlns:ma14="http://schemas.microsoft.com/office/mac/drawingml/2011/main" xmlns="" val="1"/>
-            </a:ext>
-          </a:extLst>
+          <a:noFill/>
         </p:spPr>
         <p:txBody>
-          <a:bodyPr wrap="square" lIns="45719" rIns="45719">
+          <a:bodyPr wrap="square">
             <a:spAutoFit/>
           </a:bodyPr>
           <a:lstStyle/>
           <a:p>
-            <a:pPr lvl="0">
-              <a:spcBef>
-                <a:spcPts val="700"/>
-              </a:spcBef>
-              <a:defRPr sz="1800">
-                <a:solidFill>
-                  <a:srgbClr val="000000"/>
-                </a:solidFill>
-                <a:uFillTx/>
-              </a:defRPr>
-            </a:pPr>
-            <a:r>
-              <a:rPr sz="2600" dirty="0">
-                <a:uFill>
-                  <a:solidFill/>
-                </a:uFill>
-                <a:latin typeface="Arial Unicode MS" panose="020B0604020202020204" pitchFamily="34" charset="-128"/>
-                <a:ea typeface="Arial Unicode MS" panose="020B0604020202020204" pitchFamily="34" charset="-128"/>
-                <a:cs typeface="Arial Unicode MS" panose="020B0604020202020204" pitchFamily="34" charset="-128"/>
-                <a:sym typeface="Iowan Old Style Roman"/>
-              </a:rPr>
-              <a:t>SELECT</a:t>
-            </a:r>
-            <a:r>
-              <a:rPr lang="en-US" sz="2600" dirty="0">
-                <a:uFill>
-                  <a:solidFill/>
-                </a:uFill>
-                <a:latin typeface="Arial Unicode MS" panose="020B0604020202020204" pitchFamily="34" charset="-128"/>
-                <a:ea typeface="Arial Unicode MS" panose="020B0604020202020204" pitchFamily="34" charset="-128"/>
-                <a:cs typeface="Arial Unicode MS" panose="020B0604020202020204" pitchFamily="34" charset="-128"/>
-                <a:sym typeface="Iowan Old Style Roman"/>
-              </a:rPr>
-              <a:t>	*</a:t>
-            </a:r>
-            <a:endParaRPr sz="2700" baseline="-5999" dirty="0">
-              <a:uFill>
-                <a:solidFill/>
-              </a:uFill>
-              <a:latin typeface="Arial Unicode MS" panose="020B0604020202020204" pitchFamily="34" charset="-128"/>
-              <a:ea typeface="Arial Unicode MS" panose="020B0604020202020204" pitchFamily="34" charset="-128"/>
-              <a:cs typeface="Arial Unicode MS" panose="020B0604020202020204" pitchFamily="34" charset="-128"/>
-              <a:sym typeface="Iowan Old Style Roman"/>
-            </a:endParaRPr>
-          </a:p>
-          <a:p>
-            <a:pPr lvl="0">
-              <a:spcBef>
-                <a:spcPts val="700"/>
-              </a:spcBef>
-              <a:defRPr sz="1800">
-                <a:solidFill>
-                  <a:srgbClr val="000000"/>
-                </a:solidFill>
-                <a:uFillTx/>
-              </a:defRPr>
-            </a:pPr>
-            <a:r>
-              <a:rPr sz="2700" dirty="0">
-                <a:uFill>
-                  <a:solidFill/>
-                </a:uFill>
-                <a:latin typeface="Arial Unicode MS" panose="020B0604020202020204" pitchFamily="34" charset="-128"/>
-                <a:ea typeface="Arial Unicode MS" panose="020B0604020202020204" pitchFamily="34" charset="-128"/>
-                <a:cs typeface="Arial Unicode MS" panose="020B0604020202020204" pitchFamily="34" charset="-128"/>
-                <a:sym typeface="Iowan Old Style Roman"/>
-              </a:rPr>
-              <a:t>FROM</a:t>
-            </a:r>
-            <a:r>
-              <a:rPr lang="en-US" sz="2700" dirty="0">
-                <a:uFill>
-                  <a:solidFill/>
-                </a:uFill>
-                <a:latin typeface="Arial Unicode MS" panose="020B0604020202020204" pitchFamily="34" charset="-128"/>
-                <a:ea typeface="Arial Unicode MS" panose="020B0604020202020204" pitchFamily="34" charset="-128"/>
-                <a:cs typeface="Arial Unicode MS" panose="020B0604020202020204" pitchFamily="34" charset="-128"/>
-                <a:sym typeface="Iowan Old Style Roman"/>
-              </a:rPr>
-              <a:t>	</a:t>
-            </a:r>
-            <a:r>
-              <a:rPr lang="en-US" sz="2800" i="1" dirty="0" err="1">
-                <a:uFill>
-                  <a:solidFill/>
-                </a:uFill>
-                <a:latin typeface="Arial Unicode MS" panose="020B0604020202020204" pitchFamily="34" charset="-128"/>
-                <a:ea typeface="Arial Unicode MS" panose="020B0604020202020204" pitchFamily="34" charset="-128"/>
-                <a:cs typeface="Arial Unicode MS" panose="020B0604020202020204" pitchFamily="34" charset="-128"/>
-                <a:sym typeface="Iowan Old Style Roman"/>
-              </a:rPr>
-              <a:t>TableName</a:t>
-            </a:r>
-            <a:endParaRPr lang="en-US" sz="2800" i="1" dirty="0">
-              <a:solidFill>
-                <a:schemeClr val="bg1">
-                  <a:lumMod val="85000"/>
-                </a:schemeClr>
-              </a:solidFill>
-              <a:uFill>
-                <a:solidFill/>
-              </a:uFill>
-              <a:latin typeface="Arial Unicode MS" panose="020B0604020202020204" pitchFamily="34" charset="-128"/>
-              <a:ea typeface="Arial Unicode MS" panose="020B0604020202020204" pitchFamily="34" charset="-128"/>
-              <a:cs typeface="Arial Unicode MS" panose="020B0604020202020204" pitchFamily="34" charset="-128"/>
-              <a:sym typeface="Iowan Old Style Roman"/>
-            </a:endParaRPr>
-          </a:p>
-          <a:p>
-            <a:pPr lvl="0">
-              <a:spcBef>
-                <a:spcPts val="700"/>
-              </a:spcBef>
-              <a:defRPr sz="1800">
-                <a:solidFill>
-                  <a:srgbClr val="000000"/>
-                </a:solidFill>
-                <a:uFillTx/>
-              </a:defRPr>
-            </a:pPr>
-            <a:endParaRPr sz="2700" dirty="0">
-              <a:uFill>
-                <a:solidFill/>
-              </a:uFill>
-              <a:latin typeface="Arial Unicode MS" panose="020B0604020202020204" pitchFamily="34" charset="-128"/>
-              <a:ea typeface="Arial Unicode MS" panose="020B0604020202020204" pitchFamily="34" charset="-128"/>
-              <a:cs typeface="Arial Unicode MS" panose="020B0604020202020204" pitchFamily="34" charset="-128"/>
-              <a:sym typeface="Iowan Old Style Roman"/>
-            </a:endParaRPr>
+            <a:pPr algn="ctr"/>
+            <a:r>
+              <a:rPr lang="en-US" sz="2400" b="1" dirty="0" err="1">
+                <a:uFill>
+                  <a:solidFill/>
+                </a:uFill>
+                <a:latin typeface="Calibri" panose="020F0502020204030204" pitchFamily="34" charset="0"/>
+                <a:ea typeface="Calibri" panose="020F0502020204030204" pitchFamily="34" charset="0"/>
+                <a:cs typeface="Calibri" panose="020F0502020204030204" pitchFamily="34" charset="0"/>
+                <a:sym typeface="Iowan Old Style Roman"/>
+              </a:rPr>
+              <a:t>nyu-datasets.imdb</a:t>
+            </a:r>
+            <a:endParaRPr lang="en-US" sz="2400" b="1" dirty="0"/>
           </a:p>
         </p:txBody>
       </p:sp>
     </p:spTree>
     <p:extLst>
       <p:ext uri="{BB962C8B-B14F-4D97-AF65-F5344CB8AC3E}">
-        <p14:creationId xmlns:p14="http://schemas.microsoft.com/office/powerpoint/2010/main" val="1927596376"/>
+        <p14:creationId xmlns:p14="http://schemas.microsoft.com/office/powerpoint/2010/main" val="94703912"/>
       </p:ext>
     </p:extLst>
   </p:cSld>
   <p:clrMapOvr>
     <a:masterClrMapping/>
   </p:clrMapOvr>
-  <p:transition spd="med"/>
 </p:sld>
 </file>
 
@@ -5833,559 +7550,156 @@
       </p:grpSpPr>
       <p:sp>
         <p:nvSpPr>
-          <p:cNvPr id="44" name="Shape 44"/>
-          <p:cNvSpPr/>
+          <p:cNvPr id="2" name="Title 1">
+            <a:extLst>
+              <a:ext uri="{FF2B5EF4-FFF2-40B4-BE49-F238E27FC236}">
+                <a16:creationId xmlns:a16="http://schemas.microsoft.com/office/drawing/2014/main" id="{ED66D9E8-C9BC-3963-6C23-0038D9B291B4}"/>
+              </a:ext>
+            </a:extLst>
+          </p:cNvPr>
+          <p:cNvSpPr>
+            <a:spLocks noGrp="1"/>
+          </p:cNvSpPr>
+          <p:nvPr>
+            <p:ph type="title"/>
+          </p:nvPr>
+        </p:nvSpPr>
+        <p:spPr/>
+        <p:txBody>
+          <a:bodyPr/>
+          <a:lstStyle/>
+          <a:p>
+            <a:endParaRPr lang="en-US"/>
+          </a:p>
+        </p:txBody>
+      </p:sp>
+      <p:sp>
+        <p:nvSpPr>
+          <p:cNvPr id="3" name="Content Placeholder 2">
+            <a:extLst>
+              <a:ext uri="{FF2B5EF4-FFF2-40B4-BE49-F238E27FC236}">
+                <a16:creationId xmlns:a16="http://schemas.microsoft.com/office/drawing/2014/main" id="{BECBF338-2D1B-0B59-D888-43A33531B3C0}"/>
+              </a:ext>
+            </a:extLst>
+          </p:cNvPr>
+          <p:cNvSpPr>
+            <a:spLocks noGrp="1"/>
+          </p:cNvSpPr>
+          <p:nvPr>
+            <p:ph idx="1"/>
+          </p:nvPr>
+        </p:nvSpPr>
+        <p:spPr/>
+        <p:txBody>
+          <a:bodyPr/>
+          <a:lstStyle/>
+          <a:p>
+            <a:endParaRPr lang="en-US"/>
+          </a:p>
+        </p:txBody>
+      </p:sp>
+      <p:pic>
+        <p:nvPicPr>
+          <p:cNvPr id="4098" name="Picture 2" descr="Entity–relationship diagram titled “Schema for Facebook database.” In the center, a Profiles table (ProfileID INT primary key) holds many single-valued attributes: Name, MemberSince, LastUpdate, School, Status, Sex, Birthday, AIM, Website, PoliticalViews, Geography, HighSchool, HomeTown, HomeState, Residence, CurrentAddress, CurrentTown, CurrentState. From Profiles, crow’s-foot connectors fan out to child tables that store multi-valued fields: Concentration (ProfileID, Concentration) and Hobbies (ProfileID, Hobby) above; on the right, a “Likes” group with FavoriteMovies (ProfileID, Movie), FavoriteBooks (ProfileID, Book), FavoriteMusic (ProfileID, Music), and FavoriteTVShows (ProfileID, TVShow). On the left, a “Relationships” group links Profiles to Orientation (ProfileID, InterestedIn), LookingFor (ProfileID, LookingFor), and Relationship (ProfileID, Status). Crow’s-foot notation indicates one-to-many from Profiles to each satellite table; optionality marks allow zero or more records per profile. The layout depicts a normalized design: scalar attributes in Profiles, lists/preferences in separate tables keyed by ProfileID.&#10;">
+            <a:extLst>
+              <a:ext uri="{FF2B5EF4-FFF2-40B4-BE49-F238E27FC236}">
+                <a16:creationId xmlns:a16="http://schemas.microsoft.com/office/drawing/2014/main" id="{05E04DE9-4E27-77D3-032C-4B7812B43891}"/>
+              </a:ext>
+            </a:extLst>
+          </p:cNvPr>
+          <p:cNvPicPr>
+            <a:picLocks noChangeAspect="1" noChangeArrowheads="1"/>
+          </p:cNvPicPr>
           <p:nvPr/>
-        </p:nvSpPr>
-        <p:spPr>
+        </p:nvPicPr>
+        <p:blipFill>
+          <a:blip r:embed="rId2">
+            <a:extLst>
+              <a:ext uri="{28A0092B-C50C-407E-A947-70E740481C1C}">
+                <a14:useLocalDpi xmlns:a14="http://schemas.microsoft.com/office/drawing/2010/main" val="0"/>
+              </a:ext>
+            </a:extLst>
+          </a:blip>
+          <a:srcRect/>
+          <a:stretch>
+            <a:fillRect/>
+          </a:stretch>
+        </p:blipFill>
+        <p:spPr bwMode="auto">
           <a:xfrm>
-            <a:off x="386308" y="147496"/>
-            <a:ext cx="7757379" cy="553998"/>
+            <a:off x="0" y="0"/>
+            <a:ext cx="9144000" cy="6662057"/>
           </a:xfrm>
           <a:prstGeom prst="rect">
             <a:avLst/>
           </a:prstGeom>
-          <a:ln w="12700">
-            <a:miter lim="400000"/>
-          </a:ln>
+          <a:noFill/>
           <a:extLst>
-            <a:ext uri="{C572A759-6A51-4108-AA02-DFA0A04FC94B}">
-              <ma14:wrappingTextBoxFlag xmlns:ma14="http://schemas.microsoft.com/office/mac/drawingml/2011/main" xmlns="" val="1"/>
+            <a:ext uri="{909E8E84-426E-40DD-AFC4-6F175D3DCCD1}">
+              <a14:hiddenFill xmlns:a14="http://schemas.microsoft.com/office/drawing/2010/main">
+                <a:solidFill>
+                  <a:srgbClr val="FFFFFF"/>
+                </a:solidFill>
+              </a14:hiddenFill>
             </a:ext>
           </a:extLst>
         </p:spPr>
-        <p:txBody>
-          <a:bodyPr lIns="45719" rIns="45719">
-            <a:spAutoFit/>
-          </a:bodyPr>
-          <a:lstStyle>
-            <a:lvl1pPr>
-              <a:defRPr sz="3000" b="1">
-                <a:uFill>
-                  <a:solidFill>
-                    <a:srgbClr val="FFFFFF"/>
-                  </a:solidFill>
-                </a:uFill>
-              </a:defRPr>
-            </a:lvl1pPr>
-          </a:lstStyle>
-          <a:p>
-            <a:pPr lvl="0">
-              <a:defRPr sz="1800" b="0">
-                <a:solidFill>
-                  <a:srgbClr val="000000"/>
-                </a:solidFill>
-                <a:uFillTx/>
-              </a:defRPr>
-            </a:pPr>
-            <a:r>
-              <a:rPr sz="3000" b="1" dirty="0">
-                <a:uFill>
-                  <a:solidFill>
-                    <a:srgbClr val="FFFFFF"/>
-                  </a:solidFill>
-                </a:uFill>
-                <a:latin typeface="Arial Unicode MS" panose="020B0604020202020204" pitchFamily="34" charset="-128"/>
-              </a:rPr>
-              <a:t>Practice queries</a:t>
-            </a:r>
-          </a:p>
-        </p:txBody>
-      </p:sp>
-      <p:sp>
-        <p:nvSpPr>
-          <p:cNvPr id="45" name="Shape 45"/>
-          <p:cNvSpPr/>
+      </p:pic>
+      <p:sp>
+        <p:nvSpPr>
+          <p:cNvPr id="4" name="TextBox 3">
+            <a:extLst>
+              <a:ext uri="{FF2B5EF4-FFF2-40B4-BE49-F238E27FC236}">
+                <a16:creationId xmlns:a16="http://schemas.microsoft.com/office/drawing/2014/main" id="{81FFEBC5-1E29-D645-7407-492072FAB733}"/>
+              </a:ext>
+            </a:extLst>
+          </p:cNvPr>
+          <p:cNvSpPr txBox="1"/>
           <p:nvPr/>
         </p:nvSpPr>
         <p:spPr>
           <a:xfrm>
-            <a:off x="179798" y="1324179"/>
-            <a:ext cx="8794678" cy="5170646"/>
+            <a:off x="2582388" y="6396335"/>
+            <a:ext cx="3979224" cy="461665"/>
           </a:xfrm>
           <a:prstGeom prst="rect">
             <a:avLst/>
           </a:prstGeom>
-          <a:ln w="12700">
-            <a:miter lim="400000"/>
-          </a:ln>
-          <a:extLst>
-            <a:ext uri="{C572A759-6A51-4108-AA02-DFA0A04FC94B}">
-              <ma14:wrappingTextBoxFlag xmlns:ma14="http://schemas.microsoft.com/office/mac/drawingml/2011/main" xmlns="" val="1"/>
-            </a:ext>
-          </a:extLst>
+          <a:noFill/>
         </p:spPr>
         <p:txBody>
-          <a:bodyPr wrap="square" lIns="45719" rIns="45719">
+          <a:bodyPr wrap="square">
             <a:spAutoFit/>
           </a:bodyPr>
           <a:lstStyle/>
           <a:p>
-            <a:pPr lvl="0">
-              <a:spcBef>
-                <a:spcPts val="700"/>
-              </a:spcBef>
-              <a:buSzPct val="100000"/>
-              <a:defRPr sz="1800">
-                <a:solidFill>
-                  <a:srgbClr val="000000"/>
-                </a:solidFill>
-                <a:uFillTx/>
-              </a:defRPr>
-            </a:pPr>
-            <a:r>
-              <a:rPr lang="en-US" sz="2000" dirty="0">
-                <a:uFill>
-                  <a:solidFill/>
-                </a:uFill>
-                <a:latin typeface="Arial Unicode MS" panose="020B0604020202020204" pitchFamily="34" charset="-128"/>
-                <a:ea typeface="Arial Unicode MS" panose="020B0604020202020204" pitchFamily="34" charset="-128"/>
-                <a:cs typeface="Arial Unicode MS" panose="020B0604020202020204" pitchFamily="34" charset="-128"/>
-                <a:sym typeface="Iowan Old Style Roman"/>
-              </a:rPr>
-              <a:t>IMDB Database (“</a:t>
-            </a:r>
-            <a:r>
-              <a:rPr lang="en-US" sz="2000" b="1" dirty="0">
-                <a:uFill>
-                  <a:solidFill/>
-                </a:uFill>
-                <a:latin typeface="Arial Unicode MS" panose="020B0604020202020204" pitchFamily="34" charset="-128"/>
-                <a:ea typeface="Arial Unicode MS" panose="020B0604020202020204" pitchFamily="34" charset="-128"/>
-                <a:cs typeface="Arial Unicode MS" panose="020B0604020202020204" pitchFamily="34" charset="-128"/>
-                <a:sym typeface="Iowan Old Style Roman"/>
-              </a:rPr>
-              <a:t>use </a:t>
-            </a:r>
-            <a:r>
-              <a:rPr lang="en-US" sz="2000" b="1" dirty="0" err="1">
-                <a:uFill>
-                  <a:solidFill/>
-                </a:uFill>
-                <a:latin typeface="Arial Unicode MS" panose="020B0604020202020204" pitchFamily="34" charset="-128"/>
-                <a:ea typeface="Arial Unicode MS" panose="020B0604020202020204" pitchFamily="34" charset="-128"/>
-                <a:cs typeface="Arial Unicode MS" panose="020B0604020202020204" pitchFamily="34" charset="-128"/>
-                <a:sym typeface="Iowan Old Style Roman"/>
-              </a:rPr>
-              <a:t>imdb</a:t>
-            </a:r>
-            <a:r>
-              <a:rPr lang="en-US" sz="2000" b="1" dirty="0">
-                <a:uFill>
-                  <a:solidFill/>
-                </a:uFill>
-                <a:latin typeface="Arial Unicode MS" panose="020B0604020202020204" pitchFamily="34" charset="-128"/>
-                <a:ea typeface="Arial Unicode MS" panose="020B0604020202020204" pitchFamily="34" charset="-128"/>
-                <a:cs typeface="Arial Unicode MS" panose="020B0604020202020204" pitchFamily="34" charset="-128"/>
-                <a:sym typeface="Iowan Old Style Roman"/>
-              </a:rPr>
-              <a:t>;</a:t>
-            </a:r>
-            <a:r>
-              <a:rPr lang="en-US" sz="2000" dirty="0">
-                <a:uFill>
-                  <a:solidFill/>
-                </a:uFill>
-                <a:latin typeface="Arial Unicode MS" panose="020B0604020202020204" pitchFamily="34" charset="-128"/>
-                <a:ea typeface="Arial Unicode MS" panose="020B0604020202020204" pitchFamily="34" charset="-128"/>
-                <a:cs typeface="Arial Unicode MS" panose="020B0604020202020204" pitchFamily="34" charset="-128"/>
-                <a:sym typeface="Iowan Old Style Roman"/>
-              </a:rPr>
-              <a:t>”)</a:t>
-            </a:r>
-          </a:p>
-          <a:p>
-            <a:pPr marL="267368" lvl="0" indent="-267368">
-              <a:spcBef>
-                <a:spcPts val="700"/>
-              </a:spcBef>
-              <a:buSzPct val="100000"/>
-              <a:buAutoNum type="arabicPeriod"/>
-              <a:defRPr sz="1800">
-                <a:solidFill>
-                  <a:srgbClr val="000000"/>
-                </a:solidFill>
-                <a:uFillTx/>
-              </a:defRPr>
-            </a:pPr>
-            <a:endParaRPr lang="en-US" sz="2000" dirty="0">
-              <a:uFill>
-                <a:solidFill/>
-              </a:uFill>
-              <a:latin typeface="Arial Unicode MS" panose="020B0604020202020204" pitchFamily="34" charset="-128"/>
-              <a:ea typeface="Arial Unicode MS" panose="020B0604020202020204" pitchFamily="34" charset="-128"/>
-              <a:cs typeface="Arial Unicode MS" panose="020B0604020202020204" pitchFamily="34" charset="-128"/>
-              <a:sym typeface="Iowan Old Style Roman"/>
-            </a:endParaRPr>
-          </a:p>
-          <a:p>
-            <a:pPr marL="267368" lvl="0" indent="-267368">
-              <a:spcBef>
-                <a:spcPts val="700"/>
-              </a:spcBef>
-              <a:buSzPct val="100000"/>
-              <a:buAutoNum type="arabicPeriod"/>
-              <a:defRPr sz="1800">
-                <a:solidFill>
-                  <a:srgbClr val="000000"/>
-                </a:solidFill>
-                <a:uFillTx/>
-              </a:defRPr>
-            </a:pPr>
-            <a:r>
-              <a:rPr lang="en-US" sz="2000" dirty="0">
-                <a:uFill>
-                  <a:solidFill/>
-                </a:uFill>
-                <a:latin typeface="Arial Unicode MS" panose="020B0604020202020204" pitchFamily="34" charset="-128"/>
-                <a:ea typeface="Arial Unicode MS" panose="020B0604020202020204" pitchFamily="34" charset="-128"/>
-                <a:cs typeface="Arial Unicode MS" panose="020B0604020202020204" pitchFamily="34" charset="-128"/>
-                <a:sym typeface="Iowan Old Style Roman"/>
-              </a:rPr>
-              <a:t>Return</a:t>
-            </a:r>
-            <a:r>
-              <a:rPr sz="2000" dirty="0">
-                <a:uFill>
-                  <a:solidFill/>
-                </a:uFill>
-                <a:latin typeface="Arial Unicode MS" panose="020B0604020202020204" pitchFamily="34" charset="-128"/>
-                <a:ea typeface="Arial Unicode MS" panose="020B0604020202020204" pitchFamily="34" charset="-128"/>
-                <a:cs typeface="Arial Unicode MS" panose="020B0604020202020204" pitchFamily="34" charset="-128"/>
-                <a:sym typeface="Iowan Old Style Roman"/>
-              </a:rPr>
-              <a:t> all </a:t>
-            </a:r>
-            <a:r>
-              <a:rPr lang="en-US" sz="2000" dirty="0">
-                <a:uFill>
-                  <a:solidFill/>
-                </a:uFill>
-                <a:latin typeface="Arial Unicode MS" panose="020B0604020202020204" pitchFamily="34" charset="-128"/>
-                <a:ea typeface="Arial Unicode MS" panose="020B0604020202020204" pitchFamily="34" charset="-128"/>
-                <a:cs typeface="Arial Unicode MS" panose="020B0604020202020204" pitchFamily="34" charset="-128"/>
-                <a:sym typeface="Iowan Old Style Roman"/>
-              </a:rPr>
-              <a:t>movies</a:t>
-            </a:r>
-          </a:p>
-          <a:p>
-            <a:pPr marL="267368" lvl="0" indent="-267368">
-              <a:spcBef>
-                <a:spcPts val="700"/>
-              </a:spcBef>
-              <a:buSzPct val="100000"/>
-              <a:buAutoNum type="arabicPeriod"/>
-              <a:defRPr sz="1800">
-                <a:solidFill>
-                  <a:srgbClr val="000000"/>
-                </a:solidFill>
-                <a:uFillTx/>
-              </a:defRPr>
-            </a:pPr>
-            <a:r>
-              <a:rPr lang="en-US" sz="2000" dirty="0">
-                <a:uFill>
-                  <a:solidFill/>
-                </a:uFill>
-                <a:latin typeface="Arial Unicode MS" panose="020B0604020202020204" pitchFamily="34" charset="-128"/>
-                <a:ea typeface="Arial Unicode MS" panose="020B0604020202020204" pitchFamily="34" charset="-128"/>
-                <a:cs typeface="Arial Unicode MS" panose="020B0604020202020204" pitchFamily="34" charset="-128"/>
-                <a:sym typeface="Iowan Old Style Roman"/>
-              </a:rPr>
-              <a:t>Return all directors</a:t>
-            </a:r>
-          </a:p>
-          <a:p>
-            <a:pPr marL="267368" lvl="0" indent="-267368">
-              <a:spcBef>
-                <a:spcPts val="700"/>
-              </a:spcBef>
-              <a:buSzPct val="100000"/>
-              <a:buAutoNum type="arabicPeriod"/>
-              <a:defRPr sz="1800">
-                <a:solidFill>
-                  <a:srgbClr val="000000"/>
-                </a:solidFill>
-                <a:uFillTx/>
-              </a:defRPr>
-            </a:pPr>
-            <a:r>
-              <a:rPr lang="en-US" sz="2000" dirty="0">
-                <a:uFill>
-                  <a:solidFill/>
-                </a:uFill>
-                <a:latin typeface="Arial Unicode MS" panose="020B0604020202020204" pitchFamily="34" charset="-128"/>
-                <a:ea typeface="Arial Unicode MS" panose="020B0604020202020204" pitchFamily="34" charset="-128"/>
-                <a:cs typeface="Arial Unicode MS" panose="020B0604020202020204" pitchFamily="34" charset="-128"/>
-                <a:sym typeface="Iowan Old Style Roman"/>
-              </a:rPr>
-              <a:t>Return all actors</a:t>
-            </a:r>
-          </a:p>
-          <a:p>
-            <a:pPr marL="267368" lvl="0" indent="-267368">
-              <a:spcBef>
-                <a:spcPts val="700"/>
-              </a:spcBef>
-              <a:buSzPct val="100000"/>
-              <a:buAutoNum type="arabicPeriod"/>
-              <a:defRPr sz="1800">
-                <a:solidFill>
-                  <a:srgbClr val="000000"/>
-                </a:solidFill>
-                <a:uFillTx/>
-              </a:defRPr>
-            </a:pPr>
-            <a:r>
-              <a:rPr lang="en-US" sz="2000" dirty="0">
-                <a:uFill>
-                  <a:solidFill/>
-                </a:uFill>
-                <a:latin typeface="Arial Unicode MS" panose="020B0604020202020204" pitchFamily="34" charset="-128"/>
-                <a:ea typeface="Arial Unicode MS" panose="020B0604020202020204" pitchFamily="34" charset="-128"/>
-                <a:cs typeface="Arial Unicode MS" panose="020B0604020202020204" pitchFamily="34" charset="-128"/>
-                <a:sym typeface="Iowan Old Style Roman"/>
-              </a:rPr>
-              <a:t>Return all roles</a:t>
-            </a:r>
-          </a:p>
-          <a:p>
-            <a:pPr marL="267368" lvl="0" indent="-267368">
-              <a:spcBef>
-                <a:spcPts val="700"/>
-              </a:spcBef>
-              <a:buSzPct val="100000"/>
-              <a:buAutoNum type="arabicPeriod"/>
-              <a:defRPr sz="1800">
-                <a:solidFill>
-                  <a:srgbClr val="000000"/>
-                </a:solidFill>
-                <a:uFillTx/>
-              </a:defRPr>
-            </a:pPr>
-            <a:r>
-              <a:rPr lang="en-US" sz="2000" dirty="0">
-                <a:uFill>
-                  <a:solidFill/>
-                </a:uFill>
-                <a:latin typeface="Arial Unicode MS" panose="020B0604020202020204" pitchFamily="34" charset="-128"/>
-                <a:ea typeface="Arial Unicode MS" panose="020B0604020202020204" pitchFamily="34" charset="-128"/>
-                <a:cs typeface="Arial Unicode MS" panose="020B0604020202020204" pitchFamily="34" charset="-128"/>
-                <a:sym typeface="Iowan Old Style Roman"/>
-              </a:rPr>
-              <a:t>Return all genres for the movies</a:t>
-            </a:r>
-          </a:p>
-          <a:p>
-            <a:pPr marL="267368" lvl="0" indent="-267368">
-              <a:spcBef>
-                <a:spcPts val="700"/>
-              </a:spcBef>
-              <a:buSzPct val="100000"/>
-              <a:buAutoNum type="arabicPeriod"/>
-              <a:defRPr sz="1800">
-                <a:solidFill>
-                  <a:srgbClr val="000000"/>
-                </a:solidFill>
-                <a:uFillTx/>
-              </a:defRPr>
-            </a:pPr>
-            <a:endParaRPr lang="en-US" sz="2000" dirty="0">
-              <a:uFill>
-                <a:solidFill/>
-              </a:uFill>
-              <a:latin typeface="Arial Unicode MS" panose="020B0604020202020204" pitchFamily="34" charset="-128"/>
-              <a:ea typeface="Arial Unicode MS" panose="020B0604020202020204" pitchFamily="34" charset="-128"/>
-              <a:cs typeface="Arial Unicode MS" panose="020B0604020202020204" pitchFamily="34" charset="-128"/>
-              <a:sym typeface="Iowan Old Style Roman"/>
-            </a:endParaRPr>
-          </a:p>
-          <a:p>
-            <a:pPr marL="267368" lvl="0" indent="-267368">
-              <a:spcBef>
-                <a:spcPts val="700"/>
-              </a:spcBef>
-              <a:buSzPct val="100000"/>
-              <a:buAutoNum type="arabicPeriod"/>
-              <a:defRPr sz="1800">
-                <a:solidFill>
-                  <a:srgbClr val="000000"/>
-                </a:solidFill>
-                <a:uFillTx/>
-              </a:defRPr>
-            </a:pPr>
-            <a:endParaRPr lang="en-US" sz="2000" dirty="0">
-              <a:uFill>
-                <a:solidFill/>
-              </a:uFill>
-              <a:latin typeface="Arial Unicode MS" panose="020B0604020202020204" pitchFamily="34" charset="-128"/>
-              <a:ea typeface="Arial Unicode MS" panose="020B0604020202020204" pitchFamily="34" charset="-128"/>
-              <a:cs typeface="Arial Unicode MS" panose="020B0604020202020204" pitchFamily="34" charset="-128"/>
-              <a:sym typeface="Iowan Old Style Roman"/>
-            </a:endParaRPr>
-          </a:p>
-          <a:p>
-            <a:pPr>
-              <a:spcBef>
-                <a:spcPts val="700"/>
-              </a:spcBef>
-              <a:buSzPct val="100000"/>
-              <a:defRPr sz="1800">
-                <a:solidFill>
-                  <a:srgbClr val="000000"/>
-                </a:solidFill>
-                <a:uFillTx/>
-              </a:defRPr>
-            </a:pPr>
-            <a:r>
-              <a:rPr lang="en-US" sz="2000" dirty="0">
-                <a:uFill>
-                  <a:solidFill/>
-                </a:uFill>
-                <a:latin typeface="Arial Unicode MS" panose="020B0604020202020204" pitchFamily="34" charset="-128"/>
-                <a:ea typeface="Arial Unicode MS" panose="020B0604020202020204" pitchFamily="34" charset="-128"/>
-                <a:cs typeface="Arial Unicode MS" panose="020B0604020202020204" pitchFamily="34" charset="-128"/>
-                <a:sym typeface="Iowan Old Style Roman"/>
-              </a:rPr>
-              <a:t>Facebook Database (“</a:t>
-            </a:r>
-            <a:r>
-              <a:rPr lang="en-US" sz="2000" b="1" dirty="0">
-                <a:uFill>
-                  <a:solidFill/>
-                </a:uFill>
-                <a:latin typeface="Arial Unicode MS" panose="020B0604020202020204" pitchFamily="34" charset="-128"/>
-                <a:ea typeface="Arial Unicode MS" panose="020B0604020202020204" pitchFamily="34" charset="-128"/>
-                <a:cs typeface="Arial Unicode MS" panose="020B0604020202020204" pitchFamily="34" charset="-128"/>
-                <a:sym typeface="Iowan Old Style Roman"/>
-              </a:rPr>
-              <a:t>use </a:t>
-            </a:r>
-            <a:r>
-              <a:rPr lang="en-US" sz="2000" b="1" dirty="0" err="1">
-                <a:uFill>
-                  <a:solidFill/>
-                </a:uFill>
-                <a:latin typeface="Arial Unicode MS" panose="020B0604020202020204" pitchFamily="34" charset="-128"/>
-                <a:ea typeface="Arial Unicode MS" panose="020B0604020202020204" pitchFamily="34" charset="-128"/>
-                <a:cs typeface="Arial Unicode MS" panose="020B0604020202020204" pitchFamily="34" charset="-128"/>
-                <a:sym typeface="Iowan Old Style Roman"/>
-              </a:rPr>
-              <a:t>facebook</a:t>
-            </a:r>
-            <a:r>
-              <a:rPr lang="en-US" sz="2000" b="1" dirty="0">
-                <a:uFill>
-                  <a:solidFill/>
-                </a:uFill>
-                <a:latin typeface="Arial Unicode MS" panose="020B0604020202020204" pitchFamily="34" charset="-128"/>
-                <a:ea typeface="Arial Unicode MS" panose="020B0604020202020204" pitchFamily="34" charset="-128"/>
-                <a:cs typeface="Arial Unicode MS" panose="020B0604020202020204" pitchFamily="34" charset="-128"/>
-                <a:sym typeface="Iowan Old Style Roman"/>
-              </a:rPr>
-              <a:t>;</a:t>
-            </a:r>
-            <a:r>
-              <a:rPr lang="en-US" sz="2000" dirty="0">
-                <a:uFill>
-                  <a:solidFill/>
-                </a:uFill>
-                <a:latin typeface="Arial Unicode MS" panose="020B0604020202020204" pitchFamily="34" charset="-128"/>
-                <a:ea typeface="Arial Unicode MS" panose="020B0604020202020204" pitchFamily="34" charset="-128"/>
-                <a:cs typeface="Arial Unicode MS" panose="020B0604020202020204" pitchFamily="34" charset="-128"/>
-                <a:sym typeface="Iowan Old Style Roman"/>
-              </a:rPr>
-              <a:t>”)</a:t>
-            </a:r>
-          </a:p>
-          <a:p>
-            <a:pPr>
-              <a:spcBef>
-                <a:spcPts val="700"/>
-              </a:spcBef>
-              <a:buSzPct val="100000"/>
-              <a:defRPr sz="1800">
-                <a:solidFill>
-                  <a:srgbClr val="000000"/>
-                </a:solidFill>
-                <a:uFillTx/>
-              </a:defRPr>
-            </a:pPr>
-            <a:endParaRPr lang="en-US" sz="2000" dirty="0">
-              <a:uFill>
-                <a:solidFill/>
-              </a:uFill>
-              <a:latin typeface="Arial Unicode MS" panose="020B0604020202020204" pitchFamily="34" charset="-128"/>
-              <a:ea typeface="Arial Unicode MS" panose="020B0604020202020204" pitchFamily="34" charset="-128"/>
-              <a:cs typeface="Arial Unicode MS" panose="020B0604020202020204" pitchFamily="34" charset="-128"/>
-              <a:sym typeface="Iowan Old Style Roman"/>
-            </a:endParaRPr>
-          </a:p>
-          <a:p>
-            <a:pPr marL="457200" indent="-457200">
-              <a:spcBef>
-                <a:spcPts val="700"/>
-              </a:spcBef>
-              <a:buSzPct val="100000"/>
-              <a:buFont typeface="+mj-lt"/>
-              <a:buAutoNum type="arabicPeriod"/>
-              <a:defRPr sz="1800">
-                <a:solidFill>
-                  <a:srgbClr val="000000"/>
-                </a:solidFill>
-                <a:uFillTx/>
-              </a:defRPr>
-            </a:pPr>
-            <a:r>
-              <a:rPr lang="en-US" sz="2000" dirty="0">
-                <a:uFill>
-                  <a:solidFill/>
-                </a:uFill>
-                <a:latin typeface="Arial Unicode MS" panose="020B0604020202020204" pitchFamily="34" charset="-128"/>
-                <a:ea typeface="Arial Unicode MS" panose="020B0604020202020204" pitchFamily="34" charset="-128"/>
-                <a:cs typeface="Arial Unicode MS" panose="020B0604020202020204" pitchFamily="34" charset="-128"/>
-                <a:sym typeface="Iowan Old Style Roman"/>
-              </a:rPr>
-              <a:t>Return all students</a:t>
-            </a:r>
-          </a:p>
-          <a:p>
-            <a:pPr lvl="0">
-              <a:spcBef>
-                <a:spcPts val="700"/>
-              </a:spcBef>
-              <a:buSzPct val="100000"/>
-              <a:defRPr sz="1800">
-                <a:solidFill>
-                  <a:srgbClr val="000000"/>
-                </a:solidFill>
-                <a:uFillTx/>
-              </a:defRPr>
-            </a:pPr>
-            <a:endParaRPr sz="2000" dirty="0">
-              <a:uFill>
-                <a:solidFill/>
-              </a:uFill>
-              <a:latin typeface="Arial Unicode MS" panose="020B0604020202020204" pitchFamily="34" charset="-128"/>
-              <a:ea typeface="Arial Unicode MS" panose="020B0604020202020204" pitchFamily="34" charset="-128"/>
-              <a:cs typeface="Arial Unicode MS" panose="020B0604020202020204" pitchFamily="34" charset="-128"/>
-              <a:sym typeface="Iowan Old Style Roman"/>
-            </a:endParaRPr>
+            <a:pPr algn="ctr"/>
+            <a:r>
+              <a:rPr lang="en-US" sz="2400" b="1" dirty="0" err="1">
+                <a:uFill>
+                  <a:solidFill/>
+                </a:uFill>
+                <a:latin typeface="Calibri" panose="020F0502020204030204" pitchFamily="34" charset="0"/>
+                <a:ea typeface="Calibri" panose="020F0502020204030204" pitchFamily="34" charset="0"/>
+                <a:cs typeface="Calibri" panose="020F0502020204030204" pitchFamily="34" charset="0"/>
+                <a:sym typeface="Iowan Old Style Roman"/>
+              </a:rPr>
+              <a:t>nyu-datasets.facebook</a:t>
+            </a:r>
+            <a:endParaRPr lang="en-US" sz="2400" b="1" dirty="0"/>
           </a:p>
         </p:txBody>
       </p:sp>
     </p:spTree>
     <p:extLst>
       <p:ext uri="{BB962C8B-B14F-4D97-AF65-F5344CB8AC3E}">
-        <p14:creationId xmlns:p14="http://schemas.microsoft.com/office/powerpoint/2010/main" val="2142981520"/>
+        <p14:creationId xmlns:p14="http://schemas.microsoft.com/office/powerpoint/2010/main" val="4168458515"/>
       </p:ext>
     </p:extLst>
   </p:cSld>
   <p:clrMapOvr>
     <a:masterClrMapping/>
   </p:clrMapOvr>
-  <p:transition spd="med"/>
 </p:sld>
 </file>
 
@@ -6408,338 +7722,109 @@
       </p:grpSpPr>
       <p:sp>
         <p:nvSpPr>
-          <p:cNvPr id="44" name="Shape 44"/>
-          <p:cNvSpPr/>
-          <p:nvPr/>
-        </p:nvSpPr>
-        <p:spPr>
-          <a:xfrm>
-            <a:off x="386308" y="147496"/>
-            <a:ext cx="7757379" cy="553998"/>
-          </a:xfrm>
-          <a:prstGeom prst="rect">
-            <a:avLst/>
-          </a:prstGeom>
-          <a:ln w="12700">
-            <a:miter lim="400000"/>
-          </a:ln>
-          <a:extLst>
-            <a:ext uri="{C572A759-6A51-4108-AA02-DFA0A04FC94B}">
-              <ma14:wrappingTextBoxFlag xmlns:ma14="http://schemas.microsoft.com/office/mac/drawingml/2011/main" xmlns="" val="1"/>
-            </a:ext>
-          </a:extLst>
-        </p:spPr>
-        <p:txBody>
-          <a:bodyPr lIns="45719" rIns="45719">
-            <a:spAutoFit/>
-          </a:bodyPr>
-          <a:lstStyle>
-            <a:lvl1pPr>
-              <a:defRPr sz="3000" b="1">
-                <a:uFill>
-                  <a:solidFill>
-                    <a:srgbClr val="FFFFFF"/>
-                  </a:solidFill>
-                </a:uFill>
-              </a:defRPr>
-            </a:lvl1pPr>
-          </a:lstStyle>
-          <a:p>
-            <a:pPr lvl="0">
-              <a:defRPr sz="1800" b="0">
-                <a:solidFill>
-                  <a:srgbClr val="000000"/>
-                </a:solidFill>
-                <a:uFillTx/>
-              </a:defRPr>
-            </a:pPr>
-            <a:r>
-              <a:rPr sz="3000" b="1" dirty="0">
-                <a:uFill>
-                  <a:solidFill>
-                    <a:srgbClr val="FFFFFF"/>
-                  </a:solidFill>
-                </a:uFill>
-                <a:latin typeface="Arial Unicode MS" panose="020B0604020202020204" pitchFamily="34" charset="-128"/>
-              </a:rPr>
-              <a:t>Practice queries</a:t>
-            </a:r>
-          </a:p>
-        </p:txBody>
-      </p:sp>
-      <p:sp>
-        <p:nvSpPr>
-          <p:cNvPr id="45" name="Shape 45"/>
-          <p:cNvSpPr/>
-          <p:nvPr/>
-        </p:nvSpPr>
-        <p:spPr>
-          <a:xfrm>
-            <a:off x="179798" y="1324179"/>
-            <a:ext cx="8794678" cy="2785378"/>
-          </a:xfrm>
-          <a:prstGeom prst="rect">
-            <a:avLst/>
-          </a:prstGeom>
-          <a:ln w="12700">
-            <a:miter lim="400000"/>
-          </a:ln>
-          <a:extLst>
-            <a:ext uri="{C572A759-6A51-4108-AA02-DFA0A04FC94B}">
-              <ma14:wrappingTextBoxFlag xmlns:ma14="http://schemas.microsoft.com/office/mac/drawingml/2011/main" xmlns="" val="1"/>
-            </a:ext>
-          </a:extLst>
-        </p:spPr>
-        <p:txBody>
-          <a:bodyPr wrap="square" lIns="45719" rIns="45719">
-            <a:spAutoFit/>
-          </a:bodyPr>
+          <p:cNvPr id="2" name="Title 1">
+            <a:extLst>
+              <a:ext uri="{FF2B5EF4-FFF2-40B4-BE49-F238E27FC236}">
+                <a16:creationId xmlns:a16="http://schemas.microsoft.com/office/drawing/2014/main" id="{AA5B93AF-F4E8-9E21-05BD-4376D39DC390}"/>
+              </a:ext>
+            </a:extLst>
+          </p:cNvPr>
+          <p:cNvSpPr>
+            <a:spLocks noGrp="1"/>
+          </p:cNvSpPr>
+          <p:nvPr>
+            <p:ph type="title"/>
+          </p:nvPr>
+        </p:nvSpPr>
+        <p:spPr/>
+        <p:txBody>
+          <a:bodyPr/>
           <a:lstStyle/>
           <a:p>
-            <a:pPr>
-              <a:spcBef>
-                <a:spcPts val="700"/>
-              </a:spcBef>
-              <a:buSzPct val="100000"/>
-              <a:defRPr sz="1800">
-                <a:solidFill>
-                  <a:srgbClr val="000000"/>
-                </a:solidFill>
-                <a:uFillTx/>
-              </a:defRPr>
-            </a:pPr>
-            <a:r>
-              <a:rPr lang="en-US" sz="2000" dirty="0">
-                <a:uFill>
-                  <a:solidFill/>
-                </a:uFill>
-                <a:latin typeface="Arial Unicode MS" panose="020B0604020202020204" pitchFamily="34" charset="-128"/>
-                <a:ea typeface="Arial Unicode MS" panose="020B0604020202020204" pitchFamily="34" charset="-128"/>
-                <a:cs typeface="Arial Unicode MS" panose="020B0604020202020204" pitchFamily="34" charset="-128"/>
-                <a:sym typeface="Iowan Old Style Roman"/>
-              </a:rPr>
-              <a:t>Facebook Database (“</a:t>
-            </a:r>
-            <a:r>
-              <a:rPr lang="en-US" sz="2000" b="1" dirty="0">
-                <a:uFill>
-                  <a:solidFill/>
-                </a:uFill>
-                <a:latin typeface="Arial Unicode MS" panose="020B0604020202020204" pitchFamily="34" charset="-128"/>
-                <a:ea typeface="Arial Unicode MS" panose="020B0604020202020204" pitchFamily="34" charset="-128"/>
-                <a:cs typeface="Arial Unicode MS" panose="020B0604020202020204" pitchFamily="34" charset="-128"/>
-                <a:sym typeface="Iowan Old Style Roman"/>
-              </a:rPr>
-              <a:t>use </a:t>
-            </a:r>
-            <a:r>
-              <a:rPr lang="en-US" sz="2000" b="1" dirty="0" err="1">
-                <a:uFill>
-                  <a:solidFill/>
-                </a:uFill>
-                <a:latin typeface="Arial Unicode MS" panose="020B0604020202020204" pitchFamily="34" charset="-128"/>
-                <a:ea typeface="Arial Unicode MS" panose="020B0604020202020204" pitchFamily="34" charset="-128"/>
-                <a:cs typeface="Arial Unicode MS" panose="020B0604020202020204" pitchFamily="34" charset="-128"/>
-                <a:sym typeface="Iowan Old Style Roman"/>
-              </a:rPr>
-              <a:t>facebook</a:t>
-            </a:r>
-            <a:r>
-              <a:rPr lang="en-US" sz="2000" b="1" dirty="0">
-                <a:uFill>
-                  <a:solidFill/>
-                </a:uFill>
-                <a:latin typeface="Arial Unicode MS" panose="020B0604020202020204" pitchFamily="34" charset="-128"/>
-                <a:ea typeface="Arial Unicode MS" panose="020B0604020202020204" pitchFamily="34" charset="-128"/>
-                <a:cs typeface="Arial Unicode MS" panose="020B0604020202020204" pitchFamily="34" charset="-128"/>
-                <a:sym typeface="Iowan Old Style Roman"/>
-              </a:rPr>
-              <a:t>;</a:t>
-            </a:r>
-            <a:r>
-              <a:rPr lang="en-US" sz="2000" dirty="0">
-                <a:uFill>
-                  <a:solidFill/>
-                </a:uFill>
-                <a:latin typeface="Arial Unicode MS" panose="020B0604020202020204" pitchFamily="34" charset="-128"/>
-                <a:ea typeface="Arial Unicode MS" panose="020B0604020202020204" pitchFamily="34" charset="-128"/>
-                <a:cs typeface="Arial Unicode MS" panose="020B0604020202020204" pitchFamily="34" charset="-128"/>
-                <a:sym typeface="Iowan Old Style Roman"/>
-              </a:rPr>
-              <a:t>”)</a:t>
-            </a:r>
-          </a:p>
-          <a:p>
-            <a:pPr>
-              <a:spcBef>
-                <a:spcPts val="700"/>
-              </a:spcBef>
-              <a:buSzPct val="100000"/>
-              <a:defRPr sz="1800">
-                <a:solidFill>
-                  <a:srgbClr val="000000"/>
-                </a:solidFill>
-                <a:uFillTx/>
-              </a:defRPr>
-            </a:pPr>
-            <a:endParaRPr lang="en-US" sz="2000" dirty="0">
-              <a:uFill>
-                <a:solidFill/>
-              </a:uFill>
-              <a:latin typeface="Arial Unicode MS" panose="020B0604020202020204" pitchFamily="34" charset="-128"/>
-              <a:ea typeface="Arial Unicode MS" panose="020B0604020202020204" pitchFamily="34" charset="-128"/>
-              <a:cs typeface="Arial Unicode MS" panose="020B0604020202020204" pitchFamily="34" charset="-128"/>
-              <a:sym typeface="Iowan Old Style Roman"/>
-            </a:endParaRPr>
-          </a:p>
-          <a:p>
-            <a:pPr marL="457200" indent="-457200">
-              <a:spcBef>
-                <a:spcPts val="700"/>
-              </a:spcBef>
-              <a:buSzPct val="100000"/>
-              <a:buFont typeface="+mj-lt"/>
-              <a:buAutoNum type="arabicPeriod"/>
-              <a:defRPr sz="1800">
-                <a:solidFill>
-                  <a:srgbClr val="000000"/>
-                </a:solidFill>
-                <a:uFillTx/>
-              </a:defRPr>
-            </a:pPr>
-            <a:r>
-              <a:rPr lang="en-US" sz="2000" dirty="0">
-                <a:uFill>
-                  <a:solidFill/>
-                </a:uFill>
-                <a:latin typeface="Arial Unicode MS" panose="020B0604020202020204" pitchFamily="34" charset="-128"/>
-                <a:ea typeface="Arial Unicode MS" panose="020B0604020202020204" pitchFamily="34" charset="-128"/>
-                <a:cs typeface="Arial Unicode MS" panose="020B0604020202020204" pitchFamily="34" charset="-128"/>
-                <a:sym typeface="Iowan Old Style Roman"/>
-              </a:rPr>
-              <a:t>Return all students</a:t>
-            </a:r>
-          </a:p>
-          <a:p>
-            <a:pPr marL="457200" indent="-457200">
-              <a:spcBef>
-                <a:spcPts val="700"/>
-              </a:spcBef>
-              <a:buSzPct val="100000"/>
-              <a:buFont typeface="+mj-lt"/>
-              <a:buAutoNum type="arabicPeriod"/>
-              <a:defRPr sz="1800">
-                <a:solidFill>
-                  <a:srgbClr val="000000"/>
-                </a:solidFill>
-                <a:uFillTx/>
-              </a:defRPr>
-            </a:pPr>
-            <a:r>
-              <a:rPr lang="en-US" sz="2000" dirty="0">
-                <a:uFill>
-                  <a:solidFill/>
-                </a:uFill>
-                <a:latin typeface="Arial Unicode MS" panose="020B0604020202020204" pitchFamily="34" charset="-128"/>
-                <a:ea typeface="Arial Unicode MS" panose="020B0604020202020204" pitchFamily="34" charset="-128"/>
-                <a:cs typeface="Arial Unicode MS" panose="020B0604020202020204" pitchFamily="34" charset="-128"/>
-                <a:sym typeface="Iowan Old Style Roman"/>
-              </a:rPr>
-              <a:t>Return the hobbies of all students</a:t>
-            </a:r>
-          </a:p>
-          <a:p>
-            <a:pPr marL="457200" indent="-457200">
-              <a:spcBef>
-                <a:spcPts val="700"/>
-              </a:spcBef>
-              <a:buSzPct val="100000"/>
-              <a:buFont typeface="+mj-lt"/>
-              <a:buAutoNum type="arabicPeriod"/>
-              <a:defRPr sz="1800">
-                <a:solidFill>
-                  <a:srgbClr val="000000"/>
-                </a:solidFill>
-                <a:uFillTx/>
-              </a:defRPr>
-            </a:pPr>
-            <a:r>
-              <a:rPr lang="en-US" sz="2000" dirty="0">
-                <a:uFill>
-                  <a:solidFill/>
-                </a:uFill>
-                <a:latin typeface="Arial Unicode MS" panose="020B0604020202020204" pitchFamily="34" charset="-128"/>
-                <a:ea typeface="Arial Unicode MS" panose="020B0604020202020204" pitchFamily="34" charset="-128"/>
-                <a:cs typeface="Arial Unicode MS" panose="020B0604020202020204" pitchFamily="34" charset="-128"/>
-                <a:sym typeface="Iowan Old Style Roman"/>
-              </a:rPr>
-              <a:t>Return the relationship status for all students</a:t>
-            </a:r>
-          </a:p>
-          <a:p>
-            <a:pPr marL="457200" indent="-457200">
-              <a:spcBef>
-                <a:spcPts val="700"/>
-              </a:spcBef>
-              <a:buSzPct val="100000"/>
-              <a:buFont typeface="+mj-lt"/>
-              <a:buAutoNum type="arabicPeriod"/>
-              <a:defRPr sz="1800">
-                <a:solidFill>
-                  <a:srgbClr val="000000"/>
-                </a:solidFill>
-                <a:uFillTx/>
-              </a:defRPr>
-            </a:pPr>
-            <a:r>
-              <a:rPr lang="en-US" sz="2000" dirty="0">
-                <a:uFill>
-                  <a:solidFill/>
-                </a:uFill>
-                <a:latin typeface="Arial Unicode MS" panose="020B0604020202020204" pitchFamily="34" charset="-128"/>
-                <a:ea typeface="Arial Unicode MS" panose="020B0604020202020204" pitchFamily="34" charset="-128"/>
-                <a:cs typeface="Arial Unicode MS" panose="020B0604020202020204" pitchFamily="34" charset="-128"/>
-                <a:sym typeface="Iowan Old Style Roman"/>
-              </a:rPr>
-              <a:t>Return what students are looking for</a:t>
-            </a:r>
-          </a:p>
-          <a:p>
-            <a:pPr lvl="0">
-              <a:spcBef>
-                <a:spcPts val="700"/>
-              </a:spcBef>
-              <a:buSzPct val="100000"/>
-              <a:defRPr sz="1800">
-                <a:solidFill>
-                  <a:srgbClr val="000000"/>
-                </a:solidFill>
-                <a:uFillTx/>
-              </a:defRPr>
-            </a:pPr>
-            <a:endParaRPr sz="2000" dirty="0">
-              <a:uFill>
-                <a:solidFill/>
-              </a:uFill>
-              <a:latin typeface="Arial Unicode MS" panose="020B0604020202020204" pitchFamily="34" charset="-128"/>
-              <a:ea typeface="Arial Unicode MS" panose="020B0604020202020204" pitchFamily="34" charset="-128"/>
-              <a:cs typeface="Arial Unicode MS" panose="020B0604020202020204" pitchFamily="34" charset="-128"/>
-              <a:sym typeface="Iowan Old Style Roman"/>
-            </a:endParaRPr>
+            <a:r>
+              <a:rPr lang="en-US" dirty="0"/>
+              <a:t>Learning Objectives</a:t>
+            </a:r>
+          </a:p>
+        </p:txBody>
+      </p:sp>
+      <p:sp>
+        <p:nvSpPr>
+          <p:cNvPr id="3" name="Content Placeholder 2">
+            <a:extLst>
+              <a:ext uri="{FF2B5EF4-FFF2-40B4-BE49-F238E27FC236}">
+                <a16:creationId xmlns:a16="http://schemas.microsoft.com/office/drawing/2014/main" id="{78811279-5C11-3DDA-387C-5EA6B35956FC}"/>
+              </a:ext>
+            </a:extLst>
+          </p:cNvPr>
+          <p:cNvSpPr>
+            <a:spLocks noGrp="1"/>
+          </p:cNvSpPr>
+          <p:nvPr>
+            <p:ph idx="1"/>
+          </p:nvPr>
+        </p:nvSpPr>
+        <p:spPr/>
+        <p:txBody>
+          <a:bodyPr/>
+          <a:lstStyle/>
+          <a:p>
+            <a:pPr marL="0" indent="0">
+              <a:buNone/>
+            </a:pPr>
+            <a:r>
+              <a:rPr lang="en-US" dirty="0"/>
+              <a:t>By the end of this session, you can: </a:t>
+            </a:r>
+          </a:p>
+          <a:p>
+            <a:pPr marL="0" indent="0">
+              <a:buNone/>
+            </a:pPr>
+            <a:r>
+              <a:rPr lang="en-US" dirty="0"/>
+              <a:t>(a) select columns;</a:t>
+            </a:r>
+          </a:p>
+          <a:p>
+            <a:pPr marL="0" indent="0">
+              <a:buNone/>
+            </a:pPr>
+            <a:r>
+              <a:rPr lang="en-US" dirty="0"/>
+              <a:t>(b) rename outputs; </a:t>
+            </a:r>
+          </a:p>
+          <a:p>
+            <a:pPr marL="0" indent="0">
+              <a:buNone/>
+            </a:pPr>
+            <a:r>
+              <a:rPr lang="en-US" dirty="0"/>
+              <a:t>(c) de-duplicate; </a:t>
+            </a:r>
+          </a:p>
+          <a:p>
+            <a:pPr marL="0" indent="0">
+              <a:buNone/>
+            </a:pPr>
+            <a:r>
+              <a:rPr lang="en-US" dirty="0"/>
+              <a:t>(d) sort and page results.</a:t>
+            </a:r>
           </a:p>
         </p:txBody>
       </p:sp>
     </p:spTree>
     <p:extLst>
       <p:ext uri="{BB962C8B-B14F-4D97-AF65-F5344CB8AC3E}">
-        <p14:creationId xmlns:p14="http://schemas.microsoft.com/office/powerpoint/2010/main" val="3567080309"/>
+        <p14:creationId xmlns:p14="http://schemas.microsoft.com/office/powerpoint/2010/main" val="887315752"/>
       </p:ext>
     </p:extLst>
   </p:cSld>
   <p:clrMapOvr>
     <a:masterClrMapping/>
   </p:clrMapOvr>
-  <p:transition spd="med"/>
 </p:sld>
 </file>
 
@@ -6779,7 +7864,7 @@
           </a:ln>
           <a:extLst>
             <a:ext uri="{C572A759-6A51-4108-AA02-DFA0A04FC94B}">
-              <ma14:wrappingTextBoxFlag xmlns:ma14="http://schemas.microsoft.com/office/mac/drawingml/2011/main" xmlns="" val="1"/>
+              <ma14:wrappingTextBoxFlag xmlns="" xmlns:ma14="http://schemas.microsoft.com/office/mac/drawingml/2011/main" val="1"/>
             </a:ext>
           </a:extLst>
         </p:spPr>
@@ -6814,9 +7899,31 @@
                     <a:srgbClr val="FFFFFF"/>
                   </a:solidFill>
                 </a:uFill>
-                <a:latin typeface="Arial Unicode MS" panose="020B0604020202020204" pitchFamily="34" charset="-128"/>
-              </a:rPr>
-              <a:t>The SELECT statement</a:t>
+                <a:latin typeface="Calibri" panose="020F0502020204030204" pitchFamily="34" charset="0"/>
+              </a:rPr>
+              <a:t>The SELECT</a:t>
+            </a:r>
+            <a:r>
+              <a:rPr lang="en-US" sz="3000" b="1" dirty="0">
+                <a:uFill>
+                  <a:solidFill>
+                    <a:srgbClr val="FFFFFF"/>
+                  </a:solidFill>
+                </a:uFill>
+                <a:latin typeface="Calibri" panose="020F0502020204030204" pitchFamily="34" charset="0"/>
+              </a:rPr>
+              <a:t> *</a:t>
+            </a:r>
+            <a:r>
+              <a:rPr sz="3000" b="1" dirty="0">
+                <a:uFill>
+                  <a:solidFill>
+                    <a:srgbClr val="FFFFFF"/>
+                  </a:solidFill>
+                </a:uFill>
+                <a:latin typeface="Calibri" panose="020F0502020204030204" pitchFamily="34" charset="0"/>
+              </a:rPr>
+              <a:t> statement</a:t>
             </a:r>
           </a:p>
         </p:txBody>
@@ -6829,8 +7936,8 @@
         </p:nvSpPr>
         <p:spPr>
           <a:xfrm>
-            <a:off x="1674688" y="2586989"/>
-            <a:ext cx="7366570" cy="1518364"/>
+            <a:off x="2705728" y="2614698"/>
+            <a:ext cx="3732543" cy="507831"/>
           </a:xfrm>
           <a:prstGeom prst="rect">
             <a:avLst/>
@@ -6840,7 +7947,7 @@
           </a:ln>
           <a:extLst>
             <a:ext uri="{C572A759-6A51-4108-AA02-DFA0A04FC94B}">
-              <ma14:wrappingTextBoxFlag xmlns:ma14="http://schemas.microsoft.com/office/mac/drawingml/2011/main" xmlns="" val="1"/>
+              <ma14:wrappingTextBoxFlag xmlns="" xmlns:ma14="http://schemas.microsoft.com/office/mac/drawingml/2011/main" val="1"/>
             </a:ext>
           </a:extLst>
         </p:spPr>
@@ -6861,112 +7968,58 @@
                 <a:uFillTx/>
               </a:defRPr>
             </a:pPr>
-            <a:r>
-              <a:rPr sz="2600" dirty="0">
-                <a:uFill>
-                  <a:solidFill/>
-                </a:uFill>
-                <a:latin typeface="Arial Unicode MS" panose="020B0604020202020204" pitchFamily="34" charset="-128"/>
-                <a:ea typeface="Arial Unicode MS" panose="020B0604020202020204" pitchFamily="34" charset="-128"/>
-                <a:cs typeface="Arial Unicode MS" panose="020B0604020202020204" pitchFamily="34" charset="-128"/>
-                <a:sym typeface="Iowan Old Style Roman"/>
-              </a:rPr>
-              <a:t>SELECT</a:t>
-            </a:r>
-            <a:r>
-              <a:rPr lang="en-US" sz="2600" dirty="0">
-                <a:uFill>
-                  <a:solidFill/>
-                </a:uFill>
-                <a:latin typeface="Arial Unicode MS" panose="020B0604020202020204" pitchFamily="34" charset="-128"/>
-                <a:ea typeface="Arial Unicode MS" panose="020B0604020202020204" pitchFamily="34" charset="-128"/>
-                <a:cs typeface="Arial Unicode MS" panose="020B0604020202020204" pitchFamily="34" charset="-128"/>
-                <a:sym typeface="Iowan Old Style Roman"/>
-              </a:rPr>
-              <a:t>	A</a:t>
-            </a:r>
-            <a:r>
-              <a:rPr lang="en-US" sz="2600" baseline="-5999" dirty="0">
-                <a:uFill>
-                  <a:solidFill/>
-                </a:uFill>
-                <a:latin typeface="Arial Unicode MS" panose="020B0604020202020204" pitchFamily="34" charset="-128"/>
-                <a:ea typeface="Arial Unicode MS" panose="020B0604020202020204" pitchFamily="34" charset="-128"/>
-                <a:cs typeface="Arial Unicode MS" panose="020B0604020202020204" pitchFamily="34" charset="-128"/>
-                <a:sym typeface="Iowan Old Style Roman"/>
-              </a:rPr>
-              <a:t>1 , </a:t>
-            </a:r>
-            <a:r>
-              <a:rPr lang="en-US" sz="2600" dirty="0">
-                <a:uFill>
-                  <a:solidFill/>
-                </a:uFill>
-                <a:latin typeface="Arial Unicode MS" panose="020B0604020202020204" pitchFamily="34" charset="-128"/>
-                <a:ea typeface="Arial Unicode MS" panose="020B0604020202020204" pitchFamily="34" charset="-128"/>
-                <a:cs typeface="Arial Unicode MS" panose="020B0604020202020204" pitchFamily="34" charset="-128"/>
-                <a:sym typeface="Iowan Old Style Roman"/>
-              </a:rPr>
-              <a:t>A</a:t>
-            </a:r>
-            <a:r>
-              <a:rPr lang="en-US" sz="2600" baseline="-5999" dirty="0">
-                <a:uFill>
-                  <a:solidFill/>
-                </a:uFill>
-                <a:latin typeface="Arial Unicode MS" panose="020B0604020202020204" pitchFamily="34" charset="-128"/>
-                <a:ea typeface="Arial Unicode MS" panose="020B0604020202020204" pitchFamily="34" charset="-128"/>
-                <a:cs typeface="Arial Unicode MS" panose="020B0604020202020204" pitchFamily="34" charset="-128"/>
-                <a:sym typeface="Iowan Old Style Roman"/>
-              </a:rPr>
-              <a:t>2, </a:t>
-            </a:r>
-            <a:r>
-              <a:rPr lang="en-US" sz="2600" dirty="0">
-                <a:uFill>
-                  <a:solidFill/>
-                </a:uFill>
-                <a:latin typeface="Arial Unicode MS" panose="020B0604020202020204" pitchFamily="34" charset="-128"/>
-                <a:ea typeface="Arial Unicode MS" panose="020B0604020202020204" pitchFamily="34" charset="-128"/>
-                <a:cs typeface="Arial Unicode MS" panose="020B0604020202020204" pitchFamily="34" charset="-128"/>
-                <a:sym typeface="Iowan Old Style Roman"/>
-              </a:rPr>
-              <a:t>…		</a:t>
-            </a:r>
-            <a:r>
-              <a:rPr lang="en-US" i="1" dirty="0">
-                <a:uFill>
-                  <a:solidFill/>
-                </a:uFill>
-                <a:latin typeface="Arial Unicode MS" panose="020B0604020202020204" pitchFamily="34" charset="-128"/>
-                <a:ea typeface="Arial Unicode MS" panose="020B0604020202020204" pitchFamily="34" charset="-128"/>
-                <a:cs typeface="Arial Unicode MS" panose="020B0604020202020204" pitchFamily="34" charset="-128"/>
-                <a:sym typeface="Wingdings" panose="05000000000000000000" pitchFamily="2" charset="2"/>
-              </a:rPr>
-              <a:t> Columns to return</a:t>
-            </a:r>
-            <a:r>
-              <a:rPr lang="en-US" sz="2600" i="1" dirty="0">
-                <a:uFill>
-                  <a:solidFill/>
-                </a:uFill>
-                <a:latin typeface="Arial Unicode MS" panose="020B0604020202020204" pitchFamily="34" charset="-128"/>
-                <a:ea typeface="Arial Unicode MS" panose="020B0604020202020204" pitchFamily="34" charset="-128"/>
-                <a:cs typeface="Arial Unicode MS" panose="020B0604020202020204" pitchFamily="34" charset="-128"/>
-                <a:sym typeface="Iowan Old Style Roman"/>
-              </a:rPr>
-              <a:t> </a:t>
-            </a:r>
-            <a:endParaRPr sz="2700" i="1" baseline="-5999" dirty="0">
+            <a:endParaRPr sz="2700" dirty="0">
               <a:uFill>
                 <a:solidFill/>
               </a:uFill>
-              <a:latin typeface="Arial Unicode MS" panose="020B0604020202020204" pitchFamily="34" charset="-128"/>
-              <a:ea typeface="Arial Unicode MS" panose="020B0604020202020204" pitchFamily="34" charset="-128"/>
-              <a:cs typeface="Arial Unicode MS" panose="020B0604020202020204" pitchFamily="34" charset="-128"/>
+              <a:latin typeface="Consolas" panose="020B0609020204030204" pitchFamily="49" charset="0"/>
+              <a:ea typeface="Calibri" panose="020F0502020204030204" pitchFamily="34" charset="0"/>
+              <a:cs typeface="Calibri" panose="020F0502020204030204" pitchFamily="34" charset="0"/>
               <a:sym typeface="Iowan Old Style Roman"/>
             </a:endParaRPr>
           </a:p>
+        </p:txBody>
+      </p:sp>
+      <p:sp>
+        <p:nvSpPr>
+          <p:cNvPr id="4" name="Rectangle 3">
+            <a:extLst>
+              <a:ext uri="{FF2B5EF4-FFF2-40B4-BE49-F238E27FC236}">
+                <a16:creationId xmlns:a16="http://schemas.microsoft.com/office/drawing/2014/main" id="{9AA3B9E1-3FD6-C978-5E56-2B7FC1E6A26A}"/>
+              </a:ext>
+            </a:extLst>
+          </p:cNvPr>
+          <p:cNvSpPr/>
+          <p:nvPr/>
+        </p:nvSpPr>
+        <p:spPr>
+          <a:xfrm>
+            <a:off x="685799" y="2331720"/>
+            <a:ext cx="7772400" cy="2194560"/>
+          </a:xfrm>
+          <a:prstGeom prst="rect">
+            <a:avLst/>
+          </a:prstGeom>
+          <a:solidFill>
+            <a:srgbClr val="F9F9F9"/>
+          </a:solidFill>
+          <a:ln w="9525" cap="flat" cmpd="sng" algn="ctr">
+            <a:solidFill>
+              <a:srgbClr val="DCDCDC"/>
+            </a:solidFill>
+            <a:prstDash val="solid"/>
+          </a:ln>
+          <a:effectLst>
+            <a:outerShdw blurRad="40000" dist="23000" dir="5400000" rotWithShape="0">
+              <a:srgbClr val="000000">
+                <a:alpha val="35000"/>
+              </a:srgbClr>
+            </a:outerShdw>
+          </a:effectLst>
+        </p:spPr>
+        <p:txBody>
+          <a:bodyPr wrap="square" rtlCol="0" anchor="ctr"/>
+          <a:lstStyle/>
           <a:p>
             <a:pPr lvl="0">
               <a:spcBef>
@@ -6980,42 +8033,100 @@
               </a:defRPr>
             </a:pPr>
             <a:r>
-              <a:rPr sz="2700" dirty="0">
-                <a:uFill>
-                  <a:solidFill/>
-                </a:uFill>
-                <a:latin typeface="Arial Unicode MS" panose="020B0604020202020204" pitchFamily="34" charset="-128"/>
-                <a:ea typeface="Arial Unicode MS" panose="020B0604020202020204" pitchFamily="34" charset="-128"/>
-                <a:cs typeface="Arial Unicode MS" panose="020B0604020202020204" pitchFamily="34" charset="-128"/>
+              <a:rPr lang="en-US" sz="2400" b="1" dirty="0">
+                <a:uFill>
+                  <a:solidFill/>
+                </a:uFill>
+                <a:latin typeface="Consolas" panose="020B0609020204030204" pitchFamily="49" charset="0"/>
+                <a:ea typeface="Calibri" panose="020F0502020204030204" pitchFamily="34" charset="0"/>
+                <a:cs typeface="Calibri" panose="020F0502020204030204" pitchFamily="34" charset="0"/>
+                <a:sym typeface="Iowan Old Style Roman"/>
+              </a:rPr>
+              <a:t>SELECT</a:t>
+            </a:r>
+            <a:r>
+              <a:rPr lang="en-US" sz="2400" dirty="0">
+                <a:uFill>
+                  <a:solidFill/>
+                </a:uFill>
+                <a:latin typeface="Consolas" panose="020B0609020204030204" pitchFamily="49" charset="0"/>
+                <a:ea typeface="Calibri" panose="020F0502020204030204" pitchFamily="34" charset="0"/>
+                <a:cs typeface="Calibri" panose="020F0502020204030204" pitchFamily="34" charset="0"/>
+                <a:sym typeface="Iowan Old Style Roman"/>
+              </a:rPr>
+              <a:t> *</a:t>
+            </a:r>
+            <a:endParaRPr lang="en-US" sz="2400" baseline="-5999" dirty="0">
+              <a:uFill>
+                <a:solidFill/>
+              </a:uFill>
+              <a:latin typeface="Consolas" panose="020B0609020204030204" pitchFamily="49" charset="0"/>
+              <a:ea typeface="Calibri" panose="020F0502020204030204" pitchFamily="34" charset="0"/>
+              <a:cs typeface="Calibri" panose="020F0502020204030204" pitchFamily="34" charset="0"/>
+              <a:sym typeface="Iowan Old Style Roman"/>
+            </a:endParaRPr>
+          </a:p>
+          <a:p>
+            <a:pPr lvl="0">
+              <a:spcBef>
+                <a:spcPts val="700"/>
+              </a:spcBef>
+              <a:defRPr sz="1800">
+                <a:solidFill>
+                  <a:srgbClr val="000000"/>
+                </a:solidFill>
+                <a:uFillTx/>
+              </a:defRPr>
+            </a:pPr>
+            <a:r>
+              <a:rPr lang="en-US" sz="2400" b="1" dirty="0">
+                <a:uFill>
+                  <a:solidFill/>
+                </a:uFill>
+                <a:latin typeface="Consolas" panose="020B0609020204030204" pitchFamily="49" charset="0"/>
+                <a:ea typeface="Calibri" panose="020F0502020204030204" pitchFamily="34" charset="0"/>
+                <a:cs typeface="Calibri" panose="020F0502020204030204" pitchFamily="34" charset="0"/>
                 <a:sym typeface="Iowan Old Style Roman"/>
               </a:rPr>
               <a:t>FROM</a:t>
             </a:r>
             <a:r>
-              <a:rPr lang="en-US" sz="2700" dirty="0">
-                <a:uFill>
-                  <a:solidFill/>
-                </a:uFill>
-                <a:latin typeface="Arial Unicode MS" panose="020B0604020202020204" pitchFamily="34" charset="-128"/>
-                <a:ea typeface="Arial Unicode MS" panose="020B0604020202020204" pitchFamily="34" charset="-128"/>
-                <a:cs typeface="Arial Unicode MS" panose="020B0604020202020204" pitchFamily="34" charset="-128"/>
+              <a:rPr lang="en-US" sz="2400" dirty="0">
+                <a:uFill>
+                  <a:solidFill/>
+                </a:uFill>
+                <a:latin typeface="Consolas" panose="020B0609020204030204" pitchFamily="49" charset="0"/>
+                <a:ea typeface="Calibri" panose="020F0502020204030204" pitchFamily="34" charset="0"/>
+                <a:cs typeface="Calibri" panose="020F0502020204030204" pitchFamily="34" charset="0"/>
                 <a:sym typeface="Iowan Old Style Roman"/>
               </a:rPr>
               <a:t>	</a:t>
             </a:r>
             <a:r>
-              <a:rPr lang="en-US" sz="2800" i="1" dirty="0" err="1">
-                <a:uFill>
-                  <a:solidFill/>
-                </a:uFill>
-                <a:latin typeface="Arial Unicode MS" panose="020B0604020202020204" pitchFamily="34" charset="-128"/>
-                <a:ea typeface="Arial Unicode MS" panose="020B0604020202020204" pitchFamily="34" charset="-128"/>
-                <a:cs typeface="Arial Unicode MS" panose="020B0604020202020204" pitchFamily="34" charset="-128"/>
-                <a:sym typeface="Iowan Old Style Roman"/>
-              </a:rPr>
-              <a:t>TableName</a:t>
-            </a:r>
-            <a:endParaRPr lang="en-US" sz="2800" i="1" dirty="0">
+              <a:rPr lang="en-US" sz="2400" i="1" dirty="0" err="1">
+                <a:uFill>
+                  <a:solidFill/>
+                </a:uFill>
+                <a:latin typeface="Consolas" panose="020B0609020204030204" pitchFamily="49" charset="0"/>
+                <a:ea typeface="Calibri" panose="020F0502020204030204" pitchFamily="34" charset="0"/>
+                <a:cs typeface="Calibri" panose="020F0502020204030204" pitchFamily="34" charset="0"/>
+                <a:sym typeface="Iowan Old Style Roman"/>
+              </a:rPr>
+              <a:t>table_name</a:t>
+            </a:r>
+            <a:r>
+              <a:rPr lang="en-US" sz="2400" i="1" dirty="0">
+                <a:uFill>
+                  <a:solidFill/>
+                </a:uFill>
+                <a:latin typeface="Consolas" panose="020B0609020204030204" pitchFamily="49" charset="0"/>
+                <a:ea typeface="Calibri" panose="020F0502020204030204" pitchFamily="34" charset="0"/>
+                <a:cs typeface="Calibri" panose="020F0502020204030204" pitchFamily="34" charset="0"/>
+                <a:sym typeface="Iowan Old Style Roman"/>
+              </a:rPr>
+              <a:t>;</a:t>
+            </a:r>
+            <a:endParaRPr lang="en-US" sz="2400" i="1" dirty="0">
               <a:solidFill>
                 <a:schemeClr val="bg1">
                   <a:lumMod val="85000"/>
@@ -7024,31 +8135,9 @@
               <a:uFill>
                 <a:solidFill/>
               </a:uFill>
-              <a:latin typeface="Arial Unicode MS" panose="020B0604020202020204" pitchFamily="34" charset="-128"/>
-              <a:ea typeface="Arial Unicode MS" panose="020B0604020202020204" pitchFamily="34" charset="-128"/>
-              <a:cs typeface="Arial Unicode MS" panose="020B0604020202020204" pitchFamily="34" charset="-128"/>
-              <a:sym typeface="Iowan Old Style Roman"/>
-            </a:endParaRPr>
-          </a:p>
-          <a:p>
-            <a:pPr lvl="0">
-              <a:spcBef>
-                <a:spcPts val="700"/>
-              </a:spcBef>
-              <a:defRPr sz="1800">
-                <a:solidFill>
-                  <a:srgbClr val="000000"/>
-                </a:solidFill>
-                <a:uFillTx/>
-              </a:defRPr>
-            </a:pPr>
-            <a:endParaRPr sz="2700" dirty="0">
-              <a:uFill>
-                <a:solidFill/>
-              </a:uFill>
-              <a:latin typeface="Arial Unicode MS" panose="020B0604020202020204" pitchFamily="34" charset="-128"/>
-              <a:ea typeface="Arial Unicode MS" panose="020B0604020202020204" pitchFamily="34" charset="-128"/>
-              <a:cs typeface="Arial Unicode MS" panose="020B0604020202020204" pitchFamily="34" charset="-128"/>
+              <a:latin typeface="Consolas" panose="020B0609020204030204" pitchFamily="49" charset="0"/>
+              <a:ea typeface="Calibri" panose="020F0502020204030204" pitchFamily="34" charset="0"/>
+              <a:cs typeface="Calibri" panose="020F0502020204030204" pitchFamily="34" charset="0"/>
               <a:sym typeface="Iowan Old Style Roman"/>
             </a:endParaRPr>
           </a:p>
@@ -7057,7 +8146,7 @@
     </p:spTree>
     <p:extLst>
       <p:ext uri="{BB962C8B-B14F-4D97-AF65-F5344CB8AC3E}">
-        <p14:creationId xmlns:p14="http://schemas.microsoft.com/office/powerpoint/2010/main" val="4196161504"/>
+        <p14:creationId xmlns:p14="http://schemas.microsoft.com/office/powerpoint/2010/main" val="1927596376"/>
       </p:ext>
     </p:extLst>
   </p:cSld>
@@ -7073,7 +8162,13 @@
   <p:cSld>
     <p:spTree>
       <p:nvGrpSpPr>
-        <p:cNvPr id="1" name=""/>
+        <p:cNvPr id="1" name="">
+          <a:extLst>
+            <a:ext uri="{FF2B5EF4-FFF2-40B4-BE49-F238E27FC236}">
+              <a16:creationId xmlns:a16="http://schemas.microsoft.com/office/drawing/2014/main" id="{6F17BA8C-7ACE-6E0A-78B5-BED51C9099D7}"/>
+            </a:ext>
+          </a:extLst>
+        </p:cNvPr>
         <p:cNvGrpSpPr/>
         <p:nvPr/>
       </p:nvGrpSpPr>
@@ -7087,14 +8182,20 @@
       </p:grpSpPr>
       <p:sp>
         <p:nvSpPr>
-          <p:cNvPr id="44" name="Shape 44"/>
+          <p:cNvPr id="26" name="Shape 26">
+            <a:extLst>
+              <a:ext uri="{FF2B5EF4-FFF2-40B4-BE49-F238E27FC236}">
+                <a16:creationId xmlns:a16="http://schemas.microsoft.com/office/drawing/2014/main" id="{0C232717-0C8F-CF8E-3607-ADAC8F57222B}"/>
+              </a:ext>
+            </a:extLst>
+          </p:cNvPr>
           <p:cNvSpPr/>
           <p:nvPr/>
         </p:nvSpPr>
         <p:spPr>
           <a:xfrm>
             <a:off x="386308" y="147496"/>
-            <a:ext cx="7757379" cy="553998"/>
+            <a:ext cx="7757379" cy="461665"/>
           </a:xfrm>
           <a:prstGeom prst="rect">
             <a:avLst/>
@@ -7104,7 +8205,7 @@
           </a:ln>
           <a:extLst>
             <a:ext uri="{C572A759-6A51-4108-AA02-DFA0A04FC94B}">
-              <ma14:wrappingTextBoxFlag xmlns:ma14="http://schemas.microsoft.com/office/mac/drawingml/2011/main" xmlns="" val="1"/>
+              <ma14:wrappingTextBoxFlag xmlns="" xmlns:ma14="http://schemas.microsoft.com/office/mac/drawingml/2011/main" val="1"/>
             </a:ext>
           </a:extLst>
         </p:spPr>
@@ -7133,29 +8234,44 @@
               </a:defRPr>
             </a:pPr>
             <a:r>
-              <a:rPr sz="3000" b="1" dirty="0">
+              <a:rPr lang="en-US" sz="2400" b="1" dirty="0">
                 <a:uFill>
                   <a:solidFill>
                     <a:srgbClr val="FFFFFF"/>
                   </a:solidFill>
                 </a:uFill>
-                <a:latin typeface="Arial Unicode MS" panose="020B0604020202020204" pitchFamily="34" charset="-128"/>
-              </a:rPr>
-              <a:t>Practice queries</a:t>
-            </a:r>
-          </a:p>
-        </p:txBody>
-      </p:sp>
-      <p:sp>
-        <p:nvSpPr>
-          <p:cNvPr id="45" name="Shape 45"/>
+                <a:latin typeface="Calibri" panose="020F0502020204030204" pitchFamily="34" charset="0"/>
+              </a:rPr>
+              <a:t>Example: Show all the movies in the IMDB database</a:t>
+            </a:r>
+            <a:endParaRPr lang="en-US" sz="2400" dirty="0">
+              <a:uFill>
+                <a:solidFill/>
+              </a:uFill>
+              <a:latin typeface="Calibri" panose="020F0502020204030204" pitchFamily="34" charset="0"/>
+              <a:ea typeface="Calibri" panose="020F0502020204030204" pitchFamily="34" charset="0"/>
+              <a:cs typeface="Calibri" panose="020F0502020204030204" pitchFamily="34" charset="0"/>
+              <a:sym typeface="Iowan Old Style Roman"/>
+            </a:endParaRPr>
+          </a:p>
+        </p:txBody>
+      </p:sp>
+      <p:sp>
+        <p:nvSpPr>
+          <p:cNvPr id="27" name="Shape 27">
+            <a:extLst>
+              <a:ext uri="{FF2B5EF4-FFF2-40B4-BE49-F238E27FC236}">
+                <a16:creationId xmlns:a16="http://schemas.microsoft.com/office/drawing/2014/main" id="{A51D261F-D283-D136-10AD-5C3492D19B2A}"/>
+              </a:ext>
+            </a:extLst>
+          </p:cNvPr>
           <p:cNvSpPr/>
           <p:nvPr/>
         </p:nvSpPr>
         <p:spPr>
           <a:xfrm>
-            <a:off x="179798" y="1324179"/>
-            <a:ext cx="8794678" cy="4375557"/>
+            <a:off x="1674688" y="2586989"/>
+            <a:ext cx="6273863" cy="507831"/>
           </a:xfrm>
           <a:prstGeom prst="rect">
             <a:avLst/>
@@ -7165,7 +8281,7 @@
           </a:ln>
           <a:extLst>
             <a:ext uri="{C572A759-6A51-4108-AA02-DFA0A04FC94B}">
-              <ma14:wrappingTextBoxFlag xmlns:ma14="http://schemas.microsoft.com/office/mac/drawingml/2011/main" xmlns="" val="1"/>
+              <ma14:wrappingTextBoxFlag xmlns="" xmlns:ma14="http://schemas.microsoft.com/office/mac/drawingml/2011/main" val="1"/>
             </a:ext>
           </a:extLst>
         </p:spPr>
@@ -7179,7 +8295,6 @@
               <a:spcBef>
                 <a:spcPts val="700"/>
               </a:spcBef>
-              <a:buSzPct val="100000"/>
               <a:defRPr sz="1800">
                 <a:solidFill>
                   <a:srgbClr val="000000"/>
@@ -7187,380 +8302,63 @@
                 <a:uFillTx/>
               </a:defRPr>
             </a:pPr>
-            <a:r>
-              <a:rPr lang="en-US" sz="2000" dirty="0">
-                <a:uFill>
-                  <a:solidFill/>
-                </a:uFill>
-                <a:latin typeface="Arial Unicode MS" panose="020B0604020202020204" pitchFamily="34" charset="-128"/>
-                <a:ea typeface="Arial Unicode MS" panose="020B0604020202020204" pitchFamily="34" charset="-128"/>
-                <a:cs typeface="Arial Unicode MS" panose="020B0604020202020204" pitchFamily="34" charset="-128"/>
-                <a:sym typeface="Iowan Old Style Roman"/>
-              </a:rPr>
-              <a:t>IMDB Database (“</a:t>
-            </a:r>
-            <a:r>
-              <a:rPr lang="en-US" sz="2000" b="1" dirty="0">
-                <a:uFill>
-                  <a:solidFill/>
-                </a:uFill>
-                <a:latin typeface="Arial Unicode MS" panose="020B0604020202020204" pitchFamily="34" charset="-128"/>
-                <a:ea typeface="Arial Unicode MS" panose="020B0604020202020204" pitchFamily="34" charset="-128"/>
-                <a:cs typeface="Arial Unicode MS" panose="020B0604020202020204" pitchFamily="34" charset="-128"/>
-                <a:sym typeface="Iowan Old Style Roman"/>
-              </a:rPr>
-              <a:t>use </a:t>
-            </a:r>
-            <a:r>
-              <a:rPr lang="en-US" sz="2000" b="1" dirty="0" err="1">
-                <a:uFill>
-                  <a:solidFill/>
-                </a:uFill>
-                <a:latin typeface="Arial Unicode MS" panose="020B0604020202020204" pitchFamily="34" charset="-128"/>
-                <a:ea typeface="Arial Unicode MS" panose="020B0604020202020204" pitchFamily="34" charset="-128"/>
-                <a:cs typeface="Arial Unicode MS" panose="020B0604020202020204" pitchFamily="34" charset="-128"/>
-                <a:sym typeface="Iowan Old Style Roman"/>
-              </a:rPr>
-              <a:t>imdb</a:t>
-            </a:r>
-            <a:r>
-              <a:rPr lang="en-US" sz="2000" b="1" dirty="0">
-                <a:uFill>
-                  <a:solidFill/>
-                </a:uFill>
-                <a:latin typeface="Arial Unicode MS" panose="020B0604020202020204" pitchFamily="34" charset="-128"/>
-                <a:ea typeface="Arial Unicode MS" panose="020B0604020202020204" pitchFamily="34" charset="-128"/>
-                <a:cs typeface="Arial Unicode MS" panose="020B0604020202020204" pitchFamily="34" charset="-128"/>
-                <a:sym typeface="Iowan Old Style Roman"/>
-              </a:rPr>
-              <a:t>;</a:t>
-            </a:r>
-            <a:r>
-              <a:rPr lang="en-US" sz="2000" dirty="0">
-                <a:uFill>
-                  <a:solidFill/>
-                </a:uFill>
-                <a:latin typeface="Arial Unicode MS" panose="020B0604020202020204" pitchFamily="34" charset="-128"/>
-                <a:ea typeface="Arial Unicode MS" panose="020B0604020202020204" pitchFamily="34" charset="-128"/>
-                <a:cs typeface="Arial Unicode MS" panose="020B0604020202020204" pitchFamily="34" charset="-128"/>
-                <a:sym typeface="Iowan Old Style Roman"/>
-              </a:rPr>
-              <a:t>”)</a:t>
-            </a:r>
-          </a:p>
-          <a:p>
-            <a:pPr marL="267368" lvl="0" indent="-267368">
-              <a:spcBef>
-                <a:spcPts val="700"/>
-              </a:spcBef>
-              <a:buSzPct val="100000"/>
-              <a:buAutoNum type="arabicPeriod"/>
-              <a:defRPr sz="1800">
-                <a:solidFill>
-                  <a:srgbClr val="000000"/>
-                </a:solidFill>
-                <a:uFillTx/>
-              </a:defRPr>
-            </a:pPr>
-            <a:endParaRPr lang="en-US" sz="2000" dirty="0">
+            <a:endParaRPr sz="2700" dirty="0">
               <a:uFill>
                 <a:solidFill/>
               </a:uFill>
-              <a:latin typeface="Arial Unicode MS" panose="020B0604020202020204" pitchFamily="34" charset="-128"/>
-              <a:ea typeface="Arial Unicode MS" panose="020B0604020202020204" pitchFamily="34" charset="-128"/>
-              <a:cs typeface="Arial Unicode MS" panose="020B0604020202020204" pitchFamily="34" charset="-128"/>
+              <a:latin typeface="Consolas" panose="020B0609020204030204" pitchFamily="49" charset="0"/>
+              <a:ea typeface="Calibri" panose="020F0502020204030204" pitchFamily="34" charset="0"/>
+              <a:cs typeface="Calibri" panose="020F0502020204030204" pitchFamily="34" charset="0"/>
               <a:sym typeface="Iowan Old Style Roman"/>
             </a:endParaRPr>
           </a:p>
-          <a:p>
-            <a:pPr marL="267368" lvl="0" indent="-267368">
-              <a:spcBef>
-                <a:spcPts val="700"/>
-              </a:spcBef>
-              <a:buSzPct val="100000"/>
-              <a:buAutoNum type="arabicPeriod"/>
-              <a:defRPr sz="1800">
-                <a:solidFill>
-                  <a:srgbClr val="000000"/>
-                </a:solidFill>
-                <a:uFillTx/>
-              </a:defRPr>
-            </a:pPr>
-            <a:r>
-              <a:rPr lang="en-US" sz="2000" dirty="0">
-                <a:uFill>
-                  <a:solidFill/>
-                </a:uFill>
-                <a:latin typeface="Arial Unicode MS" panose="020B0604020202020204" pitchFamily="34" charset="-128"/>
-                <a:ea typeface="Arial Unicode MS" panose="020B0604020202020204" pitchFamily="34" charset="-128"/>
-                <a:cs typeface="Arial Unicode MS" panose="020B0604020202020204" pitchFamily="34" charset="-128"/>
-                <a:sym typeface="Iowan Old Style Roman"/>
-              </a:rPr>
-              <a:t>Return the</a:t>
-            </a:r>
-            <a:r>
-              <a:rPr sz="2000" dirty="0">
-                <a:uFill>
-                  <a:solidFill/>
-                </a:uFill>
-                <a:latin typeface="Arial Unicode MS" panose="020B0604020202020204" pitchFamily="34" charset="-128"/>
-                <a:ea typeface="Arial Unicode MS" panose="020B0604020202020204" pitchFamily="34" charset="-128"/>
-                <a:cs typeface="Arial Unicode MS" panose="020B0604020202020204" pitchFamily="34" charset="-128"/>
-                <a:sym typeface="Iowan Old Style Roman"/>
-              </a:rPr>
-              <a:t> </a:t>
-            </a:r>
-            <a:r>
-              <a:rPr lang="en-US" sz="2000" dirty="0">
-                <a:uFill>
-                  <a:solidFill/>
-                </a:uFill>
-                <a:latin typeface="Arial Unicode MS" panose="020B0604020202020204" pitchFamily="34" charset="-128"/>
-                <a:ea typeface="Arial Unicode MS" panose="020B0604020202020204" pitchFamily="34" charset="-128"/>
-                <a:cs typeface="Arial Unicode MS" panose="020B0604020202020204" pitchFamily="34" charset="-128"/>
-                <a:sym typeface="Iowan Old Style Roman"/>
-              </a:rPr>
-              <a:t>first and last names of actors</a:t>
-            </a:r>
-          </a:p>
-          <a:p>
-            <a:pPr marL="267368" lvl="0" indent="-267368">
-              <a:spcBef>
-                <a:spcPts val="700"/>
-              </a:spcBef>
-              <a:buSzPct val="100000"/>
-              <a:buAutoNum type="arabicPeriod"/>
-              <a:defRPr sz="1800">
-                <a:solidFill>
-                  <a:srgbClr val="000000"/>
-                </a:solidFill>
-                <a:uFillTx/>
-              </a:defRPr>
-            </a:pPr>
-            <a:r>
-              <a:rPr lang="en-US" sz="2000" dirty="0">
-                <a:uFill>
-                  <a:solidFill/>
-                </a:uFill>
-                <a:latin typeface="Arial Unicode MS" panose="020B0604020202020204" pitchFamily="34" charset="-128"/>
-                <a:ea typeface="Arial Unicode MS" panose="020B0604020202020204" pitchFamily="34" charset="-128"/>
-                <a:cs typeface="Arial Unicode MS" panose="020B0604020202020204" pitchFamily="34" charset="-128"/>
-                <a:sym typeface="Iowan Old Style Roman"/>
-              </a:rPr>
-              <a:t>Return year and rating for each movie</a:t>
-            </a:r>
-          </a:p>
-          <a:p>
-            <a:pPr marL="267368" lvl="0" indent="-267368">
-              <a:spcBef>
-                <a:spcPts val="700"/>
-              </a:spcBef>
-              <a:buSzPct val="100000"/>
-              <a:buAutoNum type="arabicPeriod"/>
-              <a:defRPr sz="1800">
-                <a:solidFill>
-                  <a:srgbClr val="000000"/>
-                </a:solidFill>
-                <a:uFillTx/>
-              </a:defRPr>
-            </a:pPr>
-            <a:endParaRPr lang="en-US" sz="2000" dirty="0">
-              <a:uFill>
-                <a:solidFill/>
-              </a:uFill>
-              <a:latin typeface="Arial Unicode MS" panose="020B0604020202020204" pitchFamily="34" charset="-128"/>
-              <a:ea typeface="Arial Unicode MS" panose="020B0604020202020204" pitchFamily="34" charset="-128"/>
-              <a:cs typeface="Arial Unicode MS" panose="020B0604020202020204" pitchFamily="34" charset="-128"/>
-              <a:sym typeface="Iowan Old Style Roman"/>
-            </a:endParaRPr>
-          </a:p>
-          <a:p>
-            <a:pPr>
-              <a:spcBef>
-                <a:spcPts val="700"/>
-              </a:spcBef>
-              <a:buSzPct val="100000"/>
-              <a:defRPr sz="1800">
-                <a:solidFill>
-                  <a:srgbClr val="000000"/>
-                </a:solidFill>
-                <a:uFillTx/>
-              </a:defRPr>
-            </a:pPr>
-            <a:r>
-              <a:rPr lang="en-US" sz="2000" dirty="0">
-                <a:uFill>
-                  <a:solidFill/>
-                </a:uFill>
-                <a:latin typeface="Arial Unicode MS" panose="020B0604020202020204" pitchFamily="34" charset="-128"/>
-                <a:ea typeface="Arial Unicode MS" panose="020B0604020202020204" pitchFamily="34" charset="-128"/>
-                <a:cs typeface="Arial Unicode MS" panose="020B0604020202020204" pitchFamily="34" charset="-128"/>
-                <a:sym typeface="Iowan Old Style Roman"/>
-              </a:rPr>
-              <a:t>Facebook Database (“</a:t>
-            </a:r>
-            <a:r>
-              <a:rPr lang="en-US" sz="2000" b="1" dirty="0">
-                <a:uFill>
-                  <a:solidFill/>
-                </a:uFill>
-                <a:latin typeface="Arial Unicode MS" panose="020B0604020202020204" pitchFamily="34" charset="-128"/>
-                <a:ea typeface="Arial Unicode MS" panose="020B0604020202020204" pitchFamily="34" charset="-128"/>
-                <a:cs typeface="Arial Unicode MS" panose="020B0604020202020204" pitchFamily="34" charset="-128"/>
-                <a:sym typeface="Iowan Old Style Roman"/>
-              </a:rPr>
-              <a:t>use </a:t>
-            </a:r>
-            <a:r>
-              <a:rPr lang="en-US" sz="2000" b="1" dirty="0" err="1">
-                <a:uFill>
-                  <a:solidFill/>
-                </a:uFill>
-                <a:latin typeface="Arial Unicode MS" panose="020B0604020202020204" pitchFamily="34" charset="-128"/>
-                <a:ea typeface="Arial Unicode MS" panose="020B0604020202020204" pitchFamily="34" charset="-128"/>
-                <a:cs typeface="Arial Unicode MS" panose="020B0604020202020204" pitchFamily="34" charset="-128"/>
-                <a:sym typeface="Iowan Old Style Roman"/>
-              </a:rPr>
-              <a:t>facebook</a:t>
-            </a:r>
-            <a:r>
-              <a:rPr lang="en-US" sz="2000" b="1" dirty="0">
-                <a:uFill>
-                  <a:solidFill/>
-                </a:uFill>
-                <a:latin typeface="Arial Unicode MS" panose="020B0604020202020204" pitchFamily="34" charset="-128"/>
-                <a:ea typeface="Arial Unicode MS" panose="020B0604020202020204" pitchFamily="34" charset="-128"/>
-                <a:cs typeface="Arial Unicode MS" panose="020B0604020202020204" pitchFamily="34" charset="-128"/>
-                <a:sym typeface="Iowan Old Style Roman"/>
-              </a:rPr>
-              <a:t>;</a:t>
-            </a:r>
-            <a:r>
-              <a:rPr lang="en-US" sz="2000" dirty="0">
-                <a:uFill>
-                  <a:solidFill/>
-                </a:uFill>
-                <a:latin typeface="Arial Unicode MS" panose="020B0604020202020204" pitchFamily="34" charset="-128"/>
-                <a:ea typeface="Arial Unicode MS" panose="020B0604020202020204" pitchFamily="34" charset="-128"/>
-                <a:cs typeface="Arial Unicode MS" panose="020B0604020202020204" pitchFamily="34" charset="-128"/>
-                <a:sym typeface="Iowan Old Style Roman"/>
-              </a:rPr>
-              <a:t>”)</a:t>
-            </a:r>
-          </a:p>
-          <a:p>
-            <a:pPr>
-              <a:spcBef>
-                <a:spcPts val="700"/>
-              </a:spcBef>
-              <a:buSzPct val="100000"/>
-              <a:defRPr sz="1800">
-                <a:solidFill>
-                  <a:srgbClr val="000000"/>
-                </a:solidFill>
-                <a:uFillTx/>
-              </a:defRPr>
-            </a:pPr>
-            <a:endParaRPr lang="en-US" sz="2000" dirty="0">
-              <a:uFill>
-                <a:solidFill/>
-              </a:uFill>
-              <a:latin typeface="Arial Unicode MS" panose="020B0604020202020204" pitchFamily="34" charset="-128"/>
-              <a:ea typeface="Arial Unicode MS" panose="020B0604020202020204" pitchFamily="34" charset="-128"/>
-              <a:cs typeface="Arial Unicode MS" panose="020B0604020202020204" pitchFamily="34" charset="-128"/>
-              <a:sym typeface="Iowan Old Style Roman"/>
-            </a:endParaRPr>
-          </a:p>
-          <a:p>
-            <a:pPr marL="457200" indent="-457200">
-              <a:spcBef>
-                <a:spcPts val="700"/>
-              </a:spcBef>
-              <a:buSzPct val="100000"/>
-              <a:buFont typeface="+mj-lt"/>
-              <a:buAutoNum type="arabicPeriod"/>
-              <a:defRPr sz="1800">
-                <a:solidFill>
-                  <a:srgbClr val="000000"/>
-                </a:solidFill>
-                <a:uFillTx/>
-              </a:defRPr>
-            </a:pPr>
-            <a:r>
-              <a:rPr lang="en-US" sz="2000" dirty="0">
-                <a:uFill>
-                  <a:solidFill/>
-                </a:uFill>
-                <a:latin typeface="Arial Unicode MS" panose="020B0604020202020204" pitchFamily="34" charset="-128"/>
-                <a:ea typeface="Arial Unicode MS" panose="020B0604020202020204" pitchFamily="34" charset="-128"/>
-                <a:cs typeface="Arial Unicode MS" panose="020B0604020202020204" pitchFamily="34" charset="-128"/>
-                <a:sym typeface="Iowan Old Style Roman"/>
-              </a:rPr>
-              <a:t>Return Name, Sex, and Birthday of all students</a:t>
-            </a:r>
-          </a:p>
-          <a:p>
-            <a:pPr marL="457200" indent="-457200">
-              <a:spcBef>
-                <a:spcPts val="700"/>
-              </a:spcBef>
-              <a:buSzPct val="100000"/>
-              <a:buFont typeface="+mj-lt"/>
-              <a:buAutoNum type="arabicPeriod"/>
-              <a:defRPr sz="1800">
-                <a:solidFill>
-                  <a:srgbClr val="000000"/>
-                </a:solidFill>
-                <a:uFillTx/>
-              </a:defRPr>
-            </a:pPr>
-            <a:r>
-              <a:rPr lang="en-US" sz="2000" dirty="0">
-                <a:uFill>
-                  <a:solidFill/>
-                </a:uFill>
-                <a:latin typeface="Arial Unicode MS" panose="020B0604020202020204" pitchFamily="34" charset="-128"/>
-                <a:ea typeface="Arial Unicode MS" panose="020B0604020202020204" pitchFamily="34" charset="-128"/>
-                <a:cs typeface="Arial Unicode MS" panose="020B0604020202020204" pitchFamily="34" charset="-128"/>
-                <a:sym typeface="Iowan Old Style Roman"/>
-              </a:rPr>
-              <a:t>Return Sex, and Political Views of all students</a:t>
-            </a:r>
-          </a:p>
-          <a:p>
-            <a:pPr marL="457200" indent="-457200">
-              <a:spcBef>
-                <a:spcPts val="700"/>
-              </a:spcBef>
-              <a:buSzPct val="100000"/>
-              <a:buFont typeface="+mj-lt"/>
-              <a:buAutoNum type="arabicPeriod"/>
-              <a:defRPr sz="1800">
-                <a:solidFill>
-                  <a:srgbClr val="000000"/>
-                </a:solidFill>
-                <a:uFillTx/>
-              </a:defRPr>
-            </a:pPr>
-            <a:r>
-              <a:rPr lang="en-US" sz="2000" dirty="0">
-                <a:uFill>
-                  <a:solidFill/>
-                </a:uFill>
-                <a:latin typeface="Arial Unicode MS" panose="020B0604020202020204" pitchFamily="34" charset="-128"/>
-                <a:ea typeface="Arial Unicode MS" panose="020B0604020202020204" pitchFamily="34" charset="-128"/>
-                <a:cs typeface="Arial Unicode MS" panose="020B0604020202020204" pitchFamily="34" charset="-128"/>
-                <a:sym typeface="Iowan Old Style Roman"/>
-              </a:rPr>
-              <a:t>Return the Relationship status column</a:t>
-            </a:r>
-          </a:p>
+        </p:txBody>
+      </p:sp>
+      <p:sp>
+        <p:nvSpPr>
+          <p:cNvPr id="2" name="Rectangle 1">
+            <a:extLst>
+              <a:ext uri="{FF2B5EF4-FFF2-40B4-BE49-F238E27FC236}">
+                <a16:creationId xmlns:a16="http://schemas.microsoft.com/office/drawing/2014/main" id="{629F1B5E-10A6-AC8D-080D-09EC1C20685B}"/>
+              </a:ext>
+            </a:extLst>
+          </p:cNvPr>
+          <p:cNvSpPr/>
+          <p:nvPr/>
+        </p:nvSpPr>
+        <p:spPr>
+          <a:xfrm>
+            <a:off x="685800" y="2331720"/>
+            <a:ext cx="7772400" cy="2194560"/>
+          </a:xfrm>
+          <a:prstGeom prst="rect">
+            <a:avLst/>
+          </a:prstGeom>
+          <a:solidFill>
+            <a:srgbClr val="F9F9F9"/>
+          </a:solidFill>
+          <a:ln w="9525" cap="flat" cmpd="sng" algn="ctr">
+            <a:solidFill>
+              <a:srgbClr val="DCDCDC"/>
+            </a:solidFill>
+            <a:prstDash val="solid"/>
+          </a:ln>
+          <a:effectLst>
+            <a:outerShdw blurRad="40000" dist="23000" dir="5400000" rotWithShape="0">
+              <a:srgbClr val="000000">
+                <a:alpha val="35000"/>
+              </a:srgbClr>
+            </a:outerShdw>
+          </a:effectLst>
+        </p:spPr>
+        <p:txBody>
+          <a:bodyPr wrap="square" rtlCol="0" anchor="ctr"/>
+          <a:lstStyle/>
           <a:p>
             <a:pPr lvl="0">
               <a:spcBef>
                 <a:spcPts val="700"/>
               </a:spcBef>
-              <a:buSzPct val="100000"/>
               <a:defRPr sz="1800">
                 <a:solidFill>
                   <a:srgbClr val="000000"/>
@@ -7568,13 +8366,112 @@
                 <a:uFillTx/>
               </a:defRPr>
             </a:pPr>
-            <a:endParaRPr sz="2000" dirty="0">
+            <a:r>
+              <a:rPr lang="en-US" sz="2400" b="1" dirty="0">
+                <a:uFill>
+                  <a:solidFill/>
+                </a:uFill>
+                <a:latin typeface="Consolas" panose="020B0609020204030204" pitchFamily="49" charset="0"/>
+                <a:ea typeface="Calibri" panose="020F0502020204030204" pitchFamily="34" charset="0"/>
+                <a:cs typeface="Calibri" panose="020F0502020204030204" pitchFamily="34" charset="0"/>
+                <a:sym typeface="Iowan Old Style Roman"/>
+              </a:rPr>
+              <a:t>SELECT</a:t>
+            </a:r>
+            <a:r>
+              <a:rPr lang="en-US" sz="2400" dirty="0">
+                <a:uFill>
+                  <a:solidFill/>
+                </a:uFill>
+                <a:latin typeface="Consolas" panose="020B0609020204030204" pitchFamily="49" charset="0"/>
+                <a:ea typeface="Calibri" panose="020F0502020204030204" pitchFamily="34" charset="0"/>
+                <a:cs typeface="Calibri" panose="020F0502020204030204" pitchFamily="34" charset="0"/>
+                <a:sym typeface="Iowan Old Style Roman"/>
+              </a:rPr>
+              <a:t> *</a:t>
+            </a:r>
+            <a:endParaRPr lang="en-US" sz="2400" baseline="-5999" dirty="0">
               <a:uFill>
                 <a:solidFill/>
               </a:uFill>
-              <a:latin typeface="Arial Unicode MS" panose="020B0604020202020204" pitchFamily="34" charset="-128"/>
-              <a:ea typeface="Arial Unicode MS" panose="020B0604020202020204" pitchFamily="34" charset="-128"/>
-              <a:cs typeface="Arial Unicode MS" panose="020B0604020202020204" pitchFamily="34" charset="-128"/>
+              <a:latin typeface="Consolas" panose="020B0609020204030204" pitchFamily="49" charset="0"/>
+              <a:ea typeface="Calibri" panose="020F0502020204030204" pitchFamily="34" charset="0"/>
+              <a:cs typeface="Calibri" panose="020F0502020204030204" pitchFamily="34" charset="0"/>
+              <a:sym typeface="Iowan Old Style Roman"/>
+            </a:endParaRPr>
+          </a:p>
+          <a:p>
+            <a:pPr lvl="0">
+              <a:spcBef>
+                <a:spcPts val="700"/>
+              </a:spcBef>
+              <a:defRPr sz="1800">
+                <a:solidFill>
+                  <a:srgbClr val="000000"/>
+                </a:solidFill>
+                <a:uFillTx/>
+              </a:defRPr>
+            </a:pPr>
+            <a:r>
+              <a:rPr lang="en-US" sz="2400" b="1" dirty="0">
+                <a:uFill>
+                  <a:solidFill/>
+                </a:uFill>
+                <a:latin typeface="Consolas" panose="020B0609020204030204" pitchFamily="49" charset="0"/>
+                <a:ea typeface="Calibri" panose="020F0502020204030204" pitchFamily="34" charset="0"/>
+                <a:cs typeface="Calibri" panose="020F0502020204030204" pitchFamily="34" charset="0"/>
+                <a:sym typeface="Iowan Old Style Roman"/>
+              </a:rPr>
+              <a:t>FROM</a:t>
+            </a:r>
+            <a:r>
+              <a:rPr lang="en-US" sz="2400" dirty="0">
+                <a:uFill>
+                  <a:solidFill/>
+                </a:uFill>
+                <a:latin typeface="Consolas" panose="020B0609020204030204" pitchFamily="49" charset="0"/>
+                <a:ea typeface="Calibri" panose="020F0502020204030204" pitchFamily="34" charset="0"/>
+                <a:cs typeface="Calibri" panose="020F0502020204030204" pitchFamily="34" charset="0"/>
+                <a:sym typeface="Iowan Old Style Roman"/>
+              </a:rPr>
+              <a:t>	</a:t>
+            </a:r>
+            <a:r>
+              <a:rPr lang="en-US" sz="2400" dirty="0" err="1">
+                <a:uFill>
+                  <a:solidFill/>
+                </a:uFill>
+                <a:latin typeface="Consolas" panose="020B0609020204030204" pitchFamily="49" charset="0"/>
+                <a:ea typeface="Calibri" panose="020F0502020204030204" pitchFamily="34" charset="0"/>
+                <a:cs typeface="Calibri" panose="020F0502020204030204" pitchFamily="34" charset="0"/>
+                <a:sym typeface="Iowan Old Style Roman"/>
+              </a:rPr>
+              <a:t>nyu-datasets.imdb.movies</a:t>
+            </a:r>
+            <a:r>
+              <a:rPr lang="en-US" sz="2400" i="1" dirty="0">
+                <a:uFill>
+                  <a:solidFill/>
+                </a:uFill>
+                <a:latin typeface="Consolas" panose="020B0609020204030204" pitchFamily="49" charset="0"/>
+                <a:ea typeface="Calibri" panose="020F0502020204030204" pitchFamily="34" charset="0"/>
+                <a:cs typeface="Calibri" panose="020F0502020204030204" pitchFamily="34" charset="0"/>
+                <a:sym typeface="Iowan Old Style Roman"/>
+              </a:rPr>
+              <a:t>;</a:t>
+            </a:r>
+            <a:endParaRPr lang="en-US" sz="2400" i="1" dirty="0">
+              <a:solidFill>
+                <a:schemeClr val="bg1">
+                  <a:lumMod val="85000"/>
+                </a:schemeClr>
+              </a:solidFill>
+              <a:uFill>
+                <a:solidFill/>
+              </a:uFill>
+              <a:latin typeface="Consolas" panose="020B0609020204030204" pitchFamily="49" charset="0"/>
+              <a:ea typeface="Calibri" panose="020F0502020204030204" pitchFamily="34" charset="0"/>
+              <a:cs typeface="Calibri" panose="020F0502020204030204" pitchFamily="34" charset="0"/>
               <a:sym typeface="Iowan Old Style Roman"/>
             </a:endParaRPr>
           </a:p>
@@ -7583,7 +8480,7 @@
     </p:spTree>
     <p:extLst>
       <p:ext uri="{BB962C8B-B14F-4D97-AF65-F5344CB8AC3E}">
-        <p14:creationId xmlns:p14="http://schemas.microsoft.com/office/powerpoint/2010/main" val="177407972"/>
+        <p14:creationId xmlns:p14="http://schemas.microsoft.com/office/powerpoint/2010/main" val="4148785897"/>
       </p:ext>
     </p:extLst>
   </p:cSld>
@@ -7613,7 +8510,7 @@
       </p:grpSpPr>
       <p:sp>
         <p:nvSpPr>
-          <p:cNvPr id="26" name="Shape 26"/>
+          <p:cNvPr id="44" name="Shape 44"/>
           <p:cNvSpPr/>
           <p:nvPr/>
         </p:nvSpPr>
@@ -7630,7 +8527,7 @@
           </a:ln>
           <a:extLst>
             <a:ext uri="{C572A759-6A51-4108-AA02-DFA0A04FC94B}">
-              <ma14:wrappingTextBoxFlag xmlns:ma14="http://schemas.microsoft.com/office/mac/drawingml/2011/main" xmlns="" val="1"/>
+              <ma14:wrappingTextBoxFlag xmlns="" xmlns:ma14="http://schemas.microsoft.com/office/mac/drawingml/2011/main" val="1"/>
             </a:ext>
           </a:extLst>
         </p:spPr>
@@ -7665,42 +8562,23 @@
                     <a:srgbClr val="FFFFFF"/>
                   </a:solidFill>
                 </a:uFill>
-                <a:latin typeface="Arial Unicode MS" panose="020B0604020202020204" pitchFamily="34" charset="-128"/>
-              </a:rPr>
-              <a:t>The SELECT statement</a:t>
-            </a:r>
-            <a:r>
-              <a:rPr lang="en-US" sz="3000" b="1" dirty="0">
-                <a:uFill>
-                  <a:solidFill>
-                    <a:srgbClr val="FFFFFF"/>
-                  </a:solidFill>
-                </a:uFill>
-                <a:latin typeface="Arial Unicode MS" panose="020B0604020202020204" pitchFamily="34" charset="-128"/>
-              </a:rPr>
-              <a:t>: The AS clause</a:t>
-            </a:r>
-            <a:endParaRPr sz="3000" b="1" dirty="0">
-              <a:uFill>
-                <a:solidFill>
-                  <a:srgbClr val="FFFFFF"/>
-                </a:solidFill>
-              </a:uFill>
-              <a:latin typeface="Arial Unicode MS" panose="020B0604020202020204" pitchFamily="34" charset="-128"/>
-            </a:endParaRPr>
-          </a:p>
-        </p:txBody>
-      </p:sp>
-      <p:sp>
-        <p:nvSpPr>
-          <p:cNvPr id="27" name="Shape 27"/>
+                <a:latin typeface="Calibri" panose="020F0502020204030204" pitchFamily="34" charset="0"/>
+              </a:rPr>
+              <a:t>Practice queries</a:t>
+            </a:r>
+          </a:p>
+        </p:txBody>
+      </p:sp>
+      <p:sp>
+        <p:nvSpPr>
+          <p:cNvPr id="45" name="Shape 45"/>
           <p:cNvSpPr/>
           <p:nvPr/>
         </p:nvSpPr>
         <p:spPr>
           <a:xfrm>
-            <a:off x="581712" y="2551820"/>
-            <a:ext cx="8562288" cy="1518364"/>
+            <a:off x="179798" y="1324179"/>
+            <a:ext cx="8794678" cy="5568191"/>
           </a:xfrm>
           <a:prstGeom prst="rect">
             <a:avLst/>
@@ -7710,7 +8588,7 @@
           </a:ln>
           <a:extLst>
             <a:ext uri="{C572A759-6A51-4108-AA02-DFA0A04FC94B}">
-              <ma14:wrappingTextBoxFlag xmlns:ma14="http://schemas.microsoft.com/office/mac/drawingml/2011/main" xmlns="" val="1"/>
+              <ma14:wrappingTextBoxFlag xmlns="" xmlns:ma14="http://schemas.microsoft.com/office/mac/drawingml/2011/main" val="1"/>
             </a:ext>
           </a:extLst>
         </p:spPr>
@@ -7724,6 +8602,7 @@
               <a:spcBef>
                 <a:spcPts val="700"/>
               </a:spcBef>
+              <a:buSzPct val="100000"/>
               <a:defRPr sz="1800">
                 <a:solidFill>
                   <a:srgbClr val="000000"/>
@@ -7732,179 +8611,562 @@
               </a:defRPr>
             </a:pPr>
             <a:r>
-              <a:rPr sz="2600" dirty="0">
-                <a:uFill>
-                  <a:solidFill/>
-                </a:uFill>
-                <a:latin typeface="Arial Unicode MS" panose="020B0604020202020204" pitchFamily="34" charset="-128"/>
-                <a:ea typeface="Arial Unicode MS" panose="020B0604020202020204" pitchFamily="34" charset="-128"/>
-                <a:cs typeface="Arial Unicode MS" panose="020B0604020202020204" pitchFamily="34" charset="-128"/>
-                <a:sym typeface="Iowan Old Style Roman"/>
-              </a:rPr>
-              <a:t>SELECT</a:t>
-            </a:r>
-            <a:r>
-              <a:rPr lang="en-US" sz="2600" dirty="0">
-                <a:uFill>
-                  <a:solidFill/>
-                </a:uFill>
-                <a:latin typeface="Arial Unicode MS" panose="020B0604020202020204" pitchFamily="34" charset="-128"/>
-                <a:ea typeface="Arial Unicode MS" panose="020B0604020202020204" pitchFamily="34" charset="-128"/>
-                <a:cs typeface="Arial Unicode MS" panose="020B0604020202020204" pitchFamily="34" charset="-128"/>
-                <a:sym typeface="Iowan Old Style Roman"/>
-              </a:rPr>
-              <a:t>	A</a:t>
-            </a:r>
-            <a:r>
-              <a:rPr lang="en-US" sz="2600" baseline="-5999" dirty="0">
-                <a:uFill>
-                  <a:solidFill/>
-                </a:uFill>
-                <a:latin typeface="Arial Unicode MS" panose="020B0604020202020204" pitchFamily="34" charset="-128"/>
-                <a:ea typeface="Arial Unicode MS" panose="020B0604020202020204" pitchFamily="34" charset="-128"/>
-                <a:cs typeface="Arial Unicode MS" panose="020B0604020202020204" pitchFamily="34" charset="-128"/>
-                <a:sym typeface="Iowan Old Style Roman"/>
-              </a:rPr>
-              <a:t>1 </a:t>
-            </a:r>
-            <a:r>
-              <a:rPr lang="en-US" sz="2600" b="1" dirty="0">
-                <a:uFill>
-                  <a:solidFill/>
-                </a:uFill>
-                <a:latin typeface="Arial Unicode MS" panose="020B0604020202020204" pitchFamily="34" charset="-128"/>
-                <a:ea typeface="Arial Unicode MS" panose="020B0604020202020204" pitchFamily="34" charset="-128"/>
-                <a:cs typeface="Arial Unicode MS" panose="020B0604020202020204" pitchFamily="34" charset="-128"/>
-                <a:sym typeface="Iowan Old Style Roman"/>
-              </a:rPr>
-              <a:t>AS</a:t>
-            </a:r>
-            <a:r>
-              <a:rPr lang="en-US" sz="2600" dirty="0">
-                <a:uFill>
-                  <a:solidFill/>
-                </a:uFill>
-                <a:latin typeface="Arial Unicode MS" panose="020B0604020202020204" pitchFamily="34" charset="-128"/>
-                <a:ea typeface="Arial Unicode MS" panose="020B0604020202020204" pitchFamily="34" charset="-128"/>
-                <a:cs typeface="Arial Unicode MS" panose="020B0604020202020204" pitchFamily="34" charset="-128"/>
-                <a:sym typeface="Iowan Old Style Roman"/>
-              </a:rPr>
-              <a:t> </a:t>
-            </a:r>
-            <a:r>
-              <a:rPr lang="en-US" sz="2600" i="1" dirty="0">
-                <a:uFill>
-                  <a:solidFill/>
-                </a:uFill>
-                <a:latin typeface="Arial Unicode MS" panose="020B0604020202020204" pitchFamily="34" charset="-128"/>
-                <a:ea typeface="Arial Unicode MS" panose="020B0604020202020204" pitchFamily="34" charset="-128"/>
-                <a:cs typeface="Arial Unicode MS" panose="020B0604020202020204" pitchFamily="34" charset="-128"/>
-                <a:sym typeface="Iowan Old Style Roman"/>
-              </a:rPr>
-              <a:t>Name1</a:t>
-            </a:r>
-            <a:r>
-              <a:rPr lang="en-US" sz="2600" baseline="-5999" dirty="0">
-                <a:uFill>
-                  <a:solidFill/>
-                </a:uFill>
-                <a:latin typeface="Arial Unicode MS" panose="020B0604020202020204" pitchFamily="34" charset="-128"/>
-                <a:ea typeface="Arial Unicode MS" panose="020B0604020202020204" pitchFamily="34" charset="-128"/>
-                <a:cs typeface="Arial Unicode MS" panose="020B0604020202020204" pitchFamily="34" charset="-128"/>
-                <a:sym typeface="Iowan Old Style Roman"/>
-              </a:rPr>
-              <a:t>, </a:t>
-            </a:r>
-            <a:r>
-              <a:rPr lang="en-US" sz="2600" dirty="0">
-                <a:uFill>
-                  <a:solidFill/>
-                </a:uFill>
-                <a:latin typeface="Arial Unicode MS" panose="020B0604020202020204" pitchFamily="34" charset="-128"/>
-                <a:ea typeface="Arial Unicode MS" panose="020B0604020202020204" pitchFamily="34" charset="-128"/>
-                <a:cs typeface="Arial Unicode MS" panose="020B0604020202020204" pitchFamily="34" charset="-128"/>
-                <a:sym typeface="Iowan Old Style Roman"/>
-              </a:rPr>
-              <a:t>AS</a:t>
-            </a:r>
-            <a:r>
-              <a:rPr lang="en-US" sz="2600" baseline="-5999" dirty="0">
-                <a:uFill>
-                  <a:solidFill/>
-                </a:uFill>
-                <a:latin typeface="Arial Unicode MS" panose="020B0604020202020204" pitchFamily="34" charset="-128"/>
-                <a:ea typeface="Arial Unicode MS" panose="020B0604020202020204" pitchFamily="34" charset="-128"/>
-                <a:cs typeface="Arial Unicode MS" panose="020B0604020202020204" pitchFamily="34" charset="-128"/>
-                <a:sym typeface="Iowan Old Style Roman"/>
-              </a:rPr>
-              <a:t>2, </a:t>
-            </a:r>
-            <a:r>
-              <a:rPr lang="en-US" sz="2600" dirty="0">
-                <a:uFill>
-                  <a:solidFill/>
-                </a:uFill>
-                <a:latin typeface="Arial Unicode MS" panose="020B0604020202020204" pitchFamily="34" charset="-128"/>
-                <a:ea typeface="Arial Unicode MS" panose="020B0604020202020204" pitchFamily="34" charset="-128"/>
-                <a:cs typeface="Arial Unicode MS" panose="020B0604020202020204" pitchFamily="34" charset="-128"/>
-                <a:sym typeface="Iowan Old Style Roman"/>
-              </a:rPr>
-              <a:t>…</a:t>
-            </a:r>
-            <a:r>
-              <a:rPr lang="en-US" sz="2600" b="1" dirty="0">
-                <a:uFill>
-                  <a:solidFill/>
-                </a:uFill>
-                <a:latin typeface="Arial Unicode MS" panose="020B0604020202020204" pitchFamily="34" charset="-128"/>
-                <a:ea typeface="Arial Unicode MS" panose="020B0604020202020204" pitchFamily="34" charset="-128"/>
-                <a:cs typeface="Arial Unicode MS" panose="020B0604020202020204" pitchFamily="34" charset="-128"/>
-                <a:sym typeface="Iowan Old Style Roman"/>
-              </a:rPr>
-              <a:t>AS</a:t>
-            </a:r>
-            <a:r>
-              <a:rPr lang="en-US" sz="2600" dirty="0">
-                <a:uFill>
-                  <a:solidFill/>
-                </a:uFill>
-                <a:latin typeface="Arial Unicode MS" panose="020B0604020202020204" pitchFamily="34" charset="-128"/>
-                <a:ea typeface="Arial Unicode MS" panose="020B0604020202020204" pitchFamily="34" charset="-128"/>
-                <a:cs typeface="Arial Unicode MS" panose="020B0604020202020204" pitchFamily="34" charset="-128"/>
-                <a:sym typeface="Iowan Old Style Roman"/>
-              </a:rPr>
-              <a:t> </a:t>
-            </a:r>
-            <a:r>
-              <a:rPr lang="en-US" sz="2600" i="1" dirty="0">
-                <a:uFill>
-                  <a:solidFill/>
-                </a:uFill>
-                <a:latin typeface="Arial Unicode MS" panose="020B0604020202020204" pitchFamily="34" charset="-128"/>
-                <a:ea typeface="Arial Unicode MS" panose="020B0604020202020204" pitchFamily="34" charset="-128"/>
-                <a:cs typeface="Arial Unicode MS" panose="020B0604020202020204" pitchFamily="34" charset="-128"/>
-                <a:sym typeface="Iowan Old Style Roman"/>
-              </a:rPr>
-              <a:t>Name2</a:t>
-            </a:r>
-            <a:r>
-              <a:rPr lang="en-US" sz="2600" dirty="0">
-                <a:uFill>
-                  <a:solidFill/>
-                </a:uFill>
-                <a:latin typeface="Arial Unicode MS" panose="020B0604020202020204" pitchFamily="34" charset="-128"/>
-                <a:ea typeface="Arial Unicode MS" panose="020B0604020202020204" pitchFamily="34" charset="-128"/>
-                <a:cs typeface="Arial Unicode MS" panose="020B0604020202020204" pitchFamily="34" charset="-128"/>
-                <a:sym typeface="Iowan Old Style Roman"/>
-              </a:rPr>
-              <a:t>, …	</a:t>
-            </a:r>
+              <a:rPr lang="en-US" sz="2000" dirty="0">
+                <a:uFill>
+                  <a:solidFill/>
+                </a:uFill>
+                <a:latin typeface="Calibri" panose="020F0502020204030204" pitchFamily="34" charset="0"/>
+                <a:ea typeface="Calibri" panose="020F0502020204030204" pitchFamily="34" charset="0"/>
+                <a:cs typeface="Calibri" panose="020F0502020204030204" pitchFamily="34" charset="0"/>
+                <a:sym typeface="Iowan Old Style Roman"/>
+              </a:rPr>
+              <a:t>IMDB Database </a:t>
+            </a:r>
+            <a:r>
+              <a:rPr lang="en-US" sz="2000" b="1" dirty="0">
+                <a:uFill>
+                  <a:solidFill/>
+                </a:uFill>
+                <a:latin typeface="Calibri" panose="020F0502020204030204" pitchFamily="34" charset="0"/>
+                <a:ea typeface="Calibri" panose="020F0502020204030204" pitchFamily="34" charset="0"/>
+                <a:cs typeface="Calibri" panose="020F0502020204030204" pitchFamily="34" charset="0"/>
+                <a:sym typeface="Iowan Old Style Roman"/>
+              </a:rPr>
+              <a:t>(</a:t>
+            </a:r>
+            <a:r>
+              <a:rPr lang="en-US" sz="2000" b="1" dirty="0" err="1">
+                <a:uFill>
+                  <a:solidFill/>
+                </a:uFill>
+                <a:latin typeface="Calibri" panose="020F0502020204030204" pitchFamily="34" charset="0"/>
+                <a:ea typeface="Calibri" panose="020F0502020204030204" pitchFamily="34" charset="0"/>
+                <a:cs typeface="Calibri" panose="020F0502020204030204" pitchFamily="34" charset="0"/>
+                <a:sym typeface="Iowan Old Style Roman"/>
+              </a:rPr>
+              <a:t>nyu-datasets.imdb</a:t>
+            </a:r>
+            <a:r>
+              <a:rPr lang="en-US" sz="2000" b="1" dirty="0">
+                <a:uFill>
+                  <a:solidFill/>
+                </a:uFill>
+                <a:latin typeface="Calibri" panose="020F0502020204030204" pitchFamily="34" charset="0"/>
+                <a:ea typeface="Calibri" panose="020F0502020204030204" pitchFamily="34" charset="0"/>
+                <a:cs typeface="Calibri" panose="020F0502020204030204" pitchFamily="34" charset="0"/>
+                <a:sym typeface="Iowan Old Style Roman"/>
+              </a:rPr>
+              <a:t>)</a:t>
+            </a:r>
+          </a:p>
+          <a:p>
+            <a:pPr marL="267368" lvl="0" indent="-267368">
+              <a:spcBef>
+                <a:spcPts val="700"/>
+              </a:spcBef>
+              <a:buSzPct val="100000"/>
+              <a:buAutoNum type="arabicPeriod"/>
+              <a:defRPr sz="1800">
+                <a:solidFill>
+                  <a:srgbClr val="000000"/>
+                </a:solidFill>
+                <a:uFillTx/>
+              </a:defRPr>
+            </a:pPr>
+            <a:r>
+              <a:rPr lang="en-US" sz="2000" i="1" dirty="0">
+                <a:uFill>
+                  <a:solidFill/>
+                </a:uFill>
+                <a:latin typeface="Calibri" panose="020F0502020204030204" pitchFamily="34" charset="0"/>
+                <a:ea typeface="Calibri" panose="020F0502020204030204" pitchFamily="34" charset="0"/>
+                <a:cs typeface="Calibri" panose="020F0502020204030204" pitchFamily="34" charset="0"/>
+                <a:sym typeface="Iowan Old Style Roman"/>
+              </a:rPr>
+              <a:t>Return</a:t>
+            </a:r>
+            <a:r>
+              <a:rPr sz="2000" i="1" dirty="0">
+                <a:uFill>
+                  <a:solidFill/>
+                </a:uFill>
+                <a:latin typeface="Calibri" panose="020F0502020204030204" pitchFamily="34" charset="0"/>
+                <a:ea typeface="Calibri" panose="020F0502020204030204" pitchFamily="34" charset="0"/>
+                <a:cs typeface="Calibri" panose="020F0502020204030204" pitchFamily="34" charset="0"/>
+                <a:sym typeface="Iowan Old Style Roman"/>
+              </a:rPr>
+              <a:t> all </a:t>
+            </a:r>
+            <a:r>
+              <a:rPr lang="en-US" sz="2000" i="1" dirty="0">
+                <a:uFill>
+                  <a:solidFill/>
+                </a:uFill>
+                <a:latin typeface="Calibri" panose="020F0502020204030204" pitchFamily="34" charset="0"/>
+                <a:ea typeface="Calibri" panose="020F0502020204030204" pitchFamily="34" charset="0"/>
+                <a:cs typeface="Calibri" panose="020F0502020204030204" pitchFamily="34" charset="0"/>
+                <a:sym typeface="Iowan Old Style Roman"/>
+              </a:rPr>
+              <a:t>movies (</a:t>
+            </a:r>
+            <a:r>
+              <a:rPr lang="en-US" sz="2000" i="1" dirty="0" err="1">
+                <a:uFill>
+                  <a:solidFill/>
+                </a:uFill>
+                <a:latin typeface="Calibri" panose="020F0502020204030204" pitchFamily="34" charset="0"/>
+                <a:ea typeface="Calibri" panose="020F0502020204030204" pitchFamily="34" charset="0"/>
+                <a:cs typeface="Calibri" panose="020F0502020204030204" pitchFamily="34" charset="0"/>
+                <a:sym typeface="Iowan Old Style Roman"/>
+              </a:rPr>
+              <a:t>nyu-datasets.imdb.movies</a:t>
+            </a:r>
+            <a:r>
+              <a:rPr lang="en-US" sz="2000" i="1" dirty="0">
+                <a:uFill>
+                  <a:solidFill/>
+                </a:uFill>
+                <a:latin typeface="Calibri" panose="020F0502020204030204" pitchFamily="34" charset="0"/>
+                <a:ea typeface="Calibri" panose="020F0502020204030204" pitchFamily="34" charset="0"/>
+                <a:cs typeface="Calibri" panose="020F0502020204030204" pitchFamily="34" charset="0"/>
+                <a:sym typeface="Iowan Old Style Roman"/>
+              </a:rPr>
+              <a:t>)</a:t>
+            </a:r>
+          </a:p>
+          <a:p>
+            <a:pPr marL="267368" lvl="0" indent="-267368">
+              <a:spcBef>
+                <a:spcPts val="700"/>
+              </a:spcBef>
+              <a:buSzPct val="100000"/>
+              <a:buAutoNum type="arabicPeriod"/>
+              <a:defRPr sz="1800">
+                <a:solidFill>
+                  <a:srgbClr val="000000"/>
+                </a:solidFill>
+                <a:uFillTx/>
+              </a:defRPr>
+            </a:pPr>
+            <a:r>
+              <a:rPr lang="en-US" sz="2000" dirty="0">
+                <a:uFill>
+                  <a:solidFill/>
+                </a:uFill>
+                <a:latin typeface="Calibri" panose="020F0502020204030204" pitchFamily="34" charset="0"/>
+                <a:ea typeface="Calibri" panose="020F0502020204030204" pitchFamily="34" charset="0"/>
+                <a:cs typeface="Calibri" panose="020F0502020204030204" pitchFamily="34" charset="0"/>
+                <a:sym typeface="Iowan Old Style Roman"/>
+              </a:rPr>
+              <a:t>Return all directors (</a:t>
+            </a:r>
+            <a:r>
+              <a:rPr lang="en-US" sz="2000" dirty="0" err="1">
+                <a:uFill>
+                  <a:solidFill/>
+                </a:uFill>
+                <a:latin typeface="Calibri" panose="020F0502020204030204" pitchFamily="34" charset="0"/>
+                <a:ea typeface="Calibri" panose="020F0502020204030204" pitchFamily="34" charset="0"/>
+                <a:cs typeface="Calibri" panose="020F0502020204030204" pitchFamily="34" charset="0"/>
+                <a:sym typeface="Iowan Old Style Roman"/>
+              </a:rPr>
+              <a:t>nyu-datasets.imdb.directors</a:t>
+            </a:r>
+            <a:r>
+              <a:rPr lang="en-US" sz="2000" dirty="0">
+                <a:uFill>
+                  <a:solidFill/>
+                </a:uFill>
+                <a:latin typeface="Calibri" panose="020F0502020204030204" pitchFamily="34" charset="0"/>
+                <a:ea typeface="Calibri" panose="020F0502020204030204" pitchFamily="34" charset="0"/>
+                <a:cs typeface="Calibri" panose="020F0502020204030204" pitchFamily="34" charset="0"/>
+                <a:sym typeface="Iowan Old Style Roman"/>
+              </a:rPr>
+              <a:t>)</a:t>
+            </a:r>
+          </a:p>
+          <a:p>
+            <a:pPr marL="267368" lvl="0" indent="-267368">
+              <a:spcBef>
+                <a:spcPts val="700"/>
+              </a:spcBef>
+              <a:buSzPct val="100000"/>
+              <a:buAutoNum type="arabicPeriod"/>
+              <a:defRPr sz="1800">
+                <a:solidFill>
+                  <a:srgbClr val="000000"/>
+                </a:solidFill>
+                <a:uFillTx/>
+              </a:defRPr>
+            </a:pPr>
+            <a:r>
+              <a:rPr lang="en-US" sz="2000" dirty="0">
+                <a:uFill>
+                  <a:solidFill/>
+                </a:uFill>
+                <a:latin typeface="Calibri" panose="020F0502020204030204" pitchFamily="34" charset="0"/>
+                <a:ea typeface="Calibri" panose="020F0502020204030204" pitchFamily="34" charset="0"/>
+                <a:cs typeface="Calibri" panose="020F0502020204030204" pitchFamily="34" charset="0"/>
+                <a:sym typeface="Iowan Old Style Roman"/>
+              </a:rPr>
+              <a:t>Return all actors (</a:t>
+            </a:r>
+            <a:r>
+              <a:rPr lang="en-US" sz="2000" dirty="0" err="1">
+                <a:uFill>
+                  <a:solidFill/>
+                </a:uFill>
+                <a:latin typeface="Calibri" panose="020F0502020204030204" pitchFamily="34" charset="0"/>
+                <a:ea typeface="Calibri" panose="020F0502020204030204" pitchFamily="34" charset="0"/>
+                <a:cs typeface="Calibri" panose="020F0502020204030204" pitchFamily="34" charset="0"/>
+                <a:sym typeface="Iowan Old Style Roman"/>
+              </a:rPr>
+              <a:t>nyu-datasets.imdb.actors</a:t>
+            </a:r>
+            <a:r>
+              <a:rPr lang="en-US" sz="2000" dirty="0">
+                <a:uFill>
+                  <a:solidFill/>
+                </a:uFill>
+                <a:latin typeface="Calibri" panose="020F0502020204030204" pitchFamily="34" charset="0"/>
+                <a:ea typeface="Calibri" panose="020F0502020204030204" pitchFamily="34" charset="0"/>
+                <a:cs typeface="Calibri" panose="020F0502020204030204" pitchFamily="34" charset="0"/>
+                <a:sym typeface="Iowan Old Style Roman"/>
+              </a:rPr>
+              <a:t>)</a:t>
+            </a:r>
+          </a:p>
+          <a:p>
+            <a:pPr marL="267368" lvl="0" indent="-267368">
+              <a:spcBef>
+                <a:spcPts val="700"/>
+              </a:spcBef>
+              <a:buSzPct val="100000"/>
+              <a:buAutoNum type="arabicPeriod"/>
+              <a:defRPr sz="1800">
+                <a:solidFill>
+                  <a:srgbClr val="000000"/>
+                </a:solidFill>
+                <a:uFillTx/>
+              </a:defRPr>
+            </a:pPr>
+            <a:r>
+              <a:rPr lang="en-US" sz="2000" dirty="0">
+                <a:uFill>
+                  <a:solidFill/>
+                </a:uFill>
+                <a:latin typeface="Calibri" panose="020F0502020204030204" pitchFamily="34" charset="0"/>
+                <a:ea typeface="Calibri" panose="020F0502020204030204" pitchFamily="34" charset="0"/>
+                <a:cs typeface="Calibri" panose="020F0502020204030204" pitchFamily="34" charset="0"/>
+                <a:sym typeface="Iowan Old Style Roman"/>
+              </a:rPr>
+              <a:t>Return all roles (</a:t>
+            </a:r>
+            <a:r>
+              <a:rPr lang="en-US" sz="2000" dirty="0" err="1">
+                <a:uFill>
+                  <a:solidFill/>
+                </a:uFill>
+                <a:latin typeface="Calibri" panose="020F0502020204030204" pitchFamily="34" charset="0"/>
+                <a:ea typeface="Calibri" panose="020F0502020204030204" pitchFamily="34" charset="0"/>
+                <a:cs typeface="Calibri" panose="020F0502020204030204" pitchFamily="34" charset="0"/>
+                <a:sym typeface="Iowan Old Style Roman"/>
+              </a:rPr>
+              <a:t>nyu-datasets.imdb.roles</a:t>
+            </a:r>
+            <a:r>
+              <a:rPr lang="en-US" sz="2000" dirty="0">
+                <a:uFill>
+                  <a:solidFill/>
+                </a:uFill>
+                <a:latin typeface="Calibri" panose="020F0502020204030204" pitchFamily="34" charset="0"/>
+                <a:ea typeface="Calibri" panose="020F0502020204030204" pitchFamily="34" charset="0"/>
+                <a:cs typeface="Calibri" panose="020F0502020204030204" pitchFamily="34" charset="0"/>
+                <a:sym typeface="Iowan Old Style Roman"/>
+              </a:rPr>
+              <a:t>)</a:t>
+            </a:r>
+          </a:p>
+          <a:p>
+            <a:pPr marL="267368" lvl="0" indent="-267368">
+              <a:spcBef>
+                <a:spcPts val="700"/>
+              </a:spcBef>
+              <a:buSzPct val="100000"/>
+              <a:buAutoNum type="arabicPeriod"/>
+              <a:defRPr sz="1800">
+                <a:solidFill>
+                  <a:srgbClr val="000000"/>
+                </a:solidFill>
+                <a:uFillTx/>
+              </a:defRPr>
+            </a:pPr>
+            <a:r>
+              <a:rPr lang="en-US" sz="2000" dirty="0">
+                <a:uFill>
+                  <a:solidFill/>
+                </a:uFill>
+                <a:latin typeface="Calibri" panose="020F0502020204030204" pitchFamily="34" charset="0"/>
+                <a:ea typeface="Calibri" panose="020F0502020204030204" pitchFamily="34" charset="0"/>
+                <a:cs typeface="Calibri" panose="020F0502020204030204" pitchFamily="34" charset="0"/>
+                <a:sym typeface="Iowan Old Style Roman"/>
+              </a:rPr>
+              <a:t>Return all genres for the movies (</a:t>
+            </a:r>
+            <a:r>
+              <a:rPr lang="en-US" sz="2000" dirty="0" err="1">
+                <a:uFill>
+                  <a:solidFill/>
+                </a:uFill>
+                <a:latin typeface="Calibri" panose="020F0502020204030204" pitchFamily="34" charset="0"/>
+                <a:ea typeface="Calibri" panose="020F0502020204030204" pitchFamily="34" charset="0"/>
+                <a:cs typeface="Calibri" panose="020F0502020204030204" pitchFamily="34" charset="0"/>
+                <a:sym typeface="Iowan Old Style Roman"/>
+              </a:rPr>
+              <a:t>nyu-datasets.imdb.movie_genres</a:t>
+            </a:r>
+            <a:r>
+              <a:rPr lang="en-US" sz="2000" dirty="0">
+                <a:uFill>
+                  <a:solidFill/>
+                </a:uFill>
+                <a:latin typeface="Calibri" panose="020F0502020204030204" pitchFamily="34" charset="0"/>
+                <a:ea typeface="Calibri" panose="020F0502020204030204" pitchFamily="34" charset="0"/>
+                <a:cs typeface="Calibri" panose="020F0502020204030204" pitchFamily="34" charset="0"/>
+                <a:sym typeface="Iowan Old Style Roman"/>
+              </a:rPr>
+              <a:t>)</a:t>
+            </a:r>
+          </a:p>
+          <a:p>
+            <a:pPr marL="267368" lvl="0" indent="-267368">
+              <a:spcBef>
+                <a:spcPts val="700"/>
+              </a:spcBef>
+              <a:buSzPct val="100000"/>
+              <a:buAutoNum type="arabicPeriod"/>
+              <a:defRPr sz="1800">
+                <a:solidFill>
+                  <a:srgbClr val="000000"/>
+                </a:solidFill>
+                <a:uFillTx/>
+              </a:defRPr>
+            </a:pPr>
+            <a:endParaRPr lang="en-US" sz="2000" dirty="0">
+              <a:uFill>
+                <a:solidFill/>
+              </a:uFill>
+              <a:latin typeface="Calibri" panose="020F0502020204030204" pitchFamily="34" charset="0"/>
+              <a:ea typeface="Calibri" panose="020F0502020204030204" pitchFamily="34" charset="0"/>
+              <a:cs typeface="Calibri" panose="020F0502020204030204" pitchFamily="34" charset="0"/>
+              <a:sym typeface="Iowan Old Style Roman"/>
+            </a:endParaRPr>
+          </a:p>
+          <a:p>
+            <a:pPr>
+              <a:spcBef>
+                <a:spcPts val="700"/>
+              </a:spcBef>
+              <a:buSzPct val="100000"/>
+              <a:defRPr sz="1800">
+                <a:solidFill>
+                  <a:srgbClr val="000000"/>
+                </a:solidFill>
+                <a:uFillTx/>
+              </a:defRPr>
+            </a:pPr>
+            <a:r>
+              <a:rPr lang="en-US" sz="2000" dirty="0">
+                <a:uFill>
+                  <a:solidFill/>
+                </a:uFill>
+                <a:latin typeface="Calibri" panose="020F0502020204030204" pitchFamily="34" charset="0"/>
+                <a:ea typeface="Calibri" panose="020F0502020204030204" pitchFamily="34" charset="0"/>
+                <a:cs typeface="Calibri" panose="020F0502020204030204" pitchFamily="34" charset="0"/>
+                <a:sym typeface="Iowan Old Style Roman"/>
+              </a:rPr>
+              <a:t>Facebook Database </a:t>
+            </a:r>
+            <a:r>
+              <a:rPr lang="en-US" sz="2000" b="1" dirty="0">
+                <a:uFill>
+                  <a:solidFill/>
+                </a:uFill>
+                <a:latin typeface="Calibri" panose="020F0502020204030204" pitchFamily="34" charset="0"/>
+                <a:ea typeface="Calibri" panose="020F0502020204030204" pitchFamily="34" charset="0"/>
+                <a:cs typeface="Calibri" panose="020F0502020204030204" pitchFamily="34" charset="0"/>
+                <a:sym typeface="Iowan Old Style Roman"/>
+              </a:rPr>
+              <a:t>(</a:t>
+            </a:r>
+            <a:r>
+              <a:rPr lang="en-US" sz="2000" b="1" dirty="0" err="1">
+                <a:uFill>
+                  <a:solidFill/>
+                </a:uFill>
+                <a:latin typeface="Calibri" panose="020F0502020204030204" pitchFamily="34" charset="0"/>
+                <a:ea typeface="Calibri" panose="020F0502020204030204" pitchFamily="34" charset="0"/>
+                <a:cs typeface="Calibri" panose="020F0502020204030204" pitchFamily="34" charset="0"/>
+                <a:sym typeface="Iowan Old Style Roman"/>
+              </a:rPr>
+              <a:t>nyu-datasets.facebook</a:t>
+            </a:r>
+            <a:r>
+              <a:rPr lang="en-US" sz="2000" b="1" dirty="0">
+                <a:uFill>
+                  <a:solidFill/>
+                </a:uFill>
+                <a:latin typeface="Calibri" panose="020F0502020204030204" pitchFamily="34" charset="0"/>
+                <a:ea typeface="Calibri" panose="020F0502020204030204" pitchFamily="34" charset="0"/>
+                <a:cs typeface="Calibri" panose="020F0502020204030204" pitchFamily="34" charset="0"/>
+                <a:sym typeface="Iowan Old Style Roman"/>
+              </a:rPr>
+              <a:t>)</a:t>
+            </a:r>
+          </a:p>
+          <a:p>
+            <a:pPr marL="457200" indent="-457200">
+              <a:spcBef>
+                <a:spcPts val="700"/>
+              </a:spcBef>
+              <a:buSzPct val="100000"/>
+              <a:buFont typeface="+mj-lt"/>
+              <a:buAutoNum type="arabicPeriod"/>
+              <a:defRPr sz="1800">
+                <a:solidFill>
+                  <a:srgbClr val="000000"/>
+                </a:solidFill>
+                <a:uFillTx/>
+              </a:defRPr>
+            </a:pPr>
+            <a:r>
+              <a:rPr lang="en-US" sz="2000" dirty="0">
+                <a:uFill>
+                  <a:solidFill/>
+                </a:uFill>
+                <a:latin typeface="Calibri" panose="020F0502020204030204" pitchFamily="34" charset="0"/>
+                <a:ea typeface="Calibri" panose="020F0502020204030204" pitchFamily="34" charset="0"/>
+                <a:cs typeface="Calibri" panose="020F0502020204030204" pitchFamily="34" charset="0"/>
+                <a:sym typeface="Iowan Old Style Roman"/>
+              </a:rPr>
+              <a:t>Return all students </a:t>
+            </a:r>
+          </a:p>
+          <a:p>
+            <a:pPr marL="457200" indent="-457200">
+              <a:spcBef>
+                <a:spcPts val="700"/>
+              </a:spcBef>
+              <a:buSzPct val="100000"/>
+              <a:buFont typeface="+mj-lt"/>
+              <a:buAutoNum type="arabicPeriod"/>
+              <a:defRPr sz="1800">
+                <a:solidFill>
+                  <a:srgbClr val="000000"/>
+                </a:solidFill>
+                <a:uFillTx/>
+              </a:defRPr>
+            </a:pPr>
+            <a:r>
+              <a:rPr lang="en-US" sz="2000" dirty="0">
+                <a:uFill>
+                  <a:solidFill/>
+                </a:uFill>
+                <a:latin typeface="Calibri" panose="020F0502020204030204" pitchFamily="34" charset="0"/>
+                <a:ea typeface="Calibri" panose="020F0502020204030204" pitchFamily="34" charset="0"/>
+                <a:cs typeface="Calibri" panose="020F0502020204030204" pitchFamily="34" charset="0"/>
+                <a:sym typeface="Iowan Old Style Roman"/>
+              </a:rPr>
+              <a:t>Return the hobbies of all students</a:t>
+            </a:r>
+          </a:p>
+          <a:p>
+            <a:pPr marL="457200" indent="-457200">
+              <a:spcBef>
+                <a:spcPts val="700"/>
+              </a:spcBef>
+              <a:buSzPct val="100000"/>
+              <a:buFont typeface="+mj-lt"/>
+              <a:buAutoNum type="arabicPeriod"/>
+              <a:defRPr sz="1800">
+                <a:solidFill>
+                  <a:srgbClr val="000000"/>
+                </a:solidFill>
+                <a:uFillTx/>
+              </a:defRPr>
+            </a:pPr>
+            <a:r>
+              <a:rPr lang="en-US" sz="2000" dirty="0">
+                <a:uFill>
+                  <a:solidFill/>
+                </a:uFill>
+                <a:latin typeface="Calibri" panose="020F0502020204030204" pitchFamily="34" charset="0"/>
+                <a:ea typeface="Calibri" panose="020F0502020204030204" pitchFamily="34" charset="0"/>
+                <a:cs typeface="Calibri" panose="020F0502020204030204" pitchFamily="34" charset="0"/>
+                <a:sym typeface="Iowan Old Style Roman"/>
+              </a:rPr>
+              <a:t>Return the relationship status for all students</a:t>
+            </a:r>
+          </a:p>
+          <a:p>
+            <a:pPr marL="457200" indent="-457200">
+              <a:spcBef>
+                <a:spcPts val="700"/>
+              </a:spcBef>
+              <a:buSzPct val="100000"/>
+              <a:buFont typeface="+mj-lt"/>
+              <a:buAutoNum type="arabicPeriod"/>
+              <a:defRPr sz="1800">
+                <a:solidFill>
+                  <a:srgbClr val="000000"/>
+                </a:solidFill>
+                <a:uFillTx/>
+              </a:defRPr>
+            </a:pPr>
+            <a:r>
+              <a:rPr lang="en-US" sz="2000" dirty="0">
+                <a:uFill>
+                  <a:solidFill/>
+                </a:uFill>
+                <a:latin typeface="Calibri" panose="020F0502020204030204" pitchFamily="34" charset="0"/>
+                <a:ea typeface="Calibri" panose="020F0502020204030204" pitchFamily="34" charset="0"/>
+                <a:cs typeface="Calibri" panose="020F0502020204030204" pitchFamily="34" charset="0"/>
+                <a:sym typeface="Iowan Old Style Roman"/>
+              </a:rPr>
+              <a:t>Return what students are looking for</a:t>
+            </a:r>
+          </a:p>
+          <a:p>
+            <a:pPr marL="457200" indent="-457200">
+              <a:spcBef>
+                <a:spcPts val="700"/>
+              </a:spcBef>
+              <a:buSzPct val="100000"/>
+              <a:buFont typeface="+mj-lt"/>
+              <a:buAutoNum type="arabicPeriod"/>
+              <a:defRPr sz="1800">
+                <a:solidFill>
+                  <a:srgbClr val="000000"/>
+                </a:solidFill>
+                <a:uFillTx/>
+              </a:defRPr>
+            </a:pPr>
+            <a:endParaRPr lang="en-US" sz="2000" dirty="0">
+              <a:uFill>
+                <a:solidFill/>
+              </a:uFill>
+              <a:latin typeface="Calibri" panose="020F0502020204030204" pitchFamily="34" charset="0"/>
+              <a:ea typeface="Calibri" panose="020F0502020204030204" pitchFamily="34" charset="0"/>
+              <a:cs typeface="Calibri" panose="020F0502020204030204" pitchFamily="34" charset="0"/>
+              <a:sym typeface="Iowan Old Style Roman"/>
+            </a:endParaRPr>
           </a:p>
           <a:p>
             <a:pPr lvl="0">
               <a:spcBef>
                 <a:spcPts val="700"/>
               </a:spcBef>
+              <a:buSzPct val="100000"/>
               <a:defRPr sz="1800">
                 <a:solidFill>
                   <a:srgbClr val="000000"/>
@@ -7912,167 +9174,13 @@
                 <a:uFillTx/>
               </a:defRPr>
             </a:pPr>
-            <a:r>
-              <a:rPr sz="2700" dirty="0">
-                <a:uFill>
-                  <a:solidFill/>
-                </a:uFill>
-                <a:latin typeface="Arial Unicode MS" panose="020B0604020202020204" pitchFamily="34" charset="-128"/>
-                <a:ea typeface="Arial Unicode MS" panose="020B0604020202020204" pitchFamily="34" charset="-128"/>
-                <a:cs typeface="Arial Unicode MS" panose="020B0604020202020204" pitchFamily="34" charset="-128"/>
-                <a:sym typeface="Iowan Old Style Roman"/>
-              </a:rPr>
-              <a:t>FROM</a:t>
-            </a:r>
-            <a:r>
-              <a:rPr lang="en-US" sz="2700" dirty="0">
-                <a:uFill>
-                  <a:solidFill/>
-                </a:uFill>
-                <a:latin typeface="Arial Unicode MS" panose="020B0604020202020204" pitchFamily="34" charset="-128"/>
-                <a:ea typeface="Arial Unicode MS" panose="020B0604020202020204" pitchFamily="34" charset="-128"/>
-                <a:cs typeface="Arial Unicode MS" panose="020B0604020202020204" pitchFamily="34" charset="-128"/>
-                <a:sym typeface="Iowan Old Style Roman"/>
-              </a:rPr>
-              <a:t>	</a:t>
-            </a:r>
-            <a:r>
-              <a:rPr lang="en-US" sz="2800" i="1" dirty="0" err="1">
-                <a:uFill>
-                  <a:solidFill/>
-                </a:uFill>
-                <a:latin typeface="Arial Unicode MS" panose="020B0604020202020204" pitchFamily="34" charset="-128"/>
-                <a:ea typeface="Arial Unicode MS" panose="020B0604020202020204" pitchFamily="34" charset="-128"/>
-                <a:cs typeface="Arial Unicode MS" panose="020B0604020202020204" pitchFamily="34" charset="-128"/>
-                <a:sym typeface="Iowan Old Style Roman"/>
-              </a:rPr>
-              <a:t>TableName</a:t>
-            </a:r>
-            <a:endParaRPr lang="en-US" sz="2800" i="1" dirty="0">
-              <a:solidFill>
-                <a:schemeClr val="bg1">
-                  <a:lumMod val="85000"/>
-                </a:schemeClr>
-              </a:solidFill>
+            <a:endParaRPr sz="2000" dirty="0">
               <a:uFill>
                 <a:solidFill/>
               </a:uFill>
-              <a:latin typeface="Arial Unicode MS" panose="020B0604020202020204" pitchFamily="34" charset="-128"/>
-              <a:ea typeface="Arial Unicode MS" panose="020B0604020202020204" pitchFamily="34" charset="-128"/>
-              <a:cs typeface="Arial Unicode MS" panose="020B0604020202020204" pitchFamily="34" charset="-128"/>
-              <a:sym typeface="Iowan Old Style Roman"/>
-            </a:endParaRPr>
-          </a:p>
-          <a:p>
-            <a:pPr lvl="0">
-              <a:spcBef>
-                <a:spcPts val="700"/>
-              </a:spcBef>
-              <a:defRPr sz="1800">
-                <a:solidFill>
-                  <a:srgbClr val="000000"/>
-                </a:solidFill>
-                <a:uFillTx/>
-              </a:defRPr>
-            </a:pPr>
-            <a:endParaRPr sz="2700" dirty="0">
-              <a:uFill>
-                <a:solidFill/>
-              </a:uFill>
-              <a:latin typeface="Arial Unicode MS" panose="020B0604020202020204" pitchFamily="34" charset="-128"/>
-              <a:ea typeface="Arial Unicode MS" panose="020B0604020202020204" pitchFamily="34" charset="-128"/>
-              <a:cs typeface="Arial Unicode MS" panose="020B0604020202020204" pitchFamily="34" charset="-128"/>
-              <a:sym typeface="Iowan Old Style Roman"/>
-            </a:endParaRPr>
-          </a:p>
-        </p:txBody>
-      </p:sp>
-      <p:sp>
-        <p:nvSpPr>
-          <p:cNvPr id="4" name="Shape 27"/>
-          <p:cNvSpPr/>
-          <p:nvPr/>
-        </p:nvSpPr>
-        <p:spPr>
-          <a:xfrm>
-            <a:off x="581712" y="1121605"/>
-            <a:ext cx="6926919" cy="1397819"/>
-          </a:xfrm>
-          <a:prstGeom prst="rect">
-            <a:avLst/>
-          </a:prstGeom>
-          <a:ln w="12700">
-            <a:miter lim="400000"/>
-          </a:ln>
-          <a:extLst>
-            <a:ext uri="{C572A759-6A51-4108-AA02-DFA0A04FC94B}">
-              <ma14:wrappingTextBoxFlag xmlns:ma14="http://schemas.microsoft.com/office/mac/drawingml/2011/main" xmlns="" val="1"/>
-            </a:ext>
-          </a:extLst>
-        </p:spPr>
-        <p:txBody>
-          <a:bodyPr wrap="square" lIns="45719" rIns="45719">
-            <a:spAutoFit/>
-          </a:bodyPr>
-          <a:lstStyle/>
-          <a:p>
-            <a:pPr lvl="0">
-              <a:spcBef>
-                <a:spcPts val="700"/>
-              </a:spcBef>
-              <a:defRPr sz="1800">
-                <a:solidFill>
-                  <a:srgbClr val="000000"/>
-                </a:solidFill>
-                <a:uFillTx/>
-              </a:defRPr>
-            </a:pPr>
-            <a:r>
-              <a:rPr lang="en-US" sz="2600" dirty="0">
-                <a:uFill>
-                  <a:solidFill/>
-                </a:uFill>
-                <a:latin typeface="Arial Unicode MS" panose="020B0604020202020204" pitchFamily="34" charset="-128"/>
-                <a:ea typeface="Arial Unicode MS" panose="020B0604020202020204" pitchFamily="34" charset="-128"/>
-                <a:cs typeface="Arial Unicode MS" panose="020B0604020202020204" pitchFamily="34" charset="-128"/>
-                <a:sym typeface="Iowan Old Style Roman"/>
-              </a:rPr>
-              <a:t>Sometimes we want to rename a column to have a more descriptive name in the results.</a:t>
-            </a:r>
-            <a:endParaRPr lang="en-US" sz="2800" i="1" dirty="0">
-              <a:solidFill>
-                <a:schemeClr val="bg1">
-                  <a:lumMod val="85000"/>
-                </a:schemeClr>
-              </a:solidFill>
-              <a:uFill>
-                <a:solidFill/>
-              </a:uFill>
-              <a:latin typeface="Arial Unicode MS" panose="020B0604020202020204" pitchFamily="34" charset="-128"/>
-              <a:ea typeface="Arial Unicode MS" panose="020B0604020202020204" pitchFamily="34" charset="-128"/>
-              <a:cs typeface="Arial Unicode MS" panose="020B0604020202020204" pitchFamily="34" charset="-128"/>
-              <a:sym typeface="Iowan Old Style Roman"/>
-            </a:endParaRPr>
-          </a:p>
-          <a:p>
-            <a:pPr lvl="0">
-              <a:spcBef>
-                <a:spcPts val="700"/>
-              </a:spcBef>
-              <a:defRPr sz="1800">
-                <a:solidFill>
-                  <a:srgbClr val="000000"/>
-                </a:solidFill>
-                <a:uFillTx/>
-              </a:defRPr>
-            </a:pPr>
-            <a:endParaRPr sz="2700" dirty="0">
-              <a:uFill>
-                <a:solidFill/>
-              </a:uFill>
-              <a:latin typeface="Arial Unicode MS" panose="020B0604020202020204" pitchFamily="34" charset="-128"/>
-              <a:ea typeface="Arial Unicode MS" panose="020B0604020202020204" pitchFamily="34" charset="-128"/>
-              <a:cs typeface="Arial Unicode MS" panose="020B0604020202020204" pitchFamily="34" charset="-128"/>
+              <a:latin typeface="Calibri" panose="020F0502020204030204" pitchFamily="34" charset="0"/>
+              <a:ea typeface="Calibri" panose="020F0502020204030204" pitchFamily="34" charset="0"/>
+              <a:cs typeface="Calibri" panose="020F0502020204030204" pitchFamily="34" charset="0"/>
               <a:sym typeface="Iowan Old Style Roman"/>
             </a:endParaRPr>
           </a:p>
@@ -8081,7 +9189,7 @@
     </p:spTree>
     <p:extLst>
       <p:ext uri="{BB962C8B-B14F-4D97-AF65-F5344CB8AC3E}">
-        <p14:creationId xmlns:p14="http://schemas.microsoft.com/office/powerpoint/2010/main" val="618509849"/>
+        <p14:creationId xmlns:p14="http://schemas.microsoft.com/office/powerpoint/2010/main" val="2142981520"/>
       </p:ext>
     </p:extLst>
   </p:cSld>
@@ -8111,7 +9219,7 @@
       </p:grpSpPr>
       <p:sp>
         <p:nvSpPr>
-          <p:cNvPr id="44" name="Shape 44"/>
+          <p:cNvPr id="26" name="Shape 26"/>
           <p:cNvSpPr/>
           <p:nvPr/>
         </p:nvSpPr>
@@ -8128,7 +9236,7 @@
           </a:ln>
           <a:extLst>
             <a:ext uri="{C572A759-6A51-4108-AA02-DFA0A04FC94B}">
-              <ma14:wrappingTextBoxFlag xmlns:ma14="http://schemas.microsoft.com/office/mac/drawingml/2011/main" xmlns="" val="1"/>
+              <ma14:wrappingTextBoxFlag xmlns="" xmlns:ma14="http://schemas.microsoft.com/office/mac/drawingml/2011/main" val="1"/>
             </a:ext>
           </a:extLst>
         </p:spPr>
@@ -8163,23 +9271,23 @@
                     <a:srgbClr val="FFFFFF"/>
                   </a:solidFill>
                 </a:uFill>
-                <a:latin typeface="Arial Unicode MS" panose="020B0604020202020204" pitchFamily="34" charset="-128"/>
-              </a:rPr>
-              <a:t>Practice queries</a:t>
-            </a:r>
-          </a:p>
-        </p:txBody>
-      </p:sp>
-      <p:sp>
-        <p:nvSpPr>
-          <p:cNvPr id="45" name="Shape 45"/>
+                <a:latin typeface="Calibri" panose="020F0502020204030204" pitchFamily="34" charset="0"/>
+              </a:rPr>
+              <a:t>The SELECT statement</a:t>
+            </a:r>
+          </a:p>
+        </p:txBody>
+      </p:sp>
+      <p:sp>
+        <p:nvSpPr>
+          <p:cNvPr id="27" name="Shape 27"/>
           <p:cNvSpPr/>
           <p:nvPr/>
         </p:nvSpPr>
         <p:spPr>
           <a:xfrm>
-            <a:off x="179798" y="1324179"/>
-            <a:ext cx="8794678" cy="4106252"/>
+            <a:off x="1662812" y="2937840"/>
+            <a:ext cx="5616762" cy="507831"/>
           </a:xfrm>
           <a:prstGeom prst="rect">
             <a:avLst/>
@@ -8189,7 +9297,7 @@
           </a:ln>
           <a:extLst>
             <a:ext uri="{C572A759-6A51-4108-AA02-DFA0A04FC94B}">
-              <ma14:wrappingTextBoxFlag xmlns:ma14="http://schemas.microsoft.com/office/mac/drawingml/2011/main" xmlns="" val="1"/>
+              <ma14:wrappingTextBoxFlag xmlns="" xmlns:ma14="http://schemas.microsoft.com/office/mac/drawingml/2011/main" val="1"/>
             </a:ext>
           </a:extLst>
         </p:spPr>
@@ -8203,7 +9311,6 @@
               <a:spcBef>
                 <a:spcPts val="700"/>
               </a:spcBef>
-              <a:buSzPct val="100000"/>
               <a:defRPr sz="1800">
                 <a:solidFill>
                   <a:srgbClr val="000000"/>
@@ -8211,74 +9318,107 @@
                 <a:uFillTx/>
               </a:defRPr>
             </a:pPr>
-            <a:r>
-              <a:rPr lang="en-US" sz="2000" dirty="0">
-                <a:uFill>
-                  <a:solidFill/>
-                </a:uFill>
-                <a:latin typeface="Arial Unicode MS" panose="020B0604020202020204" pitchFamily="34" charset="-128"/>
-                <a:ea typeface="Arial Unicode MS" panose="020B0604020202020204" pitchFamily="34" charset="-128"/>
-                <a:cs typeface="Arial Unicode MS" panose="020B0604020202020204" pitchFamily="34" charset="-128"/>
-                <a:sym typeface="Iowan Old Style Roman"/>
-              </a:rPr>
-              <a:t>IMDB Database (“</a:t>
-            </a:r>
-            <a:r>
-              <a:rPr lang="en-US" sz="2000" b="1" dirty="0">
-                <a:uFill>
-                  <a:solidFill/>
-                </a:uFill>
-                <a:latin typeface="Arial Unicode MS" panose="020B0604020202020204" pitchFamily="34" charset="-128"/>
-                <a:ea typeface="Arial Unicode MS" panose="020B0604020202020204" pitchFamily="34" charset="-128"/>
-                <a:cs typeface="Arial Unicode MS" panose="020B0604020202020204" pitchFamily="34" charset="-128"/>
-                <a:sym typeface="Iowan Old Style Roman"/>
-              </a:rPr>
-              <a:t>use </a:t>
-            </a:r>
-            <a:r>
-              <a:rPr lang="en-US" sz="2000" b="1" dirty="0" err="1">
-                <a:uFill>
-                  <a:solidFill/>
-                </a:uFill>
-                <a:latin typeface="Arial Unicode MS" panose="020B0604020202020204" pitchFamily="34" charset="-128"/>
-                <a:ea typeface="Arial Unicode MS" panose="020B0604020202020204" pitchFamily="34" charset="-128"/>
-                <a:cs typeface="Arial Unicode MS" panose="020B0604020202020204" pitchFamily="34" charset="-128"/>
-                <a:sym typeface="Iowan Old Style Roman"/>
-              </a:rPr>
-              <a:t>imdb</a:t>
-            </a:r>
-            <a:r>
-              <a:rPr lang="en-US" sz="2000" b="1" dirty="0">
-                <a:uFill>
-                  <a:solidFill/>
-                </a:uFill>
-                <a:latin typeface="Arial Unicode MS" panose="020B0604020202020204" pitchFamily="34" charset="-128"/>
-                <a:ea typeface="Arial Unicode MS" panose="020B0604020202020204" pitchFamily="34" charset="-128"/>
-                <a:cs typeface="Arial Unicode MS" panose="020B0604020202020204" pitchFamily="34" charset="-128"/>
-                <a:sym typeface="Iowan Old Style Roman"/>
-              </a:rPr>
-              <a:t>;</a:t>
-            </a:r>
-            <a:r>
-              <a:rPr lang="en-US" sz="2000" dirty="0">
-                <a:uFill>
-                  <a:solidFill/>
-                </a:uFill>
-                <a:latin typeface="Arial Unicode MS" panose="020B0604020202020204" pitchFamily="34" charset="-128"/>
-                <a:ea typeface="Arial Unicode MS" panose="020B0604020202020204" pitchFamily="34" charset="-128"/>
-                <a:cs typeface="Arial Unicode MS" panose="020B0604020202020204" pitchFamily="34" charset="-128"/>
-                <a:sym typeface="Iowan Old Style Roman"/>
-              </a:rPr>
-              <a:t>”)</a:t>
-            </a:r>
-          </a:p>
-          <a:p>
-            <a:pPr marL="267368" lvl="0" indent="-267368">
+            <a:endParaRPr lang="en-US" sz="2700" dirty="0">
+              <a:uFill>
+                <a:solidFill/>
+              </a:uFill>
+              <a:latin typeface="Consolas" panose="020B0609020204030204" pitchFamily="49" charset="0"/>
+              <a:ea typeface="Calibri" panose="020F0502020204030204" pitchFamily="34" charset="0"/>
+              <a:cs typeface="Calibri" panose="020F0502020204030204" pitchFamily="34" charset="0"/>
+              <a:sym typeface="Iowan Old Style Roman"/>
+            </a:endParaRPr>
+          </a:p>
+        </p:txBody>
+      </p:sp>
+      <p:sp>
+        <p:nvSpPr>
+          <p:cNvPr id="3" name="TextBox 2">
+            <a:extLst>
+              <a:ext uri="{FF2B5EF4-FFF2-40B4-BE49-F238E27FC236}">
+                <a16:creationId xmlns:a16="http://schemas.microsoft.com/office/drawing/2014/main" id="{9BB3F413-76FC-FA40-164C-D974CC0C4351}"/>
+              </a:ext>
+            </a:extLst>
+          </p:cNvPr>
+          <p:cNvSpPr txBox="1"/>
+          <p:nvPr/>
+        </p:nvSpPr>
+        <p:spPr>
+          <a:xfrm>
+            <a:off x="386308" y="1180996"/>
+            <a:ext cx="8258928" cy="923330"/>
+          </a:xfrm>
+          <a:prstGeom prst="rect">
+            <a:avLst/>
+          </a:prstGeom>
+          <a:noFill/>
+        </p:spPr>
+        <p:txBody>
+          <a:bodyPr wrap="square">
+            <a:spAutoFit/>
+          </a:bodyPr>
+          <a:lstStyle/>
+          <a:p>
+            <a:r>
+              <a:rPr lang="en-US" dirty="0"/>
+              <a:t>Good pattern: explicitly listing columns.</a:t>
+            </a:r>
+          </a:p>
+          <a:p>
+            <a:endParaRPr lang="en-US" dirty="0"/>
+          </a:p>
+          <a:p>
+            <a:r>
+              <a:rPr lang="en-US" i="1" dirty="0"/>
+              <a:t>In general, we do not use “SELECT *” for anything beyond “quick and dirty” queries</a:t>
+            </a:r>
+          </a:p>
+        </p:txBody>
+      </p:sp>
+      <p:sp>
+        <p:nvSpPr>
+          <p:cNvPr id="6" name="Rectangle 5">
+            <a:extLst>
+              <a:ext uri="{FF2B5EF4-FFF2-40B4-BE49-F238E27FC236}">
+                <a16:creationId xmlns:a16="http://schemas.microsoft.com/office/drawing/2014/main" id="{98B5D7CA-DF62-1E76-A3A0-7268BA70AD65}"/>
+              </a:ext>
+            </a:extLst>
+          </p:cNvPr>
+          <p:cNvSpPr/>
+          <p:nvPr/>
+        </p:nvSpPr>
+        <p:spPr>
+          <a:xfrm>
+            <a:off x="685800" y="2331720"/>
+            <a:ext cx="7772400" cy="2194560"/>
+          </a:xfrm>
+          <a:prstGeom prst="rect">
+            <a:avLst/>
+          </a:prstGeom>
+          <a:solidFill>
+            <a:srgbClr val="F9F9F9"/>
+          </a:solidFill>
+          <a:ln w="9525" cap="flat" cmpd="sng" algn="ctr">
+            <a:solidFill>
+              <a:srgbClr val="DCDCDC"/>
+            </a:solidFill>
+            <a:prstDash val="solid"/>
+          </a:ln>
+          <a:effectLst>
+            <a:outerShdw blurRad="40000" dist="23000" dir="5400000" rotWithShape="0">
+              <a:srgbClr val="000000">
+                <a:alpha val="35000"/>
+              </a:srgbClr>
+            </a:outerShdw>
+          </a:effectLst>
+        </p:spPr>
+        <p:txBody>
+          <a:bodyPr wrap="square" rtlCol="0" anchor="ctr"/>
+          <a:lstStyle/>
+          <a:p>
+            <a:pPr lvl="0">
               <a:spcBef>
                 <a:spcPts val="700"/>
               </a:spcBef>
-              <a:buSzPct val="100000"/>
-              <a:buAutoNum type="arabicPeriod"/>
               <a:defRPr sz="1800">
                 <a:solidFill>
                   <a:srgbClr val="000000"/>
@@ -8286,23 +9426,36 @@
                 <a:uFillTx/>
               </a:defRPr>
             </a:pPr>
-            <a:endParaRPr lang="en-US" sz="2000" dirty="0">
-              <a:uFill>
-                <a:solidFill/>
-              </a:uFill>
-              <a:latin typeface="Arial Unicode MS" panose="020B0604020202020204" pitchFamily="34" charset="-128"/>
-              <a:ea typeface="Arial Unicode MS" panose="020B0604020202020204" pitchFamily="34" charset="-128"/>
-              <a:cs typeface="Arial Unicode MS" panose="020B0604020202020204" pitchFamily="34" charset="-128"/>
-              <a:sym typeface="Iowan Old Style Roman"/>
-            </a:endParaRPr>
-          </a:p>
-          <a:p>
-            <a:pPr marL="267368" lvl="0" indent="-267368">
+            <a:r>
+              <a:rPr lang="en-US" sz="2400" b="1" dirty="0">
+                <a:uFill>
+                  <a:solidFill/>
+                </a:uFill>
+                <a:latin typeface="Consolas" panose="020B0609020204030204" pitchFamily="49" charset="0"/>
+                <a:ea typeface="Calibri" panose="020F0502020204030204" pitchFamily="34" charset="0"/>
+                <a:cs typeface="Calibri" panose="020F0502020204030204" pitchFamily="34" charset="0"/>
+                <a:sym typeface="Iowan Old Style Roman"/>
+              </a:rPr>
+              <a:t>SELECT</a:t>
+            </a:r>
+            <a:r>
+              <a:rPr lang="en-US" sz="2400" dirty="0">
+                <a:uFill>
+                  <a:solidFill/>
+                </a:uFill>
+                <a:latin typeface="Consolas" panose="020B0609020204030204" pitchFamily="49" charset="0"/>
+                <a:ea typeface="Calibri" panose="020F0502020204030204" pitchFamily="34" charset="0"/>
+                <a:cs typeface="Calibri" panose="020F0502020204030204" pitchFamily="34" charset="0"/>
+                <a:sym typeface="Iowan Old Style Roman"/>
+              </a:rPr>
+              <a:t> column1, column2, ...</a:t>
+            </a:r>
+          </a:p>
+          <a:p>
+            <a:pPr lvl="0">
               <a:spcBef>
                 <a:spcPts val="700"/>
               </a:spcBef>
-              <a:buSzPct val="100000"/>
-              <a:buAutoNum type="arabicPeriod"/>
               <a:defRPr sz="1800">
                 <a:solidFill>
                   <a:srgbClr val="000000"/>
@@ -8311,386 +9464,60 @@
               </a:defRPr>
             </a:pPr>
             <a:r>
-              <a:rPr lang="en-US" sz="2000" dirty="0">
-                <a:uFill>
-                  <a:solidFill/>
-                </a:uFill>
-                <a:latin typeface="Arial Unicode MS" panose="020B0604020202020204" pitchFamily="34" charset="-128"/>
-                <a:ea typeface="Arial Unicode MS" panose="020B0604020202020204" pitchFamily="34" charset="-128"/>
-                <a:cs typeface="Arial Unicode MS" panose="020B0604020202020204" pitchFamily="34" charset="-128"/>
-                <a:sym typeface="Iowan Old Style Roman"/>
-              </a:rPr>
-              <a:t>Return id,</a:t>
-            </a:r>
-            <a:r>
-              <a:rPr sz="2000" dirty="0">
-                <a:uFill>
-                  <a:solidFill/>
-                </a:uFill>
-                <a:latin typeface="Arial Unicode MS" panose="020B0604020202020204" pitchFamily="34" charset="-128"/>
-                <a:ea typeface="Arial Unicode MS" panose="020B0604020202020204" pitchFamily="34" charset="-128"/>
-                <a:cs typeface="Arial Unicode MS" panose="020B0604020202020204" pitchFamily="34" charset="-128"/>
+              <a:rPr lang="en-US" sz="2400" b="1" dirty="0">
+                <a:uFill>
+                  <a:solidFill/>
+                </a:uFill>
+                <a:latin typeface="Consolas" panose="020B0609020204030204" pitchFamily="49" charset="0"/>
+                <a:ea typeface="Calibri" panose="020F0502020204030204" pitchFamily="34" charset="0"/>
+                <a:cs typeface="Calibri" panose="020F0502020204030204" pitchFamily="34" charset="0"/>
+                <a:sym typeface="Iowan Old Style Roman"/>
+              </a:rPr>
+              <a:t>FROM</a:t>
+            </a:r>
+            <a:r>
+              <a:rPr lang="en-US" sz="2400" dirty="0">
+                <a:uFill>
+                  <a:solidFill/>
+                </a:uFill>
+                <a:latin typeface="Consolas" panose="020B0609020204030204" pitchFamily="49" charset="0"/>
+                <a:ea typeface="Calibri" panose="020F0502020204030204" pitchFamily="34" charset="0"/>
+                <a:cs typeface="Calibri" panose="020F0502020204030204" pitchFamily="34" charset="0"/>
                 <a:sym typeface="Iowan Old Style Roman"/>
               </a:rPr>
               <a:t> </a:t>
             </a:r>
             <a:r>
-              <a:rPr lang="en-US" sz="2000" dirty="0">
-                <a:uFill>
-                  <a:solidFill/>
-                </a:uFill>
-                <a:latin typeface="Arial Unicode MS" panose="020B0604020202020204" pitchFamily="34" charset="-128"/>
-                <a:ea typeface="Arial Unicode MS" panose="020B0604020202020204" pitchFamily="34" charset="-128"/>
-                <a:cs typeface="Arial Unicode MS" panose="020B0604020202020204" pitchFamily="34" charset="-128"/>
-                <a:sym typeface="Iowan Old Style Roman"/>
-              </a:rPr>
-              <a:t>first, and last names of actors. </a:t>
-            </a:r>
-            <a:br>
-              <a:rPr lang="en-US" sz="2000" dirty="0">
-                <a:uFill>
-                  <a:solidFill/>
-                </a:uFill>
-                <a:latin typeface="Arial Unicode MS" panose="020B0604020202020204" pitchFamily="34" charset="-128"/>
-                <a:ea typeface="Arial Unicode MS" panose="020B0604020202020204" pitchFamily="34" charset="-128"/>
-                <a:cs typeface="Arial Unicode MS" panose="020B0604020202020204" pitchFamily="34" charset="-128"/>
-                <a:sym typeface="Iowan Old Style Roman"/>
-              </a:rPr>
-            </a:br>
-            <a:r>
-              <a:rPr lang="en-US" sz="2000" dirty="0">
-                <a:uFill>
-                  <a:solidFill/>
-                </a:uFill>
-                <a:latin typeface="Arial Unicode MS" panose="020B0604020202020204" pitchFamily="34" charset="-128"/>
-                <a:ea typeface="Arial Unicode MS" panose="020B0604020202020204" pitchFamily="34" charset="-128"/>
-                <a:cs typeface="Arial Unicode MS" panose="020B0604020202020204" pitchFamily="34" charset="-128"/>
-                <a:sym typeface="Iowan Old Style Roman"/>
-              </a:rPr>
-              <a:t>Rename id to “</a:t>
-            </a:r>
-            <a:r>
-              <a:rPr lang="en-US" sz="2000" dirty="0" err="1">
-                <a:uFill>
-                  <a:solidFill/>
-                </a:uFill>
-                <a:latin typeface="Arial Unicode MS" panose="020B0604020202020204" pitchFamily="34" charset="-128"/>
-                <a:ea typeface="Arial Unicode MS" panose="020B0604020202020204" pitchFamily="34" charset="-128"/>
-                <a:cs typeface="Arial Unicode MS" panose="020B0604020202020204" pitchFamily="34" charset="-128"/>
-                <a:sym typeface="Iowan Old Style Roman"/>
-              </a:rPr>
-              <a:t>actor_id</a:t>
-            </a:r>
-            <a:r>
-              <a:rPr lang="en-US" sz="2000" dirty="0">
-                <a:uFill>
-                  <a:solidFill/>
-                </a:uFill>
-                <a:latin typeface="Arial Unicode MS" panose="020B0604020202020204" pitchFamily="34" charset="-128"/>
-                <a:ea typeface="Arial Unicode MS" panose="020B0604020202020204" pitchFamily="34" charset="-128"/>
-                <a:cs typeface="Arial Unicode MS" panose="020B0604020202020204" pitchFamily="34" charset="-128"/>
-                <a:sym typeface="Iowan Old Style Roman"/>
-              </a:rPr>
-              <a:t>”</a:t>
-            </a:r>
-          </a:p>
-          <a:p>
-            <a:pPr marL="267368" lvl="0" indent="-267368">
-              <a:spcBef>
-                <a:spcPts val="700"/>
-              </a:spcBef>
-              <a:buSzPct val="100000"/>
-              <a:buAutoNum type="arabicPeriod"/>
-              <a:defRPr sz="1800">
-                <a:solidFill>
-                  <a:srgbClr val="000000"/>
-                </a:solidFill>
-                <a:uFillTx/>
-              </a:defRPr>
-            </a:pPr>
-            <a:r>
-              <a:rPr lang="en-US" sz="2000" dirty="0">
-                <a:uFill>
-                  <a:solidFill/>
-                </a:uFill>
-                <a:latin typeface="Arial Unicode MS" panose="020B0604020202020204" pitchFamily="34" charset="-128"/>
-                <a:ea typeface="Arial Unicode MS" panose="020B0604020202020204" pitchFamily="34" charset="-128"/>
-                <a:cs typeface="Arial Unicode MS" panose="020B0604020202020204" pitchFamily="34" charset="-128"/>
-                <a:sym typeface="Iowan Old Style Roman"/>
-              </a:rPr>
-              <a:t>Return name, year, and rating for each movie. </a:t>
-            </a:r>
-            <a:br>
-              <a:rPr lang="en-US" sz="2000" dirty="0">
-                <a:uFill>
-                  <a:solidFill/>
-                </a:uFill>
-                <a:latin typeface="Arial Unicode MS" panose="020B0604020202020204" pitchFamily="34" charset="-128"/>
-                <a:ea typeface="Arial Unicode MS" panose="020B0604020202020204" pitchFamily="34" charset="-128"/>
-                <a:cs typeface="Arial Unicode MS" panose="020B0604020202020204" pitchFamily="34" charset="-128"/>
-                <a:sym typeface="Iowan Old Style Roman"/>
-              </a:rPr>
-            </a:br>
-            <a:r>
-              <a:rPr lang="en-US" sz="2000" dirty="0">
-                <a:uFill>
-                  <a:solidFill/>
-                </a:uFill>
-                <a:latin typeface="Arial Unicode MS" panose="020B0604020202020204" pitchFamily="34" charset="-128"/>
-                <a:ea typeface="Arial Unicode MS" panose="020B0604020202020204" pitchFamily="34" charset="-128"/>
-                <a:cs typeface="Arial Unicode MS" panose="020B0604020202020204" pitchFamily="34" charset="-128"/>
-                <a:sym typeface="Iowan Old Style Roman"/>
-              </a:rPr>
-              <a:t>Rename name to “</a:t>
-            </a:r>
-            <a:r>
-              <a:rPr lang="en-US" sz="2000" dirty="0" err="1">
-                <a:uFill>
-                  <a:solidFill/>
-                </a:uFill>
-                <a:latin typeface="Arial Unicode MS" panose="020B0604020202020204" pitchFamily="34" charset="-128"/>
-                <a:ea typeface="Arial Unicode MS" panose="020B0604020202020204" pitchFamily="34" charset="-128"/>
-                <a:cs typeface="Arial Unicode MS" panose="020B0604020202020204" pitchFamily="34" charset="-128"/>
-                <a:sym typeface="Iowan Old Style Roman"/>
-              </a:rPr>
-              <a:t>movie_title</a:t>
-            </a:r>
-            <a:r>
-              <a:rPr lang="en-US" sz="2000" dirty="0">
-                <a:uFill>
-                  <a:solidFill/>
-                </a:uFill>
-                <a:latin typeface="Arial Unicode MS" panose="020B0604020202020204" pitchFamily="34" charset="-128"/>
-                <a:ea typeface="Arial Unicode MS" panose="020B0604020202020204" pitchFamily="34" charset="-128"/>
-                <a:cs typeface="Arial Unicode MS" panose="020B0604020202020204" pitchFamily="34" charset="-128"/>
-                <a:sym typeface="Iowan Old Style Roman"/>
-              </a:rPr>
-              <a:t>”, and year to “</a:t>
-            </a:r>
-            <a:r>
-              <a:rPr lang="en-US" sz="2000" dirty="0" err="1">
-                <a:uFill>
-                  <a:solidFill/>
-                </a:uFill>
-                <a:latin typeface="Arial Unicode MS" panose="020B0604020202020204" pitchFamily="34" charset="-128"/>
-                <a:ea typeface="Arial Unicode MS" panose="020B0604020202020204" pitchFamily="34" charset="-128"/>
-                <a:cs typeface="Arial Unicode MS" panose="020B0604020202020204" pitchFamily="34" charset="-128"/>
-                <a:sym typeface="Iowan Old Style Roman"/>
-              </a:rPr>
-              <a:t>release_year</a:t>
-            </a:r>
-            <a:r>
-              <a:rPr lang="en-US" sz="2000" dirty="0">
-                <a:uFill>
-                  <a:solidFill/>
-                </a:uFill>
-                <a:latin typeface="Arial Unicode MS" panose="020B0604020202020204" pitchFamily="34" charset="-128"/>
-                <a:ea typeface="Arial Unicode MS" panose="020B0604020202020204" pitchFamily="34" charset="-128"/>
-                <a:cs typeface="Arial Unicode MS" panose="020B0604020202020204" pitchFamily="34" charset="-128"/>
-                <a:sym typeface="Iowan Old Style Roman"/>
-              </a:rPr>
-              <a:t>.</a:t>
-            </a:r>
-          </a:p>
-          <a:p>
-            <a:pPr marL="267368" lvl="0" indent="-267368">
-              <a:spcBef>
-                <a:spcPts val="700"/>
-              </a:spcBef>
-              <a:buSzPct val="100000"/>
-              <a:buAutoNum type="arabicPeriod"/>
-              <a:defRPr sz="1800">
-                <a:solidFill>
-                  <a:srgbClr val="000000"/>
-                </a:solidFill>
-                <a:uFillTx/>
-              </a:defRPr>
-            </a:pPr>
-            <a:endParaRPr lang="en-US" sz="2000" dirty="0">
-              <a:uFill>
-                <a:solidFill/>
-              </a:uFill>
-              <a:latin typeface="Arial Unicode MS" panose="020B0604020202020204" pitchFamily="34" charset="-128"/>
-              <a:ea typeface="Arial Unicode MS" panose="020B0604020202020204" pitchFamily="34" charset="-128"/>
-              <a:cs typeface="Arial Unicode MS" panose="020B0604020202020204" pitchFamily="34" charset="-128"/>
-              <a:sym typeface="Iowan Old Style Roman"/>
-            </a:endParaRPr>
-          </a:p>
-          <a:p>
-            <a:pPr>
-              <a:spcBef>
-                <a:spcPts val="700"/>
-              </a:spcBef>
-              <a:buSzPct val="100000"/>
-              <a:defRPr sz="1800">
-                <a:solidFill>
-                  <a:srgbClr val="000000"/>
-                </a:solidFill>
-                <a:uFillTx/>
-              </a:defRPr>
-            </a:pPr>
-            <a:r>
-              <a:rPr lang="en-US" sz="2000" dirty="0">
-                <a:uFill>
-                  <a:solidFill/>
-                </a:uFill>
-                <a:latin typeface="Arial Unicode MS" panose="020B0604020202020204" pitchFamily="34" charset="-128"/>
-                <a:ea typeface="Arial Unicode MS" panose="020B0604020202020204" pitchFamily="34" charset="-128"/>
-                <a:cs typeface="Arial Unicode MS" panose="020B0604020202020204" pitchFamily="34" charset="-128"/>
-                <a:sym typeface="Iowan Old Style Roman"/>
-              </a:rPr>
-              <a:t>Facebook Database (“</a:t>
-            </a:r>
-            <a:r>
-              <a:rPr lang="en-US" sz="2000" b="1" dirty="0">
-                <a:uFill>
-                  <a:solidFill/>
-                </a:uFill>
-                <a:latin typeface="Arial Unicode MS" panose="020B0604020202020204" pitchFamily="34" charset="-128"/>
-                <a:ea typeface="Arial Unicode MS" panose="020B0604020202020204" pitchFamily="34" charset="-128"/>
-                <a:cs typeface="Arial Unicode MS" panose="020B0604020202020204" pitchFamily="34" charset="-128"/>
-                <a:sym typeface="Iowan Old Style Roman"/>
-              </a:rPr>
-              <a:t>use </a:t>
-            </a:r>
-            <a:r>
-              <a:rPr lang="en-US" sz="2000" b="1" dirty="0" err="1">
-                <a:uFill>
-                  <a:solidFill/>
-                </a:uFill>
-                <a:latin typeface="Arial Unicode MS" panose="020B0604020202020204" pitchFamily="34" charset="-128"/>
-                <a:ea typeface="Arial Unicode MS" panose="020B0604020202020204" pitchFamily="34" charset="-128"/>
-                <a:cs typeface="Arial Unicode MS" panose="020B0604020202020204" pitchFamily="34" charset="-128"/>
-                <a:sym typeface="Iowan Old Style Roman"/>
-              </a:rPr>
-              <a:t>facebook</a:t>
-            </a:r>
-            <a:r>
-              <a:rPr lang="en-US" sz="2000" b="1" dirty="0">
-                <a:uFill>
-                  <a:solidFill/>
-                </a:uFill>
-                <a:latin typeface="Arial Unicode MS" panose="020B0604020202020204" pitchFamily="34" charset="-128"/>
-                <a:ea typeface="Arial Unicode MS" panose="020B0604020202020204" pitchFamily="34" charset="-128"/>
-                <a:cs typeface="Arial Unicode MS" panose="020B0604020202020204" pitchFamily="34" charset="-128"/>
+              <a:rPr lang="en-US" sz="2400" dirty="0" err="1">
+                <a:uFill>
+                  <a:solidFill/>
+                </a:uFill>
+                <a:latin typeface="Consolas" panose="020B0609020204030204" pitchFamily="49" charset="0"/>
+                <a:ea typeface="Calibri" panose="020F0502020204030204" pitchFamily="34" charset="0"/>
+                <a:cs typeface="Calibri" panose="020F0502020204030204" pitchFamily="34" charset="0"/>
+                <a:sym typeface="Iowan Old Style Roman"/>
+              </a:rPr>
+              <a:t>table_name</a:t>
+            </a:r>
+            <a:r>
+              <a:rPr lang="en-US" sz="2400" dirty="0">
+                <a:uFill>
+                  <a:solidFill/>
+                </a:uFill>
+                <a:latin typeface="Consolas" panose="020B0609020204030204" pitchFamily="49" charset="0"/>
+                <a:ea typeface="Calibri" panose="020F0502020204030204" pitchFamily="34" charset="0"/>
+                <a:cs typeface="Calibri" panose="020F0502020204030204" pitchFamily="34" charset="0"/>
                 <a:sym typeface="Iowan Old Style Roman"/>
               </a:rPr>
               <a:t>;</a:t>
             </a:r>
-            <a:r>
-              <a:rPr lang="en-US" sz="2000" dirty="0">
-                <a:uFill>
-                  <a:solidFill/>
-                </a:uFill>
-                <a:latin typeface="Arial Unicode MS" panose="020B0604020202020204" pitchFamily="34" charset="-128"/>
-                <a:ea typeface="Arial Unicode MS" panose="020B0604020202020204" pitchFamily="34" charset="-128"/>
-                <a:cs typeface="Arial Unicode MS" panose="020B0604020202020204" pitchFamily="34" charset="-128"/>
-                <a:sym typeface="Iowan Old Style Roman"/>
-              </a:rPr>
-              <a:t>”)</a:t>
-            </a:r>
-          </a:p>
-          <a:p>
-            <a:pPr>
-              <a:spcBef>
-                <a:spcPts val="700"/>
-              </a:spcBef>
-              <a:buSzPct val="100000"/>
-              <a:defRPr sz="1800">
-                <a:solidFill>
-                  <a:srgbClr val="000000"/>
-                </a:solidFill>
-                <a:uFillTx/>
-              </a:defRPr>
-            </a:pPr>
-            <a:endParaRPr lang="en-US" sz="2000" dirty="0">
-              <a:uFill>
-                <a:solidFill/>
-              </a:uFill>
-              <a:latin typeface="Arial Unicode MS" panose="020B0604020202020204" pitchFamily="34" charset="-128"/>
-              <a:ea typeface="Arial Unicode MS" panose="020B0604020202020204" pitchFamily="34" charset="-128"/>
-              <a:cs typeface="Arial Unicode MS" panose="020B0604020202020204" pitchFamily="34" charset="-128"/>
-              <a:sym typeface="Iowan Old Style Roman"/>
-            </a:endParaRPr>
-          </a:p>
-          <a:p>
-            <a:pPr marL="457200" indent="-457200">
-              <a:spcBef>
-                <a:spcPts val="700"/>
-              </a:spcBef>
-              <a:buSzPct val="100000"/>
-              <a:buFont typeface="+mj-lt"/>
-              <a:buAutoNum type="arabicPeriod"/>
-              <a:defRPr sz="1800">
-                <a:solidFill>
-                  <a:srgbClr val="000000"/>
-                </a:solidFill>
-                <a:uFillTx/>
-              </a:defRPr>
-            </a:pPr>
-            <a:r>
-              <a:rPr lang="en-US" sz="2000" dirty="0">
-                <a:uFill>
-                  <a:solidFill/>
-                </a:uFill>
-                <a:latin typeface="Arial Unicode MS" panose="020B0604020202020204" pitchFamily="34" charset="-128"/>
-                <a:ea typeface="Arial Unicode MS" panose="020B0604020202020204" pitchFamily="34" charset="-128"/>
-                <a:cs typeface="Arial Unicode MS" panose="020B0604020202020204" pitchFamily="34" charset="-128"/>
-                <a:sym typeface="Iowan Old Style Roman"/>
-              </a:rPr>
-              <a:t>Return Sex and Status of all students. </a:t>
-            </a:r>
-            <a:br>
-              <a:rPr lang="en-US" sz="2000" dirty="0">
-                <a:uFill>
-                  <a:solidFill/>
-                </a:uFill>
-                <a:latin typeface="Arial Unicode MS" panose="020B0604020202020204" pitchFamily="34" charset="-128"/>
-                <a:ea typeface="Arial Unicode MS" panose="020B0604020202020204" pitchFamily="34" charset="-128"/>
-                <a:cs typeface="Arial Unicode MS" panose="020B0604020202020204" pitchFamily="34" charset="-128"/>
-                <a:sym typeface="Iowan Old Style Roman"/>
-              </a:rPr>
-            </a:br>
-            <a:r>
-              <a:rPr lang="en-US" sz="2000" dirty="0">
-                <a:uFill>
-                  <a:solidFill/>
-                </a:uFill>
-                <a:latin typeface="Arial Unicode MS" panose="020B0604020202020204" pitchFamily="34" charset="-128"/>
-                <a:ea typeface="Arial Unicode MS" panose="020B0604020202020204" pitchFamily="34" charset="-128"/>
-                <a:cs typeface="Arial Unicode MS" panose="020B0604020202020204" pitchFamily="34" charset="-128"/>
-                <a:sym typeface="Iowan Old Style Roman"/>
-              </a:rPr>
-              <a:t>Rename Sex to Gender and Status to </a:t>
-            </a:r>
-            <a:r>
-              <a:rPr lang="en-US" sz="2000" dirty="0" err="1">
-                <a:uFill>
-                  <a:solidFill/>
-                </a:uFill>
-                <a:latin typeface="Arial Unicode MS" panose="020B0604020202020204" pitchFamily="34" charset="-128"/>
-                <a:ea typeface="Arial Unicode MS" panose="020B0604020202020204" pitchFamily="34" charset="-128"/>
-                <a:cs typeface="Arial Unicode MS" panose="020B0604020202020204" pitchFamily="34" charset="-128"/>
-                <a:sym typeface="Iowan Old Style Roman"/>
-              </a:rPr>
-              <a:t>UniversityStatus</a:t>
-            </a:r>
-            <a:endParaRPr lang="en-US" sz="2000" dirty="0">
-              <a:uFill>
-                <a:solidFill/>
-              </a:uFill>
-              <a:latin typeface="Arial Unicode MS" panose="020B0604020202020204" pitchFamily="34" charset="-128"/>
-              <a:ea typeface="Arial Unicode MS" panose="020B0604020202020204" pitchFamily="34" charset="-128"/>
-              <a:cs typeface="Arial Unicode MS" panose="020B0604020202020204" pitchFamily="34" charset="-128"/>
-              <a:sym typeface="Iowan Old Style Roman"/>
-            </a:endParaRPr>
           </a:p>
         </p:txBody>
       </p:sp>
     </p:spTree>
     <p:extLst>
       <p:ext uri="{BB962C8B-B14F-4D97-AF65-F5344CB8AC3E}">
-        <p14:creationId xmlns:p14="http://schemas.microsoft.com/office/powerpoint/2010/main" val="1806000886"/>
+        <p14:creationId xmlns:p14="http://schemas.microsoft.com/office/powerpoint/2010/main" val="4196161504"/>
       </p:ext>
     </p:extLst>
   </p:cSld>
@@ -8706,7 +9533,13 @@
   <p:cSld>
     <p:spTree>
       <p:nvGrpSpPr>
-        <p:cNvPr id="1" name=""/>
+        <p:cNvPr id="1" name="">
+          <a:extLst>
+            <a:ext uri="{FF2B5EF4-FFF2-40B4-BE49-F238E27FC236}">
+              <a16:creationId xmlns:a16="http://schemas.microsoft.com/office/drawing/2014/main" id="{8E8E8006-2AAC-ABFE-AA28-FAFE6B8F05E1}"/>
+            </a:ext>
+          </a:extLst>
+        </p:cNvPr>
         <p:cNvGrpSpPr/>
         <p:nvPr/>
       </p:nvGrpSpPr>
@@ -8720,14 +9553,20 @@
       </p:grpSpPr>
       <p:sp>
         <p:nvSpPr>
-          <p:cNvPr id="26" name="Shape 26"/>
+          <p:cNvPr id="26" name="Shape 26">
+            <a:extLst>
+              <a:ext uri="{FF2B5EF4-FFF2-40B4-BE49-F238E27FC236}">
+                <a16:creationId xmlns:a16="http://schemas.microsoft.com/office/drawing/2014/main" id="{71D634F2-8830-D2D9-A08E-16499E5E7FAD}"/>
+              </a:ext>
+            </a:extLst>
+          </p:cNvPr>
           <p:cNvSpPr/>
           <p:nvPr/>
         </p:nvSpPr>
         <p:spPr>
           <a:xfrm>
             <a:off x="386308" y="147496"/>
-            <a:ext cx="7757379" cy="553998"/>
+            <a:ext cx="7757379" cy="461665"/>
           </a:xfrm>
           <a:prstGeom prst="rect">
             <a:avLst/>
@@ -8737,7 +9576,7 @@
           </a:ln>
           <a:extLst>
             <a:ext uri="{C572A759-6A51-4108-AA02-DFA0A04FC94B}">
-              <ma14:wrappingTextBoxFlag xmlns:ma14="http://schemas.microsoft.com/office/mac/drawingml/2011/main" xmlns="" val="1"/>
+              <ma14:wrappingTextBoxFlag xmlns="" xmlns:ma14="http://schemas.microsoft.com/office/mac/drawingml/2011/main" val="1"/>
             </a:ext>
           </a:extLst>
         </p:spPr>
@@ -8757,7 +9596,7 @@
             </a:lvl1pPr>
           </a:lstStyle>
           <a:p>
-            <a:pPr lvl="0">
+            <a:pPr>
               <a:defRPr sz="1800" b="0">
                 <a:solidFill>
                   <a:srgbClr val="000000"/>
@@ -8766,51 +9605,48 @@
               </a:defRPr>
             </a:pPr>
             <a:r>
-              <a:rPr sz="3000" b="1" dirty="0">
+              <a:rPr lang="en-US" sz="2400" dirty="0">
                 <a:uFill>
                   <a:solidFill>
                     <a:srgbClr val="FFFFFF"/>
                   </a:solidFill>
                 </a:uFill>
-                <a:latin typeface="Arial Unicode MS" panose="020B0604020202020204" pitchFamily="34" charset="-128"/>
-              </a:rPr>
-              <a:t>The </a:t>
-            </a:r>
-            <a:r>
-              <a:rPr lang="en-US" sz="3000" b="1" dirty="0">
-                <a:uFill>
-                  <a:solidFill>
-                    <a:srgbClr val="FFFFFF"/>
-                  </a:solidFill>
-                </a:uFill>
-                <a:latin typeface="Arial Unicode MS" panose="020B0604020202020204" pitchFamily="34" charset="-128"/>
-              </a:rPr>
-              <a:t>SELECT DISTINCT </a:t>
-            </a:r>
-            <a:r>
-              <a:rPr sz="3000" b="1" dirty="0">
-                <a:uFill>
-                  <a:solidFill>
-                    <a:srgbClr val="FFFFFF"/>
-                  </a:solidFill>
-                </a:uFill>
-                <a:latin typeface="Arial Unicode MS" panose="020B0604020202020204" pitchFamily="34" charset="-128"/>
-              </a:rPr>
-              <a:t>statement</a:t>
-            </a:r>
-          </a:p>
-        </p:txBody>
-      </p:sp>
-      <p:sp>
-        <p:nvSpPr>
-          <p:cNvPr id="27" name="Shape 27"/>
+                <a:latin typeface="Calibri" panose="020F0502020204030204" pitchFamily="34" charset="0"/>
+                <a:ea typeface="Calibri" panose="020F0502020204030204" pitchFamily="34" charset="0"/>
+              </a:rPr>
+              <a:t>Example: </a:t>
+            </a:r>
+            <a:r>
+              <a:rPr lang="en-US" sz="2400" dirty="0">
+                <a:uFill>
+                  <a:solidFill/>
+                </a:uFill>
+                <a:latin typeface="Calibri" panose="020F0502020204030204" pitchFamily="34" charset="0"/>
+                <a:ea typeface="Calibri" panose="020F0502020204030204" pitchFamily="34" charset="0"/>
+                <a:cs typeface="Calibri" panose="020F0502020204030204" pitchFamily="34" charset="0"/>
+                <a:sym typeface="Iowan Old Style Roman"/>
+              </a:rPr>
+              <a:t>Show the first and last names of actors</a:t>
+            </a:r>
+          </a:p>
+        </p:txBody>
+      </p:sp>
+      <p:sp>
+        <p:nvSpPr>
+          <p:cNvPr id="27" name="Shape 27">
+            <a:extLst>
+              <a:ext uri="{FF2B5EF4-FFF2-40B4-BE49-F238E27FC236}">
+                <a16:creationId xmlns:a16="http://schemas.microsoft.com/office/drawing/2014/main" id="{A4F16700-4B3C-829C-F3E3-9DF755CE74DE}"/>
+              </a:ext>
+            </a:extLst>
+          </p:cNvPr>
           <p:cNvSpPr/>
           <p:nvPr/>
         </p:nvSpPr>
         <p:spPr>
           <a:xfrm>
-            <a:off x="0" y="2586989"/>
-            <a:ext cx="9041258" cy="1028487"/>
+            <a:off x="1120506" y="2499904"/>
+            <a:ext cx="7366570" cy="507831"/>
           </a:xfrm>
           <a:prstGeom prst="rect">
             <a:avLst/>
@@ -8820,7 +9656,7 @@
           </a:ln>
           <a:extLst>
             <a:ext uri="{C572A759-6A51-4108-AA02-DFA0A04FC94B}">
-              <ma14:wrappingTextBoxFlag xmlns:ma14="http://schemas.microsoft.com/office/mac/drawingml/2011/main" xmlns="" val="1"/>
+              <ma14:wrappingTextBoxFlag xmlns="" xmlns:ma14="http://schemas.microsoft.com/office/mac/drawingml/2011/main" val="1"/>
             </a:ext>
           </a:extLst>
         </p:spPr>
@@ -8841,162 +9677,58 @@
                 <a:uFillTx/>
               </a:defRPr>
             </a:pPr>
-            <a:r>
-              <a:rPr sz="2600" dirty="0">
-                <a:uFill>
-                  <a:solidFill/>
-                </a:uFill>
-                <a:latin typeface="Arial Unicode MS" panose="020B0604020202020204" pitchFamily="34" charset="-128"/>
-                <a:ea typeface="Arial Unicode MS" panose="020B0604020202020204" pitchFamily="34" charset="-128"/>
-                <a:cs typeface="Arial Unicode MS" panose="020B0604020202020204" pitchFamily="34" charset="-128"/>
-                <a:sym typeface="Iowan Old Style Roman"/>
-              </a:rPr>
-              <a:t>SELECT </a:t>
-            </a:r>
-            <a:r>
-              <a:rPr lang="en-US" sz="2800" b="1" dirty="0">
-                <a:uFill>
-                  <a:solidFill>
-                    <a:srgbClr val="FFFFFF"/>
-                  </a:solidFill>
-                </a:uFill>
-                <a:latin typeface="Arial Unicode MS" panose="020B0604020202020204" pitchFamily="34" charset="-128"/>
-              </a:rPr>
-              <a:t>DISTINCT </a:t>
-            </a:r>
-            <a:r>
-              <a:rPr sz="2600" dirty="0">
-                <a:uFill>
-                  <a:solidFill/>
-                </a:uFill>
-                <a:latin typeface="Arial Unicode MS" panose="020B0604020202020204" pitchFamily="34" charset="-128"/>
-                <a:ea typeface="Arial Unicode MS" panose="020B0604020202020204" pitchFamily="34" charset="-128"/>
-                <a:cs typeface="Arial Unicode MS" panose="020B0604020202020204" pitchFamily="34" charset="-128"/>
-                <a:sym typeface="Iowan Old Style Roman"/>
-              </a:rPr>
-              <a:t>	A</a:t>
-            </a:r>
-            <a:r>
-              <a:rPr sz="2600" baseline="-5999" dirty="0">
-                <a:uFill>
-                  <a:solidFill/>
-                </a:uFill>
-                <a:latin typeface="Arial Unicode MS" panose="020B0604020202020204" pitchFamily="34" charset="-128"/>
-                <a:ea typeface="Arial Unicode MS" panose="020B0604020202020204" pitchFamily="34" charset="-128"/>
-                <a:cs typeface="Arial Unicode MS" panose="020B0604020202020204" pitchFamily="34" charset="-128"/>
-                <a:sym typeface="Iowan Old Style Roman"/>
-              </a:rPr>
-              <a:t>1</a:t>
-            </a:r>
-            <a:r>
-              <a:rPr lang="en-US" sz="2600" baseline="-5999" dirty="0">
-                <a:uFill>
-                  <a:solidFill/>
-                </a:uFill>
-                <a:latin typeface="Arial Unicode MS" panose="020B0604020202020204" pitchFamily="34" charset="-128"/>
-                <a:ea typeface="Arial Unicode MS" panose="020B0604020202020204" pitchFamily="34" charset="-128"/>
-                <a:cs typeface="Arial Unicode MS" panose="020B0604020202020204" pitchFamily="34" charset="-128"/>
-                <a:sym typeface="Iowan Old Style Roman"/>
-              </a:rPr>
-              <a:t> </a:t>
-            </a:r>
-            <a:r>
-              <a:rPr sz="2600" baseline="-5999" dirty="0">
-                <a:uFill>
-                  <a:solidFill/>
-                </a:uFill>
-                <a:latin typeface="Arial Unicode MS" panose="020B0604020202020204" pitchFamily="34" charset="-128"/>
-                <a:ea typeface="Arial Unicode MS" panose="020B0604020202020204" pitchFamily="34" charset="-128"/>
-                <a:cs typeface="Arial Unicode MS" panose="020B0604020202020204" pitchFamily="34" charset="-128"/>
-                <a:sym typeface="Iowan Old Style Roman"/>
-              </a:rPr>
-              <a:t>, </a:t>
-            </a:r>
-            <a:r>
-              <a:rPr sz="2600" dirty="0">
-                <a:uFill>
-                  <a:solidFill/>
-                </a:uFill>
-                <a:latin typeface="Arial Unicode MS" panose="020B0604020202020204" pitchFamily="34" charset="-128"/>
-                <a:ea typeface="Arial Unicode MS" panose="020B0604020202020204" pitchFamily="34" charset="-128"/>
-                <a:cs typeface="Arial Unicode MS" panose="020B0604020202020204" pitchFamily="34" charset="-128"/>
-                <a:sym typeface="Iowan Old Style Roman"/>
-              </a:rPr>
-              <a:t>A</a:t>
-            </a:r>
-            <a:r>
-              <a:rPr sz="2600" baseline="-5999" dirty="0">
-                <a:uFill>
-                  <a:solidFill/>
-                </a:uFill>
-                <a:latin typeface="Arial Unicode MS" panose="020B0604020202020204" pitchFamily="34" charset="-128"/>
-                <a:ea typeface="Arial Unicode MS" panose="020B0604020202020204" pitchFamily="34" charset="-128"/>
-                <a:cs typeface="Arial Unicode MS" panose="020B0604020202020204" pitchFamily="34" charset="-128"/>
-                <a:sym typeface="Iowan Old Style Roman"/>
-              </a:rPr>
-              <a:t>2, </a:t>
-            </a:r>
-            <a:r>
-              <a:rPr sz="2600" dirty="0">
-                <a:uFill>
-                  <a:solidFill/>
-                </a:uFill>
-                <a:latin typeface="Arial Unicode MS" panose="020B0604020202020204" pitchFamily="34" charset="-128"/>
-                <a:ea typeface="Arial Unicode MS" panose="020B0604020202020204" pitchFamily="34" charset="-128"/>
-                <a:cs typeface="Arial Unicode MS" panose="020B0604020202020204" pitchFamily="34" charset="-128"/>
-                <a:sym typeface="Iowan Old Style Roman"/>
-              </a:rPr>
-              <a:t>A</a:t>
-            </a:r>
-            <a:r>
-              <a:rPr sz="2600" baseline="-5999" dirty="0">
-                <a:uFill>
-                  <a:solidFill/>
-                </a:uFill>
-                <a:latin typeface="Arial Unicode MS" panose="020B0604020202020204" pitchFamily="34" charset="-128"/>
-                <a:ea typeface="Arial Unicode MS" panose="020B0604020202020204" pitchFamily="34" charset="-128"/>
-                <a:cs typeface="Arial Unicode MS" panose="020B0604020202020204" pitchFamily="34" charset="-128"/>
-                <a:sym typeface="Iowan Old Style Roman"/>
-              </a:rPr>
-              <a:t>3, …, </a:t>
-            </a:r>
-            <a:r>
-              <a:rPr sz="2600" dirty="0">
-                <a:uFill>
-                  <a:solidFill/>
-                </a:uFill>
-                <a:latin typeface="Arial Unicode MS" panose="020B0604020202020204" pitchFamily="34" charset="-128"/>
-                <a:ea typeface="Arial Unicode MS" panose="020B0604020202020204" pitchFamily="34" charset="-128"/>
-                <a:cs typeface="Arial Unicode MS" panose="020B0604020202020204" pitchFamily="34" charset="-128"/>
-                <a:sym typeface="Iowan Old Style Roman"/>
-              </a:rPr>
-              <a:t>A</a:t>
-            </a:r>
-            <a:r>
-              <a:rPr sz="2600" baseline="-5999" dirty="0">
-                <a:uFill>
-                  <a:solidFill/>
-                </a:uFill>
-                <a:latin typeface="Arial Unicode MS" panose="020B0604020202020204" pitchFamily="34" charset="-128"/>
-                <a:ea typeface="Arial Unicode MS" panose="020B0604020202020204" pitchFamily="34" charset="-128"/>
-                <a:cs typeface="Arial Unicode MS" panose="020B0604020202020204" pitchFamily="34" charset="-128"/>
-                <a:sym typeface="Iowan Old Style Roman"/>
-              </a:rPr>
-              <a:t>n</a:t>
-            </a:r>
-            <a:r>
-              <a:rPr sz="2700" baseline="-5999" dirty="0">
-                <a:uFill>
-                  <a:solidFill/>
-                </a:uFill>
-                <a:latin typeface="Arial Unicode MS" panose="020B0604020202020204" pitchFamily="34" charset="-128"/>
-                <a:ea typeface="Arial Unicode MS" panose="020B0604020202020204" pitchFamily="34" charset="-128"/>
-                <a:cs typeface="Arial Unicode MS" panose="020B0604020202020204" pitchFamily="34" charset="-128"/>
-                <a:sym typeface="Iowan Old Style Roman"/>
-              </a:rPr>
-              <a:t> </a:t>
-            </a:r>
-          </a:p>
+            <a:endParaRPr sz="2700" dirty="0">
+              <a:uFill>
+                <a:solidFill/>
+              </a:uFill>
+              <a:latin typeface="Consolas" panose="020B0609020204030204" pitchFamily="49" charset="0"/>
+              <a:ea typeface="Calibri" panose="020F0502020204030204" pitchFamily="34" charset="0"/>
+              <a:cs typeface="Calibri" panose="020F0502020204030204" pitchFamily="34" charset="0"/>
+              <a:sym typeface="Iowan Old Style Roman"/>
+            </a:endParaRPr>
+          </a:p>
+        </p:txBody>
+      </p:sp>
+      <p:sp>
+        <p:nvSpPr>
+          <p:cNvPr id="2" name="Rectangle 1">
+            <a:extLst>
+              <a:ext uri="{FF2B5EF4-FFF2-40B4-BE49-F238E27FC236}">
+                <a16:creationId xmlns:a16="http://schemas.microsoft.com/office/drawing/2014/main" id="{D5D9E4CB-46AC-3178-ADC8-387D54D861CE}"/>
+              </a:ext>
+            </a:extLst>
+          </p:cNvPr>
+          <p:cNvSpPr/>
+          <p:nvPr/>
+        </p:nvSpPr>
+        <p:spPr>
+          <a:xfrm>
+            <a:off x="805720" y="2331720"/>
+            <a:ext cx="7772400" cy="2194560"/>
+          </a:xfrm>
+          <a:prstGeom prst="rect">
+            <a:avLst/>
+          </a:prstGeom>
+          <a:solidFill>
+            <a:srgbClr val="F9F9F9"/>
+          </a:solidFill>
+          <a:ln w="9525" cap="flat" cmpd="sng" algn="ctr">
+            <a:solidFill>
+              <a:srgbClr val="DCDCDC"/>
+            </a:solidFill>
+            <a:prstDash val="solid"/>
+          </a:ln>
+          <a:effectLst>
+            <a:outerShdw blurRad="40000" dist="23000" dir="5400000" rotWithShape="0">
+              <a:srgbClr val="000000">
+                <a:alpha val="35000"/>
+              </a:srgbClr>
+            </a:outerShdw>
+          </a:effectLst>
+        </p:spPr>
+        <p:txBody>
+          <a:bodyPr wrap="square" rtlCol="0" anchor="ctr"/>
+          <a:lstStyle/>
           <a:p>
             <a:pPr lvl="0">
               <a:spcBef>
@@ -9010,42 +9742,136 @@
               </a:defRPr>
             </a:pPr>
             <a:r>
-              <a:rPr sz="2700" dirty="0">
-                <a:uFill>
-                  <a:solidFill/>
-                </a:uFill>
-                <a:latin typeface="Arial Unicode MS" panose="020B0604020202020204" pitchFamily="34" charset="-128"/>
-                <a:ea typeface="Arial Unicode MS" panose="020B0604020202020204" pitchFamily="34" charset="-128"/>
-                <a:cs typeface="Arial Unicode MS" panose="020B0604020202020204" pitchFamily="34" charset="-128"/>
-                <a:sym typeface="Iowan Old Style Roman"/>
-              </a:rPr>
-              <a:t>FROM 	</a:t>
-            </a:r>
-            <a:r>
-              <a:rPr lang="en-US" sz="2700" dirty="0">
-                <a:uFill>
-                  <a:solidFill/>
-                </a:uFill>
-                <a:latin typeface="Arial Unicode MS" panose="020B0604020202020204" pitchFamily="34" charset="-128"/>
-                <a:ea typeface="Arial Unicode MS" panose="020B0604020202020204" pitchFamily="34" charset="-128"/>
-                <a:cs typeface="Arial Unicode MS" panose="020B0604020202020204" pitchFamily="34" charset="-128"/>
-                <a:sym typeface="Iowan Old Style Roman"/>
-              </a:rPr>
-              <a:t>		</a:t>
-            </a:r>
-            <a:r>
-              <a:rPr lang="en-US" sz="2700" dirty="0" err="1">
-                <a:uFill>
-                  <a:solidFill/>
-                </a:uFill>
-                <a:latin typeface="Arial Unicode MS" panose="020B0604020202020204" pitchFamily="34" charset="-128"/>
-                <a:ea typeface="Arial Unicode MS" panose="020B0604020202020204" pitchFamily="34" charset="-128"/>
-                <a:cs typeface="Arial Unicode MS" panose="020B0604020202020204" pitchFamily="34" charset="-128"/>
-                <a:sym typeface="Iowan Old Style Roman"/>
-              </a:rPr>
-              <a:t>TableName</a:t>
-            </a:r>
-            <a:endParaRPr sz="2700" dirty="0">
+              <a:rPr lang="en-US" sz="2400" b="1" dirty="0">
+                <a:uFill>
+                  <a:solidFill/>
+                </a:uFill>
+                <a:latin typeface="Consolas" panose="020B0609020204030204" pitchFamily="49" charset="0"/>
+                <a:ea typeface="Calibri" panose="020F0502020204030204" pitchFamily="34" charset="0"/>
+                <a:cs typeface="Calibri" panose="020F0502020204030204" pitchFamily="34" charset="0"/>
+                <a:sym typeface="Iowan Old Style Roman"/>
+              </a:rPr>
+              <a:t>SELECT</a:t>
+            </a:r>
+            <a:r>
+              <a:rPr lang="en-US" sz="2400" dirty="0">
+                <a:uFill>
+                  <a:solidFill/>
+                </a:uFill>
+                <a:latin typeface="Consolas" panose="020B0609020204030204" pitchFamily="49" charset="0"/>
+                <a:ea typeface="Calibri" panose="020F0502020204030204" pitchFamily="34" charset="0"/>
+                <a:cs typeface="Calibri" panose="020F0502020204030204" pitchFamily="34" charset="0"/>
+                <a:sym typeface="Iowan Old Style Roman"/>
+              </a:rPr>
+              <a:t> </a:t>
+            </a:r>
+            <a:r>
+              <a:rPr lang="en-US" sz="2400" dirty="0" err="1">
+                <a:uFill>
+                  <a:solidFill/>
+                </a:uFill>
+                <a:latin typeface="Consolas" panose="020B0609020204030204" pitchFamily="49" charset="0"/>
+                <a:ea typeface="Calibri" panose="020F0502020204030204" pitchFamily="34" charset="0"/>
+                <a:cs typeface="Calibri" panose="020F0502020204030204" pitchFamily="34" charset="0"/>
+                <a:sym typeface="Iowan Old Style Roman"/>
+              </a:rPr>
+              <a:t>first_name</a:t>
+            </a:r>
+            <a:r>
+              <a:rPr lang="en-US" sz="2400" dirty="0">
+                <a:uFill>
+                  <a:solidFill/>
+                </a:uFill>
+                <a:latin typeface="Consolas" panose="020B0609020204030204" pitchFamily="49" charset="0"/>
+                <a:ea typeface="Calibri" panose="020F0502020204030204" pitchFamily="34" charset="0"/>
+                <a:cs typeface="Calibri" panose="020F0502020204030204" pitchFamily="34" charset="0"/>
+                <a:sym typeface="Iowan Old Style Roman"/>
+              </a:rPr>
+              <a:t>, </a:t>
+            </a:r>
+            <a:r>
+              <a:rPr lang="en-US" sz="2400" dirty="0" err="1">
+                <a:uFill>
+                  <a:solidFill/>
+                </a:uFill>
+                <a:latin typeface="Consolas" panose="020B0609020204030204" pitchFamily="49" charset="0"/>
+                <a:ea typeface="Calibri" panose="020F0502020204030204" pitchFamily="34" charset="0"/>
+                <a:cs typeface="Calibri" panose="020F0502020204030204" pitchFamily="34" charset="0"/>
+                <a:sym typeface="Iowan Old Style Roman"/>
+              </a:rPr>
+              <a:t>last_name</a:t>
+            </a:r>
+            <a:endParaRPr lang="en-US" sz="2400" baseline="-5999" dirty="0">
+              <a:uFill>
+                <a:solidFill/>
+              </a:uFill>
+              <a:latin typeface="Consolas" panose="020B0609020204030204" pitchFamily="49" charset="0"/>
+              <a:ea typeface="Calibri" panose="020F0502020204030204" pitchFamily="34" charset="0"/>
+              <a:cs typeface="Calibri" panose="020F0502020204030204" pitchFamily="34" charset="0"/>
+              <a:sym typeface="Iowan Old Style Roman"/>
+            </a:endParaRPr>
+          </a:p>
+          <a:p>
+            <a:pPr lvl="0">
+              <a:spcBef>
+                <a:spcPts val="700"/>
+              </a:spcBef>
+              <a:defRPr sz="1800">
+                <a:solidFill>
+                  <a:srgbClr val="000000"/>
+                </a:solidFill>
+                <a:uFillTx/>
+              </a:defRPr>
+            </a:pPr>
+            <a:r>
+              <a:rPr lang="en-US" sz="2400" b="1" dirty="0">
+                <a:uFill>
+                  <a:solidFill/>
+                </a:uFill>
+                <a:latin typeface="Consolas" panose="020B0609020204030204" pitchFamily="49" charset="0"/>
+                <a:ea typeface="Calibri" panose="020F0502020204030204" pitchFamily="34" charset="0"/>
+                <a:cs typeface="Calibri" panose="020F0502020204030204" pitchFamily="34" charset="0"/>
+                <a:sym typeface="Iowan Old Style Roman"/>
+              </a:rPr>
+              <a:t>FROM</a:t>
+            </a:r>
+            <a:r>
+              <a:rPr lang="en-US" sz="2400" dirty="0">
+                <a:uFill>
+                  <a:solidFill/>
+                </a:uFill>
+                <a:latin typeface="Consolas" panose="020B0609020204030204" pitchFamily="49" charset="0"/>
+                <a:ea typeface="Calibri" panose="020F0502020204030204" pitchFamily="34" charset="0"/>
+                <a:cs typeface="Calibri" panose="020F0502020204030204" pitchFamily="34" charset="0"/>
+                <a:sym typeface="Iowan Old Style Roman"/>
+              </a:rPr>
+              <a:t> </a:t>
+            </a:r>
+            <a:r>
+              <a:rPr lang="en-US" sz="2400" dirty="0" err="1">
+                <a:uFill>
+                  <a:solidFill/>
+                </a:uFill>
+                <a:latin typeface="Consolas" panose="020B0609020204030204" pitchFamily="49" charset="0"/>
+                <a:ea typeface="Calibri" panose="020F0502020204030204" pitchFamily="34" charset="0"/>
+                <a:cs typeface="Calibri" panose="020F0502020204030204" pitchFamily="34" charset="0"/>
+                <a:sym typeface="Iowan Old Style Roman"/>
+              </a:rPr>
+              <a:t>nyu-datasets.imdb.actors</a:t>
+            </a:r>
+            <a:r>
+              <a:rPr lang="en-US" sz="2400" i="1" dirty="0">
+                <a:uFill>
+                  <a:solidFill/>
+                </a:uFill>
+                <a:latin typeface="Consolas" panose="020B0609020204030204" pitchFamily="49" charset="0"/>
+                <a:ea typeface="Calibri" panose="020F0502020204030204" pitchFamily="34" charset="0"/>
+                <a:cs typeface="Calibri" panose="020F0502020204030204" pitchFamily="34" charset="0"/>
+                <a:sym typeface="Iowan Old Style Roman"/>
+              </a:rPr>
+              <a:t>;</a:t>
+            </a:r>
+            <a:endParaRPr lang="en-US" sz="2400" i="1" dirty="0">
               <a:solidFill>
                 <a:schemeClr val="bg1">
                   <a:lumMod val="85000"/>
@@ -9054,71 +9880,10 @@
               <a:uFill>
                 <a:solidFill/>
               </a:uFill>
-              <a:latin typeface="Arial Unicode MS" panose="020B0604020202020204" pitchFamily="34" charset="-128"/>
-              <a:ea typeface="Arial Unicode MS" panose="020B0604020202020204" pitchFamily="34" charset="-128"/>
-              <a:cs typeface="Arial Unicode MS" panose="020B0604020202020204" pitchFamily="34" charset="-128"/>
+              <a:latin typeface="Consolas" panose="020B0609020204030204" pitchFamily="49" charset="0"/>
+              <a:ea typeface="Calibri" panose="020F0502020204030204" pitchFamily="34" charset="0"/>
+              <a:cs typeface="Calibri" panose="020F0502020204030204" pitchFamily="34" charset="0"/>
               <a:sym typeface="Iowan Old Style Roman"/>
-            </a:endParaRPr>
-          </a:p>
-        </p:txBody>
-      </p:sp>
-      <p:sp>
-        <p:nvSpPr>
-          <p:cNvPr id="37" name="Shape 37"/>
-          <p:cNvSpPr/>
-          <p:nvPr/>
-        </p:nvSpPr>
-        <p:spPr>
-          <a:xfrm>
-            <a:off x="478527" y="1388364"/>
-            <a:ext cx="7816614" cy="338554"/>
-          </a:xfrm>
-          <a:prstGeom prst="rect">
-            <a:avLst/>
-          </a:prstGeom>
-          <a:ln w="12700">
-            <a:miter lim="400000"/>
-          </a:ln>
-          <a:extLst>
-            <a:ext uri="{C572A759-6A51-4108-AA02-DFA0A04FC94B}">
-              <ma14:wrappingTextBoxFlag xmlns:ma14="http://schemas.microsoft.com/office/mac/drawingml/2011/main" xmlns="" val="1"/>
-            </a:ext>
-          </a:extLst>
-        </p:spPr>
-        <p:txBody>
-          <a:bodyPr lIns="0" tIns="0" rIns="0" bIns="0">
-            <a:spAutoFit/>
-          </a:bodyPr>
-          <a:lstStyle/>
-          <a:p>
-            <a:pPr lvl="0" algn="ctr">
-              <a:defRPr sz="1800">
-                <a:solidFill>
-                  <a:srgbClr val="000000"/>
-                </a:solidFill>
-                <a:uFillTx/>
-              </a:defRPr>
-            </a:pPr>
-            <a:r>
-              <a:rPr lang="en-US" sz="2200" dirty="0">
-                <a:uFill>
-                  <a:solidFill/>
-                </a:uFill>
-                <a:latin typeface="Arial Unicode MS" panose="020B0604020202020204" pitchFamily="34" charset="-128"/>
-                <a:ea typeface="+mn-ea"/>
-                <a:cs typeface="+mn-cs"/>
-                <a:sym typeface="Arial"/>
-              </a:rPr>
-              <a:t>Used to eliminate duplicates in the results.</a:t>
-            </a:r>
-            <a:endParaRPr sz="2200" dirty="0">
-              <a:uFill>
-                <a:solidFill/>
-              </a:uFill>
-              <a:latin typeface="Arial Unicode MS" panose="020B0604020202020204" pitchFamily="34" charset="-128"/>
-              <a:ea typeface="+mn-ea"/>
-              <a:cs typeface="+mn-cs"/>
-              <a:sym typeface="Arial"/>
             </a:endParaRPr>
           </a:p>
         </p:txBody>
@@ -9126,7 +9891,7 @@
     </p:spTree>
     <p:extLst>
       <p:ext uri="{BB962C8B-B14F-4D97-AF65-F5344CB8AC3E}">
-        <p14:creationId xmlns:p14="http://schemas.microsoft.com/office/powerpoint/2010/main" val="516049513"/>
+        <p14:creationId xmlns:p14="http://schemas.microsoft.com/office/powerpoint/2010/main" val="3606128709"/>
       </p:ext>
     </p:extLst>
   </p:cSld>
@@ -9134,91 +9899,6 @@
     <a:masterClrMapping/>
   </p:clrMapOvr>
   <p:transition spd="med"/>
-  <p:timing>
-    <p:tnLst>
-      <p:par>
-        <p:cTn id="1" dur="indefinite" restart="never" fill="hold" nodeType="tmRoot">
-          <p:childTnLst>
-            <p:seq concurrent="1" prevAc="none" nextAc="seek">
-              <p:cTn id="2" dur="indefinite" fill="hold" nodeType="mainSeq">
-                <p:childTnLst>
-                  <p:par>
-                    <p:cTn id="3" fill="hold">
-                      <p:stCondLst>
-                        <p:cond delay="indefinite"/>
-                      </p:stCondLst>
-                      <p:childTnLst>
-                        <p:par>
-                          <p:cTn id="4" fill="hold">
-                            <p:stCondLst>
-                              <p:cond delay="0"/>
-                            </p:stCondLst>
-                            <p:childTnLst>
-                              <p:par>
-                                <p:cTn id="5" presetID="9" presetClass="entr" presetSubtype="16" fill="hold" grpId="0" nodeType="clickEffect">
-                                  <p:stCondLst>
-                                    <p:cond delay="0"/>
-                                  </p:stCondLst>
-                                  <p:iterate>
-                                    <p:tmAbs val="0"/>
-                                  </p:iterate>
-                                  <p:childTnLst>
-                                    <p:set>
-                                      <p:cBhvr>
-                                        <p:cTn id="6" fill="hold"/>
-                                        <p:tgtEl>
-                                          <p:spTgt spid="37"/>
-                                        </p:tgtEl>
-                                        <p:attrNameLst>
-                                          <p:attrName>style.visibility</p:attrName>
-                                        </p:attrNameLst>
-                                      </p:cBhvr>
-                                      <p:to>
-                                        <p:strVal val="visible"/>
-                                      </p:to>
-                                    </p:set>
-                                    <p:animEffect transition="in" filter="dissolve(in)">
-                                      <p:cBhvr>
-                                        <p:cTn id="7" dur="750"/>
-                                        <p:tgtEl>
-                                          <p:spTgt spid="37"/>
-                                        </p:tgtEl>
-                                      </p:cBhvr>
-                                    </p:animEffect>
-                                  </p:childTnLst>
-                                </p:cTn>
-                              </p:par>
-                            </p:childTnLst>
-                          </p:cTn>
-                        </p:par>
-                      </p:childTnLst>
-                    </p:cTn>
-                  </p:par>
-                </p:childTnLst>
-              </p:cTn>
-              <p:prevCondLst>
-                <p:cond evt="onPrev" delay="0">
-                  <p:tgtEl>
-                    <p:sldTgt/>
-                  </p:tgtEl>
-                </p:cond>
-              </p:prevCondLst>
-              <p:nextCondLst>
-                <p:cond evt="onNext" delay="0">
-                  <p:tgtEl>
-                    <p:sldTgt/>
-                  </p:tgtEl>
-                </p:cond>
-              </p:nextCondLst>
-            </p:seq>
-          </p:childTnLst>
-        </p:cTn>
-      </p:par>
-    </p:tnLst>
-    <p:bldLst>
-      <p:bldP spid="37" grpId="0" animBg="1" advAuto="0"/>
-    </p:bldLst>
-  </p:timing>
 </p:sld>
 </file>
 

--- a/session2/B-SQL_Selection_Queries.pptx
+++ b/session2/B-SQL_Selection_Queries.pptx
@@ -320,7 +320,7 @@
             <a:fld id="{0F6AC800-BF99-41BB-8DE5-8FC7E09D6C23}" type="datetimeFigureOut">
               <a:rPr lang="en-US" smtClean="0"/>
               <a:pPr/>
-              <a:t>9/10/2025</a:t>
+              <a:t>9/17/2025</a:t>
             </a:fld>
             <a:endParaRPr lang="en-US" dirty="0"/>
           </a:p>
@@ -724,7 +724,7 @@
           <a:p>
             <a:fld id="{5F4C8C79-FAFE-4D56-A4D5-361B65C3B3FA}" type="datetimeFigureOut">
               <a:rPr lang="en-US" smtClean="0"/>
-              <a:t>9/10/2025</a:t>
+              <a:t>9/17/2025</a:t>
             </a:fld>
             <a:endParaRPr lang="en-US"/>
           </a:p>
@@ -894,7 +894,7 @@
           <a:p>
             <a:fld id="{5F4C8C79-FAFE-4D56-A4D5-361B65C3B3FA}" type="datetimeFigureOut">
               <a:rPr lang="en-US" smtClean="0"/>
-              <a:t>9/10/2025</a:t>
+              <a:t>9/17/2025</a:t>
             </a:fld>
             <a:endParaRPr lang="en-US"/>
           </a:p>
@@ -1074,7 +1074,7 @@
           <a:p>
             <a:fld id="{5F4C8C79-FAFE-4D56-A4D5-361B65C3B3FA}" type="datetimeFigureOut">
               <a:rPr lang="en-US" smtClean="0"/>
-              <a:t>9/10/2025</a:t>
+              <a:t>9/17/2025</a:t>
             </a:fld>
             <a:endParaRPr lang="en-US"/>
           </a:p>
@@ -1275,7 +1275,7 @@
           <a:p>
             <a:fld id="{5F4C8C79-FAFE-4D56-A4D5-361B65C3B3FA}" type="datetimeFigureOut">
               <a:rPr lang="en-US" smtClean="0"/>
-              <a:t>9/10/2025</a:t>
+              <a:t>9/17/2025</a:t>
             </a:fld>
             <a:endParaRPr lang="en-US"/>
           </a:p>
@@ -1519,7 +1519,7 @@
           <a:p>
             <a:fld id="{5F4C8C79-FAFE-4D56-A4D5-361B65C3B3FA}" type="datetimeFigureOut">
               <a:rPr lang="en-US" smtClean="0"/>
-              <a:t>9/10/2025</a:t>
+              <a:t>9/17/2025</a:t>
             </a:fld>
             <a:endParaRPr lang="en-US"/>
           </a:p>
@@ -1751,7 +1751,7 @@
           <a:p>
             <a:fld id="{5F4C8C79-FAFE-4D56-A4D5-361B65C3B3FA}" type="datetimeFigureOut">
               <a:rPr lang="en-US" smtClean="0"/>
-              <a:t>9/10/2025</a:t>
+              <a:t>9/17/2025</a:t>
             </a:fld>
             <a:endParaRPr lang="en-US"/>
           </a:p>
@@ -2118,7 +2118,7 @@
           <a:p>
             <a:fld id="{5F4C8C79-FAFE-4D56-A4D5-361B65C3B3FA}" type="datetimeFigureOut">
               <a:rPr lang="en-US" smtClean="0"/>
-              <a:t>9/10/2025</a:t>
+              <a:t>9/17/2025</a:t>
             </a:fld>
             <a:endParaRPr lang="en-US"/>
           </a:p>
@@ -2236,7 +2236,7 @@
           <a:p>
             <a:fld id="{5F4C8C79-FAFE-4D56-A4D5-361B65C3B3FA}" type="datetimeFigureOut">
               <a:rPr lang="en-US" smtClean="0"/>
-              <a:t>9/10/2025</a:t>
+              <a:t>9/17/2025</a:t>
             </a:fld>
             <a:endParaRPr lang="en-US"/>
           </a:p>
@@ -2331,7 +2331,7 @@
           <a:p>
             <a:fld id="{5F4C8C79-FAFE-4D56-A4D5-361B65C3B3FA}" type="datetimeFigureOut">
               <a:rPr lang="en-US" smtClean="0"/>
-              <a:t>9/10/2025</a:t>
+              <a:t>9/17/2025</a:t>
             </a:fld>
             <a:endParaRPr lang="en-US"/>
           </a:p>
@@ -2608,7 +2608,7 @@
           <a:p>
             <a:fld id="{5F4C8C79-FAFE-4D56-A4D5-361B65C3B3FA}" type="datetimeFigureOut">
               <a:rPr lang="en-US" smtClean="0"/>
-              <a:t>9/10/2025</a:t>
+              <a:t>9/17/2025</a:t>
             </a:fld>
             <a:endParaRPr lang="en-US"/>
           </a:p>
@@ -2865,7 +2865,7 @@
           <a:p>
             <a:fld id="{5F4C8C79-FAFE-4D56-A4D5-361B65C3B3FA}" type="datetimeFigureOut">
               <a:rPr lang="en-US" smtClean="0"/>
-              <a:t>9/10/2025</a:t>
+              <a:t>9/17/2025</a:t>
             </a:fld>
             <a:endParaRPr lang="en-US"/>
           </a:p>
@@ -3078,7 +3078,7 @@
             <a:fld id="{5F4C8C79-FAFE-4D56-A4D5-361B65C3B3FA}" type="datetimeFigureOut">
               <a:rPr lang="en-US" smtClean="0"/>
               <a:pPr/>
-              <a:t>9/10/2025</a:t>
+              <a:t>9/17/2025</a:t>
             </a:fld>
             <a:endParaRPr lang="en-US" dirty="0"/>
           </a:p>
@@ -5379,7 +5379,7 @@
         <p:spPr>
           <a:xfrm>
             <a:off x="179798" y="1324179"/>
-            <a:ext cx="8794678" cy="4773102"/>
+            <a:ext cx="8794678" cy="4375557"/>
           </a:xfrm>
           <a:prstGeom prst="rect">
             <a:avLst/>
@@ -5643,6 +5643,18 @@
               </a:defRPr>
             </a:pPr>
             <a:r>
+              <a:rPr lang="en-US" sz="2000">
+                <a:uFill>
+                  <a:solidFill/>
+                </a:uFill>
+                <a:latin typeface="Calibri" panose="020F0502020204030204" pitchFamily="34" charset="0"/>
+                <a:ea typeface="Calibri" panose="020F0502020204030204" pitchFamily="34" charset="0"/>
+                <a:cs typeface="Calibri" panose="020F0502020204030204" pitchFamily="34" charset="0"/>
+                <a:sym typeface="Iowan Old Style Roman"/>
+              </a:rPr>
+              <a:t>Find </a:t>
+            </a:r>
+            <a:r>
               <a:rPr lang="en-US" sz="2000" dirty="0">
                 <a:uFill>
                   <a:solidFill/>
@@ -5652,59 +5664,7 @@
                 <a:cs typeface="Calibri" panose="020F0502020204030204" pitchFamily="34" charset="0"/>
                 <a:sym typeface="Iowan Old Style Roman"/>
               </a:rPr>
-              <a:t>Find what students are “</a:t>
-            </a:r>
-            <a:r>
-              <a:rPr lang="en-US" sz="2000" dirty="0" err="1">
-                <a:uFill>
-                  <a:solidFill/>
-                </a:uFill>
-                <a:latin typeface="Calibri" panose="020F0502020204030204" pitchFamily="34" charset="0"/>
-                <a:ea typeface="Calibri" panose="020F0502020204030204" pitchFamily="34" charset="0"/>
-                <a:cs typeface="Calibri" panose="020F0502020204030204" pitchFamily="34" charset="0"/>
-                <a:sym typeface="Iowan Old Style Roman"/>
-              </a:rPr>
-              <a:t>LookingFor</a:t>
-            </a:r>
-            <a:r>
-              <a:rPr lang="en-US" sz="2000" dirty="0">
-                <a:uFill>
-                  <a:solidFill/>
-                </a:uFill>
-                <a:latin typeface="Calibri" panose="020F0502020204030204" pitchFamily="34" charset="0"/>
-                <a:ea typeface="Calibri" panose="020F0502020204030204" pitchFamily="34" charset="0"/>
-                <a:cs typeface="Calibri" panose="020F0502020204030204" pitchFamily="34" charset="0"/>
-                <a:sym typeface="Iowan Old Style Roman"/>
-              </a:rPr>
-              <a:t>”</a:t>
-            </a:r>
-          </a:p>
-          <a:p>
-            <a:pPr marL="457200" indent="-457200">
-              <a:spcBef>
-                <a:spcPts val="700"/>
-              </a:spcBef>
-              <a:buSzPct val="100000"/>
-              <a:buFont typeface="+mj-lt"/>
-              <a:buAutoNum type="arabicPeriod"/>
-              <a:defRPr sz="1800">
-                <a:solidFill>
-                  <a:srgbClr val="000000"/>
-                </a:solidFill>
-                <a:uFillTx/>
-              </a:defRPr>
-            </a:pPr>
-            <a:r>
-              <a:rPr lang="en-US" sz="2000" dirty="0">
-                <a:uFill>
-                  <a:solidFill/>
-                </a:uFill>
-                <a:latin typeface="Calibri" panose="020F0502020204030204" pitchFamily="34" charset="0"/>
-                <a:ea typeface="Calibri" panose="020F0502020204030204" pitchFamily="34" charset="0"/>
-                <a:cs typeface="Calibri" panose="020F0502020204030204" pitchFamily="34" charset="0"/>
-                <a:sym typeface="Iowan Old Style Roman"/>
-              </a:rPr>
-              <a:t>Find all possible “Relationship” statuses</a:t>
+              <a:t>all possible “Relationship” statuses</a:t>
             </a:r>
           </a:p>
           <a:p>
